--- a/Wine quality classification using Artificial Neural Network.pptx
+++ b/Wine quality classification using Artificial Neural Network.pptx
@@ -5,7 +5,7 @@
     <p:sldMasterId id="2147483648" r:id="rId1"/>
   </p:sldMasterIdLst>
   <p:notesMasterIdLst>
-    <p:notesMasterId r:id="rId14"/>
+    <p:notesMasterId r:id="rId13"/>
   </p:notesMasterIdLst>
   <p:sldIdLst>
     <p:sldId id="256" r:id="rId2"/>
@@ -17,9 +17,8 @@
     <p:sldId id="269" r:id="rId8"/>
     <p:sldId id="270" r:id="rId9"/>
     <p:sldId id="271" r:id="rId10"/>
-    <p:sldId id="272" r:id="rId11"/>
-    <p:sldId id="261" r:id="rId12"/>
-    <p:sldId id="262" r:id="rId13"/>
+    <p:sldId id="273" r:id="rId11"/>
+    <p:sldId id="272" r:id="rId12"/>
   </p:sldIdLst>
   <p:sldSz cx="12192000" cy="6858000"/>
   <p:notesSz cx="6858000" cy="9144000"/>
@@ -1989,11 +1988,17 @@
         <a:p>
           <a:r>
             <a:rPr lang="pl-PL" sz="4000" b="1" dirty="0">
+              <a:solidFill>
+                <a:srgbClr val="FFFF00"/>
+              </a:solidFill>
               <a:latin typeface="+mj-lt"/>
             </a:rPr>
             <a:t>BUILD &amp; TEST</a:t>
           </a:r>
           <a:endParaRPr lang="en-GB" sz="4000" b="1" dirty="0">
+            <a:solidFill>
+              <a:srgbClr val="FFFF00"/>
+            </a:solidFill>
             <a:latin typeface="+mj-lt"/>
           </a:endParaRPr>
         </a:p>
@@ -2096,11 +2101,17 @@
         <a:p>
           <a:r>
             <a:rPr lang="pl-PL" sz="4000" b="1" dirty="0">
+              <a:solidFill>
+                <a:srgbClr val="57D3FF"/>
+              </a:solidFill>
               <a:latin typeface="+mj-lt"/>
             </a:rPr>
             <a:t>DATASET</a:t>
           </a:r>
           <a:endParaRPr lang="en-GB" sz="4000" b="1" dirty="0">
+            <a:solidFill>
+              <a:srgbClr val="57D3FF"/>
+            </a:solidFill>
             <a:latin typeface="+mj-lt"/>
           </a:endParaRPr>
         </a:p>
@@ -2431,8 +2442,8 @@
 <file path=ppt/diagrams/data2.xml><?xml version="1.0" encoding="utf-8"?>
 <dgm:dataModel xmlns:dgm="http://schemas.openxmlformats.org/drawingml/2006/diagram" xmlns:a="http://schemas.openxmlformats.org/drawingml/2006/main">
   <dgm:ptLst>
-    <dgm:pt modelId="{4132A4F9-645E-456E-8945-565F0698703C}" type="doc">
-      <dgm:prSet loTypeId="urn:microsoft.com/office/officeart/2005/8/layout/hProcess4" loCatId="process" qsTypeId="urn:microsoft.com/office/officeart/2005/8/quickstyle/simple1" qsCatId="simple" csTypeId="urn:microsoft.com/office/officeart/2005/8/colors/accent1_2" csCatId="accent1" phldr="0"/>
+    <dgm:pt modelId="{775BC93E-09B9-4C04-8840-578DAD067F69}" type="doc">
+      <dgm:prSet loTypeId="urn:microsoft.com/office/officeart/2005/8/layout/matrix1" loCatId="matrix" qsTypeId="urn:microsoft.com/office/officeart/2005/8/quickstyle/simple1" qsCatId="simple" csTypeId="urn:microsoft.com/office/officeart/2005/8/colors/accent1_2" csCatId="accent1" phldr="1"/>
       <dgm:spPr/>
       <dgm:t>
         <a:bodyPr/>
@@ -2442,18 +2453,103 @@
         </a:p>
       </dgm:t>
     </dgm:pt>
-    <dgm:pt modelId="{B4BFC408-C4EE-4DC4-BEC5-3A46C4B72833}">
-      <dgm:prSet phldrT="[Text]" phldr="1"/>
-      <dgm:spPr/>
+    <dgm:pt modelId="{C466B9B1-4583-421F-A29E-F5B1E5FC5B37}">
+      <dgm:prSet phldrT="[Text]" custT="1"/>
+      <dgm:spPr>
+        <a:solidFill>
+          <a:srgbClr val="FF7979"/>
+        </a:solidFill>
+      </dgm:spPr>
       <dgm:t>
         <a:bodyPr/>
         <a:lstStyle/>
         <a:p>
-          <a:endParaRPr lang="en-GB" dirty="0"/>
+          <a:r>
+            <a:rPr lang="pl-PL" sz="1500" dirty="0">
+              <a:solidFill>
+                <a:schemeClr val="bg1"/>
+              </a:solidFill>
+            </a:rPr>
+            <a:t>MATLAB R2024b</a:t>
+          </a:r>
+        </a:p>
+        <a:p>
+          <a:r>
+            <a:rPr lang="pl-PL" sz="1500" dirty="0" err="1">
+              <a:solidFill>
+                <a:schemeClr val="bg1"/>
+              </a:solidFill>
+            </a:rPr>
+            <a:t>toolbox</a:t>
+          </a:r>
+          <a:r>
+            <a:rPr lang="pl-PL" sz="1500" dirty="0">
+              <a:solidFill>
+                <a:schemeClr val="bg1"/>
+              </a:solidFill>
+            </a:rPr>
+            <a:t>: </a:t>
+          </a:r>
+        </a:p>
+        <a:p>
+          <a:r>
+            <a:rPr lang="en-GB" sz="1500" b="1" i="0" dirty="0">
+              <a:solidFill>
+                <a:schemeClr val="tx1"/>
+              </a:solidFill>
+            </a:rPr>
+            <a:t>Statistics and Machine </a:t>
+          </a:r>
+          <a:endParaRPr lang="pl-PL" sz="1500" b="1" i="0" dirty="0">
+            <a:solidFill>
+              <a:schemeClr val="tx1"/>
+            </a:solidFill>
+          </a:endParaRPr>
+        </a:p>
+        <a:p>
+          <a:r>
+            <a:rPr lang="en-GB" sz="1500" b="1" i="0" dirty="0">
+              <a:solidFill>
+                <a:schemeClr val="tx1"/>
+              </a:solidFill>
+            </a:rPr>
+            <a:t>Learning</a:t>
+          </a:r>
+          <a:r>
+            <a:rPr lang="pl-PL" sz="1500" b="1" i="0" dirty="0">
+              <a:solidFill>
+                <a:schemeClr val="tx1"/>
+              </a:solidFill>
+            </a:rPr>
+            <a:t> &amp; </a:t>
+          </a:r>
+          <a:r>
+            <a:rPr lang="en-GB" sz="1500" b="1" i="0" dirty="0">
+              <a:solidFill>
+                <a:schemeClr val="tx1"/>
+              </a:solidFill>
+            </a:rPr>
+            <a:t>Deep Learning</a:t>
+          </a:r>
+          <a:endParaRPr lang="pl-PL" sz="1500" dirty="0">
+            <a:solidFill>
+              <a:schemeClr val="tx1"/>
+            </a:solidFill>
+          </a:endParaRPr>
+        </a:p>
+        <a:p>
+          <a:r>
+            <a:rPr lang="pl-PL" sz="1500" dirty="0">
+              <a:solidFill>
+                <a:schemeClr val="bg1"/>
+              </a:solidFill>
+            </a:rPr>
+            <a:t>FUNCTION:</a:t>
+          </a:r>
         </a:p>
       </dgm:t>
     </dgm:pt>
-    <dgm:pt modelId="{A996E58A-527F-4042-9308-E98F6122D08D}" type="parTrans" cxnId="{10F8E432-C1F4-45DA-9328-0F6745C8EB8E}">
+    <dgm:pt modelId="{C2C9A2B5-24EF-4AE3-9BCB-F96A30780468}" type="parTrans" cxnId="{5EEA29C1-89A0-4366-8715-2D17AD721627}">
       <dgm:prSet/>
       <dgm:spPr/>
       <dgm:t>
@@ -2464,7 +2560,7 @@
         </a:p>
       </dgm:t>
     </dgm:pt>
-    <dgm:pt modelId="{77A2C970-CBCE-4145-BB6D-7EF4B6FD52E6}" type="sibTrans" cxnId="{10F8E432-C1F4-45DA-9328-0F6745C8EB8E}">
+    <dgm:pt modelId="{65FC9997-828F-4620-AC36-7D18E606C1F2}" type="sibTrans" cxnId="{5EEA29C1-89A0-4366-8715-2D17AD721627}">
       <dgm:prSet/>
       <dgm:spPr/>
       <dgm:t>
@@ -2475,18 +2571,346 @@
         </a:p>
       </dgm:t>
     </dgm:pt>
-    <dgm:pt modelId="{25A0D48E-B1B7-4807-87A7-D48E0DF4AF24}">
-      <dgm:prSet phldrT="[Text]" phldr="1"/>
-      <dgm:spPr/>
+    <dgm:pt modelId="{68126441-0949-4119-8589-D1D0FE1E9AB1}">
+      <dgm:prSet phldrT="[Text]" custT="1"/>
+      <dgm:spPr>
+        <a:solidFill>
+          <a:schemeClr val="bg1"/>
+        </a:solidFill>
+        <a:ln>
+          <a:solidFill>
+            <a:srgbClr val="FFC1C1"/>
+          </a:solidFill>
+        </a:ln>
+      </dgm:spPr>
       <dgm:t>
-        <a:bodyPr/>
+        <a:bodyPr anchor="ctr"/>
         <a:lstStyle/>
         <a:p>
-          <a:endParaRPr lang="en-GB" dirty="0"/>
+          <a:pPr algn="l"/>
+          <a:endParaRPr lang="pl-PL" sz="1600" b="0" i="0" dirty="0">
+            <a:solidFill>
+              <a:srgbClr val="00B050"/>
+            </a:solidFill>
+            <a:latin typeface="Consolas" panose="020B0609020204030204" pitchFamily="49" charset="0"/>
+          </a:endParaRPr>
+        </a:p>
+        <a:p>
+          <a:pPr algn="l"/>
+          <a:endParaRPr lang="pl-PL" sz="1600" b="0" i="0" dirty="0">
+            <a:solidFill>
+              <a:srgbClr val="00B050"/>
+            </a:solidFill>
+            <a:latin typeface="Consolas" panose="020B0609020204030204" pitchFamily="49" charset="0"/>
+          </a:endParaRPr>
+        </a:p>
+        <a:p>
+          <a:pPr algn="l"/>
+          <a:r>
+            <a:rPr lang="pl-PL" sz="1600" b="0" i="0" dirty="0">
+              <a:solidFill>
+                <a:srgbClr val="00B050"/>
+              </a:solidFill>
+              <a:latin typeface="Consolas" panose="020B0609020204030204" pitchFamily="49" charset="0"/>
+            </a:rPr>
+            <a:t>%</a:t>
+          </a:r>
+          <a:r>
+            <a:rPr lang="en-GB" sz="1600" b="0" i="0" dirty="0">
+              <a:solidFill>
+                <a:srgbClr val="00B050"/>
+              </a:solidFill>
+              <a:latin typeface="Consolas" panose="020B0609020204030204" pitchFamily="49" charset="0"/>
+            </a:rPr>
+            <a:t>cv = </a:t>
+          </a:r>
+          <a:r>
+            <a:rPr lang="en-GB" sz="1600" b="0" i="0" dirty="0" err="1">
+              <a:solidFill>
+                <a:srgbClr val="00B050"/>
+              </a:solidFill>
+              <a:latin typeface="Consolas" panose="020B0609020204030204" pitchFamily="49" charset="0"/>
+            </a:rPr>
+            <a:t>cvpartition</a:t>
+          </a:r>
+          <a:r>
+            <a:rPr lang="en-GB" sz="1600" b="0" i="0" dirty="0">
+              <a:solidFill>
+                <a:srgbClr val="00B050"/>
+              </a:solidFill>
+              <a:latin typeface="Consolas" panose="020B0609020204030204" pitchFamily="49" charset="0"/>
+            </a:rPr>
+            <a:t>(</a:t>
+          </a:r>
+          <a:r>
+            <a:rPr lang="en-GB" sz="1600" b="0" i="0" dirty="0" err="1">
+              <a:solidFill>
+                <a:srgbClr val="00B050"/>
+              </a:solidFill>
+              <a:latin typeface="Consolas" panose="020B0609020204030204" pitchFamily="49" charset="0"/>
+            </a:rPr>
+            <a:t>Y_categorical</a:t>
+          </a:r>
+          <a:r>
+            <a:rPr lang="en-GB" sz="1600" b="0" i="0" dirty="0">
+              <a:solidFill>
+                <a:srgbClr val="00B050"/>
+              </a:solidFill>
+              <a:latin typeface="Consolas" panose="020B0609020204030204" pitchFamily="49" charset="0"/>
+            </a:rPr>
+            <a:t>, </a:t>
+          </a:r>
+          <a:r>
+            <a:rPr lang="en-GB" sz="1600" b="0" i="0" u="none" dirty="0">
+              <a:solidFill>
+                <a:srgbClr val="00B050"/>
+              </a:solidFill>
+              <a:latin typeface="Consolas" panose="020B0609020204030204" pitchFamily="49" charset="0"/>
+            </a:rPr>
+            <a:t>'</a:t>
+          </a:r>
+          <a:r>
+            <a:rPr lang="en-GB" sz="1600" b="0" i="0" u="none" dirty="0" err="1">
+              <a:solidFill>
+                <a:srgbClr val="A568D2"/>
+              </a:solidFill>
+              <a:latin typeface="Consolas" panose="020B0609020204030204" pitchFamily="49" charset="0"/>
+            </a:rPr>
+            <a:t>KFold</a:t>
+          </a:r>
+          <a:r>
+            <a:rPr lang="en-GB" sz="1600" b="0" i="0" u="none" dirty="0">
+              <a:solidFill>
+                <a:srgbClr val="00B050"/>
+              </a:solidFill>
+              <a:latin typeface="Consolas" panose="020B0609020204030204" pitchFamily="49" charset="0"/>
+            </a:rPr>
+            <a:t>'</a:t>
+          </a:r>
+          <a:r>
+            <a:rPr lang="en-GB" sz="1600" b="0" i="0" dirty="0">
+              <a:solidFill>
+                <a:srgbClr val="00B050"/>
+              </a:solidFill>
+              <a:latin typeface="Consolas" panose="020B0609020204030204" pitchFamily="49" charset="0"/>
+            </a:rPr>
+            <a:t>, 5, </a:t>
+          </a:r>
+          <a:r>
+            <a:rPr lang="en-GB" sz="1600" b="0" i="0" u="none" dirty="0">
+              <a:solidFill>
+                <a:srgbClr val="00B050"/>
+              </a:solidFill>
+              <a:latin typeface="Consolas" panose="020B0609020204030204" pitchFamily="49" charset="0"/>
+            </a:rPr>
+            <a:t>'Stratify'</a:t>
+          </a:r>
+          <a:r>
+            <a:rPr lang="en-GB" sz="1600" b="0" i="0" dirty="0">
+              <a:solidFill>
+                <a:srgbClr val="00B050"/>
+              </a:solidFill>
+              <a:latin typeface="Consolas" panose="020B0609020204030204" pitchFamily="49" charset="0"/>
+            </a:rPr>
+            <a:t>, true);</a:t>
+          </a:r>
+          <a:endParaRPr lang="pl-PL" sz="1600" b="0" i="0" dirty="0">
+            <a:solidFill>
+              <a:srgbClr val="00B050"/>
+            </a:solidFill>
+            <a:effectLst/>
+            <a:latin typeface="Consolas" panose="020B0609020204030204" pitchFamily="49" charset="0"/>
+          </a:endParaRPr>
+        </a:p>
+        <a:p>
+          <a:pPr algn="l"/>
+          <a:r>
+            <a:rPr lang="en-GB" sz="1600" b="0" i="0" dirty="0">
+              <a:solidFill>
+                <a:srgbClr val="212121"/>
+              </a:solidFill>
+              <a:effectLst/>
+              <a:latin typeface="Consolas" panose="020B0609020204030204" pitchFamily="49" charset="0"/>
+            </a:rPr>
+            <a:t>cv = </a:t>
+          </a:r>
+          <a:r>
+            <a:rPr lang="en-GB" sz="1600" b="0" i="0" dirty="0" err="1">
+              <a:solidFill>
+                <a:srgbClr val="212121"/>
+              </a:solidFill>
+              <a:effectLst/>
+              <a:latin typeface="Consolas" panose="020B0609020204030204" pitchFamily="49" charset="0"/>
+            </a:rPr>
+            <a:t>cvpartition</a:t>
+          </a:r>
+          <a:r>
+            <a:rPr lang="en-GB" sz="1600" b="0" i="0" dirty="0">
+              <a:solidFill>
+                <a:srgbClr val="212121"/>
+              </a:solidFill>
+              <a:effectLst/>
+              <a:latin typeface="Consolas" panose="020B0609020204030204" pitchFamily="49" charset="0"/>
+            </a:rPr>
+            <a:t>(Y_cat,</a:t>
+          </a:r>
+          <a:r>
+            <a:rPr lang="en-GB" sz="1600" b="0" i="0" u="none" strike="noStrike" dirty="0">
+              <a:solidFill>
+                <a:srgbClr val="A709F5"/>
+              </a:solidFill>
+              <a:effectLst/>
+              <a:latin typeface="Consolas" panose="020B0609020204030204" pitchFamily="49" charset="0"/>
+            </a:rPr>
+            <a:t>'Holdout'</a:t>
+          </a:r>
+          <a:r>
+            <a:rPr lang="en-GB" sz="1600" b="0" i="0" dirty="0">
+              <a:solidFill>
+                <a:srgbClr val="212121"/>
+              </a:solidFill>
+              <a:effectLst/>
+              <a:latin typeface="Consolas" panose="020B0609020204030204" pitchFamily="49" charset="0"/>
+            </a:rPr>
+            <a:t>,0.2);</a:t>
+          </a:r>
+        </a:p>
+        <a:p>
+          <a:pPr algn="l">
+            <a:buNone/>
+          </a:pPr>
+          <a:r>
+            <a:rPr lang="en-GB" sz="1600" b="0" i="0" dirty="0">
+              <a:solidFill>
+                <a:srgbClr val="212121"/>
+              </a:solidFill>
+              <a:effectLst/>
+              <a:latin typeface="Consolas" panose="020B0609020204030204" pitchFamily="49" charset="0"/>
+            </a:rPr>
+            <a:t>X_train = X(training(cv),:);</a:t>
+          </a:r>
+        </a:p>
+        <a:p>
+          <a:pPr algn="l">
+            <a:buNone/>
+          </a:pPr>
+          <a:r>
+            <a:rPr lang="en-GB" sz="1600" b="0" i="0" dirty="0" err="1">
+              <a:solidFill>
+                <a:srgbClr val="212121"/>
+              </a:solidFill>
+              <a:effectLst/>
+              <a:latin typeface="Consolas" panose="020B0609020204030204" pitchFamily="49" charset="0"/>
+            </a:rPr>
+            <a:t>Y_train</a:t>
+          </a:r>
+          <a:r>
+            <a:rPr lang="en-GB" sz="1600" b="0" i="0" dirty="0">
+              <a:solidFill>
+                <a:srgbClr val="212121"/>
+              </a:solidFill>
+              <a:effectLst/>
+              <a:latin typeface="Consolas" panose="020B0609020204030204" pitchFamily="49" charset="0"/>
+            </a:rPr>
+            <a:t> = </a:t>
+          </a:r>
+          <a:r>
+            <a:rPr lang="en-GB" sz="1600" b="0" i="0" dirty="0" err="1">
+              <a:solidFill>
+                <a:srgbClr val="212121"/>
+              </a:solidFill>
+              <a:effectLst/>
+              <a:latin typeface="Consolas" panose="020B0609020204030204" pitchFamily="49" charset="0"/>
+            </a:rPr>
+            <a:t>Y_encoded</a:t>
+          </a:r>
+          <a:r>
+            <a:rPr lang="en-GB" sz="1600" b="0" i="0" dirty="0">
+              <a:solidFill>
+                <a:srgbClr val="212121"/>
+              </a:solidFill>
+              <a:effectLst/>
+              <a:latin typeface="Consolas" panose="020B0609020204030204" pitchFamily="49" charset="0"/>
+            </a:rPr>
+            <a:t>(training(cv),:);</a:t>
+          </a:r>
+        </a:p>
+        <a:p>
+          <a:pPr algn="l">
+            <a:buNone/>
+          </a:pPr>
+          <a:r>
+            <a:rPr lang="en-GB" sz="1600" b="0" i="0" dirty="0" err="1">
+              <a:solidFill>
+                <a:srgbClr val="212121"/>
+              </a:solidFill>
+              <a:effectLst/>
+              <a:latin typeface="Consolas" panose="020B0609020204030204" pitchFamily="49" charset="0"/>
+            </a:rPr>
+            <a:t>X_test</a:t>
+          </a:r>
+          <a:r>
+            <a:rPr lang="en-GB" sz="1600" b="0" i="0" dirty="0">
+              <a:solidFill>
+                <a:srgbClr val="212121"/>
+              </a:solidFill>
+              <a:effectLst/>
+              <a:latin typeface="Consolas" panose="020B0609020204030204" pitchFamily="49" charset="0"/>
+            </a:rPr>
+            <a:t> = X(test(cv), :);</a:t>
+          </a:r>
+        </a:p>
+        <a:p>
+          <a:pPr algn="l"/>
+          <a:r>
+            <a:rPr lang="en-GB" sz="1600" b="0" i="0" dirty="0" err="1">
+              <a:solidFill>
+                <a:srgbClr val="212121"/>
+              </a:solidFill>
+              <a:effectLst/>
+              <a:latin typeface="Consolas" panose="020B0609020204030204" pitchFamily="49" charset="0"/>
+            </a:rPr>
+            <a:t>Y_test</a:t>
+          </a:r>
+          <a:r>
+            <a:rPr lang="en-GB" sz="1600" b="0" i="0" dirty="0">
+              <a:solidFill>
+                <a:srgbClr val="212121"/>
+              </a:solidFill>
+              <a:effectLst/>
+              <a:latin typeface="Consolas" panose="020B0609020204030204" pitchFamily="49" charset="0"/>
+            </a:rPr>
+            <a:t> =</a:t>
+          </a:r>
+          <a:r>
+            <a:rPr lang="en-GB" sz="1600" b="0" i="0" dirty="0" err="1">
+              <a:solidFill>
+                <a:srgbClr val="212121"/>
+              </a:solidFill>
+              <a:effectLst/>
+              <a:latin typeface="Consolas" panose="020B0609020204030204" pitchFamily="49" charset="0"/>
+            </a:rPr>
+            <a:t>Y_encoded</a:t>
+          </a:r>
+          <a:r>
+            <a:rPr lang="en-GB" sz="1600" b="0" i="0" dirty="0">
+              <a:solidFill>
+                <a:srgbClr val="212121"/>
+              </a:solidFill>
+              <a:effectLst/>
+              <a:latin typeface="Consolas" panose="020B0609020204030204" pitchFamily="49" charset="0"/>
+            </a:rPr>
+            <a:t>(test(cv), :);</a:t>
+          </a:r>
+          <a:endParaRPr lang="en-GB" sz="1600" dirty="0">
+            <a:solidFill>
+              <a:schemeClr val="tx1"/>
+            </a:solidFill>
+          </a:endParaRPr>
         </a:p>
       </dgm:t>
     </dgm:pt>
-    <dgm:pt modelId="{CA33FB50-5E0F-4CAD-8C78-A963E8EF2F76}" type="parTrans" cxnId="{F3A7066E-42FB-46E8-92E1-2633649F423E}">
+    <dgm:pt modelId="{C3BF431C-B17E-4192-B663-61FFF574C8FC}" type="parTrans" cxnId="{8516CF03-AA44-46F3-BED3-990B559AF487}">
       <dgm:prSet/>
       <dgm:spPr/>
       <dgm:t>
@@ -2497,7 +2921,7 @@
         </a:p>
       </dgm:t>
     </dgm:pt>
-    <dgm:pt modelId="{E37B8F4F-ABD0-4589-9A5A-E4AA3DB674AA}" type="sibTrans" cxnId="{F3A7066E-42FB-46E8-92E1-2633649F423E}">
+    <dgm:pt modelId="{DDF04C28-CCCE-4FDC-BD78-7970C882966C}" type="sibTrans" cxnId="{8516CF03-AA44-46F3-BED3-990B559AF487}">
       <dgm:prSet/>
       <dgm:spPr/>
       <dgm:t>
@@ -2508,18 +2932,383 @@
         </a:p>
       </dgm:t>
     </dgm:pt>
-    <dgm:pt modelId="{AD66D97C-16AB-4D02-A5D5-2E07C47D991E}">
-      <dgm:prSet phldrT="[Text]" phldr="1"/>
-      <dgm:spPr/>
+    <dgm:pt modelId="{32C3B942-8ABB-4D27-911A-23D313CCCAD7}">
+      <dgm:prSet phldrT="[Text]" custT="1"/>
+      <dgm:spPr>
+        <a:solidFill>
+          <a:schemeClr val="bg1"/>
+        </a:solidFill>
+        <a:ln>
+          <a:solidFill>
+            <a:srgbClr val="FFC1C1"/>
+          </a:solidFill>
+        </a:ln>
+      </dgm:spPr>
       <dgm:t>
         <a:bodyPr/>
         <a:lstStyle/>
         <a:p>
-          <a:endParaRPr lang="en-GB"/>
+          <a:pPr algn="l"/>
+          <a:endParaRPr lang="pl-PL" sz="1600" b="0" i="0" dirty="0">
+            <a:solidFill>
+              <a:srgbClr val="212121"/>
+            </a:solidFill>
+            <a:effectLst/>
+            <a:latin typeface="Consolas" panose="020B0609020204030204" pitchFamily="49" charset="0"/>
+          </a:endParaRPr>
+        </a:p>
+        <a:p>
+          <a:pPr algn="l"/>
+          <a:r>
+            <a:rPr lang="en-GB" sz="1600" b="0" i="0" dirty="0">
+              <a:solidFill>
+                <a:srgbClr val="212121"/>
+              </a:solidFill>
+              <a:effectLst/>
+              <a:latin typeface="Consolas" panose="020B0609020204030204" pitchFamily="49" charset="0"/>
+            </a:rPr>
+            <a:t>net = </a:t>
+          </a:r>
+          <a:r>
+            <a:rPr lang="en-GB" sz="1600" b="0" i="0" dirty="0" err="1">
+              <a:solidFill>
+                <a:srgbClr val="212121"/>
+              </a:solidFill>
+              <a:effectLst/>
+              <a:latin typeface="Consolas" panose="020B0609020204030204" pitchFamily="49" charset="0"/>
+            </a:rPr>
+            <a:t>patternnet</a:t>
+          </a:r>
+          <a:r>
+            <a:rPr lang="en-GB" sz="1600" b="0" i="0" dirty="0">
+              <a:solidFill>
+                <a:srgbClr val="212121"/>
+              </a:solidFill>
+              <a:effectLst/>
+              <a:latin typeface="Consolas" panose="020B0609020204030204" pitchFamily="49" charset="0"/>
+            </a:rPr>
+            <a:t>([90, 40]);</a:t>
+          </a:r>
+          <a:endParaRPr lang="pl-PL" sz="1600" b="0" i="0" dirty="0">
+            <a:solidFill>
+              <a:srgbClr val="212121"/>
+            </a:solidFill>
+            <a:effectLst/>
+            <a:latin typeface="Consolas" panose="020B0609020204030204" pitchFamily="49" charset="0"/>
+          </a:endParaRPr>
+        </a:p>
+        <a:p>
+          <a:pPr algn="l">
+            <a:buNone/>
+          </a:pPr>
+          <a:r>
+            <a:rPr lang="en-GB" sz="1600" b="0" i="0" dirty="0" err="1">
+              <a:solidFill>
+                <a:srgbClr val="212121"/>
+              </a:solidFill>
+              <a:effectLst/>
+              <a:latin typeface="Consolas" panose="020B0609020204030204" pitchFamily="49" charset="0"/>
+            </a:rPr>
+            <a:t>net.trainFcn</a:t>
+          </a:r>
+          <a:r>
+            <a:rPr lang="en-GB" sz="1600" b="0" i="0" dirty="0">
+              <a:solidFill>
+                <a:srgbClr val="212121"/>
+              </a:solidFill>
+              <a:effectLst/>
+              <a:latin typeface="Consolas" panose="020B0609020204030204" pitchFamily="49" charset="0"/>
+            </a:rPr>
+            <a:t> = </a:t>
+          </a:r>
+          <a:r>
+            <a:rPr lang="en-GB" sz="1600" b="0" i="0" u="none" strike="noStrike" dirty="0">
+              <a:solidFill>
+                <a:srgbClr val="A709F5"/>
+              </a:solidFill>
+              <a:effectLst/>
+              <a:latin typeface="Consolas" panose="020B0609020204030204" pitchFamily="49" charset="0"/>
+            </a:rPr>
+            <a:t>'</a:t>
+          </a:r>
+          <a:r>
+            <a:rPr lang="en-GB" sz="1600" b="0" i="0" u="none" strike="noStrike" dirty="0" err="1">
+              <a:solidFill>
+                <a:srgbClr val="A709F5"/>
+              </a:solidFill>
+              <a:effectLst/>
+              <a:latin typeface="Consolas" panose="020B0609020204030204" pitchFamily="49" charset="0"/>
+            </a:rPr>
+            <a:t>trainscg</a:t>
+          </a:r>
+          <a:r>
+            <a:rPr lang="en-GB" sz="1600" b="0" i="0" u="none" strike="noStrike" dirty="0">
+              <a:solidFill>
+                <a:srgbClr val="A709F5"/>
+              </a:solidFill>
+              <a:effectLst/>
+              <a:latin typeface="Consolas" panose="020B0609020204030204" pitchFamily="49" charset="0"/>
+            </a:rPr>
+            <a:t>’</a:t>
+          </a:r>
+          <a:r>
+            <a:rPr lang="en-GB" sz="1600" b="0" i="0" dirty="0">
+              <a:solidFill>
+                <a:srgbClr val="212121"/>
+              </a:solidFill>
+              <a:effectLst/>
+              <a:latin typeface="Consolas" panose="020B0609020204030204" pitchFamily="49" charset="0"/>
+            </a:rPr>
+            <a:t>;</a:t>
+          </a:r>
+          <a:endParaRPr lang="pl-PL" sz="1600" b="0" i="0" dirty="0">
+            <a:solidFill>
+              <a:srgbClr val="212121"/>
+            </a:solidFill>
+            <a:effectLst/>
+            <a:latin typeface="Consolas" panose="020B0609020204030204" pitchFamily="49" charset="0"/>
+          </a:endParaRPr>
+        </a:p>
+        <a:p>
+          <a:pPr algn="l">
+            <a:buNone/>
+          </a:pPr>
+          <a:r>
+            <a:rPr lang="en-GB" sz="1600" b="0" i="0" dirty="0" err="1">
+              <a:solidFill>
+                <a:srgbClr val="212121"/>
+              </a:solidFill>
+              <a:effectLst/>
+              <a:latin typeface="Consolas" panose="020B0609020204030204" pitchFamily="49" charset="0"/>
+            </a:rPr>
+            <a:t>net.layers</a:t>
+          </a:r>
+          <a:r>
+            <a:rPr lang="en-GB" sz="1600" b="0" i="0" dirty="0">
+              <a:solidFill>
+                <a:srgbClr val="212121"/>
+              </a:solidFill>
+              <a:effectLst/>
+              <a:latin typeface="Consolas" panose="020B0609020204030204" pitchFamily="49" charset="0"/>
+            </a:rPr>
+            <a:t>{end}.</a:t>
+          </a:r>
+          <a:r>
+            <a:rPr lang="en-GB" sz="1600" b="0" i="0" dirty="0" err="1">
+              <a:solidFill>
+                <a:srgbClr val="212121"/>
+              </a:solidFill>
+              <a:effectLst/>
+              <a:latin typeface="Consolas" panose="020B0609020204030204" pitchFamily="49" charset="0"/>
+            </a:rPr>
+            <a:t>transferFcn</a:t>
+          </a:r>
+          <a:r>
+            <a:rPr lang="en-GB" sz="1600" b="0" i="0" dirty="0">
+              <a:solidFill>
+                <a:srgbClr val="212121"/>
+              </a:solidFill>
+              <a:effectLst/>
+              <a:latin typeface="Consolas" panose="020B0609020204030204" pitchFamily="49" charset="0"/>
+            </a:rPr>
+            <a:t> = </a:t>
+          </a:r>
+          <a:r>
+            <a:rPr lang="en-GB" sz="1600" b="0" i="0" u="none" strike="noStrike" dirty="0">
+              <a:solidFill>
+                <a:srgbClr val="A709F5"/>
+              </a:solidFill>
+              <a:effectLst/>
+              <a:latin typeface="Consolas" panose="020B0609020204030204" pitchFamily="49" charset="0"/>
+            </a:rPr>
+            <a:t>'</a:t>
+          </a:r>
+          <a:r>
+            <a:rPr lang="en-GB" sz="1600" b="0" i="0" u="none" strike="noStrike" dirty="0" err="1">
+              <a:solidFill>
+                <a:srgbClr val="A709F5"/>
+              </a:solidFill>
+              <a:effectLst/>
+              <a:latin typeface="Consolas" panose="020B0609020204030204" pitchFamily="49" charset="0"/>
+            </a:rPr>
+            <a:t>softmax</a:t>
+          </a:r>
+          <a:r>
+            <a:rPr lang="en-GB" sz="1600" b="0" i="0" u="none" strike="noStrike" dirty="0">
+              <a:solidFill>
+                <a:srgbClr val="A709F5"/>
+              </a:solidFill>
+              <a:effectLst/>
+              <a:latin typeface="Consolas" panose="020B0609020204030204" pitchFamily="49" charset="0"/>
+            </a:rPr>
+            <a:t>’</a:t>
+          </a:r>
+          <a:r>
+            <a:rPr lang="en-GB" sz="1600" b="0" i="0" dirty="0">
+              <a:solidFill>
+                <a:srgbClr val="212121"/>
+              </a:solidFill>
+              <a:effectLst/>
+              <a:latin typeface="Consolas" panose="020B0609020204030204" pitchFamily="49" charset="0"/>
+            </a:rPr>
+            <a:t>;</a:t>
+          </a:r>
+          <a:endParaRPr lang="pl-PL" sz="1600" b="0" i="0" dirty="0">
+            <a:solidFill>
+              <a:srgbClr val="212121"/>
+            </a:solidFill>
+            <a:effectLst/>
+            <a:latin typeface="Consolas" panose="020B0609020204030204" pitchFamily="49" charset="0"/>
+          </a:endParaRPr>
+        </a:p>
+        <a:p>
+          <a:pPr algn="l">
+            <a:buNone/>
+          </a:pPr>
+          <a:r>
+            <a:rPr lang="en-GB" sz="1600" b="0" i="0" dirty="0" err="1">
+              <a:solidFill>
+                <a:srgbClr val="212121"/>
+              </a:solidFill>
+              <a:effectLst/>
+              <a:latin typeface="Consolas" panose="020B0609020204030204" pitchFamily="49" charset="0"/>
+            </a:rPr>
+            <a:t>net.performFcn</a:t>
+          </a:r>
+          <a:r>
+            <a:rPr lang="en-GB" sz="1600" b="0" i="0" dirty="0">
+              <a:solidFill>
+                <a:srgbClr val="212121"/>
+              </a:solidFill>
+              <a:effectLst/>
+              <a:latin typeface="Consolas" panose="020B0609020204030204" pitchFamily="49" charset="0"/>
+            </a:rPr>
+            <a:t> = </a:t>
+          </a:r>
+          <a:r>
+            <a:rPr lang="en-GB" sz="1600" b="0" i="0" u="none" strike="noStrike" dirty="0">
+              <a:solidFill>
+                <a:srgbClr val="A709F5"/>
+              </a:solidFill>
+              <a:effectLst/>
+              <a:latin typeface="Consolas" panose="020B0609020204030204" pitchFamily="49" charset="0"/>
+            </a:rPr>
+            <a:t>'</a:t>
+          </a:r>
+          <a:r>
+            <a:rPr lang="en-GB" sz="1600" b="0" i="0" u="none" strike="noStrike" dirty="0" err="1">
+              <a:solidFill>
+                <a:srgbClr val="A709F5"/>
+              </a:solidFill>
+              <a:effectLst/>
+              <a:latin typeface="Consolas" panose="020B0609020204030204" pitchFamily="49" charset="0"/>
+            </a:rPr>
+            <a:t>crossentropy</a:t>
+          </a:r>
+          <a:r>
+            <a:rPr lang="en-GB" sz="1600" b="0" i="0" u="none" strike="noStrike" dirty="0">
+              <a:solidFill>
+                <a:srgbClr val="A709F5"/>
+              </a:solidFill>
+              <a:effectLst/>
+              <a:latin typeface="Consolas" panose="020B0609020204030204" pitchFamily="49" charset="0"/>
+            </a:rPr>
+            <a:t>’</a:t>
+          </a:r>
+          <a:r>
+            <a:rPr lang="en-GB" sz="1600" b="0" i="0" dirty="0">
+              <a:solidFill>
+                <a:srgbClr val="212121"/>
+              </a:solidFill>
+              <a:effectLst/>
+              <a:latin typeface="Consolas" panose="020B0609020204030204" pitchFamily="49" charset="0"/>
+            </a:rPr>
+            <a:t>;</a:t>
+          </a:r>
+          <a:endParaRPr lang="pl-PL" sz="1600" b="0" i="0" dirty="0">
+            <a:solidFill>
+              <a:srgbClr val="212121"/>
+            </a:solidFill>
+            <a:effectLst/>
+            <a:latin typeface="Consolas" panose="020B0609020204030204" pitchFamily="49" charset="0"/>
+          </a:endParaRPr>
+        </a:p>
+        <a:p>
+          <a:pPr algn="l">
+            <a:buNone/>
+          </a:pPr>
+          <a:r>
+            <a:rPr lang="en-GB" sz="1600" b="0" i="0" dirty="0" err="1">
+              <a:solidFill>
+                <a:srgbClr val="212121"/>
+              </a:solidFill>
+              <a:effectLst/>
+              <a:latin typeface="Consolas" panose="020B0609020204030204" pitchFamily="49" charset="0"/>
+            </a:rPr>
+            <a:t>net.trainParam.showWindow</a:t>
+          </a:r>
+          <a:r>
+            <a:rPr lang="en-GB" sz="1600" b="0" i="0" dirty="0">
+              <a:solidFill>
+                <a:srgbClr val="212121"/>
+              </a:solidFill>
+              <a:effectLst/>
+              <a:latin typeface="Consolas" panose="020B0609020204030204" pitchFamily="49" charset="0"/>
+            </a:rPr>
+            <a:t> = false; </a:t>
+          </a:r>
+          <a:endParaRPr lang="pl-PL" sz="1600" b="0" i="0" dirty="0">
+            <a:solidFill>
+              <a:srgbClr val="212121"/>
+            </a:solidFill>
+            <a:effectLst/>
+            <a:latin typeface="Consolas" panose="020B0609020204030204" pitchFamily="49" charset="0"/>
+          </a:endParaRPr>
+        </a:p>
+        <a:p>
+          <a:pPr algn="l">
+            <a:buNone/>
+          </a:pPr>
+          <a:r>
+            <a:rPr lang="en-GB" sz="1600" b="0" i="0" dirty="0">
+              <a:solidFill>
+                <a:srgbClr val="212121"/>
+              </a:solidFill>
+              <a:effectLst/>
+              <a:latin typeface="Consolas" panose="020B0609020204030204" pitchFamily="49" charset="0"/>
+            </a:rPr>
+            <a:t>[net, tr] = train(net, X_train',</a:t>
+          </a:r>
+          <a:r>
+            <a:rPr lang="en-GB" sz="1600" b="0" i="0" dirty="0" err="1">
+              <a:solidFill>
+                <a:srgbClr val="212121"/>
+              </a:solidFill>
+              <a:effectLst/>
+              <a:latin typeface="Consolas" panose="020B0609020204030204" pitchFamily="49" charset="0"/>
+            </a:rPr>
+            <a:t>Y_train</a:t>
+          </a:r>
+          <a:r>
+            <a:rPr lang="en-GB" sz="1600" b="0" i="0" dirty="0">
+              <a:solidFill>
+                <a:srgbClr val="212121"/>
+              </a:solidFill>
+              <a:effectLst/>
+              <a:latin typeface="Consolas" panose="020B0609020204030204" pitchFamily="49" charset="0"/>
+            </a:rPr>
+            <a:t>');</a:t>
+          </a:r>
+          <a:endParaRPr lang="en-GB" sz="1600" dirty="0">
+            <a:solidFill>
+              <a:schemeClr val="tx1"/>
+            </a:solidFill>
+            <a:latin typeface="Consolas" panose="020B0609020204030204" pitchFamily="49" charset="0"/>
+          </a:endParaRPr>
         </a:p>
       </dgm:t>
     </dgm:pt>
-    <dgm:pt modelId="{F450C2DE-C7CC-4EFD-8B56-19DA4E997891}" type="parTrans" cxnId="{18459E18-EF61-404A-ACBE-A43CA88FC517}">
+    <dgm:pt modelId="{75AAA0DC-3AEE-4F82-BFA5-10162ABF3FCF}" type="parTrans" cxnId="{689B96F5-B583-43CC-8D2F-21CFF8F7DF89}">
       <dgm:prSet/>
       <dgm:spPr/>
       <dgm:t>
@@ -2530,7 +3319,7 @@
         </a:p>
       </dgm:t>
     </dgm:pt>
-    <dgm:pt modelId="{A3DE1CA6-2D42-459A-95FC-8B95FB47D0BC}" type="sibTrans" cxnId="{18459E18-EF61-404A-ACBE-A43CA88FC517}">
+    <dgm:pt modelId="{CA76818F-7C6E-4DB2-BD82-6C5ECE3E09AF}" type="sibTrans" cxnId="{689B96F5-B583-43CC-8D2F-21CFF8F7DF89}">
       <dgm:prSet/>
       <dgm:spPr/>
       <dgm:t>
@@ -2541,18 +3330,33 @@
         </a:p>
       </dgm:t>
     </dgm:pt>
-    <dgm:pt modelId="{A205127A-9D43-4E4D-9D61-A412F06EDEA5}">
-      <dgm:prSet phldrT="[Text]" phldr="1"/>
-      <dgm:spPr/>
+    <dgm:pt modelId="{91E8396A-B14C-4CB8-B753-CFE364E5E52E}">
+      <dgm:prSet phldrT="[Text]" custT="1"/>
+      <dgm:spPr>
+        <a:solidFill>
+          <a:schemeClr val="bg1"/>
+        </a:solidFill>
+        <a:ln>
+          <a:solidFill>
+            <a:srgbClr val="FFC1C1"/>
+          </a:solidFill>
+        </a:ln>
+      </dgm:spPr>
       <dgm:t>
-        <a:bodyPr/>
+        <a:bodyPr anchor="t"/>
         <a:lstStyle/>
         <a:p>
-          <a:endParaRPr lang="en-GB"/>
+          <a:pPr algn="l"/>
+          <a:endParaRPr lang="en-GB" sz="1600" dirty="0">
+            <a:solidFill>
+              <a:schemeClr val="tx1"/>
+            </a:solidFill>
+            <a:latin typeface="Consolas" panose="020B0609020204030204" pitchFamily="49" charset="0"/>
+          </a:endParaRPr>
         </a:p>
       </dgm:t>
     </dgm:pt>
-    <dgm:pt modelId="{E1EEDBC2-0B4E-4B55-B1BF-F6FDC8A5A13A}" type="parTrans" cxnId="{6FFFA6B3-939B-4B6B-AC68-2CD1A7D35682}">
+    <dgm:pt modelId="{996099F9-9542-4654-8F59-994B05D44108}" type="parTrans" cxnId="{1ACCB063-846D-4CDC-9D7A-27CC28B85F5F}">
       <dgm:prSet/>
       <dgm:spPr/>
       <dgm:t>
@@ -2563,7 +3367,7 @@
         </a:p>
       </dgm:t>
     </dgm:pt>
-    <dgm:pt modelId="{4E45B562-076E-409E-826E-394930545370}" type="sibTrans" cxnId="{6FFFA6B3-939B-4B6B-AC68-2CD1A7D35682}">
+    <dgm:pt modelId="{5DFA6EEA-7141-4EB4-BE20-0E7CB9DDAEA4}" type="sibTrans" cxnId="{1ACCB063-846D-4CDC-9D7A-27CC28B85F5F}">
       <dgm:prSet/>
       <dgm:spPr/>
       <dgm:t>
@@ -2574,18 +3378,31 @@
         </a:p>
       </dgm:t>
     </dgm:pt>
-    <dgm:pt modelId="{3F9120F0-2A54-49A3-849A-8C607478490F}">
-      <dgm:prSet phldrT="[Text]" phldr="1"/>
-      <dgm:spPr/>
+    <dgm:pt modelId="{4E85C8A1-DA0E-4C6C-A6C6-1D986B72FEB8}">
+      <dgm:prSet phldrT="[Text]"/>
+      <dgm:spPr>
+        <a:solidFill>
+          <a:schemeClr val="bg1"/>
+        </a:solidFill>
+        <a:ln>
+          <a:solidFill>
+            <a:srgbClr val="FFC1C1"/>
+          </a:solidFill>
+        </a:ln>
+      </dgm:spPr>
       <dgm:t>
         <a:bodyPr/>
         <a:lstStyle/>
         <a:p>
-          <a:endParaRPr lang="en-GB"/>
+          <a:endParaRPr lang="en-GB" dirty="0">
+            <a:solidFill>
+              <a:schemeClr val="tx1"/>
+            </a:solidFill>
+          </a:endParaRPr>
         </a:p>
       </dgm:t>
     </dgm:pt>
-    <dgm:pt modelId="{5F963230-BEC2-411B-8FC9-5CE9C209D0E5}" type="parTrans" cxnId="{8DAEA3E3-478C-4064-BCDF-E2C43772F417}">
+    <dgm:pt modelId="{6D9AF836-A30F-418E-852D-EE1F920691C1}" type="parTrans" cxnId="{6C3FFC6D-9CC7-4E8A-8160-5E457EC39468}">
       <dgm:prSet/>
       <dgm:spPr/>
       <dgm:t>
@@ -2596,7 +3413,7 @@
         </a:p>
       </dgm:t>
     </dgm:pt>
-    <dgm:pt modelId="{E2C5E085-2EE4-44D1-B78F-271197D39D96}" type="sibTrans" cxnId="{8DAEA3E3-478C-4064-BCDF-E2C43772F417}">
+    <dgm:pt modelId="{C6CE115B-2E53-49C7-8599-68EDD53719F9}" type="sibTrans" cxnId="{6C3FFC6D-9CC7-4E8A-8160-5E457EC39468}">
       <dgm:prSet/>
       <dgm:spPr/>
       <dgm:t>
@@ -2607,337 +3424,119 @@
         </a:p>
       </dgm:t>
     </dgm:pt>
-    <dgm:pt modelId="{49B9C208-5E33-4C65-936F-E4D3642359C7}">
-      <dgm:prSet phldrT="[Text]" phldr="1"/>
-      <dgm:spPr/>
-      <dgm:t>
-        <a:bodyPr/>
-        <a:lstStyle/>
-        <a:p>
-          <a:endParaRPr lang="en-GB"/>
-        </a:p>
-      </dgm:t>
-    </dgm:pt>
-    <dgm:pt modelId="{BD76C8FE-3725-4137-ACBA-D5A9398BD4AA}" type="parTrans" cxnId="{30D63486-F3A3-45D3-940E-B39FDA875FDF}">
-      <dgm:prSet/>
-      <dgm:spPr/>
-      <dgm:t>
-        <a:bodyPr/>
-        <a:lstStyle/>
-        <a:p>
-          <a:endParaRPr lang="en-GB"/>
-        </a:p>
-      </dgm:t>
-    </dgm:pt>
-    <dgm:pt modelId="{1A90CA8B-B5B7-44C5-897B-EBA963CC9E40}" type="sibTrans" cxnId="{30D63486-F3A3-45D3-940E-B39FDA875FDF}">
-      <dgm:prSet/>
-      <dgm:spPr/>
-      <dgm:t>
-        <a:bodyPr/>
-        <a:lstStyle/>
-        <a:p>
-          <a:endParaRPr lang="en-GB"/>
-        </a:p>
-      </dgm:t>
-    </dgm:pt>
-    <dgm:pt modelId="{626E8ABF-F29F-4428-8CB4-F995EA2F98EB}">
-      <dgm:prSet phldrT="[Text]" phldr="1"/>
-      <dgm:spPr/>
-      <dgm:t>
-        <a:bodyPr/>
-        <a:lstStyle/>
-        <a:p>
-          <a:endParaRPr lang="en-GB"/>
-        </a:p>
-      </dgm:t>
-    </dgm:pt>
-    <dgm:pt modelId="{AFF5A3B0-1DD3-4E51-B821-668623F14D1E}" type="parTrans" cxnId="{E5016C1E-86EC-44BD-BB9C-7A05E8C170EF}">
-      <dgm:prSet/>
-      <dgm:spPr/>
-      <dgm:t>
-        <a:bodyPr/>
-        <a:lstStyle/>
-        <a:p>
-          <a:endParaRPr lang="en-GB"/>
-        </a:p>
-      </dgm:t>
-    </dgm:pt>
-    <dgm:pt modelId="{4E1F6C77-503A-411F-8DFA-B2DC71620EB8}" type="sibTrans" cxnId="{E5016C1E-86EC-44BD-BB9C-7A05E8C170EF}">
-      <dgm:prSet/>
-      <dgm:spPr/>
-      <dgm:t>
-        <a:bodyPr/>
-        <a:lstStyle/>
-        <a:p>
-          <a:endParaRPr lang="en-GB"/>
-        </a:p>
-      </dgm:t>
-    </dgm:pt>
-    <dgm:pt modelId="{6EE6AF69-C572-40A8-BA32-4D5D3A9A9686}">
-      <dgm:prSet phldrT="[Text]" phldr="1"/>
-      <dgm:spPr/>
-      <dgm:t>
-        <a:bodyPr/>
-        <a:lstStyle/>
-        <a:p>
-          <a:endParaRPr lang="en-GB"/>
-        </a:p>
-      </dgm:t>
-    </dgm:pt>
-    <dgm:pt modelId="{42DC9C6B-BC76-4959-A5F9-73DB05069BC6}" type="parTrans" cxnId="{CBECEAEB-D524-4454-9D43-0762AB035C7D}">
-      <dgm:prSet/>
-      <dgm:spPr/>
-      <dgm:t>
-        <a:bodyPr/>
-        <a:lstStyle/>
-        <a:p>
-          <a:endParaRPr lang="en-GB"/>
-        </a:p>
-      </dgm:t>
-    </dgm:pt>
-    <dgm:pt modelId="{3825DC34-539C-4283-ACAC-57EAE2224C1E}" type="sibTrans" cxnId="{CBECEAEB-D524-4454-9D43-0762AB035C7D}">
-      <dgm:prSet/>
-      <dgm:spPr/>
-      <dgm:t>
-        <a:bodyPr/>
-        <a:lstStyle/>
-        <a:p>
-          <a:endParaRPr lang="en-GB"/>
-        </a:p>
-      </dgm:t>
-    </dgm:pt>
-    <dgm:pt modelId="{F72B852C-384D-4AA7-9464-965B6A29D7BD}">
-      <dgm:prSet phldrT="[Text]" phldr="1"/>
-      <dgm:spPr/>
-      <dgm:t>
-        <a:bodyPr/>
-        <a:lstStyle/>
-        <a:p>
-          <a:endParaRPr lang="en-GB"/>
-        </a:p>
-      </dgm:t>
-    </dgm:pt>
-    <dgm:pt modelId="{62DE594D-7D00-4A47-926C-C4F52EC844A1}" type="parTrans" cxnId="{F6A5D641-07BD-481B-99A4-23753E40B47E}">
-      <dgm:prSet/>
-      <dgm:spPr/>
-      <dgm:t>
-        <a:bodyPr/>
-        <a:lstStyle/>
-        <a:p>
-          <a:endParaRPr lang="en-GB"/>
-        </a:p>
-      </dgm:t>
-    </dgm:pt>
-    <dgm:pt modelId="{A694CB77-07BE-4608-8347-0B602DA1B6A2}" type="sibTrans" cxnId="{F6A5D641-07BD-481B-99A4-23753E40B47E}">
-      <dgm:prSet/>
-      <dgm:spPr/>
-      <dgm:t>
-        <a:bodyPr/>
-        <a:lstStyle/>
-        <a:p>
-          <a:endParaRPr lang="en-GB"/>
-        </a:p>
-      </dgm:t>
-    </dgm:pt>
-    <dgm:pt modelId="{04DDBFB4-22A4-4E81-925D-728D432D91EB}" type="pres">
-      <dgm:prSet presAssocID="{4132A4F9-645E-456E-8945-565F0698703C}" presName="Name0" presStyleCnt="0">
+    <dgm:pt modelId="{461476F5-E6C4-4933-9B14-2EE3841A5C9A}" type="pres">
+      <dgm:prSet presAssocID="{775BC93E-09B9-4C04-8840-578DAD067F69}" presName="diagram" presStyleCnt="0">
         <dgm:presLayoutVars>
+          <dgm:chMax val="1"/>
           <dgm:dir/>
-          <dgm:animLvl val="lvl"/>
+          <dgm:animLvl val="ctr"/>
           <dgm:resizeHandles val="exact"/>
         </dgm:presLayoutVars>
       </dgm:prSet>
       <dgm:spPr/>
     </dgm:pt>
-    <dgm:pt modelId="{460F7435-8FFC-4AAE-BF1E-F05CD9DB0020}" type="pres">
-      <dgm:prSet presAssocID="{4132A4F9-645E-456E-8945-565F0698703C}" presName="tSp" presStyleCnt="0"/>
+    <dgm:pt modelId="{1D4C7083-FE14-4C97-986D-A97177144CAB}" type="pres">
+      <dgm:prSet presAssocID="{775BC93E-09B9-4C04-8840-578DAD067F69}" presName="matrix" presStyleCnt="0"/>
       <dgm:spPr/>
     </dgm:pt>
-    <dgm:pt modelId="{0D06B5D6-55D3-4F38-85E3-179C0516294A}" type="pres">
-      <dgm:prSet presAssocID="{4132A4F9-645E-456E-8945-565F0698703C}" presName="bSp" presStyleCnt="0"/>
+    <dgm:pt modelId="{AC527DC2-D6EC-4492-817D-BD424025FA5F}" type="pres">
+      <dgm:prSet presAssocID="{775BC93E-09B9-4C04-8840-578DAD067F69}" presName="tile1" presStyleLbl="node1" presStyleIdx="0" presStyleCnt="4" custScaleX="101450" custScaleY="93812" custLinFactNeighborX="-52912" custLinFactNeighborY="-13723"/>
       <dgm:spPr/>
     </dgm:pt>
-    <dgm:pt modelId="{E537700F-A2C9-482A-A1B9-B682A6963E63}" type="pres">
-      <dgm:prSet presAssocID="{4132A4F9-645E-456E-8945-565F0698703C}" presName="process" presStyleCnt="0"/>
-      <dgm:spPr/>
-    </dgm:pt>
-    <dgm:pt modelId="{62F4A589-7AAA-4907-A608-157EADB2C860}" type="pres">
-      <dgm:prSet presAssocID="{B4BFC408-C4EE-4DC4-BEC5-3A46C4B72833}" presName="composite1" presStyleCnt="0"/>
-      <dgm:spPr/>
-    </dgm:pt>
-    <dgm:pt modelId="{D142A5A9-845E-4EDD-B1B0-C56980DE3C38}" type="pres">
-      <dgm:prSet presAssocID="{B4BFC408-C4EE-4DC4-BEC5-3A46C4B72833}" presName="dummyNode1" presStyleLbl="node1" presStyleIdx="0" presStyleCnt="3"/>
-      <dgm:spPr/>
-    </dgm:pt>
-    <dgm:pt modelId="{25A5C2C4-568A-47DC-AA02-B807AE00FA6A}" type="pres">
-      <dgm:prSet presAssocID="{B4BFC408-C4EE-4DC4-BEC5-3A46C4B72833}" presName="childNode1" presStyleLbl="bgAcc1" presStyleIdx="0" presStyleCnt="3">
+    <dgm:pt modelId="{2836CAE5-518D-47FB-9432-9AA2ECFB0B66}" type="pres">
+      <dgm:prSet presAssocID="{775BC93E-09B9-4C04-8840-578DAD067F69}" presName="tile1text" presStyleLbl="node1" presStyleIdx="0" presStyleCnt="4">
         <dgm:presLayoutVars>
+          <dgm:chMax val="0"/>
+          <dgm:chPref val="0"/>
           <dgm:bulletEnabled val="1"/>
         </dgm:presLayoutVars>
       </dgm:prSet>
       <dgm:spPr/>
     </dgm:pt>
-    <dgm:pt modelId="{E16C0D2B-6713-41D0-966C-BE535670596B}" type="pres">
-      <dgm:prSet presAssocID="{B4BFC408-C4EE-4DC4-BEC5-3A46C4B72833}" presName="childNode1tx" presStyleLbl="bgAcc1" presStyleIdx="0" presStyleCnt="3">
+    <dgm:pt modelId="{9B6BFEAA-E714-4AA6-81A3-B43113519FEB}" type="pres">
+      <dgm:prSet presAssocID="{775BC93E-09B9-4C04-8840-578DAD067F69}" presName="tile2" presStyleLbl="node1" presStyleIdx="1" presStyleCnt="4" custScaleX="99307" custScaleY="95179" custLinFactNeighborY="667"/>
+      <dgm:spPr/>
+    </dgm:pt>
+    <dgm:pt modelId="{B94C1832-E9DD-477C-AFC6-8A989FC1435F}" type="pres">
+      <dgm:prSet presAssocID="{775BC93E-09B9-4C04-8840-578DAD067F69}" presName="tile2text" presStyleLbl="node1" presStyleIdx="1" presStyleCnt="4">
         <dgm:presLayoutVars>
+          <dgm:chMax val="0"/>
+          <dgm:chPref val="0"/>
           <dgm:bulletEnabled val="1"/>
         </dgm:presLayoutVars>
       </dgm:prSet>
       <dgm:spPr/>
     </dgm:pt>
-    <dgm:pt modelId="{A6677C2D-6318-4062-9705-BAE6F09D2BF7}" type="pres">
-      <dgm:prSet presAssocID="{B4BFC408-C4EE-4DC4-BEC5-3A46C4B72833}" presName="parentNode1" presStyleLbl="node1" presStyleIdx="0" presStyleCnt="3">
+    <dgm:pt modelId="{72AC252A-5CB9-4135-8F99-B42665F4749D}" type="pres">
+      <dgm:prSet presAssocID="{775BC93E-09B9-4C04-8840-578DAD067F69}" presName="tile3" presStyleLbl="node1" presStyleIdx="2" presStyleCnt="4" custScaleX="101450" custScaleY="105879" custLinFactNeighborY="-335"/>
+      <dgm:spPr/>
+    </dgm:pt>
+    <dgm:pt modelId="{DEE54DF8-1FA5-400E-B277-FD9BBF08597D}" type="pres">
+      <dgm:prSet presAssocID="{775BC93E-09B9-4C04-8840-578DAD067F69}" presName="tile3text" presStyleLbl="node1" presStyleIdx="2" presStyleCnt="4">
         <dgm:presLayoutVars>
-          <dgm:chMax val="1"/>
+          <dgm:chMax val="0"/>
+          <dgm:chPref val="0"/>
           <dgm:bulletEnabled val="1"/>
         </dgm:presLayoutVars>
       </dgm:prSet>
       <dgm:spPr/>
     </dgm:pt>
-    <dgm:pt modelId="{9DE251ED-584E-4B18-8280-16CB3C8090CC}" type="pres">
-      <dgm:prSet presAssocID="{B4BFC408-C4EE-4DC4-BEC5-3A46C4B72833}" presName="connSite1" presStyleCnt="0"/>
+    <dgm:pt modelId="{7D8404F5-1A24-4677-8AFA-0BDCDD839146}" type="pres">
+      <dgm:prSet presAssocID="{775BC93E-09B9-4C04-8840-578DAD067F69}" presName="tile4" presStyleLbl="node1" presStyleIdx="3" presStyleCnt="4" custScaleX="99256" custScaleY="105326" custLinFactNeighborX="394"/>
       <dgm:spPr/>
     </dgm:pt>
-    <dgm:pt modelId="{78AB1B05-B994-42C9-9B1F-03AB5228C77B}" type="pres">
-      <dgm:prSet presAssocID="{77A2C970-CBCE-4145-BB6D-7EF4B6FD52E6}" presName="Name9" presStyleLbl="sibTrans2D1" presStyleIdx="0" presStyleCnt="2"/>
-      <dgm:spPr/>
-    </dgm:pt>
-    <dgm:pt modelId="{2CE589EB-32F1-4B97-930B-63DC1237845E}" type="pres">
-      <dgm:prSet presAssocID="{A205127A-9D43-4E4D-9D61-A412F06EDEA5}" presName="composite2" presStyleCnt="0"/>
-      <dgm:spPr/>
-    </dgm:pt>
-    <dgm:pt modelId="{67784136-5C27-48D0-94DB-98CA77E26D43}" type="pres">
-      <dgm:prSet presAssocID="{A205127A-9D43-4E4D-9D61-A412F06EDEA5}" presName="dummyNode2" presStyleLbl="node1" presStyleIdx="0" presStyleCnt="3"/>
-      <dgm:spPr/>
-    </dgm:pt>
-    <dgm:pt modelId="{7FF9A734-6600-414A-9F9B-E06741C86125}" type="pres">
-      <dgm:prSet presAssocID="{A205127A-9D43-4E4D-9D61-A412F06EDEA5}" presName="childNode2" presStyleLbl="bgAcc1" presStyleIdx="1" presStyleCnt="3">
+    <dgm:pt modelId="{7FC97720-6ED4-4583-B224-ADC61E5FEA57}" type="pres">
+      <dgm:prSet presAssocID="{775BC93E-09B9-4C04-8840-578DAD067F69}" presName="tile4text" presStyleLbl="node1" presStyleIdx="3" presStyleCnt="4">
         <dgm:presLayoutVars>
+          <dgm:chMax val="0"/>
+          <dgm:chPref val="0"/>
           <dgm:bulletEnabled val="1"/>
         </dgm:presLayoutVars>
       </dgm:prSet>
       <dgm:spPr/>
     </dgm:pt>
-    <dgm:pt modelId="{7DAE6A69-4590-416C-80CD-1ED46FEDE924}" type="pres">
-      <dgm:prSet presAssocID="{A205127A-9D43-4E4D-9D61-A412F06EDEA5}" presName="childNode2tx" presStyleLbl="bgAcc1" presStyleIdx="1" presStyleCnt="3">
+    <dgm:pt modelId="{E6E92A51-221C-4D69-859A-AA135960C90F}" type="pres">
+      <dgm:prSet presAssocID="{775BC93E-09B9-4C04-8840-578DAD067F69}" presName="centerTile" presStyleLbl="fgShp" presStyleIdx="0" presStyleCnt="1" custScaleX="91756" custScaleY="95631" custLinFactNeighborX="2962" custLinFactNeighborY="-6537">
         <dgm:presLayoutVars>
-          <dgm:bulletEnabled val="1"/>
+          <dgm:chMax val="0"/>
+          <dgm:chPref val="0"/>
         </dgm:presLayoutVars>
       </dgm:prSet>
       <dgm:spPr/>
     </dgm:pt>
-    <dgm:pt modelId="{D2904DD9-2073-426F-86A8-93BD67044879}" type="pres">
-      <dgm:prSet presAssocID="{A205127A-9D43-4E4D-9D61-A412F06EDEA5}" presName="parentNode2" presStyleLbl="node1" presStyleIdx="1" presStyleCnt="3">
-        <dgm:presLayoutVars>
-          <dgm:chMax val="0"/>
-          <dgm:bulletEnabled val="1"/>
-        </dgm:presLayoutVars>
-      </dgm:prSet>
-      <dgm:spPr/>
-    </dgm:pt>
-    <dgm:pt modelId="{C24A5C5B-558D-423A-BC07-A30CF9C1732A}" type="pres">
-      <dgm:prSet presAssocID="{A205127A-9D43-4E4D-9D61-A412F06EDEA5}" presName="connSite2" presStyleCnt="0"/>
-      <dgm:spPr/>
-    </dgm:pt>
-    <dgm:pt modelId="{6825855F-64EA-4DA9-A238-47754C0DE1D7}" type="pres">
-      <dgm:prSet presAssocID="{4E45B562-076E-409E-826E-394930545370}" presName="Name18" presStyleLbl="sibTrans2D1" presStyleIdx="1" presStyleCnt="2"/>
-      <dgm:spPr/>
-    </dgm:pt>
-    <dgm:pt modelId="{156797B7-BEC3-4085-A648-55E772FE66BE}" type="pres">
-      <dgm:prSet presAssocID="{626E8ABF-F29F-4428-8CB4-F995EA2F98EB}" presName="composite1" presStyleCnt="0"/>
-      <dgm:spPr/>
-    </dgm:pt>
-    <dgm:pt modelId="{5FD40642-D1F3-477A-B6F6-60FA79C2EFC3}" type="pres">
-      <dgm:prSet presAssocID="{626E8ABF-F29F-4428-8CB4-F995EA2F98EB}" presName="dummyNode1" presStyleLbl="node1" presStyleIdx="1" presStyleCnt="3"/>
-      <dgm:spPr/>
-    </dgm:pt>
-    <dgm:pt modelId="{756D1048-F776-4D40-B434-1D019914DB44}" type="pres">
-      <dgm:prSet presAssocID="{626E8ABF-F29F-4428-8CB4-F995EA2F98EB}" presName="childNode1" presStyleLbl="bgAcc1" presStyleIdx="2" presStyleCnt="3">
-        <dgm:presLayoutVars>
-          <dgm:bulletEnabled val="1"/>
-        </dgm:presLayoutVars>
-      </dgm:prSet>
-      <dgm:spPr/>
-    </dgm:pt>
-    <dgm:pt modelId="{D3D7FAEE-0FC9-4909-9FA6-CD516665E946}" type="pres">
-      <dgm:prSet presAssocID="{626E8ABF-F29F-4428-8CB4-F995EA2F98EB}" presName="childNode1tx" presStyleLbl="bgAcc1" presStyleIdx="2" presStyleCnt="3">
-        <dgm:presLayoutVars>
-          <dgm:bulletEnabled val="1"/>
-        </dgm:presLayoutVars>
-      </dgm:prSet>
-      <dgm:spPr/>
-    </dgm:pt>
-    <dgm:pt modelId="{37A08543-D706-4803-B1A0-F576F557CBBD}" type="pres">
-      <dgm:prSet presAssocID="{626E8ABF-F29F-4428-8CB4-F995EA2F98EB}" presName="parentNode1" presStyleLbl="node1" presStyleIdx="2" presStyleCnt="3">
-        <dgm:presLayoutVars>
-          <dgm:chMax val="1"/>
-          <dgm:bulletEnabled val="1"/>
-        </dgm:presLayoutVars>
-      </dgm:prSet>
-      <dgm:spPr/>
-    </dgm:pt>
-    <dgm:pt modelId="{10882C34-287E-45BF-8183-C503B37D10E9}" type="pres">
-      <dgm:prSet presAssocID="{626E8ABF-F29F-4428-8CB4-F995EA2F98EB}" presName="connSite1" presStyleCnt="0"/>
-      <dgm:spPr/>
-    </dgm:pt>
   </dgm:ptLst>
   <dgm:cxnLst>
-    <dgm:cxn modelId="{8B1C0800-3792-40C7-AC4E-85C308C0FF51}" type="presOf" srcId="{B4BFC408-C4EE-4DC4-BEC5-3A46C4B72833}" destId="{A6677C2D-6318-4062-9705-BAE6F09D2BF7}" srcOrd="0" destOrd="0" presId="urn:microsoft.com/office/officeart/2005/8/layout/hProcess4"/>
-    <dgm:cxn modelId="{C0A42007-1505-4FA0-A3B3-D5871613C0EE}" type="presOf" srcId="{6EE6AF69-C572-40A8-BA32-4D5D3A9A9686}" destId="{D3D7FAEE-0FC9-4909-9FA6-CD516665E946}" srcOrd="1" destOrd="0" presId="urn:microsoft.com/office/officeart/2005/8/layout/hProcess4"/>
-    <dgm:cxn modelId="{D84BBE16-9645-435A-818E-79C9397D5AD2}" type="presOf" srcId="{25A0D48E-B1B7-4807-87A7-D48E0DF4AF24}" destId="{E16C0D2B-6713-41D0-966C-BE535670596B}" srcOrd="1" destOrd="0" presId="urn:microsoft.com/office/officeart/2005/8/layout/hProcess4"/>
-    <dgm:cxn modelId="{18459E18-EF61-404A-ACBE-A43CA88FC517}" srcId="{B4BFC408-C4EE-4DC4-BEC5-3A46C4B72833}" destId="{AD66D97C-16AB-4D02-A5D5-2E07C47D991E}" srcOrd="1" destOrd="0" parTransId="{F450C2DE-C7CC-4EFD-8B56-19DA4E997891}" sibTransId="{A3DE1CA6-2D42-459A-95FC-8B95FB47D0BC}"/>
-    <dgm:cxn modelId="{E5016C1E-86EC-44BD-BB9C-7A05E8C170EF}" srcId="{4132A4F9-645E-456E-8945-565F0698703C}" destId="{626E8ABF-F29F-4428-8CB4-F995EA2F98EB}" srcOrd="2" destOrd="0" parTransId="{AFF5A3B0-1DD3-4E51-B821-668623F14D1E}" sibTransId="{4E1F6C77-503A-411F-8DFA-B2DC71620EB8}"/>
-    <dgm:cxn modelId="{10F8E432-C1F4-45DA-9328-0F6745C8EB8E}" srcId="{4132A4F9-645E-456E-8945-565F0698703C}" destId="{B4BFC408-C4EE-4DC4-BEC5-3A46C4B72833}" srcOrd="0" destOrd="0" parTransId="{A996E58A-527F-4042-9308-E98F6122D08D}" sibTransId="{77A2C970-CBCE-4145-BB6D-7EF4B6FD52E6}"/>
-    <dgm:cxn modelId="{97669734-984D-40A3-98F7-2FF697B92FB1}" type="presOf" srcId="{AD66D97C-16AB-4D02-A5D5-2E07C47D991E}" destId="{25A5C2C4-568A-47DC-AA02-B807AE00FA6A}" srcOrd="0" destOrd="1" presId="urn:microsoft.com/office/officeart/2005/8/layout/hProcess4"/>
-    <dgm:cxn modelId="{F6A5D641-07BD-481B-99A4-23753E40B47E}" srcId="{626E8ABF-F29F-4428-8CB4-F995EA2F98EB}" destId="{F72B852C-384D-4AA7-9464-965B6A29D7BD}" srcOrd="1" destOrd="0" parTransId="{62DE594D-7D00-4A47-926C-C4F52EC844A1}" sibTransId="{A694CB77-07BE-4608-8347-0B602DA1B6A2}"/>
-    <dgm:cxn modelId="{F3A7066E-42FB-46E8-92E1-2633649F423E}" srcId="{B4BFC408-C4EE-4DC4-BEC5-3A46C4B72833}" destId="{25A0D48E-B1B7-4807-87A7-D48E0DF4AF24}" srcOrd="0" destOrd="0" parTransId="{CA33FB50-5E0F-4CAD-8C78-A963E8EF2F76}" sibTransId="{E37B8F4F-ABD0-4589-9A5A-E4AA3DB674AA}"/>
-    <dgm:cxn modelId="{8A772F51-1055-41CA-BA13-4C99F9DDFED0}" type="presOf" srcId="{49B9C208-5E33-4C65-936F-E4D3642359C7}" destId="{7DAE6A69-4590-416C-80CD-1ED46FEDE924}" srcOrd="1" destOrd="1" presId="urn:microsoft.com/office/officeart/2005/8/layout/hProcess4"/>
-    <dgm:cxn modelId="{8ADA4874-C7C1-4CC5-874E-6A7C9E430752}" type="presOf" srcId="{F72B852C-384D-4AA7-9464-965B6A29D7BD}" destId="{756D1048-F776-4D40-B434-1D019914DB44}" srcOrd="0" destOrd="1" presId="urn:microsoft.com/office/officeart/2005/8/layout/hProcess4"/>
-    <dgm:cxn modelId="{38498554-698D-4D21-ACD7-2CF98DF1F452}" type="presOf" srcId="{626E8ABF-F29F-4428-8CB4-F995EA2F98EB}" destId="{37A08543-D706-4803-B1A0-F576F557CBBD}" srcOrd="0" destOrd="0" presId="urn:microsoft.com/office/officeart/2005/8/layout/hProcess4"/>
-    <dgm:cxn modelId="{30D63486-F3A3-45D3-940E-B39FDA875FDF}" srcId="{A205127A-9D43-4E4D-9D61-A412F06EDEA5}" destId="{49B9C208-5E33-4C65-936F-E4D3642359C7}" srcOrd="1" destOrd="0" parTransId="{BD76C8FE-3725-4137-ACBA-D5A9398BD4AA}" sibTransId="{1A90CA8B-B5B7-44C5-897B-EBA963CC9E40}"/>
-    <dgm:cxn modelId="{CD651587-C39B-4D97-B21B-4570FEF30616}" type="presOf" srcId="{4132A4F9-645E-456E-8945-565F0698703C}" destId="{04DDBFB4-22A4-4E81-925D-728D432D91EB}" srcOrd="0" destOrd="0" presId="urn:microsoft.com/office/officeart/2005/8/layout/hProcess4"/>
-    <dgm:cxn modelId="{B10FE593-EEEA-4749-9C3C-306D50FA9B62}" type="presOf" srcId="{A205127A-9D43-4E4D-9D61-A412F06EDEA5}" destId="{D2904DD9-2073-426F-86A8-93BD67044879}" srcOrd="0" destOrd="0" presId="urn:microsoft.com/office/officeart/2005/8/layout/hProcess4"/>
-    <dgm:cxn modelId="{6FFFA6B3-939B-4B6B-AC68-2CD1A7D35682}" srcId="{4132A4F9-645E-456E-8945-565F0698703C}" destId="{A205127A-9D43-4E4D-9D61-A412F06EDEA5}" srcOrd="1" destOrd="0" parTransId="{E1EEDBC2-0B4E-4B55-B1BF-F6FDC8A5A13A}" sibTransId="{4E45B562-076E-409E-826E-394930545370}"/>
-    <dgm:cxn modelId="{5A2BF1B4-F7D9-4A67-A92F-ACF17A8B7DB3}" type="presOf" srcId="{AD66D97C-16AB-4D02-A5D5-2E07C47D991E}" destId="{E16C0D2B-6713-41D0-966C-BE535670596B}" srcOrd="1" destOrd="1" presId="urn:microsoft.com/office/officeart/2005/8/layout/hProcess4"/>
-    <dgm:cxn modelId="{8BA252BB-A003-4654-9A23-5718F059FE42}" type="presOf" srcId="{77A2C970-CBCE-4145-BB6D-7EF4B6FD52E6}" destId="{78AB1B05-B994-42C9-9B1F-03AB5228C77B}" srcOrd="0" destOrd="0" presId="urn:microsoft.com/office/officeart/2005/8/layout/hProcess4"/>
-    <dgm:cxn modelId="{5D7D4DC0-D60E-4287-8FDD-FFBBFF0BF15F}" type="presOf" srcId="{6EE6AF69-C572-40A8-BA32-4D5D3A9A9686}" destId="{756D1048-F776-4D40-B434-1D019914DB44}" srcOrd="0" destOrd="0" presId="urn:microsoft.com/office/officeart/2005/8/layout/hProcess4"/>
-    <dgm:cxn modelId="{E6243EC7-D52B-4E53-92D3-0937DD8C6112}" type="presOf" srcId="{4E45B562-076E-409E-826E-394930545370}" destId="{6825855F-64EA-4DA9-A238-47754C0DE1D7}" srcOrd="0" destOrd="0" presId="urn:microsoft.com/office/officeart/2005/8/layout/hProcess4"/>
-    <dgm:cxn modelId="{008382D7-05BE-4798-A61A-3E355D87A583}" type="presOf" srcId="{F72B852C-384D-4AA7-9464-965B6A29D7BD}" destId="{D3D7FAEE-0FC9-4909-9FA6-CD516665E946}" srcOrd="1" destOrd="1" presId="urn:microsoft.com/office/officeart/2005/8/layout/hProcess4"/>
-    <dgm:cxn modelId="{E0FD05D9-0BF6-4F1C-8BF2-03C142147347}" type="presOf" srcId="{3F9120F0-2A54-49A3-849A-8C607478490F}" destId="{7DAE6A69-4590-416C-80CD-1ED46FEDE924}" srcOrd="1" destOrd="0" presId="urn:microsoft.com/office/officeart/2005/8/layout/hProcess4"/>
-    <dgm:cxn modelId="{94CAA8D9-6CA2-4237-B5DB-01F2A5ADAF74}" type="presOf" srcId="{25A0D48E-B1B7-4807-87A7-D48E0DF4AF24}" destId="{25A5C2C4-568A-47DC-AA02-B807AE00FA6A}" srcOrd="0" destOrd="0" presId="urn:microsoft.com/office/officeart/2005/8/layout/hProcess4"/>
-    <dgm:cxn modelId="{5606CBD9-7274-4D85-9370-51DCB4CA1EEE}" type="presOf" srcId="{3F9120F0-2A54-49A3-849A-8C607478490F}" destId="{7FF9A734-6600-414A-9F9B-E06741C86125}" srcOrd="0" destOrd="0" presId="urn:microsoft.com/office/officeart/2005/8/layout/hProcess4"/>
-    <dgm:cxn modelId="{8DAEA3E3-478C-4064-BCDF-E2C43772F417}" srcId="{A205127A-9D43-4E4D-9D61-A412F06EDEA5}" destId="{3F9120F0-2A54-49A3-849A-8C607478490F}" srcOrd="0" destOrd="0" parTransId="{5F963230-BEC2-411B-8FC9-5CE9C209D0E5}" sibTransId="{E2C5E085-2EE4-44D1-B78F-271197D39D96}"/>
-    <dgm:cxn modelId="{4F60B3E9-EE3F-4B1B-8AA5-B9D692869244}" type="presOf" srcId="{49B9C208-5E33-4C65-936F-E4D3642359C7}" destId="{7FF9A734-6600-414A-9F9B-E06741C86125}" srcOrd="0" destOrd="1" presId="urn:microsoft.com/office/officeart/2005/8/layout/hProcess4"/>
-    <dgm:cxn modelId="{CBECEAEB-D524-4454-9D43-0762AB035C7D}" srcId="{626E8ABF-F29F-4428-8CB4-F995EA2F98EB}" destId="{6EE6AF69-C572-40A8-BA32-4D5D3A9A9686}" srcOrd="0" destOrd="0" parTransId="{42DC9C6B-BC76-4959-A5F9-73DB05069BC6}" sibTransId="{3825DC34-539C-4283-ACAC-57EAE2224C1E}"/>
-    <dgm:cxn modelId="{DB8B5CA0-1300-4569-9E12-0DDDEA8C5C7A}" type="presParOf" srcId="{04DDBFB4-22A4-4E81-925D-728D432D91EB}" destId="{460F7435-8FFC-4AAE-BF1E-F05CD9DB0020}" srcOrd="0" destOrd="0" presId="urn:microsoft.com/office/officeart/2005/8/layout/hProcess4"/>
-    <dgm:cxn modelId="{1D07D9F8-7F46-42B7-8F99-2343E399B97E}" type="presParOf" srcId="{04DDBFB4-22A4-4E81-925D-728D432D91EB}" destId="{0D06B5D6-55D3-4F38-85E3-179C0516294A}" srcOrd="1" destOrd="0" presId="urn:microsoft.com/office/officeart/2005/8/layout/hProcess4"/>
-    <dgm:cxn modelId="{5C0B117F-B3B2-4FEF-ACA1-E5C78FEA2D3A}" type="presParOf" srcId="{04DDBFB4-22A4-4E81-925D-728D432D91EB}" destId="{E537700F-A2C9-482A-A1B9-B682A6963E63}" srcOrd="2" destOrd="0" presId="urn:microsoft.com/office/officeart/2005/8/layout/hProcess4"/>
-    <dgm:cxn modelId="{4060EDED-E9C3-4B66-B899-22DA1471A6AE}" type="presParOf" srcId="{E537700F-A2C9-482A-A1B9-B682A6963E63}" destId="{62F4A589-7AAA-4907-A608-157EADB2C860}" srcOrd="0" destOrd="0" presId="urn:microsoft.com/office/officeart/2005/8/layout/hProcess4"/>
-    <dgm:cxn modelId="{66618F1A-21FD-4EB5-98B7-D5270FD77158}" type="presParOf" srcId="{62F4A589-7AAA-4907-A608-157EADB2C860}" destId="{D142A5A9-845E-4EDD-B1B0-C56980DE3C38}" srcOrd="0" destOrd="0" presId="urn:microsoft.com/office/officeart/2005/8/layout/hProcess4"/>
-    <dgm:cxn modelId="{08126738-74DD-4425-B9E2-46B617556DA3}" type="presParOf" srcId="{62F4A589-7AAA-4907-A608-157EADB2C860}" destId="{25A5C2C4-568A-47DC-AA02-B807AE00FA6A}" srcOrd="1" destOrd="0" presId="urn:microsoft.com/office/officeart/2005/8/layout/hProcess4"/>
-    <dgm:cxn modelId="{49786E7B-7CD2-4A8C-80AE-F3DC6D7B78EB}" type="presParOf" srcId="{62F4A589-7AAA-4907-A608-157EADB2C860}" destId="{E16C0D2B-6713-41D0-966C-BE535670596B}" srcOrd="2" destOrd="0" presId="urn:microsoft.com/office/officeart/2005/8/layout/hProcess4"/>
-    <dgm:cxn modelId="{1AFF0678-12FC-4509-9AA3-6F07F5B99ED6}" type="presParOf" srcId="{62F4A589-7AAA-4907-A608-157EADB2C860}" destId="{A6677C2D-6318-4062-9705-BAE6F09D2BF7}" srcOrd="3" destOrd="0" presId="urn:microsoft.com/office/officeart/2005/8/layout/hProcess4"/>
-    <dgm:cxn modelId="{F2B58BF5-3900-4406-A1BE-EB9EE94229EE}" type="presParOf" srcId="{62F4A589-7AAA-4907-A608-157EADB2C860}" destId="{9DE251ED-584E-4B18-8280-16CB3C8090CC}" srcOrd="4" destOrd="0" presId="urn:microsoft.com/office/officeart/2005/8/layout/hProcess4"/>
-    <dgm:cxn modelId="{ED5B0729-EF82-44C1-8D45-7ED8D1225879}" type="presParOf" srcId="{E537700F-A2C9-482A-A1B9-B682A6963E63}" destId="{78AB1B05-B994-42C9-9B1F-03AB5228C77B}" srcOrd="1" destOrd="0" presId="urn:microsoft.com/office/officeart/2005/8/layout/hProcess4"/>
-    <dgm:cxn modelId="{8DE918F2-3EE7-4829-9E20-716DBF27C981}" type="presParOf" srcId="{E537700F-A2C9-482A-A1B9-B682A6963E63}" destId="{2CE589EB-32F1-4B97-930B-63DC1237845E}" srcOrd="2" destOrd="0" presId="urn:microsoft.com/office/officeart/2005/8/layout/hProcess4"/>
-    <dgm:cxn modelId="{016DBC32-D71F-40DF-8647-E4B4317976D8}" type="presParOf" srcId="{2CE589EB-32F1-4B97-930B-63DC1237845E}" destId="{67784136-5C27-48D0-94DB-98CA77E26D43}" srcOrd="0" destOrd="0" presId="urn:microsoft.com/office/officeart/2005/8/layout/hProcess4"/>
-    <dgm:cxn modelId="{B1D993EF-9B7C-4725-811A-F3E389A3EAEB}" type="presParOf" srcId="{2CE589EB-32F1-4B97-930B-63DC1237845E}" destId="{7FF9A734-6600-414A-9F9B-E06741C86125}" srcOrd="1" destOrd="0" presId="urn:microsoft.com/office/officeart/2005/8/layout/hProcess4"/>
-    <dgm:cxn modelId="{4E3F7D55-5813-45B8-83F6-F347D8C00D2C}" type="presParOf" srcId="{2CE589EB-32F1-4B97-930B-63DC1237845E}" destId="{7DAE6A69-4590-416C-80CD-1ED46FEDE924}" srcOrd="2" destOrd="0" presId="urn:microsoft.com/office/officeart/2005/8/layout/hProcess4"/>
-    <dgm:cxn modelId="{E08E062A-8766-4AE4-9F6D-1A1F6D14802A}" type="presParOf" srcId="{2CE589EB-32F1-4B97-930B-63DC1237845E}" destId="{D2904DD9-2073-426F-86A8-93BD67044879}" srcOrd="3" destOrd="0" presId="urn:microsoft.com/office/officeart/2005/8/layout/hProcess4"/>
-    <dgm:cxn modelId="{C4FBA081-9B10-41D2-A2B6-E9A166E73992}" type="presParOf" srcId="{2CE589EB-32F1-4B97-930B-63DC1237845E}" destId="{C24A5C5B-558D-423A-BC07-A30CF9C1732A}" srcOrd="4" destOrd="0" presId="urn:microsoft.com/office/officeart/2005/8/layout/hProcess4"/>
-    <dgm:cxn modelId="{B5C055F7-9773-4EE4-8E1C-81DE916D81AF}" type="presParOf" srcId="{E537700F-A2C9-482A-A1B9-B682A6963E63}" destId="{6825855F-64EA-4DA9-A238-47754C0DE1D7}" srcOrd="3" destOrd="0" presId="urn:microsoft.com/office/officeart/2005/8/layout/hProcess4"/>
-    <dgm:cxn modelId="{D55D256B-1625-4071-AEA9-191E2E58B5F0}" type="presParOf" srcId="{E537700F-A2C9-482A-A1B9-B682A6963E63}" destId="{156797B7-BEC3-4085-A648-55E772FE66BE}" srcOrd="4" destOrd="0" presId="urn:microsoft.com/office/officeart/2005/8/layout/hProcess4"/>
-    <dgm:cxn modelId="{D5C38490-F7F1-4D78-908D-C13798881F1A}" type="presParOf" srcId="{156797B7-BEC3-4085-A648-55E772FE66BE}" destId="{5FD40642-D1F3-477A-B6F6-60FA79C2EFC3}" srcOrd="0" destOrd="0" presId="urn:microsoft.com/office/officeart/2005/8/layout/hProcess4"/>
-    <dgm:cxn modelId="{65AE03CB-4792-4BBC-AE34-033CC66C20C3}" type="presParOf" srcId="{156797B7-BEC3-4085-A648-55E772FE66BE}" destId="{756D1048-F776-4D40-B434-1D019914DB44}" srcOrd="1" destOrd="0" presId="urn:microsoft.com/office/officeart/2005/8/layout/hProcess4"/>
-    <dgm:cxn modelId="{46A5AECE-E1C1-4A5F-A589-08D3732BBCBC}" type="presParOf" srcId="{156797B7-BEC3-4085-A648-55E772FE66BE}" destId="{D3D7FAEE-0FC9-4909-9FA6-CD516665E946}" srcOrd="2" destOrd="0" presId="urn:microsoft.com/office/officeart/2005/8/layout/hProcess4"/>
-    <dgm:cxn modelId="{081EEB27-3463-4315-927B-9FEA1BF68545}" type="presParOf" srcId="{156797B7-BEC3-4085-A648-55E772FE66BE}" destId="{37A08543-D706-4803-B1A0-F576F557CBBD}" srcOrd="3" destOrd="0" presId="urn:microsoft.com/office/officeart/2005/8/layout/hProcess4"/>
-    <dgm:cxn modelId="{8F756D13-27D4-4801-93BD-0C47A0B7C2DC}" type="presParOf" srcId="{156797B7-BEC3-4085-A648-55E772FE66BE}" destId="{10882C34-287E-45BF-8183-C503B37D10E9}" srcOrd="4" destOrd="0" presId="urn:microsoft.com/office/officeart/2005/8/layout/hProcess4"/>
+    <dgm:cxn modelId="{8516CF03-AA44-46F3-BED3-990B559AF487}" srcId="{C466B9B1-4583-421F-A29E-F5B1E5FC5B37}" destId="{68126441-0949-4119-8589-D1D0FE1E9AB1}" srcOrd="0" destOrd="0" parTransId="{C3BF431C-B17E-4192-B663-61FFF574C8FC}" sibTransId="{DDF04C28-CCCE-4FDC-BD78-7970C882966C}"/>
+    <dgm:cxn modelId="{D3BA613A-465D-4BE8-A891-6180B01969EF}" type="presOf" srcId="{C466B9B1-4583-421F-A29E-F5B1E5FC5B37}" destId="{E6E92A51-221C-4D69-859A-AA135960C90F}" srcOrd="0" destOrd="0" presId="urn:microsoft.com/office/officeart/2005/8/layout/matrix1"/>
+    <dgm:cxn modelId="{ADE35E63-8411-4934-B574-7A51E96439D3}" type="presOf" srcId="{91E8396A-B14C-4CB8-B753-CFE364E5E52E}" destId="{DEE54DF8-1FA5-400E-B277-FD9BBF08597D}" srcOrd="1" destOrd="0" presId="urn:microsoft.com/office/officeart/2005/8/layout/matrix1"/>
+    <dgm:cxn modelId="{1ACCB063-846D-4CDC-9D7A-27CC28B85F5F}" srcId="{C466B9B1-4583-421F-A29E-F5B1E5FC5B37}" destId="{91E8396A-B14C-4CB8-B753-CFE364E5E52E}" srcOrd="2" destOrd="0" parTransId="{996099F9-9542-4654-8F59-994B05D44108}" sibTransId="{5DFA6EEA-7141-4EB4-BE20-0E7CB9DDAEA4}"/>
+    <dgm:cxn modelId="{63613F4B-F171-4AE1-890B-9EDA65E32C79}" type="presOf" srcId="{775BC93E-09B9-4C04-8840-578DAD067F69}" destId="{461476F5-E6C4-4933-9B14-2EE3841A5C9A}" srcOrd="0" destOrd="0" presId="urn:microsoft.com/office/officeart/2005/8/layout/matrix1"/>
+    <dgm:cxn modelId="{6C3FFC6D-9CC7-4E8A-8160-5E457EC39468}" srcId="{C466B9B1-4583-421F-A29E-F5B1E5FC5B37}" destId="{4E85C8A1-DA0E-4C6C-A6C6-1D986B72FEB8}" srcOrd="3" destOrd="0" parTransId="{6D9AF836-A30F-418E-852D-EE1F920691C1}" sibTransId="{C6CE115B-2E53-49C7-8599-68EDD53719F9}"/>
+    <dgm:cxn modelId="{09977052-93C1-47A9-9B1E-2002374184CF}" type="presOf" srcId="{4E85C8A1-DA0E-4C6C-A6C6-1D986B72FEB8}" destId="{7FC97720-6ED4-4583-B224-ADC61E5FEA57}" srcOrd="1" destOrd="0" presId="urn:microsoft.com/office/officeart/2005/8/layout/matrix1"/>
+    <dgm:cxn modelId="{0DE67C57-10C6-48A4-922B-C13D3F2C1536}" type="presOf" srcId="{68126441-0949-4119-8589-D1D0FE1E9AB1}" destId="{2836CAE5-518D-47FB-9432-9AA2ECFB0B66}" srcOrd="1" destOrd="0" presId="urn:microsoft.com/office/officeart/2005/8/layout/matrix1"/>
+    <dgm:cxn modelId="{154B9A78-818B-42AC-8323-A90D6EEC20B5}" type="presOf" srcId="{32C3B942-8ABB-4D27-911A-23D313CCCAD7}" destId="{9B6BFEAA-E714-4AA6-81A3-B43113519FEB}" srcOrd="0" destOrd="0" presId="urn:microsoft.com/office/officeart/2005/8/layout/matrix1"/>
+    <dgm:cxn modelId="{2FAED187-E22B-4411-8319-35EAC161BD28}" type="presOf" srcId="{68126441-0949-4119-8589-D1D0FE1E9AB1}" destId="{AC527DC2-D6EC-4492-817D-BD424025FA5F}" srcOrd="0" destOrd="0" presId="urn:microsoft.com/office/officeart/2005/8/layout/matrix1"/>
+    <dgm:cxn modelId="{FD15439F-7C53-42DD-B1A3-595714422A4D}" type="presOf" srcId="{32C3B942-8ABB-4D27-911A-23D313CCCAD7}" destId="{B94C1832-E9DD-477C-AFC6-8A989FC1435F}" srcOrd="1" destOrd="0" presId="urn:microsoft.com/office/officeart/2005/8/layout/matrix1"/>
+    <dgm:cxn modelId="{373ADBA6-7B0F-46F3-BB28-98B187823CB9}" type="presOf" srcId="{4E85C8A1-DA0E-4C6C-A6C6-1D986B72FEB8}" destId="{7D8404F5-1A24-4677-8AFA-0BDCDD839146}" srcOrd="0" destOrd="0" presId="urn:microsoft.com/office/officeart/2005/8/layout/matrix1"/>
+    <dgm:cxn modelId="{5EEA29C1-89A0-4366-8715-2D17AD721627}" srcId="{775BC93E-09B9-4C04-8840-578DAD067F69}" destId="{C466B9B1-4583-421F-A29E-F5B1E5FC5B37}" srcOrd="0" destOrd="0" parTransId="{C2C9A2B5-24EF-4AE3-9BCB-F96A30780468}" sibTransId="{65FC9997-828F-4620-AC36-7D18E606C1F2}"/>
+    <dgm:cxn modelId="{A0B088C5-5E3D-48DF-99B2-0B20E2ECB730}" type="presOf" srcId="{91E8396A-B14C-4CB8-B753-CFE364E5E52E}" destId="{72AC252A-5CB9-4135-8F99-B42665F4749D}" srcOrd="0" destOrd="0" presId="urn:microsoft.com/office/officeart/2005/8/layout/matrix1"/>
+    <dgm:cxn modelId="{689B96F5-B583-43CC-8D2F-21CFF8F7DF89}" srcId="{C466B9B1-4583-421F-A29E-F5B1E5FC5B37}" destId="{32C3B942-8ABB-4D27-911A-23D313CCCAD7}" srcOrd="1" destOrd="0" parTransId="{75AAA0DC-3AEE-4F82-BFA5-10162ABF3FCF}" sibTransId="{CA76818F-7C6E-4DB2-BD82-6C5ECE3E09AF}"/>
+    <dgm:cxn modelId="{753C7092-6108-4FD7-8C12-BA7411EF20C6}" type="presParOf" srcId="{461476F5-E6C4-4933-9B14-2EE3841A5C9A}" destId="{1D4C7083-FE14-4C97-986D-A97177144CAB}" srcOrd="0" destOrd="0" presId="urn:microsoft.com/office/officeart/2005/8/layout/matrix1"/>
+    <dgm:cxn modelId="{D04B58B7-863B-4BC8-8B42-2B758714608B}" type="presParOf" srcId="{1D4C7083-FE14-4C97-986D-A97177144CAB}" destId="{AC527DC2-D6EC-4492-817D-BD424025FA5F}" srcOrd="0" destOrd="0" presId="urn:microsoft.com/office/officeart/2005/8/layout/matrix1"/>
+    <dgm:cxn modelId="{AC158066-213B-45D3-8FAA-359FA67D2D83}" type="presParOf" srcId="{1D4C7083-FE14-4C97-986D-A97177144CAB}" destId="{2836CAE5-518D-47FB-9432-9AA2ECFB0B66}" srcOrd="1" destOrd="0" presId="urn:microsoft.com/office/officeart/2005/8/layout/matrix1"/>
+    <dgm:cxn modelId="{5C5EA60F-7725-4E68-BD9C-2AC82CFDE7B7}" type="presParOf" srcId="{1D4C7083-FE14-4C97-986D-A97177144CAB}" destId="{9B6BFEAA-E714-4AA6-81A3-B43113519FEB}" srcOrd="2" destOrd="0" presId="urn:microsoft.com/office/officeart/2005/8/layout/matrix1"/>
+    <dgm:cxn modelId="{C69C17C1-134B-41D2-BA0A-D8E9675997A8}" type="presParOf" srcId="{1D4C7083-FE14-4C97-986D-A97177144CAB}" destId="{B94C1832-E9DD-477C-AFC6-8A989FC1435F}" srcOrd="3" destOrd="0" presId="urn:microsoft.com/office/officeart/2005/8/layout/matrix1"/>
+    <dgm:cxn modelId="{9267D67A-54B4-45A0-98EA-BF63FABE9234}" type="presParOf" srcId="{1D4C7083-FE14-4C97-986D-A97177144CAB}" destId="{72AC252A-5CB9-4135-8F99-B42665F4749D}" srcOrd="4" destOrd="0" presId="urn:microsoft.com/office/officeart/2005/8/layout/matrix1"/>
+    <dgm:cxn modelId="{B726DBFB-BCE0-460C-85AF-6B8B6EE5259B}" type="presParOf" srcId="{1D4C7083-FE14-4C97-986D-A97177144CAB}" destId="{DEE54DF8-1FA5-400E-B277-FD9BBF08597D}" srcOrd="5" destOrd="0" presId="urn:microsoft.com/office/officeart/2005/8/layout/matrix1"/>
+    <dgm:cxn modelId="{511D16FF-3E66-4461-A51E-43DA780CFBC4}" type="presParOf" srcId="{1D4C7083-FE14-4C97-986D-A97177144CAB}" destId="{7D8404F5-1A24-4677-8AFA-0BDCDD839146}" srcOrd="6" destOrd="0" presId="urn:microsoft.com/office/officeart/2005/8/layout/matrix1"/>
+    <dgm:cxn modelId="{67507DD4-B8FA-4E63-B641-BA74EA082713}" type="presParOf" srcId="{1D4C7083-FE14-4C97-986D-A97177144CAB}" destId="{7FC97720-6ED4-4583-B224-ADC61E5FEA57}" srcOrd="7" destOrd="0" presId="urn:microsoft.com/office/officeart/2005/8/layout/matrix1"/>
+    <dgm:cxn modelId="{942F8BFE-293C-4DA8-A3C1-A6F40BAD04FF}" type="presParOf" srcId="{461476F5-E6C4-4933-9B14-2EE3841A5C9A}" destId="{E6E92A51-221C-4D69-859A-AA135960C90F}" srcOrd="1" destOrd="0" presId="urn:microsoft.com/office/officeart/2005/8/layout/matrix1"/>
   </dgm:cxnLst>
   <dgm:bg/>
   <dgm:whole/>
   <dgm:extLst>
     <a:ext uri="http://schemas.microsoft.com/office/drawing/2008/diagram">
-      <dsp:dataModelExt xmlns:dsp="http://schemas.microsoft.com/office/drawing/2008/diagram" relId="rId7" minVer="http://schemas.openxmlformats.org/drawingml/2006/diagram"/>
+      <dsp:dataModelExt xmlns:dsp="http://schemas.microsoft.com/office/drawing/2008/diagram" relId="rId6" minVer="http://schemas.openxmlformats.org/drawingml/2006/diagram"/>
     </a:ext>
   </dgm:extLst>
 </dgm:dataModel>
@@ -3261,11 +3860,17 @@
           </a:pPr>
           <a:r>
             <a:rPr lang="pl-PL" sz="4000" b="1" kern="1200" dirty="0">
+              <a:solidFill>
+                <a:srgbClr val="57D3FF"/>
+              </a:solidFill>
               <a:latin typeface="+mj-lt"/>
             </a:rPr>
             <a:t>DATASET</a:t>
           </a:r>
           <a:endParaRPr lang="en-GB" sz="4000" b="1" kern="1200" dirty="0">
+            <a:solidFill>
+              <a:srgbClr val="57D3FF"/>
+            </a:solidFill>
             <a:latin typeface="+mj-lt"/>
           </a:endParaRPr>
         </a:p>
@@ -3445,11 +4050,17 @@
           </a:pPr>
           <a:r>
             <a:rPr lang="pl-PL" sz="4000" b="1" kern="1200" dirty="0">
+              <a:solidFill>
+                <a:srgbClr val="FFFF00"/>
+              </a:solidFill>
               <a:latin typeface="+mj-lt"/>
             </a:rPr>
             <a:t>BUILD &amp; TEST</a:t>
           </a:r>
           <a:endParaRPr lang="en-GB" sz="4000" b="1" kern="1200" dirty="0">
+            <a:solidFill>
+              <a:srgbClr val="FFFF00"/>
+            </a:solidFill>
             <a:latin typeface="+mj-lt"/>
           </a:endParaRPr>
         </a:p>
@@ -3735,38 +4346,25 @@
       <dsp:cNvGrpSpPr/>
     </dsp:nvGrpSpPr>
     <dsp:grpSpPr/>
-    <dsp:sp modelId="{25A5C2C4-568A-47DC-AA02-B807AE00FA6A}">
+    <dsp:sp modelId="{AC527DC2-D6EC-4492-817D-BD424025FA5F}">
       <dsp:nvSpPr>
         <dsp:cNvPr id="0" name=""/>
         <dsp:cNvSpPr/>
       </dsp:nvSpPr>
       <dsp:spPr>
-        <a:xfrm>
-          <a:off x="4193" y="1490977"/>
-          <a:ext cx="1940913" cy="1600847"/>
+        <a:xfrm rot="16200000">
+          <a:off x="1149713" y="-1159182"/>
+          <a:ext cx="2757267" cy="5075632"/>
         </a:xfrm>
-        <a:prstGeom prst="roundRect">
-          <a:avLst>
-            <a:gd name="adj" fmla="val 10000"/>
-          </a:avLst>
+        <a:prstGeom prst="round1Rect">
+          <a:avLst/>
         </a:prstGeom>
         <a:solidFill>
-          <a:schemeClr val="lt1">
-            <a:alpha val="90000"/>
-            <a:hueOff val="0"/>
-            <a:satOff val="0"/>
-            <a:lumOff val="0"/>
-            <a:alphaOff val="0"/>
-          </a:schemeClr>
+          <a:schemeClr val="bg1"/>
         </a:solidFill>
         <a:ln w="25400" cap="flat" cmpd="sng" algn="ctr">
           <a:solidFill>
-            <a:schemeClr val="accent1">
-              <a:hueOff val="0"/>
-              <a:satOff val="0"/>
-              <a:lumOff val="0"/>
-              <a:alphaOff val="0"/>
-            </a:schemeClr>
+            <a:srgbClr val="FFC1C1"/>
           </a:solidFill>
           <a:prstDash val="solid"/>
         </a:ln>
@@ -3782,15 +4380,17 @@
         <a:effectRef idx="0">
           <a:scrgbClr r="0" g="0" b="0"/>
         </a:effectRef>
-        <a:fontRef idx="minor"/>
+        <a:fontRef idx="minor">
+          <a:schemeClr val="lt1"/>
+        </a:fontRef>
       </dsp:style>
       <dsp:txBody>
-        <a:bodyPr spcFirstLastPara="0" vert="horz" wrap="square" lIns="68580" tIns="68580" rIns="68580" bIns="68580" numCol="1" spcCol="1270" anchor="t" anchorCtr="0">
+        <a:bodyPr spcFirstLastPara="0" vert="horz" wrap="square" lIns="113792" tIns="113792" rIns="113792" bIns="113792" numCol="1" spcCol="1270" anchor="ctr" anchorCtr="0">
           <a:noAutofit/>
         </a:bodyPr>
         <a:lstStyle/>
         <a:p>
-          <a:pPr marL="285750" lvl="1" indent="-285750" algn="l" defTabSz="1600200">
+          <a:pPr marL="0" lvl="0" indent="0" algn="l" defTabSz="711200">
             <a:lnSpc>
               <a:spcPct val="90000"/>
             </a:lnSpc>
@@ -3798,14 +4398,19 @@
               <a:spcPct val="0"/>
             </a:spcBef>
             <a:spcAft>
-              <a:spcPct val="15000"/>
+              <a:spcPct val="35000"/>
             </a:spcAft>
-            <a:buChar char="•"/>
+            <a:buNone/>
           </a:pPr>
-          <a:endParaRPr lang="en-GB" sz="3600" kern="1200"/>
+          <a:endParaRPr lang="pl-PL" sz="1600" b="0" i="0" kern="1200" dirty="0">
+            <a:solidFill>
+              <a:srgbClr val="00B050"/>
+            </a:solidFill>
+            <a:latin typeface="Consolas" panose="020B0609020204030204" pitchFamily="49" charset="0"/>
+          </a:endParaRPr>
         </a:p>
         <a:p>
-          <a:pPr marL="285750" lvl="1" indent="-285750" algn="l" defTabSz="1600200">
+          <a:pPr marL="0" lvl="0" indent="0" algn="l" defTabSz="711200">
             <a:lnSpc>
               <a:spcPct val="90000"/>
             </a:lnSpc>
@@ -3813,53 +4418,413 @@
               <a:spcPct val="0"/>
             </a:spcBef>
             <a:spcAft>
-              <a:spcPct val="15000"/>
+              <a:spcPct val="35000"/>
             </a:spcAft>
-            <a:buChar char="•"/>
+            <a:buNone/>
           </a:pPr>
-          <a:endParaRPr lang="en-GB" sz="3600" kern="1200"/>
+          <a:endParaRPr lang="pl-PL" sz="1600" b="0" i="0" kern="1200" dirty="0">
+            <a:solidFill>
+              <a:srgbClr val="00B050"/>
+            </a:solidFill>
+            <a:latin typeface="Consolas" panose="020B0609020204030204" pitchFamily="49" charset="0"/>
+          </a:endParaRPr>
+        </a:p>
+        <a:p>
+          <a:pPr marL="0" lvl="0" indent="0" algn="l" defTabSz="711200">
+            <a:lnSpc>
+              <a:spcPct val="90000"/>
+            </a:lnSpc>
+            <a:spcBef>
+              <a:spcPct val="0"/>
+            </a:spcBef>
+            <a:spcAft>
+              <a:spcPct val="35000"/>
+            </a:spcAft>
+            <a:buNone/>
+          </a:pPr>
+          <a:r>
+            <a:rPr lang="pl-PL" sz="1600" b="0" i="0" kern="1200" dirty="0">
+              <a:solidFill>
+                <a:srgbClr val="00B050"/>
+              </a:solidFill>
+              <a:latin typeface="Consolas" panose="020B0609020204030204" pitchFamily="49" charset="0"/>
+            </a:rPr>
+            <a:t>%</a:t>
+          </a:r>
+          <a:r>
+            <a:rPr lang="en-GB" sz="1600" b="0" i="0" kern="1200" dirty="0">
+              <a:solidFill>
+                <a:srgbClr val="00B050"/>
+              </a:solidFill>
+              <a:latin typeface="Consolas" panose="020B0609020204030204" pitchFamily="49" charset="0"/>
+            </a:rPr>
+            <a:t>cv = </a:t>
+          </a:r>
+          <a:r>
+            <a:rPr lang="en-GB" sz="1600" b="0" i="0" kern="1200" dirty="0" err="1">
+              <a:solidFill>
+                <a:srgbClr val="00B050"/>
+              </a:solidFill>
+              <a:latin typeface="Consolas" panose="020B0609020204030204" pitchFamily="49" charset="0"/>
+            </a:rPr>
+            <a:t>cvpartition</a:t>
+          </a:r>
+          <a:r>
+            <a:rPr lang="en-GB" sz="1600" b="0" i="0" kern="1200" dirty="0">
+              <a:solidFill>
+                <a:srgbClr val="00B050"/>
+              </a:solidFill>
+              <a:latin typeface="Consolas" panose="020B0609020204030204" pitchFamily="49" charset="0"/>
+            </a:rPr>
+            <a:t>(</a:t>
+          </a:r>
+          <a:r>
+            <a:rPr lang="en-GB" sz="1600" b="0" i="0" kern="1200" dirty="0" err="1">
+              <a:solidFill>
+                <a:srgbClr val="00B050"/>
+              </a:solidFill>
+              <a:latin typeface="Consolas" panose="020B0609020204030204" pitchFamily="49" charset="0"/>
+            </a:rPr>
+            <a:t>Y_categorical</a:t>
+          </a:r>
+          <a:r>
+            <a:rPr lang="en-GB" sz="1600" b="0" i="0" kern="1200" dirty="0">
+              <a:solidFill>
+                <a:srgbClr val="00B050"/>
+              </a:solidFill>
+              <a:latin typeface="Consolas" panose="020B0609020204030204" pitchFamily="49" charset="0"/>
+            </a:rPr>
+            <a:t>, </a:t>
+          </a:r>
+          <a:r>
+            <a:rPr lang="en-GB" sz="1600" b="0" i="0" u="none" kern="1200" dirty="0">
+              <a:solidFill>
+                <a:srgbClr val="00B050"/>
+              </a:solidFill>
+              <a:latin typeface="Consolas" panose="020B0609020204030204" pitchFamily="49" charset="0"/>
+            </a:rPr>
+            <a:t>'</a:t>
+          </a:r>
+          <a:r>
+            <a:rPr lang="en-GB" sz="1600" b="0" i="0" u="none" kern="1200" dirty="0" err="1">
+              <a:solidFill>
+                <a:srgbClr val="A568D2"/>
+              </a:solidFill>
+              <a:latin typeface="Consolas" panose="020B0609020204030204" pitchFamily="49" charset="0"/>
+            </a:rPr>
+            <a:t>KFold</a:t>
+          </a:r>
+          <a:r>
+            <a:rPr lang="en-GB" sz="1600" b="0" i="0" u="none" kern="1200" dirty="0">
+              <a:solidFill>
+                <a:srgbClr val="00B050"/>
+              </a:solidFill>
+              <a:latin typeface="Consolas" panose="020B0609020204030204" pitchFamily="49" charset="0"/>
+            </a:rPr>
+            <a:t>'</a:t>
+          </a:r>
+          <a:r>
+            <a:rPr lang="en-GB" sz="1600" b="0" i="0" kern="1200" dirty="0">
+              <a:solidFill>
+                <a:srgbClr val="00B050"/>
+              </a:solidFill>
+              <a:latin typeface="Consolas" panose="020B0609020204030204" pitchFamily="49" charset="0"/>
+            </a:rPr>
+            <a:t>, 5, </a:t>
+          </a:r>
+          <a:r>
+            <a:rPr lang="en-GB" sz="1600" b="0" i="0" u="none" kern="1200" dirty="0">
+              <a:solidFill>
+                <a:srgbClr val="00B050"/>
+              </a:solidFill>
+              <a:latin typeface="Consolas" panose="020B0609020204030204" pitchFamily="49" charset="0"/>
+            </a:rPr>
+            <a:t>'Stratify'</a:t>
+          </a:r>
+          <a:r>
+            <a:rPr lang="en-GB" sz="1600" b="0" i="0" kern="1200" dirty="0">
+              <a:solidFill>
+                <a:srgbClr val="00B050"/>
+              </a:solidFill>
+              <a:latin typeface="Consolas" panose="020B0609020204030204" pitchFamily="49" charset="0"/>
+            </a:rPr>
+            <a:t>, true);</a:t>
+          </a:r>
+          <a:endParaRPr lang="pl-PL" sz="1600" b="0" i="0" kern="1200" dirty="0">
+            <a:solidFill>
+              <a:srgbClr val="00B050"/>
+            </a:solidFill>
+            <a:effectLst/>
+            <a:latin typeface="Consolas" panose="020B0609020204030204" pitchFamily="49" charset="0"/>
+          </a:endParaRPr>
+        </a:p>
+        <a:p>
+          <a:pPr marL="0" lvl="0" indent="0" algn="l" defTabSz="711200">
+            <a:lnSpc>
+              <a:spcPct val="90000"/>
+            </a:lnSpc>
+            <a:spcBef>
+              <a:spcPct val="0"/>
+            </a:spcBef>
+            <a:spcAft>
+              <a:spcPct val="35000"/>
+            </a:spcAft>
+            <a:buNone/>
+          </a:pPr>
+          <a:r>
+            <a:rPr lang="en-GB" sz="1600" b="0" i="0" kern="1200" dirty="0">
+              <a:solidFill>
+                <a:srgbClr val="212121"/>
+              </a:solidFill>
+              <a:effectLst/>
+              <a:latin typeface="Consolas" panose="020B0609020204030204" pitchFamily="49" charset="0"/>
+            </a:rPr>
+            <a:t>cv = </a:t>
+          </a:r>
+          <a:r>
+            <a:rPr lang="en-GB" sz="1600" b="0" i="0" kern="1200" dirty="0" err="1">
+              <a:solidFill>
+                <a:srgbClr val="212121"/>
+              </a:solidFill>
+              <a:effectLst/>
+              <a:latin typeface="Consolas" panose="020B0609020204030204" pitchFamily="49" charset="0"/>
+            </a:rPr>
+            <a:t>cvpartition</a:t>
+          </a:r>
+          <a:r>
+            <a:rPr lang="en-GB" sz="1600" b="0" i="0" kern="1200" dirty="0">
+              <a:solidFill>
+                <a:srgbClr val="212121"/>
+              </a:solidFill>
+              <a:effectLst/>
+              <a:latin typeface="Consolas" panose="020B0609020204030204" pitchFamily="49" charset="0"/>
+            </a:rPr>
+            <a:t>(Y_cat,</a:t>
+          </a:r>
+          <a:r>
+            <a:rPr lang="en-GB" sz="1600" b="0" i="0" u="none" strike="noStrike" kern="1200" dirty="0">
+              <a:solidFill>
+                <a:srgbClr val="A709F5"/>
+              </a:solidFill>
+              <a:effectLst/>
+              <a:latin typeface="Consolas" panose="020B0609020204030204" pitchFamily="49" charset="0"/>
+            </a:rPr>
+            <a:t>'Holdout'</a:t>
+          </a:r>
+          <a:r>
+            <a:rPr lang="en-GB" sz="1600" b="0" i="0" kern="1200" dirty="0">
+              <a:solidFill>
+                <a:srgbClr val="212121"/>
+              </a:solidFill>
+              <a:effectLst/>
+              <a:latin typeface="Consolas" panose="020B0609020204030204" pitchFamily="49" charset="0"/>
+            </a:rPr>
+            <a:t>,0.2);</a:t>
+          </a:r>
+        </a:p>
+        <a:p>
+          <a:pPr marL="0" lvl="0" indent="0" algn="l" defTabSz="711200">
+            <a:lnSpc>
+              <a:spcPct val="90000"/>
+            </a:lnSpc>
+            <a:spcBef>
+              <a:spcPct val="0"/>
+            </a:spcBef>
+            <a:spcAft>
+              <a:spcPct val="35000"/>
+            </a:spcAft>
+            <a:buNone/>
+          </a:pPr>
+          <a:r>
+            <a:rPr lang="en-GB" sz="1600" b="0" i="0" kern="1200" dirty="0">
+              <a:solidFill>
+                <a:srgbClr val="212121"/>
+              </a:solidFill>
+              <a:effectLst/>
+              <a:latin typeface="Consolas" panose="020B0609020204030204" pitchFamily="49" charset="0"/>
+            </a:rPr>
+            <a:t>X_train = X(training(cv),:);</a:t>
+          </a:r>
+        </a:p>
+        <a:p>
+          <a:pPr marL="0" lvl="0" indent="0" algn="l" defTabSz="711200">
+            <a:lnSpc>
+              <a:spcPct val="90000"/>
+            </a:lnSpc>
+            <a:spcBef>
+              <a:spcPct val="0"/>
+            </a:spcBef>
+            <a:spcAft>
+              <a:spcPct val="35000"/>
+            </a:spcAft>
+            <a:buNone/>
+          </a:pPr>
+          <a:r>
+            <a:rPr lang="en-GB" sz="1600" b="0" i="0" kern="1200" dirty="0" err="1">
+              <a:solidFill>
+                <a:srgbClr val="212121"/>
+              </a:solidFill>
+              <a:effectLst/>
+              <a:latin typeface="Consolas" panose="020B0609020204030204" pitchFamily="49" charset="0"/>
+            </a:rPr>
+            <a:t>Y_train</a:t>
+          </a:r>
+          <a:r>
+            <a:rPr lang="en-GB" sz="1600" b="0" i="0" kern="1200" dirty="0">
+              <a:solidFill>
+                <a:srgbClr val="212121"/>
+              </a:solidFill>
+              <a:effectLst/>
+              <a:latin typeface="Consolas" panose="020B0609020204030204" pitchFamily="49" charset="0"/>
+            </a:rPr>
+            <a:t> = </a:t>
+          </a:r>
+          <a:r>
+            <a:rPr lang="en-GB" sz="1600" b="0" i="0" kern="1200" dirty="0" err="1">
+              <a:solidFill>
+                <a:srgbClr val="212121"/>
+              </a:solidFill>
+              <a:effectLst/>
+              <a:latin typeface="Consolas" panose="020B0609020204030204" pitchFamily="49" charset="0"/>
+            </a:rPr>
+            <a:t>Y_encoded</a:t>
+          </a:r>
+          <a:r>
+            <a:rPr lang="en-GB" sz="1600" b="0" i="0" kern="1200" dirty="0">
+              <a:solidFill>
+                <a:srgbClr val="212121"/>
+              </a:solidFill>
+              <a:effectLst/>
+              <a:latin typeface="Consolas" panose="020B0609020204030204" pitchFamily="49" charset="0"/>
+            </a:rPr>
+            <a:t>(training(cv),:);</a:t>
+          </a:r>
+        </a:p>
+        <a:p>
+          <a:pPr marL="0" lvl="0" indent="0" algn="l" defTabSz="711200">
+            <a:lnSpc>
+              <a:spcPct val="90000"/>
+            </a:lnSpc>
+            <a:spcBef>
+              <a:spcPct val="0"/>
+            </a:spcBef>
+            <a:spcAft>
+              <a:spcPct val="35000"/>
+            </a:spcAft>
+            <a:buNone/>
+          </a:pPr>
+          <a:r>
+            <a:rPr lang="en-GB" sz="1600" b="0" i="0" kern="1200" dirty="0" err="1">
+              <a:solidFill>
+                <a:srgbClr val="212121"/>
+              </a:solidFill>
+              <a:effectLst/>
+              <a:latin typeface="Consolas" panose="020B0609020204030204" pitchFamily="49" charset="0"/>
+            </a:rPr>
+            <a:t>X_test</a:t>
+          </a:r>
+          <a:r>
+            <a:rPr lang="en-GB" sz="1600" b="0" i="0" kern="1200" dirty="0">
+              <a:solidFill>
+                <a:srgbClr val="212121"/>
+              </a:solidFill>
+              <a:effectLst/>
+              <a:latin typeface="Consolas" panose="020B0609020204030204" pitchFamily="49" charset="0"/>
+            </a:rPr>
+            <a:t> = X(test(cv), :);</a:t>
+          </a:r>
+        </a:p>
+        <a:p>
+          <a:pPr marL="0" lvl="0" indent="0" algn="l" defTabSz="711200">
+            <a:lnSpc>
+              <a:spcPct val="90000"/>
+            </a:lnSpc>
+            <a:spcBef>
+              <a:spcPct val="0"/>
+            </a:spcBef>
+            <a:spcAft>
+              <a:spcPct val="35000"/>
+            </a:spcAft>
+            <a:buNone/>
+          </a:pPr>
+          <a:r>
+            <a:rPr lang="en-GB" sz="1600" b="0" i="0" kern="1200" dirty="0" err="1">
+              <a:solidFill>
+                <a:srgbClr val="212121"/>
+              </a:solidFill>
+              <a:effectLst/>
+              <a:latin typeface="Consolas" panose="020B0609020204030204" pitchFamily="49" charset="0"/>
+            </a:rPr>
+            <a:t>Y_test</a:t>
+          </a:r>
+          <a:r>
+            <a:rPr lang="en-GB" sz="1600" b="0" i="0" kern="1200" dirty="0">
+              <a:solidFill>
+                <a:srgbClr val="212121"/>
+              </a:solidFill>
+              <a:effectLst/>
+              <a:latin typeface="Consolas" panose="020B0609020204030204" pitchFamily="49" charset="0"/>
+            </a:rPr>
+            <a:t> =</a:t>
+          </a:r>
+          <a:r>
+            <a:rPr lang="en-GB" sz="1600" b="0" i="0" kern="1200" dirty="0" err="1">
+              <a:solidFill>
+                <a:srgbClr val="212121"/>
+              </a:solidFill>
+              <a:effectLst/>
+              <a:latin typeface="Consolas" panose="020B0609020204030204" pitchFamily="49" charset="0"/>
+            </a:rPr>
+            <a:t>Y_encoded</a:t>
+          </a:r>
+          <a:r>
+            <a:rPr lang="en-GB" sz="1600" b="0" i="0" kern="1200" dirty="0">
+              <a:solidFill>
+                <a:srgbClr val="212121"/>
+              </a:solidFill>
+              <a:effectLst/>
+              <a:latin typeface="Consolas" panose="020B0609020204030204" pitchFamily="49" charset="0"/>
+            </a:rPr>
+            <a:t>(test(cv), :);</a:t>
+          </a:r>
+          <a:endParaRPr lang="en-GB" sz="1600" kern="1200" dirty="0">
+            <a:solidFill>
+              <a:schemeClr val="tx1"/>
+            </a:solidFill>
+          </a:endParaRPr>
         </a:p>
       </dsp:txBody>
-      <dsp:txXfrm>
-        <a:off x="41033" y="1527817"/>
-        <a:ext cx="1867233" cy="1184129"/>
+      <dsp:txXfrm rot="5400000">
+        <a:off x="-9469" y="1"/>
+        <a:ext cx="5075632" cy="2067950"/>
       </dsp:txXfrm>
     </dsp:sp>
-    <dsp:sp modelId="{78AB1B05-B994-42C9-9B1F-03AB5228C77B}">
+    <dsp:sp modelId="{9B6BFEAA-E714-4AA6-81A3-B43113519FEB}">
       <dsp:nvSpPr>
         <dsp:cNvPr id="0" name=""/>
         <dsp:cNvSpPr/>
       </dsp:nvSpPr>
       <dsp:spPr>
         <a:xfrm>
-          <a:off x="1116982" y="1951430"/>
-          <a:ext cx="2023494" cy="2023494"/>
+          <a:off x="5047227" y="11830"/>
+          <a:ext cx="4968416" cy="2797445"/>
         </a:xfrm>
-        <a:prstGeom prst="leftCircularArrow">
-          <a:avLst>
-            <a:gd name="adj1" fmla="val 2580"/>
-            <a:gd name="adj2" fmla="val 313304"/>
-            <a:gd name="adj3" fmla="val 2088815"/>
-            <a:gd name="adj4" fmla="val 9024489"/>
-            <a:gd name="adj5" fmla="val 3010"/>
-          </a:avLst>
+        <a:prstGeom prst="round1Rect">
+          <a:avLst/>
         </a:prstGeom>
         <a:solidFill>
-          <a:schemeClr val="accent1">
-            <a:tint val="60000"/>
-            <a:hueOff val="0"/>
-            <a:satOff val="0"/>
-            <a:lumOff val="0"/>
-            <a:alphaOff val="0"/>
-          </a:schemeClr>
+          <a:schemeClr val="bg1"/>
         </a:solidFill>
-        <a:ln>
-          <a:noFill/>
+        <a:ln w="25400" cap="flat" cmpd="sng" algn="ctr">
+          <a:solidFill>
+            <a:srgbClr val="FFC1C1"/>
+          </a:solidFill>
+          <a:prstDash val="solid"/>
         </a:ln>
         <a:effectLst/>
       </dsp:spPr>
       <dsp:style>
-        <a:lnRef idx="0">
+        <a:lnRef idx="2">
           <a:scrgbClr r="0" g="0" b="0"/>
         </a:lnRef>
         <a:fillRef idx="1">
@@ -3872,29 +4837,595 @@
           <a:schemeClr val="lt1"/>
         </a:fontRef>
       </dsp:style>
+      <dsp:txBody>
+        <a:bodyPr spcFirstLastPara="0" vert="horz" wrap="square" lIns="113792" tIns="113792" rIns="113792" bIns="113792" numCol="1" spcCol="1270" anchor="ctr" anchorCtr="0">
+          <a:noAutofit/>
+        </a:bodyPr>
+        <a:lstStyle/>
+        <a:p>
+          <a:pPr marL="0" lvl="0" indent="0" algn="l" defTabSz="711200">
+            <a:lnSpc>
+              <a:spcPct val="90000"/>
+            </a:lnSpc>
+            <a:spcBef>
+              <a:spcPct val="0"/>
+            </a:spcBef>
+            <a:spcAft>
+              <a:spcPct val="35000"/>
+            </a:spcAft>
+            <a:buNone/>
+          </a:pPr>
+          <a:endParaRPr lang="pl-PL" sz="1600" b="0" i="0" kern="1200" dirty="0">
+            <a:solidFill>
+              <a:srgbClr val="212121"/>
+            </a:solidFill>
+            <a:effectLst/>
+            <a:latin typeface="Consolas" panose="020B0609020204030204" pitchFamily="49" charset="0"/>
+          </a:endParaRPr>
+        </a:p>
+        <a:p>
+          <a:pPr marL="0" lvl="0" indent="0" algn="l" defTabSz="711200">
+            <a:lnSpc>
+              <a:spcPct val="90000"/>
+            </a:lnSpc>
+            <a:spcBef>
+              <a:spcPct val="0"/>
+            </a:spcBef>
+            <a:spcAft>
+              <a:spcPct val="35000"/>
+            </a:spcAft>
+            <a:buNone/>
+          </a:pPr>
+          <a:r>
+            <a:rPr lang="en-GB" sz="1600" b="0" i="0" kern="1200" dirty="0">
+              <a:solidFill>
+                <a:srgbClr val="212121"/>
+              </a:solidFill>
+              <a:effectLst/>
+              <a:latin typeface="Consolas" panose="020B0609020204030204" pitchFamily="49" charset="0"/>
+            </a:rPr>
+            <a:t>net = </a:t>
+          </a:r>
+          <a:r>
+            <a:rPr lang="en-GB" sz="1600" b="0" i="0" kern="1200" dirty="0" err="1">
+              <a:solidFill>
+                <a:srgbClr val="212121"/>
+              </a:solidFill>
+              <a:effectLst/>
+              <a:latin typeface="Consolas" panose="020B0609020204030204" pitchFamily="49" charset="0"/>
+            </a:rPr>
+            <a:t>patternnet</a:t>
+          </a:r>
+          <a:r>
+            <a:rPr lang="en-GB" sz="1600" b="0" i="0" kern="1200" dirty="0">
+              <a:solidFill>
+                <a:srgbClr val="212121"/>
+              </a:solidFill>
+              <a:effectLst/>
+              <a:latin typeface="Consolas" panose="020B0609020204030204" pitchFamily="49" charset="0"/>
+            </a:rPr>
+            <a:t>([90, 40]);</a:t>
+          </a:r>
+          <a:endParaRPr lang="pl-PL" sz="1600" b="0" i="0" kern="1200" dirty="0">
+            <a:solidFill>
+              <a:srgbClr val="212121"/>
+            </a:solidFill>
+            <a:effectLst/>
+            <a:latin typeface="Consolas" panose="020B0609020204030204" pitchFamily="49" charset="0"/>
+          </a:endParaRPr>
+        </a:p>
+        <a:p>
+          <a:pPr marL="0" lvl="0" indent="0" algn="l" defTabSz="711200">
+            <a:lnSpc>
+              <a:spcPct val="90000"/>
+            </a:lnSpc>
+            <a:spcBef>
+              <a:spcPct val="0"/>
+            </a:spcBef>
+            <a:spcAft>
+              <a:spcPct val="35000"/>
+            </a:spcAft>
+            <a:buNone/>
+          </a:pPr>
+          <a:r>
+            <a:rPr lang="en-GB" sz="1600" b="0" i="0" kern="1200" dirty="0" err="1">
+              <a:solidFill>
+                <a:srgbClr val="212121"/>
+              </a:solidFill>
+              <a:effectLst/>
+              <a:latin typeface="Consolas" panose="020B0609020204030204" pitchFamily="49" charset="0"/>
+            </a:rPr>
+            <a:t>net.trainFcn</a:t>
+          </a:r>
+          <a:r>
+            <a:rPr lang="en-GB" sz="1600" b="0" i="0" kern="1200" dirty="0">
+              <a:solidFill>
+                <a:srgbClr val="212121"/>
+              </a:solidFill>
+              <a:effectLst/>
+              <a:latin typeface="Consolas" panose="020B0609020204030204" pitchFamily="49" charset="0"/>
+            </a:rPr>
+            <a:t> = </a:t>
+          </a:r>
+          <a:r>
+            <a:rPr lang="en-GB" sz="1600" b="0" i="0" u="none" strike="noStrike" kern="1200" dirty="0">
+              <a:solidFill>
+                <a:srgbClr val="A709F5"/>
+              </a:solidFill>
+              <a:effectLst/>
+              <a:latin typeface="Consolas" panose="020B0609020204030204" pitchFamily="49" charset="0"/>
+            </a:rPr>
+            <a:t>'</a:t>
+          </a:r>
+          <a:r>
+            <a:rPr lang="en-GB" sz="1600" b="0" i="0" u="none" strike="noStrike" kern="1200" dirty="0" err="1">
+              <a:solidFill>
+                <a:srgbClr val="A709F5"/>
+              </a:solidFill>
+              <a:effectLst/>
+              <a:latin typeface="Consolas" panose="020B0609020204030204" pitchFamily="49" charset="0"/>
+            </a:rPr>
+            <a:t>trainscg</a:t>
+          </a:r>
+          <a:r>
+            <a:rPr lang="en-GB" sz="1600" b="0" i="0" u="none" strike="noStrike" kern="1200" dirty="0">
+              <a:solidFill>
+                <a:srgbClr val="A709F5"/>
+              </a:solidFill>
+              <a:effectLst/>
+              <a:latin typeface="Consolas" panose="020B0609020204030204" pitchFamily="49" charset="0"/>
+            </a:rPr>
+            <a:t>’</a:t>
+          </a:r>
+          <a:r>
+            <a:rPr lang="en-GB" sz="1600" b="0" i="0" kern="1200" dirty="0">
+              <a:solidFill>
+                <a:srgbClr val="212121"/>
+              </a:solidFill>
+              <a:effectLst/>
+              <a:latin typeface="Consolas" panose="020B0609020204030204" pitchFamily="49" charset="0"/>
+            </a:rPr>
+            <a:t>;</a:t>
+          </a:r>
+          <a:endParaRPr lang="pl-PL" sz="1600" b="0" i="0" kern="1200" dirty="0">
+            <a:solidFill>
+              <a:srgbClr val="212121"/>
+            </a:solidFill>
+            <a:effectLst/>
+            <a:latin typeface="Consolas" panose="020B0609020204030204" pitchFamily="49" charset="0"/>
+          </a:endParaRPr>
+        </a:p>
+        <a:p>
+          <a:pPr marL="0" lvl="0" indent="0" algn="l" defTabSz="711200">
+            <a:lnSpc>
+              <a:spcPct val="90000"/>
+            </a:lnSpc>
+            <a:spcBef>
+              <a:spcPct val="0"/>
+            </a:spcBef>
+            <a:spcAft>
+              <a:spcPct val="35000"/>
+            </a:spcAft>
+            <a:buNone/>
+          </a:pPr>
+          <a:r>
+            <a:rPr lang="en-GB" sz="1600" b="0" i="0" kern="1200" dirty="0" err="1">
+              <a:solidFill>
+                <a:srgbClr val="212121"/>
+              </a:solidFill>
+              <a:effectLst/>
+              <a:latin typeface="Consolas" panose="020B0609020204030204" pitchFamily="49" charset="0"/>
+            </a:rPr>
+            <a:t>net.layers</a:t>
+          </a:r>
+          <a:r>
+            <a:rPr lang="en-GB" sz="1600" b="0" i="0" kern="1200" dirty="0">
+              <a:solidFill>
+                <a:srgbClr val="212121"/>
+              </a:solidFill>
+              <a:effectLst/>
+              <a:latin typeface="Consolas" panose="020B0609020204030204" pitchFamily="49" charset="0"/>
+            </a:rPr>
+            <a:t>{end}.</a:t>
+          </a:r>
+          <a:r>
+            <a:rPr lang="en-GB" sz="1600" b="0" i="0" kern="1200" dirty="0" err="1">
+              <a:solidFill>
+                <a:srgbClr val="212121"/>
+              </a:solidFill>
+              <a:effectLst/>
+              <a:latin typeface="Consolas" panose="020B0609020204030204" pitchFamily="49" charset="0"/>
+            </a:rPr>
+            <a:t>transferFcn</a:t>
+          </a:r>
+          <a:r>
+            <a:rPr lang="en-GB" sz="1600" b="0" i="0" kern="1200" dirty="0">
+              <a:solidFill>
+                <a:srgbClr val="212121"/>
+              </a:solidFill>
+              <a:effectLst/>
+              <a:latin typeface="Consolas" panose="020B0609020204030204" pitchFamily="49" charset="0"/>
+            </a:rPr>
+            <a:t> = </a:t>
+          </a:r>
+          <a:r>
+            <a:rPr lang="en-GB" sz="1600" b="0" i="0" u="none" strike="noStrike" kern="1200" dirty="0">
+              <a:solidFill>
+                <a:srgbClr val="A709F5"/>
+              </a:solidFill>
+              <a:effectLst/>
+              <a:latin typeface="Consolas" panose="020B0609020204030204" pitchFamily="49" charset="0"/>
+            </a:rPr>
+            <a:t>'</a:t>
+          </a:r>
+          <a:r>
+            <a:rPr lang="en-GB" sz="1600" b="0" i="0" u="none" strike="noStrike" kern="1200" dirty="0" err="1">
+              <a:solidFill>
+                <a:srgbClr val="A709F5"/>
+              </a:solidFill>
+              <a:effectLst/>
+              <a:latin typeface="Consolas" panose="020B0609020204030204" pitchFamily="49" charset="0"/>
+            </a:rPr>
+            <a:t>softmax</a:t>
+          </a:r>
+          <a:r>
+            <a:rPr lang="en-GB" sz="1600" b="0" i="0" u="none" strike="noStrike" kern="1200" dirty="0">
+              <a:solidFill>
+                <a:srgbClr val="A709F5"/>
+              </a:solidFill>
+              <a:effectLst/>
+              <a:latin typeface="Consolas" panose="020B0609020204030204" pitchFamily="49" charset="0"/>
+            </a:rPr>
+            <a:t>’</a:t>
+          </a:r>
+          <a:r>
+            <a:rPr lang="en-GB" sz="1600" b="0" i="0" kern="1200" dirty="0">
+              <a:solidFill>
+                <a:srgbClr val="212121"/>
+              </a:solidFill>
+              <a:effectLst/>
+              <a:latin typeface="Consolas" panose="020B0609020204030204" pitchFamily="49" charset="0"/>
+            </a:rPr>
+            <a:t>;</a:t>
+          </a:r>
+          <a:endParaRPr lang="pl-PL" sz="1600" b="0" i="0" kern="1200" dirty="0">
+            <a:solidFill>
+              <a:srgbClr val="212121"/>
+            </a:solidFill>
+            <a:effectLst/>
+            <a:latin typeface="Consolas" panose="020B0609020204030204" pitchFamily="49" charset="0"/>
+          </a:endParaRPr>
+        </a:p>
+        <a:p>
+          <a:pPr marL="0" lvl="0" indent="0" algn="l" defTabSz="711200">
+            <a:lnSpc>
+              <a:spcPct val="90000"/>
+            </a:lnSpc>
+            <a:spcBef>
+              <a:spcPct val="0"/>
+            </a:spcBef>
+            <a:spcAft>
+              <a:spcPct val="35000"/>
+            </a:spcAft>
+            <a:buNone/>
+          </a:pPr>
+          <a:r>
+            <a:rPr lang="en-GB" sz="1600" b="0" i="0" kern="1200" dirty="0" err="1">
+              <a:solidFill>
+                <a:srgbClr val="212121"/>
+              </a:solidFill>
+              <a:effectLst/>
+              <a:latin typeface="Consolas" panose="020B0609020204030204" pitchFamily="49" charset="0"/>
+            </a:rPr>
+            <a:t>net.performFcn</a:t>
+          </a:r>
+          <a:r>
+            <a:rPr lang="en-GB" sz="1600" b="0" i="0" kern="1200" dirty="0">
+              <a:solidFill>
+                <a:srgbClr val="212121"/>
+              </a:solidFill>
+              <a:effectLst/>
+              <a:latin typeface="Consolas" panose="020B0609020204030204" pitchFamily="49" charset="0"/>
+            </a:rPr>
+            <a:t> = </a:t>
+          </a:r>
+          <a:r>
+            <a:rPr lang="en-GB" sz="1600" b="0" i="0" u="none" strike="noStrike" kern="1200" dirty="0">
+              <a:solidFill>
+                <a:srgbClr val="A709F5"/>
+              </a:solidFill>
+              <a:effectLst/>
+              <a:latin typeface="Consolas" panose="020B0609020204030204" pitchFamily="49" charset="0"/>
+            </a:rPr>
+            <a:t>'</a:t>
+          </a:r>
+          <a:r>
+            <a:rPr lang="en-GB" sz="1600" b="0" i="0" u="none" strike="noStrike" kern="1200" dirty="0" err="1">
+              <a:solidFill>
+                <a:srgbClr val="A709F5"/>
+              </a:solidFill>
+              <a:effectLst/>
+              <a:latin typeface="Consolas" panose="020B0609020204030204" pitchFamily="49" charset="0"/>
+            </a:rPr>
+            <a:t>crossentropy</a:t>
+          </a:r>
+          <a:r>
+            <a:rPr lang="en-GB" sz="1600" b="0" i="0" u="none" strike="noStrike" kern="1200" dirty="0">
+              <a:solidFill>
+                <a:srgbClr val="A709F5"/>
+              </a:solidFill>
+              <a:effectLst/>
+              <a:latin typeface="Consolas" panose="020B0609020204030204" pitchFamily="49" charset="0"/>
+            </a:rPr>
+            <a:t>’</a:t>
+          </a:r>
+          <a:r>
+            <a:rPr lang="en-GB" sz="1600" b="0" i="0" kern="1200" dirty="0">
+              <a:solidFill>
+                <a:srgbClr val="212121"/>
+              </a:solidFill>
+              <a:effectLst/>
+              <a:latin typeface="Consolas" panose="020B0609020204030204" pitchFamily="49" charset="0"/>
+            </a:rPr>
+            <a:t>;</a:t>
+          </a:r>
+          <a:endParaRPr lang="pl-PL" sz="1600" b="0" i="0" kern="1200" dirty="0">
+            <a:solidFill>
+              <a:srgbClr val="212121"/>
+            </a:solidFill>
+            <a:effectLst/>
+            <a:latin typeface="Consolas" panose="020B0609020204030204" pitchFamily="49" charset="0"/>
+          </a:endParaRPr>
+        </a:p>
+        <a:p>
+          <a:pPr marL="0" lvl="0" indent="0" algn="l" defTabSz="711200">
+            <a:lnSpc>
+              <a:spcPct val="90000"/>
+            </a:lnSpc>
+            <a:spcBef>
+              <a:spcPct val="0"/>
+            </a:spcBef>
+            <a:spcAft>
+              <a:spcPct val="35000"/>
+            </a:spcAft>
+            <a:buNone/>
+          </a:pPr>
+          <a:r>
+            <a:rPr lang="en-GB" sz="1600" b="0" i="0" kern="1200" dirty="0" err="1">
+              <a:solidFill>
+                <a:srgbClr val="212121"/>
+              </a:solidFill>
+              <a:effectLst/>
+              <a:latin typeface="Consolas" panose="020B0609020204030204" pitchFamily="49" charset="0"/>
+            </a:rPr>
+            <a:t>net.trainParam.showWindow</a:t>
+          </a:r>
+          <a:r>
+            <a:rPr lang="en-GB" sz="1600" b="0" i="0" kern="1200" dirty="0">
+              <a:solidFill>
+                <a:srgbClr val="212121"/>
+              </a:solidFill>
+              <a:effectLst/>
+              <a:latin typeface="Consolas" panose="020B0609020204030204" pitchFamily="49" charset="0"/>
+            </a:rPr>
+            <a:t> = false; </a:t>
+          </a:r>
+          <a:endParaRPr lang="pl-PL" sz="1600" b="0" i="0" kern="1200" dirty="0">
+            <a:solidFill>
+              <a:srgbClr val="212121"/>
+            </a:solidFill>
+            <a:effectLst/>
+            <a:latin typeface="Consolas" panose="020B0609020204030204" pitchFamily="49" charset="0"/>
+          </a:endParaRPr>
+        </a:p>
+        <a:p>
+          <a:pPr marL="0" lvl="0" indent="0" algn="l" defTabSz="711200">
+            <a:lnSpc>
+              <a:spcPct val="90000"/>
+            </a:lnSpc>
+            <a:spcBef>
+              <a:spcPct val="0"/>
+            </a:spcBef>
+            <a:spcAft>
+              <a:spcPct val="35000"/>
+            </a:spcAft>
+            <a:buNone/>
+          </a:pPr>
+          <a:r>
+            <a:rPr lang="en-GB" sz="1600" b="0" i="0" kern="1200" dirty="0">
+              <a:solidFill>
+                <a:srgbClr val="212121"/>
+              </a:solidFill>
+              <a:effectLst/>
+              <a:latin typeface="Consolas" panose="020B0609020204030204" pitchFamily="49" charset="0"/>
+            </a:rPr>
+            <a:t>[net, tr] = train(net, X_train',</a:t>
+          </a:r>
+          <a:r>
+            <a:rPr lang="en-GB" sz="1600" b="0" i="0" kern="1200" dirty="0" err="1">
+              <a:solidFill>
+                <a:srgbClr val="212121"/>
+              </a:solidFill>
+              <a:effectLst/>
+              <a:latin typeface="Consolas" panose="020B0609020204030204" pitchFamily="49" charset="0"/>
+            </a:rPr>
+            <a:t>Y_train</a:t>
+          </a:r>
+          <a:r>
+            <a:rPr lang="en-GB" sz="1600" b="0" i="0" kern="1200" dirty="0">
+              <a:solidFill>
+                <a:srgbClr val="212121"/>
+              </a:solidFill>
+              <a:effectLst/>
+              <a:latin typeface="Consolas" panose="020B0609020204030204" pitchFamily="49" charset="0"/>
+            </a:rPr>
+            <a:t>');</a:t>
+          </a:r>
+          <a:endParaRPr lang="en-GB" sz="1600" kern="1200" dirty="0">
+            <a:solidFill>
+              <a:schemeClr val="tx1"/>
+            </a:solidFill>
+            <a:latin typeface="Consolas" panose="020B0609020204030204" pitchFamily="49" charset="0"/>
+          </a:endParaRPr>
+        </a:p>
+      </dsp:txBody>
+      <dsp:txXfrm>
+        <a:off x="5047227" y="11830"/>
+        <a:ext cx="4968416" cy="2098084"/>
+      </dsp:txXfrm>
     </dsp:sp>
-    <dsp:sp modelId="{A6677C2D-6318-4062-9705-BAE6F09D2BF7}">
+    <dsp:sp modelId="{72AC252A-5CB9-4135-8F99-B42665F4749D}">
+      <dsp:nvSpPr>
+        <dsp:cNvPr id="0" name=""/>
+        <dsp:cNvSpPr/>
+      </dsp:nvSpPr>
+      <dsp:spPr>
+        <a:xfrm rot="10800000">
+          <a:off x="-9468" y="2764277"/>
+          <a:ext cx="5075632" cy="3111934"/>
+        </a:xfrm>
+        <a:prstGeom prst="round1Rect">
+          <a:avLst/>
+        </a:prstGeom>
+        <a:solidFill>
+          <a:schemeClr val="bg1"/>
+        </a:solidFill>
+        <a:ln w="25400" cap="flat" cmpd="sng" algn="ctr">
+          <a:solidFill>
+            <a:srgbClr val="FFC1C1"/>
+          </a:solidFill>
+          <a:prstDash val="solid"/>
+        </a:ln>
+        <a:effectLst/>
+      </dsp:spPr>
+      <dsp:style>
+        <a:lnRef idx="2">
+          <a:scrgbClr r="0" g="0" b="0"/>
+        </a:lnRef>
+        <a:fillRef idx="1">
+          <a:scrgbClr r="0" g="0" b="0"/>
+        </a:fillRef>
+        <a:effectRef idx="0">
+          <a:scrgbClr r="0" g="0" b="0"/>
+        </a:effectRef>
+        <a:fontRef idx="minor">
+          <a:schemeClr val="lt1"/>
+        </a:fontRef>
+      </dsp:style>
+      <dsp:txBody>
+        <a:bodyPr spcFirstLastPara="0" vert="horz" wrap="square" lIns="113792" tIns="113792" rIns="113792" bIns="113792" numCol="1" spcCol="1270" anchor="t" anchorCtr="0">
+          <a:noAutofit/>
+        </a:bodyPr>
+        <a:lstStyle/>
+        <a:p>
+          <a:pPr marL="0" lvl="0" indent="0" algn="l" defTabSz="711200">
+            <a:lnSpc>
+              <a:spcPct val="90000"/>
+            </a:lnSpc>
+            <a:spcBef>
+              <a:spcPct val="0"/>
+            </a:spcBef>
+            <a:spcAft>
+              <a:spcPct val="35000"/>
+            </a:spcAft>
+            <a:buNone/>
+          </a:pPr>
+          <a:endParaRPr lang="en-GB" sz="1600" kern="1200" dirty="0">
+            <a:solidFill>
+              <a:schemeClr val="tx1"/>
+            </a:solidFill>
+            <a:latin typeface="Consolas" panose="020B0609020204030204" pitchFamily="49" charset="0"/>
+          </a:endParaRPr>
+        </a:p>
+      </dsp:txBody>
+      <dsp:txXfrm rot="10800000">
+        <a:off x="-9468" y="3542261"/>
+        <a:ext cx="5075632" cy="2333950"/>
+      </dsp:txXfrm>
+    </dsp:sp>
+    <dsp:sp modelId="{7D8404F5-1A24-4677-8AFA-0BDCDD839146}">
+      <dsp:nvSpPr>
+        <dsp:cNvPr id="0" name=""/>
+        <dsp:cNvSpPr/>
+      </dsp:nvSpPr>
+      <dsp:spPr>
+        <a:xfrm rot="5400000">
+          <a:off x="5983594" y="1847158"/>
+          <a:ext cx="3095680" cy="4965864"/>
+        </a:xfrm>
+        <a:prstGeom prst="round1Rect">
+          <a:avLst/>
+        </a:prstGeom>
+        <a:solidFill>
+          <a:schemeClr val="bg1"/>
+        </a:solidFill>
+        <a:ln w="25400" cap="flat" cmpd="sng" algn="ctr">
+          <a:solidFill>
+            <a:srgbClr val="FFC1C1"/>
+          </a:solidFill>
+          <a:prstDash val="solid"/>
+        </a:ln>
+        <a:effectLst/>
+      </dsp:spPr>
+      <dsp:style>
+        <a:lnRef idx="2">
+          <a:scrgbClr r="0" g="0" b="0"/>
+        </a:lnRef>
+        <a:fillRef idx="1">
+          <a:scrgbClr r="0" g="0" b="0"/>
+        </a:fillRef>
+        <a:effectRef idx="0">
+          <a:scrgbClr r="0" g="0" b="0"/>
+        </a:effectRef>
+        <a:fontRef idx="minor">
+          <a:schemeClr val="lt1"/>
+        </a:fontRef>
+      </dsp:style>
+      <dsp:txBody>
+        <a:bodyPr spcFirstLastPara="0" vert="horz" wrap="square" lIns="462280" tIns="462280" rIns="462280" bIns="462280" numCol="1" spcCol="1270" anchor="ctr" anchorCtr="0">
+          <a:noAutofit/>
+        </a:bodyPr>
+        <a:lstStyle/>
+        <a:p>
+          <a:pPr marL="0" lvl="0" indent="0" algn="ctr" defTabSz="2889250">
+            <a:lnSpc>
+              <a:spcPct val="90000"/>
+            </a:lnSpc>
+            <a:spcBef>
+              <a:spcPct val="0"/>
+            </a:spcBef>
+            <a:spcAft>
+              <a:spcPct val="35000"/>
+            </a:spcAft>
+            <a:buNone/>
+          </a:pPr>
+          <a:endParaRPr lang="en-GB" sz="6500" kern="1200" dirty="0">
+            <a:solidFill>
+              <a:schemeClr val="tx1"/>
+            </a:solidFill>
+          </a:endParaRPr>
+        </a:p>
+      </dsp:txBody>
+      <dsp:txXfrm rot="-5400000">
+        <a:off x="5048503" y="3556170"/>
+        <a:ext cx="4965864" cy="2321760"/>
+      </dsp:txXfrm>
+    </dsp:sp>
+    <dsp:sp modelId="{E6E92A51-221C-4D69-859A-AA135960C90F}">
       <dsp:nvSpPr>
         <dsp:cNvPr id="0" name=""/>
         <dsp:cNvSpPr/>
       </dsp:nvSpPr>
       <dsp:spPr>
         <a:xfrm>
-          <a:off x="435507" y="2748786"/>
-          <a:ext cx="1725256" cy="686077"/>
+          <a:off x="3714812" y="2140393"/>
+          <a:ext cx="2754379" cy="1405365"/>
         </a:xfrm>
         <a:prstGeom prst="roundRect">
-          <a:avLst>
-            <a:gd name="adj" fmla="val 10000"/>
-          </a:avLst>
+          <a:avLst/>
         </a:prstGeom>
         <a:solidFill>
-          <a:schemeClr val="accent1">
-            <a:hueOff val="0"/>
-            <a:satOff val="0"/>
-            <a:lumOff val="0"/>
-            <a:alphaOff val="0"/>
-          </a:schemeClr>
+          <a:srgbClr val="FF7979"/>
         </a:solidFill>
         <a:ln w="25400" cap="flat" cmpd="sng" algn="ctr">
           <a:solidFill>
@@ -3919,17 +5450,15 @@
         <a:effectRef idx="0">
           <a:scrgbClr r="0" g="0" b="0"/>
         </a:effectRef>
-        <a:fontRef idx="minor">
-          <a:schemeClr val="lt1"/>
-        </a:fontRef>
+        <a:fontRef idx="minor"/>
       </dsp:style>
       <dsp:txBody>
-        <a:bodyPr spcFirstLastPara="0" vert="horz" wrap="square" lIns="78105" tIns="52070" rIns="78105" bIns="52070" numCol="1" spcCol="1270" anchor="ctr" anchorCtr="0">
+        <a:bodyPr spcFirstLastPara="0" vert="horz" wrap="square" lIns="57150" tIns="57150" rIns="57150" bIns="57150" numCol="1" spcCol="1270" anchor="ctr" anchorCtr="0">
           <a:noAutofit/>
         </a:bodyPr>
         <a:lstStyle/>
         <a:p>
-          <a:pPr marL="0" lvl="0" indent="0" algn="ctr" defTabSz="1822450">
+          <a:pPr marL="0" lvl="0" indent="0" algn="ctr" defTabSz="666750">
             <a:lnSpc>
               <a:spcPct val="90000"/>
             </a:lnSpc>
@@ -3941,209 +5470,17 @@
             </a:spcAft>
             <a:buNone/>
           </a:pPr>
-          <a:endParaRPr lang="en-GB" sz="4100" kern="1200"/>
-        </a:p>
-      </dsp:txBody>
-      <dsp:txXfrm>
-        <a:off x="455602" y="2768881"/>
-        <a:ext cx="1685066" cy="645887"/>
-      </dsp:txXfrm>
-    </dsp:sp>
-    <dsp:sp modelId="{7FF9A734-6600-414A-9F9B-E06741C86125}">
-      <dsp:nvSpPr>
-        <dsp:cNvPr id="0" name=""/>
-        <dsp:cNvSpPr/>
-      </dsp:nvSpPr>
-      <dsp:spPr>
-        <a:xfrm>
-          <a:off x="2409397" y="1490977"/>
-          <a:ext cx="1940913" cy="1600847"/>
-        </a:xfrm>
-        <a:prstGeom prst="roundRect">
-          <a:avLst>
-            <a:gd name="adj" fmla="val 10000"/>
-          </a:avLst>
-        </a:prstGeom>
-        <a:solidFill>
-          <a:schemeClr val="lt1">
-            <a:alpha val="90000"/>
-            <a:hueOff val="0"/>
-            <a:satOff val="0"/>
-            <a:lumOff val="0"/>
-            <a:alphaOff val="0"/>
-          </a:schemeClr>
-        </a:solidFill>
-        <a:ln w="25400" cap="flat" cmpd="sng" algn="ctr">
-          <a:solidFill>
-            <a:schemeClr val="accent1">
-              <a:hueOff val="0"/>
-              <a:satOff val="0"/>
-              <a:lumOff val="0"/>
-              <a:alphaOff val="0"/>
-            </a:schemeClr>
-          </a:solidFill>
-          <a:prstDash val="solid"/>
-        </a:ln>
-        <a:effectLst/>
-      </dsp:spPr>
-      <dsp:style>
-        <a:lnRef idx="2">
-          <a:scrgbClr r="0" g="0" b="0"/>
-        </a:lnRef>
-        <a:fillRef idx="1">
-          <a:scrgbClr r="0" g="0" b="0"/>
-        </a:fillRef>
-        <a:effectRef idx="0">
-          <a:scrgbClr r="0" g="0" b="0"/>
-        </a:effectRef>
-        <a:fontRef idx="minor"/>
-      </dsp:style>
-      <dsp:txBody>
-        <a:bodyPr spcFirstLastPara="0" vert="horz" wrap="square" lIns="68580" tIns="68580" rIns="68580" bIns="68580" numCol="1" spcCol="1270" anchor="t" anchorCtr="0">
-          <a:noAutofit/>
-        </a:bodyPr>
-        <a:lstStyle/>
-        <a:p>
-          <a:pPr marL="285750" lvl="1" indent="-285750" algn="l" defTabSz="1600200">
-            <a:lnSpc>
-              <a:spcPct val="90000"/>
-            </a:lnSpc>
-            <a:spcBef>
-              <a:spcPct val="0"/>
-            </a:spcBef>
-            <a:spcAft>
-              <a:spcPct val="15000"/>
-            </a:spcAft>
-            <a:buChar char="•"/>
-          </a:pPr>
-          <a:endParaRPr lang="en-GB" sz="3600" kern="1200"/>
+          <a:r>
+            <a:rPr lang="pl-PL" sz="1500" kern="1200" dirty="0">
+              <a:solidFill>
+                <a:schemeClr val="bg1"/>
+              </a:solidFill>
+            </a:rPr>
+            <a:t>MATLAB R2024b</a:t>
+          </a:r>
         </a:p>
         <a:p>
-          <a:pPr marL="285750" lvl="1" indent="-285750" algn="l" defTabSz="1600200">
-            <a:lnSpc>
-              <a:spcPct val="90000"/>
-            </a:lnSpc>
-            <a:spcBef>
-              <a:spcPct val="0"/>
-            </a:spcBef>
-            <a:spcAft>
-              <a:spcPct val="15000"/>
-            </a:spcAft>
-            <a:buChar char="•"/>
-          </a:pPr>
-          <a:endParaRPr lang="en-GB" sz="3600" kern="1200"/>
-        </a:p>
-      </dsp:txBody>
-      <dsp:txXfrm>
-        <a:off x="2446237" y="1870855"/>
-        <a:ext cx="1867233" cy="1184129"/>
-      </dsp:txXfrm>
-    </dsp:sp>
-    <dsp:sp modelId="{6825855F-64EA-4DA9-A238-47754C0DE1D7}">
-      <dsp:nvSpPr>
-        <dsp:cNvPr id="0" name=""/>
-        <dsp:cNvSpPr/>
-      </dsp:nvSpPr>
-      <dsp:spPr>
-        <a:xfrm>
-          <a:off x="3506012" y="545109"/>
-          <a:ext cx="2271499" cy="2271499"/>
-        </a:xfrm>
-        <a:prstGeom prst="circularArrow">
-          <a:avLst>
-            <a:gd name="adj1" fmla="val 2299"/>
-            <a:gd name="adj2" fmla="val 277283"/>
-            <a:gd name="adj3" fmla="val 19547206"/>
-            <a:gd name="adj4" fmla="val 12575511"/>
-            <a:gd name="adj5" fmla="val 2682"/>
-          </a:avLst>
-        </a:prstGeom>
-        <a:solidFill>
-          <a:schemeClr val="accent1">
-            <a:tint val="60000"/>
-            <a:hueOff val="0"/>
-            <a:satOff val="0"/>
-            <a:lumOff val="0"/>
-            <a:alphaOff val="0"/>
-          </a:schemeClr>
-        </a:solidFill>
-        <a:ln>
-          <a:noFill/>
-        </a:ln>
-        <a:effectLst/>
-      </dsp:spPr>
-      <dsp:style>
-        <a:lnRef idx="0">
-          <a:scrgbClr r="0" g="0" b="0"/>
-        </a:lnRef>
-        <a:fillRef idx="1">
-          <a:scrgbClr r="0" g="0" b="0"/>
-        </a:fillRef>
-        <a:effectRef idx="0">
-          <a:scrgbClr r="0" g="0" b="0"/>
-        </a:effectRef>
-        <a:fontRef idx="minor">
-          <a:schemeClr val="lt1"/>
-        </a:fontRef>
-      </dsp:style>
-    </dsp:sp>
-    <dsp:sp modelId="{D2904DD9-2073-426F-86A8-93BD67044879}">
-      <dsp:nvSpPr>
-        <dsp:cNvPr id="0" name=""/>
-        <dsp:cNvSpPr/>
-      </dsp:nvSpPr>
-      <dsp:spPr>
-        <a:xfrm>
-          <a:off x="2840711" y="1147938"/>
-          <a:ext cx="1725256" cy="686077"/>
-        </a:xfrm>
-        <a:prstGeom prst="roundRect">
-          <a:avLst>
-            <a:gd name="adj" fmla="val 10000"/>
-          </a:avLst>
-        </a:prstGeom>
-        <a:solidFill>
-          <a:schemeClr val="accent1">
-            <a:hueOff val="0"/>
-            <a:satOff val="0"/>
-            <a:lumOff val="0"/>
-            <a:alphaOff val="0"/>
-          </a:schemeClr>
-        </a:solidFill>
-        <a:ln w="25400" cap="flat" cmpd="sng" algn="ctr">
-          <a:solidFill>
-            <a:schemeClr val="lt1">
-              <a:hueOff val="0"/>
-              <a:satOff val="0"/>
-              <a:lumOff val="0"/>
-              <a:alphaOff val="0"/>
-            </a:schemeClr>
-          </a:solidFill>
-          <a:prstDash val="solid"/>
-        </a:ln>
-        <a:effectLst/>
-      </dsp:spPr>
-      <dsp:style>
-        <a:lnRef idx="2">
-          <a:scrgbClr r="0" g="0" b="0"/>
-        </a:lnRef>
-        <a:fillRef idx="1">
-          <a:scrgbClr r="0" g="0" b="0"/>
-        </a:fillRef>
-        <a:effectRef idx="0">
-          <a:scrgbClr r="0" g="0" b="0"/>
-        </a:effectRef>
-        <a:fontRef idx="minor">
-          <a:schemeClr val="lt1"/>
-        </a:fontRef>
-      </dsp:style>
-      <dsp:txBody>
-        <a:bodyPr spcFirstLastPara="0" vert="horz" wrap="square" lIns="78105" tIns="52070" rIns="78105" bIns="52070" numCol="1" spcCol="1270" anchor="ctr" anchorCtr="0">
-          <a:noAutofit/>
-        </a:bodyPr>
-        <a:lstStyle/>
-        <a:p>
-          <a:pPr marL="0" lvl="0" indent="0" algn="ctr" defTabSz="1822450">
+          <a:pPr marL="0" lvl="0" indent="0" algn="ctr" defTabSz="666750">
             <a:lnSpc>
               <a:spcPct val="90000"/>
             </a:lnSpc>
@@ -4155,161 +5492,25 @@
             </a:spcAft>
             <a:buNone/>
           </a:pPr>
-          <a:endParaRPr lang="en-GB" sz="4100" kern="1200"/>
-        </a:p>
-      </dsp:txBody>
-      <dsp:txXfrm>
-        <a:off x="2860806" y="1168033"/>
-        <a:ext cx="1685066" cy="645887"/>
-      </dsp:txXfrm>
-    </dsp:sp>
-    <dsp:sp modelId="{756D1048-F776-4D40-B434-1D019914DB44}">
-      <dsp:nvSpPr>
-        <dsp:cNvPr id="0" name=""/>
-        <dsp:cNvSpPr/>
-      </dsp:nvSpPr>
-      <dsp:spPr>
-        <a:xfrm>
-          <a:off x="4814602" y="1490977"/>
-          <a:ext cx="1940913" cy="1600847"/>
-        </a:xfrm>
-        <a:prstGeom prst="roundRect">
-          <a:avLst>
-            <a:gd name="adj" fmla="val 10000"/>
-          </a:avLst>
-        </a:prstGeom>
-        <a:solidFill>
-          <a:schemeClr val="lt1">
-            <a:alpha val="90000"/>
-            <a:hueOff val="0"/>
-            <a:satOff val="0"/>
-            <a:lumOff val="0"/>
-            <a:alphaOff val="0"/>
-          </a:schemeClr>
-        </a:solidFill>
-        <a:ln w="25400" cap="flat" cmpd="sng" algn="ctr">
-          <a:solidFill>
-            <a:schemeClr val="accent1">
-              <a:hueOff val="0"/>
-              <a:satOff val="0"/>
-              <a:lumOff val="0"/>
-              <a:alphaOff val="0"/>
-            </a:schemeClr>
-          </a:solidFill>
-          <a:prstDash val="solid"/>
-        </a:ln>
-        <a:effectLst/>
-      </dsp:spPr>
-      <dsp:style>
-        <a:lnRef idx="2">
-          <a:scrgbClr r="0" g="0" b="0"/>
-        </a:lnRef>
-        <a:fillRef idx="1">
-          <a:scrgbClr r="0" g="0" b="0"/>
-        </a:fillRef>
-        <a:effectRef idx="0">
-          <a:scrgbClr r="0" g="0" b="0"/>
-        </a:effectRef>
-        <a:fontRef idx="minor"/>
-      </dsp:style>
-      <dsp:txBody>
-        <a:bodyPr spcFirstLastPara="0" vert="horz" wrap="square" lIns="68580" tIns="68580" rIns="68580" bIns="68580" numCol="1" spcCol="1270" anchor="t" anchorCtr="0">
-          <a:noAutofit/>
-        </a:bodyPr>
-        <a:lstStyle/>
-        <a:p>
-          <a:pPr marL="285750" lvl="1" indent="-285750" algn="l" defTabSz="1600200">
-            <a:lnSpc>
-              <a:spcPct val="90000"/>
-            </a:lnSpc>
-            <a:spcBef>
-              <a:spcPct val="0"/>
-            </a:spcBef>
-            <a:spcAft>
-              <a:spcPct val="15000"/>
-            </a:spcAft>
-            <a:buChar char="•"/>
-          </a:pPr>
-          <a:endParaRPr lang="en-GB" sz="3600" kern="1200"/>
+          <a:r>
+            <a:rPr lang="pl-PL" sz="1500" kern="1200" dirty="0" err="1">
+              <a:solidFill>
+                <a:schemeClr val="bg1"/>
+              </a:solidFill>
+            </a:rPr>
+            <a:t>toolbox</a:t>
+          </a:r>
+          <a:r>
+            <a:rPr lang="pl-PL" sz="1500" kern="1200" dirty="0">
+              <a:solidFill>
+                <a:schemeClr val="bg1"/>
+              </a:solidFill>
+            </a:rPr>
+            <a:t>: </a:t>
+          </a:r>
         </a:p>
         <a:p>
-          <a:pPr marL="285750" lvl="1" indent="-285750" algn="l" defTabSz="1600200">
-            <a:lnSpc>
-              <a:spcPct val="90000"/>
-            </a:lnSpc>
-            <a:spcBef>
-              <a:spcPct val="0"/>
-            </a:spcBef>
-            <a:spcAft>
-              <a:spcPct val="15000"/>
-            </a:spcAft>
-            <a:buChar char="•"/>
-          </a:pPr>
-          <a:endParaRPr lang="en-GB" sz="3600" kern="1200"/>
-        </a:p>
-      </dsp:txBody>
-      <dsp:txXfrm>
-        <a:off x="4851442" y="1527817"/>
-        <a:ext cx="1867233" cy="1184129"/>
-      </dsp:txXfrm>
-    </dsp:sp>
-    <dsp:sp modelId="{37A08543-D706-4803-B1A0-F576F557CBBD}">
-      <dsp:nvSpPr>
-        <dsp:cNvPr id="0" name=""/>
-        <dsp:cNvSpPr/>
-      </dsp:nvSpPr>
-      <dsp:spPr>
-        <a:xfrm>
-          <a:off x="5245916" y="2748786"/>
-          <a:ext cx="1725256" cy="686077"/>
-        </a:xfrm>
-        <a:prstGeom prst="roundRect">
-          <a:avLst>
-            <a:gd name="adj" fmla="val 10000"/>
-          </a:avLst>
-        </a:prstGeom>
-        <a:solidFill>
-          <a:schemeClr val="accent1">
-            <a:hueOff val="0"/>
-            <a:satOff val="0"/>
-            <a:lumOff val="0"/>
-            <a:alphaOff val="0"/>
-          </a:schemeClr>
-        </a:solidFill>
-        <a:ln w="25400" cap="flat" cmpd="sng" algn="ctr">
-          <a:solidFill>
-            <a:schemeClr val="lt1">
-              <a:hueOff val="0"/>
-              <a:satOff val="0"/>
-              <a:lumOff val="0"/>
-              <a:alphaOff val="0"/>
-            </a:schemeClr>
-          </a:solidFill>
-          <a:prstDash val="solid"/>
-        </a:ln>
-        <a:effectLst/>
-      </dsp:spPr>
-      <dsp:style>
-        <a:lnRef idx="2">
-          <a:scrgbClr r="0" g="0" b="0"/>
-        </a:lnRef>
-        <a:fillRef idx="1">
-          <a:scrgbClr r="0" g="0" b="0"/>
-        </a:fillRef>
-        <a:effectRef idx="0">
-          <a:scrgbClr r="0" g="0" b="0"/>
-        </a:effectRef>
-        <a:fontRef idx="minor">
-          <a:schemeClr val="lt1"/>
-        </a:fontRef>
-      </dsp:style>
-      <dsp:txBody>
-        <a:bodyPr spcFirstLastPara="0" vert="horz" wrap="square" lIns="78105" tIns="52070" rIns="78105" bIns="52070" numCol="1" spcCol="1270" anchor="ctr" anchorCtr="0">
-          <a:noAutofit/>
-        </a:bodyPr>
-        <a:lstStyle/>
-        <a:p>
-          <a:pPr marL="0" lvl="0" indent="0" algn="ctr" defTabSz="1822450">
+          <a:pPr marL="0" lvl="0" indent="0" algn="ctr" defTabSz="666750">
             <a:lnSpc>
               <a:spcPct val="90000"/>
             </a:lnSpc>
@@ -4321,12 +5522,89 @@
             </a:spcAft>
             <a:buNone/>
           </a:pPr>
-          <a:endParaRPr lang="en-GB" sz="4100" kern="1200"/>
+          <a:r>
+            <a:rPr lang="en-GB" sz="1500" b="1" i="0" kern="1200" dirty="0">
+              <a:solidFill>
+                <a:schemeClr val="tx1"/>
+              </a:solidFill>
+            </a:rPr>
+            <a:t>Statistics and Machine </a:t>
+          </a:r>
+          <a:endParaRPr lang="pl-PL" sz="1500" b="1" i="0" kern="1200" dirty="0">
+            <a:solidFill>
+              <a:schemeClr val="tx1"/>
+            </a:solidFill>
+          </a:endParaRPr>
+        </a:p>
+        <a:p>
+          <a:pPr marL="0" lvl="0" indent="0" algn="ctr" defTabSz="666750">
+            <a:lnSpc>
+              <a:spcPct val="90000"/>
+            </a:lnSpc>
+            <a:spcBef>
+              <a:spcPct val="0"/>
+            </a:spcBef>
+            <a:spcAft>
+              <a:spcPct val="35000"/>
+            </a:spcAft>
+            <a:buNone/>
+          </a:pPr>
+          <a:r>
+            <a:rPr lang="en-GB" sz="1500" b="1" i="0" kern="1200" dirty="0">
+              <a:solidFill>
+                <a:schemeClr val="tx1"/>
+              </a:solidFill>
+            </a:rPr>
+            <a:t>Learning</a:t>
+          </a:r>
+          <a:r>
+            <a:rPr lang="pl-PL" sz="1500" b="1" i="0" kern="1200" dirty="0">
+              <a:solidFill>
+                <a:schemeClr val="tx1"/>
+              </a:solidFill>
+            </a:rPr>
+            <a:t> &amp; </a:t>
+          </a:r>
+          <a:r>
+            <a:rPr lang="en-GB" sz="1500" b="1" i="0" kern="1200" dirty="0">
+              <a:solidFill>
+                <a:schemeClr val="tx1"/>
+              </a:solidFill>
+            </a:rPr>
+            <a:t>Deep Learning</a:t>
+          </a:r>
+          <a:endParaRPr lang="pl-PL" sz="1500" kern="1200" dirty="0">
+            <a:solidFill>
+              <a:schemeClr val="tx1"/>
+            </a:solidFill>
+          </a:endParaRPr>
+        </a:p>
+        <a:p>
+          <a:pPr marL="0" lvl="0" indent="0" algn="ctr" defTabSz="666750">
+            <a:lnSpc>
+              <a:spcPct val="90000"/>
+            </a:lnSpc>
+            <a:spcBef>
+              <a:spcPct val="0"/>
+            </a:spcBef>
+            <a:spcAft>
+              <a:spcPct val="35000"/>
+            </a:spcAft>
+            <a:buNone/>
+          </a:pPr>
+          <a:r>
+            <a:rPr lang="pl-PL" sz="1500" kern="1200" dirty="0">
+              <a:solidFill>
+                <a:schemeClr val="bg1"/>
+              </a:solidFill>
+            </a:rPr>
+            <a:t>FUNCTION:</a:t>
+          </a:r>
         </a:p>
       </dsp:txBody>
       <dsp:txXfrm>
-        <a:off x="5266011" y="2768881"/>
-        <a:ext cx="1685066" cy="645887"/>
+        <a:off x="3783416" y="2208997"/>
+        <a:ext cx="2617171" cy="1268157"/>
       </dsp:txXfrm>
     </dsp:sp>
   </dsp:spTree>
@@ -6182,11 +7460,11 @@
 </file>
 
 <file path=ppt/diagrams/layout2.xml><?xml version="1.0" encoding="utf-8"?>
-<dgm:layoutDef xmlns:dgm="http://schemas.openxmlformats.org/drawingml/2006/diagram" xmlns:a="http://schemas.openxmlformats.org/drawingml/2006/main" uniqueId="urn:microsoft.com/office/officeart/2005/8/layout/hProcess4">
+<dgm:layoutDef xmlns:dgm="http://schemas.openxmlformats.org/drawingml/2006/diagram" xmlns:a="http://schemas.openxmlformats.org/drawingml/2006/main" uniqueId="urn:microsoft.com/office/officeart/2005/8/layout/matrix1">
   <dgm:title val=""/>
   <dgm:desc val=""/>
   <dgm:catLst>
-    <dgm:cat type="process" pri="4000"/>
+    <dgm:cat type="matrix" pri="2000"/>
   </dgm:catLst>
   <dgm:sampData>
     <dgm:dataModel>
@@ -6201,35 +7479,19 @@
         <dgm:pt modelId="12">
           <dgm:prSet phldr="1"/>
         </dgm:pt>
-        <dgm:pt modelId="2">
+        <dgm:pt modelId="13">
           <dgm:prSet phldr="1"/>
         </dgm:pt>
-        <dgm:pt modelId="21">
-          <dgm:prSet phldr="1"/>
-        </dgm:pt>
-        <dgm:pt modelId="22">
-          <dgm:prSet phldr="1"/>
-        </dgm:pt>
-        <dgm:pt modelId="3">
-          <dgm:prSet phldr="1"/>
-        </dgm:pt>
-        <dgm:pt modelId="31">
-          <dgm:prSet phldr="1"/>
-        </dgm:pt>
-        <dgm:pt modelId="32">
+        <dgm:pt modelId="14">
           <dgm:prSet phldr="1"/>
         </dgm:pt>
       </dgm:ptLst>
       <dgm:cxnLst>
-        <dgm:cxn modelId="4" srcId="0" destId="1" srcOrd="0" destOrd="0"/>
-        <dgm:cxn modelId="5" srcId="0" destId="2" srcOrd="1" destOrd="0"/>
-        <dgm:cxn modelId="6" srcId="0" destId="3" srcOrd="2" destOrd="0"/>
-        <dgm:cxn modelId="13" srcId="1" destId="11" srcOrd="0" destOrd="0"/>
-        <dgm:cxn modelId="14" srcId="1" destId="12" srcOrd="1" destOrd="0"/>
-        <dgm:cxn modelId="23" srcId="2" destId="21" srcOrd="0" destOrd="0"/>
-        <dgm:cxn modelId="24" srcId="2" destId="22" srcOrd="1" destOrd="0"/>
-        <dgm:cxn modelId="33" srcId="3" destId="31" srcOrd="0" destOrd="0"/>
-        <dgm:cxn modelId="34" srcId="3" destId="32" srcOrd="1" destOrd="0"/>
+        <dgm:cxn modelId="2" srcId="0" destId="1" srcOrd="0" destOrd="0"/>
+        <dgm:cxn modelId="3" srcId="1" destId="11" srcOrd="0" destOrd="0"/>
+        <dgm:cxn modelId="4" srcId="1" destId="12" srcOrd="1" destOrd="0"/>
+        <dgm:cxn modelId="5" srcId="1" destId="13" srcOrd="2" destOrd="0"/>
+        <dgm:cxn modelId="6" srcId="1" destId="14" srcOrd="3" destOrd="0"/>
       </dgm:cxnLst>
       <dgm:bg/>
       <dgm:whole/>
@@ -6241,14 +7503,16 @@
         <dgm:pt modelId="0" type="doc"/>
         <dgm:pt modelId="1"/>
         <dgm:pt modelId="11"/>
-        <dgm:pt modelId="2"/>
-        <dgm:pt modelId="21"/>
+        <dgm:pt modelId="12"/>
+        <dgm:pt modelId="13"/>
+        <dgm:pt modelId="14"/>
       </dgm:ptLst>
       <dgm:cxnLst>
-        <dgm:cxn modelId="4" srcId="0" destId="1" srcOrd="0" destOrd="0"/>
-        <dgm:cxn modelId="5" srcId="0" destId="2" srcOrd="1" destOrd="0"/>
-        <dgm:cxn modelId="13" srcId="1" destId="11" srcOrd="0" destOrd="0"/>
-        <dgm:cxn modelId="23" srcId="2" destId="21" srcOrd="0" destOrd="0"/>
+        <dgm:cxn modelId="2" srcId="0" destId="1" srcOrd="0" destOrd="0"/>
+        <dgm:cxn modelId="15" srcId="1" destId="11" srcOrd="0" destOrd="0"/>
+        <dgm:cxn modelId="16" srcId="1" destId="12" srcOrd="1" destOrd="0"/>
+        <dgm:cxn modelId="17" srcId="1" destId="13" srcOrd="2" destOrd="0"/>
+        <dgm:cxn modelId="18" srcId="1" destId="14" srcOrd="3" destOrd="0"/>
       </dgm:cxnLst>
       <dgm:bg/>
       <dgm:whole/>
@@ -6260,31 +7524,26 @@
         <dgm:pt modelId="0" type="doc"/>
         <dgm:pt modelId="1"/>
         <dgm:pt modelId="11"/>
-        <dgm:pt modelId="2"/>
-        <dgm:pt modelId="21"/>
-        <dgm:pt modelId="3"/>
-        <dgm:pt modelId="31"/>
-        <dgm:pt modelId="4"/>
-        <dgm:pt modelId="41"/>
+        <dgm:pt modelId="12"/>
+        <dgm:pt modelId="13"/>
+        <dgm:pt modelId="14"/>
       </dgm:ptLst>
       <dgm:cxnLst>
-        <dgm:cxn modelId="5" srcId="0" destId="1" srcOrd="0" destOrd="0"/>
-        <dgm:cxn modelId="6" srcId="0" destId="2" srcOrd="1" destOrd="0"/>
-        <dgm:cxn modelId="7" srcId="0" destId="3" srcOrd="2" destOrd="0"/>
-        <dgm:cxn modelId="8" srcId="0" destId="4" srcOrd="3" destOrd="0"/>
-        <dgm:cxn modelId="13" srcId="1" destId="11" srcOrd="0" destOrd="0"/>
-        <dgm:cxn modelId="23" srcId="2" destId="21" srcOrd="0" destOrd="0"/>
-        <dgm:cxn modelId="33" srcId="3" destId="31" srcOrd="0" destOrd="0"/>
-        <dgm:cxn modelId="43" srcId="4" destId="41" srcOrd="0" destOrd="0"/>
+        <dgm:cxn modelId="2" srcId="0" destId="1" srcOrd="0" destOrd="0"/>
+        <dgm:cxn modelId="15" srcId="1" destId="11" srcOrd="0" destOrd="0"/>
+        <dgm:cxn modelId="16" srcId="1" destId="12" srcOrd="1" destOrd="0"/>
+        <dgm:cxn modelId="17" srcId="1" destId="13" srcOrd="2" destOrd="0"/>
+        <dgm:cxn modelId="18" srcId="1" destId="14" srcOrd="3" destOrd="0"/>
       </dgm:cxnLst>
       <dgm:bg/>
       <dgm:whole/>
     </dgm:dataModel>
   </dgm:clrData>
-  <dgm:layoutNode name="Name0">
+  <dgm:layoutNode name="diagram">
     <dgm:varLst>
+      <dgm:chMax val="1"/>
       <dgm:dir/>
-      <dgm:animLvl val="lvl"/>
+      <dgm:animLvl val="ctr"/>
       <dgm:resizeHandles val="exact"/>
     </dgm:varLst>
     <dgm:alg type="composite"/>
@@ -6293,434 +7552,286 @@
     </dgm:shape>
     <dgm:presOf/>
     <dgm:constrLst>
-      <dgm:constr type="w" for="ch" forName="tSp" refType="w"/>
-      <dgm:constr type="h" for="ch" forName="tSp" refType="h" fact="0.15"/>
-      <dgm:constr type="l" for="ch" forName="tSp"/>
-      <dgm:constr type="t" for="ch" forName="tSp"/>
-      <dgm:constr type="w" for="ch" forName="bSp" refType="w"/>
-      <dgm:constr type="h" for="ch" forName="bSp" refType="h" fact="0.15"/>
-      <dgm:constr type="l" for="ch" forName="bSp"/>
-      <dgm:constr type="t" for="ch" forName="bSp" refType="h" fact="0.85"/>
-      <dgm:constr type="w" for="ch" forName="process" refType="w"/>
-      <dgm:constr type="h" for="ch" forName="process" refType="h" fact="0.7"/>
-      <dgm:constr type="l" for="ch" forName="process"/>
-      <dgm:constr type="t" for="ch" forName="process" refType="h" fact="0.15"/>
+      <dgm:constr type="ctrX" for="ch" forName="matrix" refType="w" fact="0.5"/>
+      <dgm:constr type="ctrY" for="ch" forName="matrix" refType="h" fact="0.5"/>
+      <dgm:constr type="w" for="ch" forName="matrix" refType="w"/>
+      <dgm:constr type="h" for="ch" forName="matrix" refType="h"/>
+      <dgm:constr type="ctrX" for="ch" forName="centerTile" refType="w" fact="0.5"/>
+      <dgm:constr type="ctrY" for="ch" forName="centerTile" refType="h" fact="0.5"/>
+      <dgm:constr type="w" for="ch" forName="centerTile" refType="w" fact="0.3"/>
+      <dgm:constr type="h" for="ch" forName="centerTile" refType="h" fact="0.25"/>
+      <dgm:constr type="primFontSz" for="des" ptType="node" op="equ" val="65"/>
     </dgm:constrLst>
     <dgm:ruleLst/>
-    <dgm:layoutNode name="tSp">
-      <dgm:alg type="sp"/>
-      <dgm:shape xmlns:r="http://schemas.openxmlformats.org/officeDocument/2006/relationships" r:blip="">
-        <dgm:adjLst/>
-      </dgm:shape>
-      <dgm:presOf/>
-      <dgm:constrLst/>
-      <dgm:ruleLst/>
-    </dgm:layoutNode>
-    <dgm:layoutNode name="bSp">
-      <dgm:alg type="sp"/>
-      <dgm:shape xmlns:r="http://schemas.openxmlformats.org/officeDocument/2006/relationships" r:blip="">
-        <dgm:adjLst/>
-      </dgm:shape>
-      <dgm:presOf/>
-      <dgm:constrLst/>
-      <dgm:ruleLst/>
-    </dgm:layoutNode>
-    <dgm:layoutNode name="process">
-      <dgm:choose name="Name1">
-        <dgm:if name="Name2" func="var" arg="dir" op="equ" val="norm">
-          <dgm:alg type="lin">
-            <dgm:param type="linDir" val="fromL"/>
-          </dgm:alg>
-        </dgm:if>
-        <dgm:else name="Name3">
-          <dgm:alg type="lin">
-            <dgm:param type="linDir" val="fromR"/>
-          </dgm:alg>
-        </dgm:else>
-      </dgm:choose>
-      <dgm:shape xmlns:r="http://schemas.openxmlformats.org/officeDocument/2006/relationships" r:blip="">
-        <dgm:adjLst/>
-      </dgm:shape>
-      <dgm:presOf/>
-      <dgm:constrLst>
-        <dgm:constr type="w" for="ch" forName="composite1" refType="w"/>
-        <dgm:constr type="w" for="ch" forName="composite2" refType="w" refFor="ch" refForName="composite1" op="equ"/>
-        <dgm:constr type="h" for="ch" forName="composite1" refType="h"/>
-        <dgm:constr type="h" for="ch" forName="composite2" refType="h" refFor="ch" refForName="composite1" op="equ"/>
-        <dgm:constr type="primFontSz" for="des" forName="parentNode1" val="65"/>
-        <dgm:constr type="primFontSz" for="des" forName="parentNode2" refType="primFontSz" refFor="des" refForName="parentNode1" op="equ"/>
-        <dgm:constr type="secFontSz" for="des" forName="childNode1tx" val="65"/>
-        <dgm:constr type="secFontSz" for="des" forName="childNode2tx" refType="secFontSz" refFor="des" refForName="childNode1tx" op="equ"/>
-        <dgm:constr type="w" for="des" ptType="sibTrans" refType="w" refFor="ch" refForName="composite1" op="equ" fact="0.05"/>
-      </dgm:constrLst>
-      <dgm:ruleLst/>
-      <dgm:forEach name="Name4" axis="ch" ptType="node" step="2">
-        <dgm:layoutNode name="composite1">
-          <dgm:alg type="composite">
-            <dgm:param type="ar" val="0.943"/>
-          </dgm:alg>
+    <dgm:choose name="Name0">
+      <dgm:if name="Name1" axis="ch" ptType="node" func="cnt" op="gte" val="1">
+        <dgm:layoutNode name="matrix">
+          <dgm:alg type="composite"/>
           <dgm:shape xmlns:r="http://schemas.openxmlformats.org/officeDocument/2006/relationships" r:blip="">
             <dgm:adjLst/>
           </dgm:shape>
           <dgm:presOf/>
-          <dgm:choose name="Name5">
-            <dgm:if name="Name6" func="var" arg="dir" op="equ" val="norm">
-              <dgm:constrLst>
-                <dgm:constr type="h" refType="w" fact="1.06"/>
-                <dgm:constr type="w" for="ch" forName="dummyNode1" refType="w"/>
-                <dgm:constr type="h" for="ch" forName="dummyNode1" refType="h"/>
-                <dgm:constr type="t" for="ch" forName="dummyNode1"/>
-                <dgm:constr type="l" for="ch" forName="dummyNode1"/>
-                <dgm:constr type="w" for="ch" forName="childNode1" refType="w" fact="0.9"/>
-                <dgm:constr type="h" for="ch" forName="childNode1" refType="h" fact="0.7"/>
-                <dgm:constr type="t" for="ch" forName="childNode1" refType="h" fact="0.15"/>
-                <dgm:constr type="l" for="ch" forName="childNode1"/>
-                <dgm:constr type="w" for="ch" forName="childNode1tx" refType="w" fact="0.9"/>
-                <dgm:constr type="h" for="ch" forName="childNode1tx" refType="h" fact="0.55"/>
-                <dgm:constr type="t" for="ch" forName="childNode1tx" refType="h" fact="0.15"/>
-                <dgm:constr type="l" for="ch" forName="childNode1tx"/>
-                <dgm:constr type="w" for="ch" forName="parentNode1" refType="w" fact="0.8"/>
-                <dgm:constr type="h" for="ch" forName="parentNode1" refType="h" fact="0.3"/>
-                <dgm:constr type="t" for="ch" forName="parentNode1" refType="h" fact="0.7"/>
-                <dgm:constr type="l" for="ch" forName="parentNode1" refType="w" fact="0.2"/>
-                <dgm:constr type="w" for="ch" forName="connSite1" refType="w" fact="0.01"/>
-                <dgm:constr type="h" for="ch" forName="connSite1" refType="h" fact="0.01"/>
-                <dgm:constr type="t" for="ch" forName="connSite1"/>
-                <dgm:constr type="l" for="ch" forName="connSite1" refType="w" fact="0.35"/>
-              </dgm:constrLst>
-            </dgm:if>
-            <dgm:else name="Name7">
-              <dgm:constrLst>
-                <dgm:constr type="h" refType="w" fact="1.06"/>
-                <dgm:constr type="w" for="ch" forName="dummyNode1" refType="w"/>
-                <dgm:constr type="h" for="ch" forName="dummyNode1" refType="h"/>
-                <dgm:constr type="t" for="ch" forName="dummyNode1"/>
-                <dgm:constr type="l" for="ch" forName="dummyNode1"/>
-                <dgm:constr type="w" for="ch" forName="childNode1" refType="w" fact="0.9"/>
-                <dgm:constr type="h" for="ch" forName="childNode1" refType="h" fact="0.7"/>
-                <dgm:constr type="t" for="ch" forName="childNode1" refType="h" fact="0.15"/>
-                <dgm:constr type="l" for="ch" forName="childNode1" refType="w" fact="0.1"/>
-                <dgm:constr type="w" for="ch" forName="childNode1tx" refType="w" fact="0.9"/>
-                <dgm:constr type="h" for="ch" forName="childNode1tx" refType="h" fact="0.55"/>
-                <dgm:constr type="t" for="ch" forName="childNode1tx" refType="h" fact="0.15"/>
-                <dgm:constr type="l" for="ch" forName="childNode1tx" refType="w" fact="0.1"/>
-                <dgm:constr type="w" for="ch" forName="parentNode1" refType="w" fact="0.8"/>
-                <dgm:constr type="h" for="ch" forName="parentNode1" refType="h" fact="0.3"/>
-                <dgm:constr type="t" for="ch" forName="parentNode1" refType="h" fact="0.7"/>
-                <dgm:constr type="l" for="ch" forName="parentNode1"/>
-                <dgm:constr type="w" for="ch" forName="connSite1" refType="w" fact="0.01"/>
-                <dgm:constr type="h" for="ch" forName="connSite1" refType="h" fact="0.01"/>
-                <dgm:constr type="t" for="ch" forName="connSite1"/>
-                <dgm:constr type="l" for="ch" forName="connSite1" refType="w" fact="0.65"/>
-              </dgm:constrLst>
-            </dgm:else>
-          </dgm:choose>
+          <dgm:constrLst>
+            <dgm:constr type="l" for="ch" forName="tile1"/>
+            <dgm:constr type="t" for="ch" forName="tile1"/>
+            <dgm:constr type="r" for="ch" forName="tile1" refType="w" fact="0.5"/>
+            <dgm:constr type="b" for="ch" forName="tile1" refType="h" fact="0.5"/>
+            <dgm:constr type="l" for="ch" forName="tile1text" refType="l" refFor="ch" refForName="tile1"/>
+            <dgm:constr type="t" for="ch" forName="tile1text" refType="t" refFor="ch" refForName="tile1"/>
+            <dgm:constr type="w" for="ch" forName="tile1text" refType="w" refFor="ch" refForName="tile1"/>
+            <dgm:constr type="h" for="ch" forName="tile1text" refType="h" refFor="ch" refForName="tile1" fact="0.75"/>
+            <dgm:constr type="r" for="ch" forName="tile2" refType="w"/>
+            <dgm:constr type="t" for="ch" forName="tile2"/>
+            <dgm:constr type="l" for="ch" forName="tile2" refType="w" fact="0.5"/>
+            <dgm:constr type="b" for="ch" forName="tile2" refType="h" fact="0.5"/>
+            <dgm:constr type="r" for="ch" forName="tile2text" refType="r" refFor="ch" refForName="tile2"/>
+            <dgm:constr type="t" for="ch" forName="tile2text" refType="t" refFor="ch" refForName="tile2"/>
+            <dgm:constr type="w" for="ch" forName="tile2text" refType="w" refFor="ch" refForName="tile2"/>
+            <dgm:constr type="h" for="ch" forName="tile2text" refType="h" refFor="ch" refForName="tile2" fact="0.75"/>
+            <dgm:constr type="l" for="ch" forName="tile3"/>
+            <dgm:constr type="b" for="ch" forName="tile3" refType="h"/>
+            <dgm:constr type="r" for="ch" forName="tile3" refType="w" fact="0.5"/>
+            <dgm:constr type="t" for="ch" forName="tile3" refType="h" fact="0.5"/>
+            <dgm:constr type="l" for="ch" forName="tile3text" refType="l" refFor="ch" refForName="tile3"/>
+            <dgm:constr type="b" for="ch" forName="tile3text" refType="b" refFor="ch" refForName="tile3"/>
+            <dgm:constr type="w" for="ch" forName="tile3text" refType="w" refFor="ch" refForName="tile3"/>
+            <dgm:constr type="h" for="ch" forName="tile3text" refType="h" refFor="ch" refForName="tile3" fact="0.75"/>
+            <dgm:constr type="r" for="ch" forName="tile4" refType="w"/>
+            <dgm:constr type="b" for="ch" forName="tile4" refType="h"/>
+            <dgm:constr type="l" for="ch" forName="tile4" refType="w" fact="0.5"/>
+            <dgm:constr type="t" for="ch" forName="tile4" refType="h" fact="0.5"/>
+            <dgm:constr type="r" for="ch" forName="tile4text" refType="r" refFor="ch" refForName="tile4"/>
+            <dgm:constr type="b" for="ch" forName="tile4text" refType="b" refFor="ch" refForName="tile4"/>
+            <dgm:constr type="w" for="ch" forName="tile4text" refType="w" refFor="ch" refForName="tile4"/>
+            <dgm:constr type="h" for="ch" forName="tile4text" refType="h" refFor="ch" refForName="tile4" fact="0.75"/>
+          </dgm:constrLst>
           <dgm:ruleLst/>
-          <dgm:layoutNode name="dummyNode1">
+          <dgm:layoutNode name="tile1" styleLbl="node1">
             <dgm:alg type="sp"/>
-            <dgm:shape xmlns:r="http://schemas.openxmlformats.org/officeDocument/2006/relationships" type="rect" r:blip="" hideGeom="1">
+            <dgm:shape xmlns:r="http://schemas.openxmlformats.org/officeDocument/2006/relationships" rot="270" type="round1Rect" r:blip="">
               <dgm:adjLst/>
             </dgm:shape>
-            <dgm:presOf/>
+            <dgm:choose name="Name2">
+              <dgm:if name="Name3" func="var" arg="dir" op="equ" val="norm">
+                <dgm:presOf axis="ch ch desOrSelf" ptType="node node node" st="1 1 1" cnt="1 1 0"/>
+              </dgm:if>
+              <dgm:else name="Name4">
+                <dgm:presOf axis="ch ch desOrSelf" ptType="node node node" st="1 2 1" cnt="1 1 0"/>
+              </dgm:else>
+            </dgm:choose>
             <dgm:constrLst/>
             <dgm:ruleLst/>
           </dgm:layoutNode>
-          <dgm:layoutNode name="childNode1" styleLbl="bgAcc1">
+          <dgm:layoutNode name="tile1text" styleLbl="node1">
             <dgm:varLst>
+              <dgm:chMax val="0"/>
+              <dgm:chPref val="0"/>
               <dgm:bulletEnabled val="1"/>
             </dgm:varLst>
-            <dgm:alg type="sp"/>
-            <dgm:shape xmlns:r="http://schemas.openxmlformats.org/officeDocument/2006/relationships" type="roundRect" r:blip="">
+            <dgm:choose name="Name5">
+              <dgm:if name="Name6" axis="root des" func="maxDepth" op="gte" val="3">
+                <dgm:alg type="tx">
+                  <dgm:param type="txAnchorVert" val="t"/>
+                  <dgm:param type="parTxLTRAlign" val="l"/>
+                  <dgm:param type="parTxRTLAlign" val="r"/>
+                </dgm:alg>
+              </dgm:if>
+              <dgm:else name="Name7">
+                <dgm:alg type="tx"/>
+              </dgm:else>
+            </dgm:choose>
+            <dgm:shape xmlns:r="http://schemas.openxmlformats.org/officeDocument/2006/relationships" rot="270" type="rect" r:blip="" hideGeom="1">
               <dgm:adjLst>
-                <dgm:adj idx="1" val="0.1"/>
+                <dgm:adj idx="1" val="0.2"/>
               </dgm:adjLst>
             </dgm:shape>
-            <dgm:presOf axis="des" ptType="node"/>
+            <dgm:choose name="Name8">
+              <dgm:if name="Name9" func="var" arg="dir" op="equ" val="norm">
+                <dgm:presOf axis="ch ch desOrSelf" ptType="node node node" st="1 1 1" cnt="1 1 0"/>
+              </dgm:if>
+              <dgm:else name="Name10">
+                <dgm:presOf axis="ch ch desOrSelf" ptType="node node node" st="1 2 1" cnt="1 1 0"/>
+              </dgm:else>
+            </dgm:choose>
             <dgm:constrLst/>
-            <dgm:ruleLst/>
-          </dgm:layoutNode>
-          <dgm:layoutNode name="childNode1tx" styleLbl="bgAcc1">
-            <dgm:varLst>
-              <dgm:bulletEnabled val="1"/>
-            </dgm:varLst>
-            <dgm:alg type="tx">
-              <dgm:param type="stBulletLvl" val="1"/>
-            </dgm:alg>
-            <dgm:shape xmlns:r="http://schemas.openxmlformats.org/officeDocument/2006/relationships" type="roundRect" r:blip="" hideGeom="1">
-              <dgm:adjLst>
-                <dgm:adj idx="1" val="0.1"/>
-              </dgm:adjLst>
-            </dgm:shape>
-            <dgm:presOf axis="des" ptType="node"/>
-            <dgm:constrLst>
-              <dgm:constr type="secFontSz" val="65"/>
-              <dgm:constr type="primFontSz" refType="secFontSz"/>
-              <dgm:constr type="tMarg" refType="secFontSz" fact="0.15"/>
-              <dgm:constr type="bMarg" refType="secFontSz" fact="0.15"/>
-              <dgm:constr type="lMarg" refType="secFontSz" fact="0.15"/>
-              <dgm:constr type="rMarg" refType="secFontSz" fact="0.15"/>
-            </dgm:constrLst>
-            <dgm:ruleLst>
-              <dgm:rule type="secFontSz" val="5" fact="NaN" max="NaN"/>
-            </dgm:ruleLst>
-          </dgm:layoutNode>
-          <dgm:layoutNode name="parentNode1" styleLbl="node1">
-            <dgm:varLst>
-              <dgm:chMax val="1"/>
-              <dgm:bulletEnabled val="1"/>
-            </dgm:varLst>
-            <dgm:alg type="tx"/>
-            <dgm:shape xmlns:r="http://schemas.openxmlformats.org/officeDocument/2006/relationships" type="roundRect" r:blip="">
-              <dgm:adjLst>
-                <dgm:adj idx="1" val="0.1"/>
-              </dgm:adjLst>
-            </dgm:shape>
-            <dgm:presOf axis="self"/>
-            <dgm:constrLst>
-              <dgm:constr type="tMarg" refType="primFontSz" fact="0.1"/>
-              <dgm:constr type="bMarg" refType="primFontSz" fact="0.1"/>
-              <dgm:constr type="lMarg" refType="primFontSz" fact="0.15"/>
-              <dgm:constr type="rMarg" refType="primFontSz" fact="0.15"/>
-            </dgm:constrLst>
             <dgm:ruleLst>
               <dgm:rule type="primFontSz" val="5" fact="NaN" max="NaN"/>
             </dgm:ruleLst>
           </dgm:layoutNode>
-          <dgm:layoutNode name="connSite1" moveWith="childNode1">
+          <dgm:layoutNode name="tile2" styleLbl="node1">
             <dgm:alg type="sp"/>
-            <dgm:shape xmlns:r="http://schemas.openxmlformats.org/officeDocument/2006/relationships" r:blip="">
+            <dgm:shape xmlns:r="http://schemas.openxmlformats.org/officeDocument/2006/relationships" type="round1Rect" r:blip="">
               <dgm:adjLst/>
             </dgm:shape>
-            <dgm:presOf/>
+            <dgm:choose name="Name11">
+              <dgm:if name="Name12" func="var" arg="dir" op="equ" val="norm">
+                <dgm:presOf axis="ch ch desOrSelf" ptType="node node node" st="1 2 1" cnt="1 1 0"/>
+              </dgm:if>
+              <dgm:else name="Name13">
+                <dgm:presOf axis="ch ch desOrSelf" ptType="node node node" st="1 1 1" cnt="1 1 0"/>
+              </dgm:else>
+            </dgm:choose>
             <dgm:constrLst/>
             <dgm:ruleLst/>
           </dgm:layoutNode>
-        </dgm:layoutNode>
-        <dgm:forEach name="Name8" axis="followSib" ptType="sibTrans" cnt="1">
-          <dgm:layoutNode name="Name9">
-            <dgm:alg type="conn">
-              <dgm:param type="connRout" val="curve"/>
-              <dgm:param type="srcNode" val="parentNode1"/>
-              <dgm:param type="dstNode" val="connSite2"/>
-              <dgm:param type="begPts" val="bCtr"/>
-              <dgm:param type="endPts" val="bCtr"/>
-            </dgm:alg>
-            <dgm:shape xmlns:r="http://schemas.openxmlformats.org/officeDocument/2006/relationships" type="conn" r:blip="" zOrderOff="-2">
+          <dgm:layoutNode name="tile2text" styleLbl="node1">
+            <dgm:varLst>
+              <dgm:chMax val="0"/>
+              <dgm:chPref val="0"/>
+              <dgm:bulletEnabled val="1"/>
+            </dgm:varLst>
+            <dgm:choose name="Name14">
+              <dgm:if name="Name15" axis="root des" func="maxDepth" op="gte" val="3">
+                <dgm:alg type="tx">
+                  <dgm:param type="txAnchorVert" val="t"/>
+                  <dgm:param type="parTxLTRAlign" val="l"/>
+                  <dgm:param type="parTxRTLAlign" val="r"/>
+                </dgm:alg>
+              </dgm:if>
+              <dgm:else name="Name16">
+                <dgm:alg type="tx"/>
+              </dgm:else>
+            </dgm:choose>
+            <dgm:shape xmlns:r="http://schemas.openxmlformats.org/officeDocument/2006/relationships" type="rect" r:blip="" hideGeom="1">
               <dgm:adjLst/>
             </dgm:shape>
-            <dgm:presOf axis="self"/>
-            <dgm:choose name="Name10">
-              <dgm:if name="Name11" func="var" arg="dir" op="equ" val="norm">
-                <dgm:constrLst>
-                  <dgm:constr type="h" refType="w" fact="0.35"/>
-                  <dgm:constr type="wArH" refType="h"/>
-                  <dgm:constr type="hArH" refType="h"/>
-                  <dgm:constr type="connDist"/>
-                  <dgm:constr type="diam" refType="connDist" fact="-1.15"/>
-                  <dgm:constr type="begPad"/>
-                  <dgm:constr type="endPad"/>
-                </dgm:constrLst>
+            <dgm:choose name="Name17">
+              <dgm:if name="Name18" func="var" arg="dir" op="equ" val="norm">
+                <dgm:presOf axis="ch ch desOrSelf" ptType="node node node" st="1 2 1" cnt="1 1 0"/>
               </dgm:if>
-              <dgm:else name="Name12">
-                <dgm:constrLst>
-                  <dgm:constr type="h" refType="w" fact="0.35"/>
-                  <dgm:constr type="wArH" refType="h"/>
-                  <dgm:constr type="hArH" refType="h"/>
-                  <dgm:constr type="connDist"/>
-                  <dgm:constr type="diam" refType="connDist" fact="1.15"/>
-                  <dgm:constr type="begPad"/>
-                  <dgm:constr type="endPad"/>
-                </dgm:constrLst>
+              <dgm:else name="Name19">
+                <dgm:presOf axis="ch ch desOrSelf" ptType="node node node" st="1 1 1" cnt="1 1 0"/>
               </dgm:else>
             </dgm:choose>
+            <dgm:constrLst/>
+            <dgm:ruleLst>
+              <dgm:rule type="primFontSz" val="5" fact="NaN" max="NaN"/>
+            </dgm:ruleLst>
+          </dgm:layoutNode>
+          <dgm:layoutNode name="tile3" styleLbl="node1">
+            <dgm:alg type="sp"/>
+            <dgm:shape xmlns:r="http://schemas.openxmlformats.org/officeDocument/2006/relationships" rot="180" type="round1Rect" r:blip="">
+              <dgm:adjLst/>
+            </dgm:shape>
+            <dgm:choose name="Name20">
+              <dgm:if name="Name21" func="var" arg="dir" op="equ" val="norm">
+                <dgm:presOf axis="ch ch desOrSelf" ptType="node node node" st="1 3 1" cnt="1 1 0"/>
+              </dgm:if>
+              <dgm:else name="Name22">
+                <dgm:presOf axis="ch ch desOrSelf" ptType="node node node" st="1 4 1" cnt="1 1 0"/>
+              </dgm:else>
+            </dgm:choose>
+            <dgm:constrLst/>
             <dgm:ruleLst/>
           </dgm:layoutNode>
-        </dgm:forEach>
-        <dgm:forEach name="Name13" axis="followSib" ptType="node" cnt="1">
-          <dgm:layoutNode name="composite2">
-            <dgm:alg type="composite">
-              <dgm:param type="ar" val="0.943"/>
-            </dgm:alg>
-            <dgm:shape xmlns:r="http://schemas.openxmlformats.org/officeDocument/2006/relationships" r:blip="">
+          <dgm:layoutNode name="tile3text" styleLbl="node1">
+            <dgm:varLst>
+              <dgm:chMax val="0"/>
+              <dgm:chPref val="0"/>
+              <dgm:bulletEnabled val="1"/>
+            </dgm:varLst>
+            <dgm:choose name="Name23">
+              <dgm:if name="Name24" axis="root des" func="maxDepth" op="gte" val="3">
+                <dgm:alg type="tx">
+                  <dgm:param type="txAnchorVert" val="t"/>
+                  <dgm:param type="parTxLTRAlign" val="l"/>
+                  <dgm:param type="parTxRTLAlign" val="r"/>
+                </dgm:alg>
+              </dgm:if>
+              <dgm:else name="Name25">
+                <dgm:alg type="tx"/>
+              </dgm:else>
+            </dgm:choose>
+            <dgm:shape xmlns:r="http://schemas.openxmlformats.org/officeDocument/2006/relationships" rot="180" type="rect" r:blip="" hideGeom="1">
               <dgm:adjLst/>
             </dgm:shape>
-            <dgm:presOf/>
-            <dgm:choose name="Name14">
-              <dgm:if name="Name15" func="var" arg="dir" op="equ" val="norm">
-                <dgm:constrLst>
-                  <dgm:constr type="h" refType="w" fact="1.06"/>
-                  <dgm:constr type="w" for="ch" forName="dummyNode2" refType="w"/>
-                  <dgm:constr type="h" for="ch" forName="dummyNode2" refType="h"/>
-                  <dgm:constr type="t" for="ch" forName="dummyNode2"/>
-                  <dgm:constr type="l" for="ch" forName="dummyNode2"/>
-                  <dgm:constr type="w" for="ch" forName="childNode2" refType="w" fact="0.9"/>
-                  <dgm:constr type="h" for="ch" forName="childNode2" refType="h" fact="0.7"/>
-                  <dgm:constr type="t" for="ch" forName="childNode2" refType="h" fact="0.15"/>
-                  <dgm:constr type="l" for="ch" forName="childNode2"/>
-                  <dgm:constr type="w" for="ch" forName="childNode2tx" refType="w" fact="0.9"/>
-                  <dgm:constr type="h" for="ch" forName="childNode2tx" refType="h" fact="0.55"/>
-                  <dgm:constr type="t" for="ch" forName="childNode2tx" refType="h" fact="0.3"/>
-                  <dgm:constr type="l" for="ch" forName="childNode2tx"/>
-                  <dgm:constr type="w" for="ch" forName="parentNode2" refType="w" fact="0.8"/>
-                  <dgm:constr type="h" for="ch" forName="parentNode2" refType="h" fact="0.3"/>
-                  <dgm:constr type="t" for="ch" forName="parentNode2"/>
-                  <dgm:constr type="l" for="ch" forName="parentNode2" refType="w" fact="0.2"/>
-                  <dgm:constr type="w" for="ch" forName="connSite2" refType="w" fact="0.01"/>
-                  <dgm:constr type="h" for="ch" forName="connSite2" refType="h" fact="0.01"/>
-                  <dgm:constr type="t" for="ch" forName="connSite2" refType="h" fact="0.99"/>
-                  <dgm:constr type="l" for="ch" forName="connSite2" refType="w" fact="0.25"/>
-                </dgm:constrLst>
+            <dgm:choose name="Name26">
+              <dgm:if name="Name27" func="var" arg="dir" op="equ" val="norm">
+                <dgm:presOf axis="ch ch desOrSelf" ptType="node node node" st="1 3 1" cnt="1 1 0"/>
               </dgm:if>
-              <dgm:else name="Name16">
-                <dgm:constrLst>
-                  <dgm:constr type="h" refType="w" fact="1.06"/>
-                  <dgm:constr type="w" for="ch" forName="dummyNode2" refType="w"/>
-                  <dgm:constr type="h" for="ch" forName="dummyNode2" refType="h"/>
-                  <dgm:constr type="t" for="ch" forName="dummyNode2"/>
-                  <dgm:constr type="l" for="ch" forName="dummyNode2"/>
-                  <dgm:constr type="w" for="ch" forName="childNode2" refType="w" fact="0.9"/>
-                  <dgm:constr type="h" for="ch" forName="childNode2" refType="h" fact="0.7"/>
-                  <dgm:constr type="t" for="ch" forName="childNode2" refType="h" fact="0.15"/>
-                  <dgm:constr type="l" for="ch" forName="childNode2" refType="w" fact="0.1"/>
-                  <dgm:constr type="w" for="ch" forName="childNode2tx" refType="w" fact="0.9"/>
-                  <dgm:constr type="h" for="ch" forName="childNode2tx" refType="h" fact="0.55"/>
-                  <dgm:constr type="t" for="ch" forName="childNode2tx" refType="h" fact="0.3"/>
-                  <dgm:constr type="l" for="ch" forName="childNode2tx" refType="w" fact="0.1"/>
-                  <dgm:constr type="w" for="ch" forName="parentNode2" refType="w" fact="0.8"/>
-                  <dgm:constr type="h" for="ch" forName="parentNode2" refType="h" fact="0.3"/>
-                  <dgm:constr type="t" for="ch" forName="parentNode2"/>
-                  <dgm:constr type="l" for="ch" forName="parentNode2"/>
-                  <dgm:constr type="w" for="ch" forName="connSite2" refType="w" fact="0.01"/>
-                  <dgm:constr type="h" for="ch" forName="connSite2" refType="h" fact="0.01"/>
-                  <dgm:constr type="t" for="ch" forName="connSite2" refType="h" fact="0.99"/>
-                  <dgm:constr type="l" for="ch" forName="connSite2" refType="w" fact="0.85"/>
-                </dgm:constrLst>
+              <dgm:else name="Name28">
+                <dgm:presOf axis="ch ch desOrSelf" ptType="node node node" st="1 4 1" cnt="1 1 0"/>
               </dgm:else>
             </dgm:choose>
+            <dgm:constrLst/>
+            <dgm:ruleLst>
+              <dgm:rule type="primFontSz" val="5" fact="NaN" max="NaN"/>
+            </dgm:ruleLst>
+          </dgm:layoutNode>
+          <dgm:layoutNode name="tile4" styleLbl="node1">
+            <dgm:alg type="sp"/>
+            <dgm:shape xmlns:r="http://schemas.openxmlformats.org/officeDocument/2006/relationships" rot="90" type="round1Rect" r:blip="">
+              <dgm:adjLst/>
+            </dgm:shape>
+            <dgm:choose name="Name29">
+              <dgm:if name="Name30" func="var" arg="dir" op="equ" val="norm">
+                <dgm:presOf axis="ch ch desOrSelf" ptType="node node node" st="1 4 1" cnt="1 1 0"/>
+              </dgm:if>
+              <dgm:else name="Name31">
+                <dgm:presOf axis="ch ch desOrSelf" ptType="node node node" st="1 3 1" cnt="1 1 0"/>
+              </dgm:else>
+            </dgm:choose>
+            <dgm:constrLst/>
             <dgm:ruleLst/>
-            <dgm:layoutNode name="dummyNode2">
-              <dgm:alg type="sp"/>
-              <dgm:shape xmlns:r="http://schemas.openxmlformats.org/officeDocument/2006/relationships" type="rect" r:blip="" hideGeom="1">
-                <dgm:adjLst/>
-              </dgm:shape>
-              <dgm:presOf/>
-              <dgm:constrLst/>
-              <dgm:ruleLst/>
-            </dgm:layoutNode>
-            <dgm:layoutNode name="childNode2" styleLbl="bgAcc1">
-              <dgm:varLst>
-                <dgm:bulletEnabled val="1"/>
-              </dgm:varLst>
-              <dgm:alg type="sp"/>
-              <dgm:shape xmlns:r="http://schemas.openxmlformats.org/officeDocument/2006/relationships" type="roundRect" r:blip="">
-                <dgm:adjLst>
-                  <dgm:adj idx="1" val="0.1"/>
-                </dgm:adjLst>
-              </dgm:shape>
-              <dgm:presOf axis="des" ptType="node"/>
-              <dgm:constrLst/>
-              <dgm:ruleLst/>
-            </dgm:layoutNode>
-            <dgm:layoutNode name="childNode2tx" styleLbl="bgAcc1">
-              <dgm:varLst>
-                <dgm:bulletEnabled val="1"/>
-              </dgm:varLst>
-              <dgm:alg type="tx">
-                <dgm:param type="stBulletLvl" val="1"/>
-              </dgm:alg>
-              <dgm:shape xmlns:r="http://schemas.openxmlformats.org/officeDocument/2006/relationships" type="roundRect" r:blip="" hideGeom="1">
-                <dgm:adjLst>
-                  <dgm:adj idx="1" val="0.1"/>
-                </dgm:adjLst>
-              </dgm:shape>
-              <dgm:presOf axis="des" ptType="node"/>
-              <dgm:constrLst>
-                <dgm:constr type="secFontSz" val="65"/>
-                <dgm:constr type="primFontSz" refType="secFontSz"/>
-                <dgm:constr type="tMarg" refType="secFontSz" fact="0.15"/>
-                <dgm:constr type="bMarg" refType="secFontSz" fact="0.15"/>
-                <dgm:constr type="lMarg" refType="secFontSz" fact="0.15"/>
-                <dgm:constr type="rMarg" refType="secFontSz" fact="0.15"/>
-              </dgm:constrLst>
-              <dgm:ruleLst>
-                <dgm:rule type="secFontSz" val="5" fact="NaN" max="NaN"/>
-              </dgm:ruleLst>
-            </dgm:layoutNode>
-            <dgm:layoutNode name="parentNode2" styleLbl="node1">
-              <dgm:varLst>
-                <dgm:chMax val="0"/>
-                <dgm:bulletEnabled val="1"/>
-              </dgm:varLst>
-              <dgm:alg type="tx"/>
-              <dgm:shape xmlns:r="http://schemas.openxmlformats.org/officeDocument/2006/relationships" type="roundRect" r:blip="">
-                <dgm:adjLst>
-                  <dgm:adj idx="1" val="0.1"/>
-                </dgm:adjLst>
-              </dgm:shape>
-              <dgm:presOf axis="self"/>
-              <dgm:constrLst>
-                <dgm:constr type="tMarg" refType="primFontSz" fact="0.1"/>
-                <dgm:constr type="bMarg" refType="primFontSz" fact="0.1"/>
-                <dgm:constr type="lMarg" refType="primFontSz" fact="0.15"/>
-                <dgm:constr type="rMarg" refType="primFontSz" fact="0.15"/>
-              </dgm:constrLst>
-              <dgm:ruleLst>
-                <dgm:rule type="primFontSz" val="5" fact="NaN" max="NaN"/>
-              </dgm:ruleLst>
-            </dgm:layoutNode>
-            <dgm:layoutNode name="connSite2" moveWith="childNode2">
-              <dgm:alg type="sp"/>
-              <dgm:shape xmlns:r="http://schemas.openxmlformats.org/officeDocument/2006/relationships" r:blip="">
-                <dgm:adjLst/>
-              </dgm:shape>
-              <dgm:presOf/>
-              <dgm:constrLst/>
-              <dgm:ruleLst/>
-            </dgm:layoutNode>
           </dgm:layoutNode>
-          <dgm:forEach name="Name17" axis="followSib" ptType="sibTrans" cnt="1">
-            <dgm:layoutNode name="Name18">
-              <dgm:alg type="conn">
-                <dgm:param type="connRout" val="curve"/>
-                <dgm:param type="srcNode" val="parentNode2"/>
-                <dgm:param type="dstNode" val="connSite1"/>
-                <dgm:param type="begPts" val="tCtr"/>
-                <dgm:param type="endPts" val="tCtr"/>
-              </dgm:alg>
-              <dgm:shape xmlns:r="http://schemas.openxmlformats.org/officeDocument/2006/relationships" type="conn" r:blip="" zOrderOff="-2">
-                <dgm:adjLst/>
-              </dgm:shape>
-              <dgm:presOf axis="self"/>
-              <dgm:choose name="Name19">
-                <dgm:if name="Name20" func="var" arg="dir" op="equ" val="norm">
-                  <dgm:constrLst>
-                    <dgm:constr type="h" refType="w" fact="0.35"/>
-                    <dgm:constr type="wArH" refType="h"/>
-                    <dgm:constr type="hArH" refType="h"/>
-                    <dgm:constr type="connDist"/>
-                    <dgm:constr type="diam" refType="connDist" fact="1.15"/>
-                    <dgm:constr type="begPad"/>
-                    <dgm:constr type="endPad"/>
-                  </dgm:constrLst>
-                </dgm:if>
-                <dgm:else name="Name21">
-                  <dgm:constrLst>
-                    <dgm:constr type="h" refType="w" fact="0.35"/>
-                    <dgm:constr type="wArH" refType="h"/>
-                    <dgm:constr type="hArH" refType="h"/>
-                    <dgm:constr type="connDist"/>
-                    <dgm:constr type="diam" refType="connDist" fact="-1.15"/>
-                    <dgm:constr type="begPad"/>
-                    <dgm:constr type="endPad"/>
-                  </dgm:constrLst>
-                </dgm:else>
-              </dgm:choose>
-              <dgm:ruleLst/>
-            </dgm:layoutNode>
-          </dgm:forEach>
-        </dgm:forEach>
-      </dgm:forEach>
-    </dgm:layoutNode>
+          <dgm:layoutNode name="tile4text" styleLbl="node1">
+            <dgm:varLst>
+              <dgm:chMax val="0"/>
+              <dgm:chPref val="0"/>
+              <dgm:bulletEnabled val="1"/>
+            </dgm:varLst>
+            <dgm:choose name="Name32">
+              <dgm:if name="Name33" axis="root des" func="maxDepth" op="gte" val="3">
+                <dgm:alg type="tx">
+                  <dgm:param type="txAnchorVert" val="t"/>
+                  <dgm:param type="parTxLTRAlign" val="l"/>
+                  <dgm:param type="parTxRTLAlign" val="r"/>
+                </dgm:alg>
+              </dgm:if>
+              <dgm:else name="Name34">
+                <dgm:alg type="tx"/>
+              </dgm:else>
+            </dgm:choose>
+            <dgm:shape xmlns:r="http://schemas.openxmlformats.org/officeDocument/2006/relationships" rot="90" type="rect" r:blip="" hideGeom="1">
+              <dgm:adjLst/>
+            </dgm:shape>
+            <dgm:choose name="Name35">
+              <dgm:if name="Name36" func="var" arg="dir" op="equ" val="norm">
+                <dgm:presOf axis="ch ch desOrSelf" ptType="node node node" st="1 4 1" cnt="1 1 0"/>
+              </dgm:if>
+              <dgm:else name="Name37">
+                <dgm:presOf axis="ch ch desOrSelf" ptType="node node node" st="1 3 1" cnt="1 1 0"/>
+              </dgm:else>
+            </dgm:choose>
+            <dgm:constrLst/>
+            <dgm:ruleLst>
+              <dgm:rule type="primFontSz" val="5" fact="NaN" max="NaN"/>
+            </dgm:ruleLst>
+          </dgm:layoutNode>
+        </dgm:layoutNode>
+        <dgm:layoutNode name="centerTile" styleLbl="fgShp">
+          <dgm:varLst>
+            <dgm:chMax val="0"/>
+            <dgm:chPref val="0"/>
+          </dgm:varLst>
+          <dgm:alg type="tx"/>
+          <dgm:shape xmlns:r="http://schemas.openxmlformats.org/officeDocument/2006/relationships" type="roundRect" r:blip="">
+            <dgm:adjLst/>
+          </dgm:shape>
+          <dgm:presOf axis="ch" ptType="node" cnt="1"/>
+          <dgm:constrLst>
+            <dgm:constr type="tMarg" refType="primFontSz" fact="0.3"/>
+            <dgm:constr type="bMarg" refType="primFontSz" fact="0.3"/>
+            <dgm:constr type="lMarg" refType="primFontSz" fact="0.3"/>
+            <dgm:constr type="rMarg" refType="primFontSz" fact="0.3"/>
+          </dgm:constrLst>
+          <dgm:ruleLst>
+            <dgm:rule type="primFontSz" val="5" fact="NaN" max="NaN"/>
+          </dgm:ruleLst>
+        </dgm:layoutNode>
+      </dgm:if>
+      <dgm:else name="Name38"/>
+    </dgm:choose>
   </dgm:layoutNode>
 </dgm:layoutDef>
 </file>
@@ -9846,177 +10957,6 @@
 
 <file path=ppt/slideLayouts/slideLayout3.xml><?xml version="1.0" encoding="utf-8"?>
 <p:sldLayout xmlns:a="http://schemas.openxmlformats.org/drawingml/2006/main" xmlns:r="http://schemas.openxmlformats.org/officeDocument/2006/relationships" xmlns:p="http://schemas.openxmlformats.org/presentationml/2006/main" type="tx">
-  <p:cSld name="Tytuł i zawartość">
-    <p:spTree>
-      <p:nvGrpSpPr>
-        <p:cNvPr id="1" name=""/>
-        <p:cNvGrpSpPr/>
-        <p:nvPr/>
-      </p:nvGrpSpPr>
-      <p:grpSpPr>
-        <a:xfrm>
-          <a:off x="0" y="0"/>
-          <a:ext cx="0" cy="0"/>
-          <a:chOff x="0" y="0"/>
-          <a:chExt cx="0" cy="0"/>
-        </a:xfrm>
-      </p:grpSpPr>
-      <p:sp>
-        <p:nvSpPr>
-          <p:cNvPr id="44" name="Slide Number"/>
-          <p:cNvSpPr txBox="1">
-            <a:spLocks noGrp="1"/>
-          </p:cNvSpPr>
-          <p:nvPr>
-            <p:ph type="sldNum" sz="quarter" idx="2"/>
-          </p:nvPr>
-        </p:nvSpPr>
-        <p:spPr>
-          <a:prstGeom prst="rect">
-            <a:avLst/>
-          </a:prstGeom>
-        </p:spPr>
-        <p:txBody>
-          <a:bodyPr/>
-          <a:lstStyle/>
-          <a:p>
-            <a:fld id="{86CB4B4D-7CA3-9044-876B-883B54F8677D}" type="slidenum">
-              <a:t>‹#›</a:t>
-            </a:fld>
-            <a:endParaRPr/>
-          </a:p>
-        </p:txBody>
-      </p:sp>
-      <p:sp>
-        <p:nvSpPr>
-          <p:cNvPr id="45" name="Body Level One…"/>
-          <p:cNvSpPr txBox="1">
-            <a:spLocks noGrp="1"/>
-          </p:cNvSpPr>
-          <p:nvPr>
-            <p:ph type="body" idx="1"/>
-          </p:nvPr>
-        </p:nvSpPr>
-        <p:spPr>
-          <a:prstGeom prst="rect">
-            <a:avLst/>
-          </a:prstGeom>
-        </p:spPr>
-        <p:txBody>
-          <a:bodyPr/>
-          <a:lstStyle/>
-          <a:p>
-            <a:r>
-              <a:t>Body Level One</a:t>
-            </a:r>
-          </a:p>
-          <a:p>
-            <a:pPr lvl="1"/>
-            <a:r>
-              <a:t>Body Level Two</a:t>
-            </a:r>
-          </a:p>
-          <a:p>
-            <a:pPr lvl="2"/>
-            <a:r>
-              <a:t>Body Level Three</a:t>
-            </a:r>
-          </a:p>
-          <a:p>
-            <a:pPr lvl="3"/>
-            <a:r>
-              <a:t>Body Level Four</a:t>
-            </a:r>
-          </a:p>
-          <a:p>
-            <a:pPr lvl="4"/>
-            <a:r>
-              <a:t>Body Level Five</a:t>
-            </a:r>
-          </a:p>
-        </p:txBody>
-      </p:sp>
-      <p:sp>
-        <p:nvSpPr>
-          <p:cNvPr id="46" name="Symbol zastępczy tekstu 2"/>
-          <p:cNvSpPr>
-            <a:spLocks noGrp="1"/>
-          </p:cNvSpPr>
-          <p:nvPr>
-            <p:ph type="body" sz="quarter" idx="21"/>
-          </p:nvPr>
-        </p:nvSpPr>
-        <p:spPr>
-          <a:xfrm>
-            <a:off x="1007433" y="116632"/>
-            <a:ext cx="11046299" cy="504057"/>
-          </a:xfrm>
-          <a:prstGeom prst="rect">
-            <a:avLst/>
-          </a:prstGeom>
-        </p:spPr>
-        <p:txBody>
-          <a:bodyPr anchor="ctr"/>
-          <a:lstStyle/>
-          <a:p>
-            <a:pPr marL="0" indent="0">
-              <a:spcBef>
-                <a:spcPts val="400"/>
-              </a:spcBef>
-              <a:buSzTx/>
-              <a:buNone/>
-              <a:defRPr sz="2000"/>
-            </a:pPr>
-            <a:endParaRPr/>
-          </a:p>
-        </p:txBody>
-      </p:sp>
-      <p:sp>
-        <p:nvSpPr>
-          <p:cNvPr id="47" name="Symbol zastępczy tekstu 2"/>
-          <p:cNvSpPr>
-            <a:spLocks noGrp="1"/>
-          </p:cNvSpPr>
-          <p:nvPr>
-            <p:ph type="body" sz="quarter" idx="22"/>
-          </p:nvPr>
-        </p:nvSpPr>
-        <p:spPr>
-          <a:xfrm>
-            <a:off x="1007433" y="620687"/>
-            <a:ext cx="11046299" cy="864097"/>
-          </a:xfrm>
-          <a:prstGeom prst="rect">
-            <a:avLst/>
-          </a:prstGeom>
-        </p:spPr>
-        <p:txBody>
-          <a:bodyPr anchor="ctr"/>
-          <a:lstStyle/>
-          <a:p>
-            <a:pPr marL="0" indent="0">
-              <a:spcBef>
-                <a:spcPts val="1000"/>
-              </a:spcBef>
-              <a:buSzTx/>
-              <a:buNone/>
-              <a:defRPr sz="4400"/>
-            </a:pPr>
-            <a:endParaRPr/>
-          </a:p>
-        </p:txBody>
-      </p:sp>
-    </p:spTree>
-  </p:cSld>
-  <p:clrMapOvr>
-    <a:masterClrMapping/>
-  </p:clrMapOvr>
-  <p:transition spd="med"/>
-</p:sldLayout>
-</file>
-
-<file path=ppt/slideLayouts/slideLayout4.xml><?xml version="1.0" encoding="utf-8"?>
-<p:sldLayout xmlns:a="http://schemas.openxmlformats.org/drawingml/2006/main" xmlns:r="http://schemas.openxmlformats.org/officeDocument/2006/relationships" xmlns:p="http://schemas.openxmlformats.org/presentationml/2006/main" type="tx">
   <p:cSld name="Nagłówek sekcji">
     <p:spTree>
       <p:nvGrpSpPr>
@@ -10257,7 +11197,7 @@
 </p:sldLayout>
 </file>
 
-<file path=ppt/slideLayouts/slideLayout5.xml><?xml version="1.0" encoding="utf-8"?>
+<file path=ppt/slideLayouts/slideLayout4.xml><?xml version="1.0" encoding="utf-8"?>
 <p:sldLayout xmlns:a="http://schemas.openxmlformats.org/drawingml/2006/main" xmlns:r="http://schemas.openxmlformats.org/officeDocument/2006/relationships" xmlns:p="http://schemas.openxmlformats.org/presentationml/2006/main" showMasterSp="0" type="tx">
   <p:cSld name="Dwa elementy zawartości">
     <p:spTree>
@@ -10495,7 +11435,7 @@
 </p:sldLayout>
 </file>
 
-<file path=ppt/slideLayouts/slideLayout6.xml><?xml version="1.0" encoding="utf-8"?>
+<file path=ppt/slideLayouts/slideLayout5.xml><?xml version="1.0" encoding="utf-8"?>
 <p:sldLayout xmlns:a="http://schemas.openxmlformats.org/drawingml/2006/main" xmlns:r="http://schemas.openxmlformats.org/officeDocument/2006/relationships" xmlns:p="http://schemas.openxmlformats.org/presentationml/2006/main" type="tx">
   <p:cSld name="Porównanie">
     <p:spTree>
@@ -10719,7 +11659,7 @@
 </p:sldLayout>
 </file>
 
-<file path=ppt/slideLayouts/slideLayout7.xml><?xml version="1.0" encoding="utf-8"?>
+<file path=ppt/slideLayouts/slideLayout6.xml><?xml version="1.0" encoding="utf-8"?>
 <p:sldLayout xmlns:a="http://schemas.openxmlformats.org/drawingml/2006/main" xmlns:r="http://schemas.openxmlformats.org/officeDocument/2006/relationships" xmlns:p="http://schemas.openxmlformats.org/presentationml/2006/main" type="tx">
   <p:cSld name="Zawartość z podpisem">
     <p:spTree>
@@ -10925,7 +11865,7 @@
 </p:sldLayout>
 </file>
 
-<file path=ppt/slideLayouts/slideLayout8.xml><?xml version="1.0" encoding="utf-8"?>
+<file path=ppt/slideLayouts/slideLayout7.xml><?xml version="1.0" encoding="utf-8"?>
 <p:sldLayout xmlns:a="http://schemas.openxmlformats.org/drawingml/2006/main" xmlns:r="http://schemas.openxmlformats.org/officeDocument/2006/relationships" xmlns:p="http://schemas.openxmlformats.org/presentationml/2006/main" type="tx">
   <p:cSld name="Obraz z podpisem">
     <p:spTree>
@@ -11230,7 +12170,7 @@
           </a:ln>
           <a:extLst>
             <a:ext uri="{C572A759-6A51-4108-AA02-DFA0A04FC94B}">
-              <ma14:wrappingTextBoxFlag xmlns="" xmlns:m="http://schemas.openxmlformats.org/officeDocument/2006/math" xmlns:a14="http://schemas.microsoft.com/office/drawing/2010/main" xmlns:ma14="http://schemas.microsoft.com/office/mac/drawingml/2011/main" val="1"/>
+              <ma14:wrappingTextBoxFlag xmlns:ma14="http://schemas.microsoft.com/office/mac/drawingml/2011/main" xmlns:a14="http://schemas.microsoft.com/office/drawing/2010/main" xmlns:m="http://schemas.openxmlformats.org/officeDocument/2006/math" xmlns="" val="1"/>
             </a:ext>
           </a:extLst>
         </p:spPr>
@@ -11315,7 +12255,7 @@
           <p:nvPr/>
         </p:nvPicPr>
         <p:blipFill>
-          <a:blip r:embed="rId10"/>
+          <a:blip r:embed="rId9"/>
           <a:stretch>
             <a:fillRect/>
           </a:stretch>
@@ -11356,7 +12296,7 @@
           </a:ln>
           <a:extLst>
             <a:ext uri="{C572A759-6A51-4108-AA02-DFA0A04FC94B}">
-              <ma14:wrappingTextBoxFlag xmlns="" xmlns:m="http://schemas.openxmlformats.org/officeDocument/2006/math" xmlns:a14="http://schemas.microsoft.com/office/drawing/2010/main" xmlns:ma14="http://schemas.microsoft.com/office/mac/drawingml/2011/main" val="1"/>
+              <ma14:wrappingTextBoxFlag xmlns:ma14="http://schemas.microsoft.com/office/mac/drawingml/2011/main" xmlns:a14="http://schemas.microsoft.com/office/drawing/2010/main" xmlns:m="http://schemas.openxmlformats.org/officeDocument/2006/math" xmlns="" val="1"/>
             </a:ext>
           </a:extLst>
         </p:spPr>
@@ -11376,12 +12316,11 @@
   <p:sldLayoutIdLst>
     <p:sldLayoutId id="2147483649" r:id="rId1"/>
     <p:sldLayoutId id="2147483650" r:id="rId2"/>
-    <p:sldLayoutId id="2147483651" r:id="rId3"/>
-    <p:sldLayoutId id="2147483652" r:id="rId4"/>
-    <p:sldLayoutId id="2147483653" r:id="rId5"/>
-    <p:sldLayoutId id="2147483654" r:id="rId6"/>
-    <p:sldLayoutId id="2147483655" r:id="rId7"/>
-    <p:sldLayoutId id="2147483656" r:id="rId8"/>
+    <p:sldLayoutId id="2147483652" r:id="rId3"/>
+    <p:sldLayoutId id="2147483653" r:id="rId4"/>
+    <p:sldLayoutId id="2147483654" r:id="rId5"/>
+    <p:sldLayoutId id="2147483655" r:id="rId6"/>
+    <p:sldLayoutId id="2147483656" r:id="rId7"/>
   </p:sldLayoutIdLst>
   <p:transition spd="med"/>
   <p:txStyles>
@@ -12213,7 +13152,7 @@
           </a:ln>
           <a:extLst>
             <a:ext uri="{C572A759-6A51-4108-AA02-DFA0A04FC94B}">
-              <ma14:wrappingTextBoxFlag xmlns="" xmlns:m="http://schemas.openxmlformats.org/officeDocument/2006/math" xmlns:a14="http://schemas.microsoft.com/office/drawing/2010/main" xmlns:ma14="http://schemas.microsoft.com/office/mac/drawingml/2011/main" val="1"/>
+              <ma14:wrappingTextBoxFlag xmlns:ma14="http://schemas.microsoft.com/office/mac/drawingml/2011/main" xmlns:a14="http://schemas.microsoft.com/office/drawing/2010/main" xmlns:m="http://schemas.openxmlformats.org/officeDocument/2006/math" xmlns="" val="1"/>
             </a:ext>
           </a:extLst>
         </p:spPr>
@@ -12327,7 +13266,7 @@
           </a:ln>
           <a:extLst>
             <a:ext uri="{C572A759-6A51-4108-AA02-DFA0A04FC94B}">
-              <ma14:wrappingTextBoxFlag xmlns="" xmlns:m="http://schemas.openxmlformats.org/officeDocument/2006/math" xmlns:a14="http://schemas.microsoft.com/office/drawing/2010/main" xmlns:ma14="http://schemas.microsoft.com/office/mac/drawingml/2011/main" val="1"/>
+              <ma14:wrappingTextBoxFlag xmlns:ma14="http://schemas.microsoft.com/office/mac/drawingml/2011/main" xmlns:a14="http://schemas.microsoft.com/office/drawing/2010/main" xmlns:m="http://schemas.openxmlformats.org/officeDocument/2006/math" xmlns="" val="1"/>
             </a:ext>
           </a:extLst>
         </p:spPr>
@@ -12538,441 +13477,362 @@
       </p:grpSpPr>
       <p:sp>
         <p:nvSpPr>
-          <p:cNvPr id="5" name="TextBox 4">
+          <p:cNvPr id="7" name="Text Placeholder 2">
             <a:extLst>
               <a:ext uri="{FF2B5EF4-FFF2-40B4-BE49-F238E27FC236}">
-                <a16:creationId xmlns:a16="http://schemas.microsoft.com/office/drawing/2014/main" id="{AE4B34A3-B740-FF5E-8E2E-6EC88A27B6DA}"/>
+                <a16:creationId xmlns:a16="http://schemas.microsoft.com/office/drawing/2014/main" id="{06171E96-9949-6E77-6728-43FE381063A9}"/>
               </a:ext>
             </a:extLst>
           </p:cNvPr>
-          <p:cNvSpPr txBox="1"/>
+          <p:cNvSpPr txBox="1">
+            <a:spLocks/>
+          </p:cNvSpPr>
           <p:nvPr/>
         </p:nvSpPr>
         <p:spPr>
           <a:xfrm>
-            <a:off x="1746567" y="994982"/>
-            <a:ext cx="7085200" cy="646329"/>
+            <a:off x="1840832" y="127819"/>
+            <a:ext cx="10184020" cy="492870"/>
           </a:xfrm>
           <a:prstGeom prst="rect">
             <a:avLst/>
           </a:prstGeom>
-          <a:noFill/>
-          <a:ln w="12700" cap="flat">
-            <a:noFill/>
+          <a:ln w="12700">
             <a:miter lim="400000"/>
           </a:ln>
-          <a:effectLst/>
-          <a:sp3d/>
+          <a:extLst>
+            <a:ext uri="{C572A759-6A51-4108-AA02-DFA0A04FC94B}">
+              <ma14:wrappingTextBoxFlag xmlns:ma14="http://schemas.microsoft.com/office/mac/drawingml/2011/main" xmlns:a14="http://schemas.microsoft.com/office/drawing/2010/main" xmlns:m="http://schemas.openxmlformats.org/officeDocument/2006/math" xmlns="" val="1"/>
+            </a:ext>
+          </a:extLst>
         </p:spPr>
-        <p:style>
-          <a:lnRef idx="0">
-            <a:scrgbClr r="0" g="0" b="0"/>
-          </a:lnRef>
-          <a:fillRef idx="0">
-            <a:scrgbClr r="0" g="0" b="0"/>
-          </a:fillRef>
-          <a:effectRef idx="0">
-            <a:scrgbClr r="0" g="0" b="0"/>
-          </a:effectRef>
-          <a:fontRef idx="none"/>
-        </p:style>
         <p:txBody>
-          <a:bodyPr rot="0" spcFirstLastPara="1" vertOverflow="overflow" horzOverflow="overflow" vert="horz" wrap="square" lIns="45719" tIns="45719" rIns="45719" bIns="45719" numCol="1" spcCol="38100" rtlCol="0" anchor="t">
-            <a:spAutoFit/>
+          <a:bodyPr lIns="0" tIns="0" rIns="0" bIns="0" anchor="ctr">
+            <a:normAutofit/>
           </a:bodyPr>
-          <a:lstStyle/>
-          <a:p>
-            <a:pPr marR="0" algn="l" defTabSz="914400" rtl="0" fontAlgn="auto" latinLnBrk="0" hangingPunct="0">
+          <a:lstStyle>
+            <a:lvl1pPr marL="342900" marR="0" indent="-342900" algn="l" defTabSz="914400" rtl="0" latinLnBrk="0">
               <a:lnSpc>
                 <a:spcPct val="100000"/>
               </a:lnSpc>
               <a:spcBef>
-                <a:spcPts val="0"/>
+                <a:spcPts val="600"/>
               </a:spcBef>
               <a:spcAft>
                 <a:spcPts val="0"/>
               </a:spcAft>
               <a:buClrTx/>
-              <a:buSzTx/>
+              <a:buSzPct val="100000"/>
+              <a:buFontTx/>
+              <a:buChar char="•"/>
               <a:tabLst/>
-            </a:pPr>
-            <a:r>
-              <a:rPr lang="pl-PL" dirty="0">
-                <a:solidFill>
-                  <a:srgbClr val="00B0F0"/>
-                </a:solidFill>
-              </a:rPr>
-              <a:t>A </a:t>
-            </a:r>
-            <a:r>
-              <a:rPr lang="pl-PL" dirty="0">
-                <a:solidFill>
-                  <a:schemeClr val="tx1"/>
-                </a:solidFill>
-              </a:rPr>
-              <a:t>+</a:t>
-            </a:r>
-            <a:r>
-              <a:rPr lang="pl-PL" dirty="0">
-                <a:solidFill>
-                  <a:srgbClr val="00B050"/>
-                </a:solidFill>
-              </a:rPr>
-              <a:t> </a:t>
-            </a:r>
-            <a:r>
-              <a:rPr lang="pl-PL" dirty="0" err="1">
-                <a:solidFill>
-                  <a:srgbClr val="00B050"/>
-                </a:solidFill>
-              </a:rPr>
-              <a:t>Citric</a:t>
-            </a:r>
-            <a:r>
-              <a:rPr lang="pl-PL" dirty="0">
-                <a:solidFill>
-                  <a:srgbClr val="00B050"/>
-                </a:solidFill>
-              </a:rPr>
-              <a:t> </a:t>
-            </a:r>
-            <a:r>
-              <a:rPr lang="pl-PL" dirty="0" err="1">
-                <a:solidFill>
-                  <a:srgbClr val="00B050"/>
-                </a:solidFill>
-              </a:rPr>
-              <a:t>acid</a:t>
-            </a:r>
-            <a:r>
-              <a:rPr lang="pl-PL" dirty="0">
-                <a:solidFill>
-                  <a:schemeClr val="tx1"/>
-                </a:solidFill>
-              </a:rPr>
-              <a:t>,</a:t>
-            </a:r>
-            <a:r>
-              <a:rPr lang="pl-PL" dirty="0">
-                <a:solidFill>
-                  <a:srgbClr val="00B050"/>
-                </a:solidFill>
-              </a:rPr>
-              <a:t> </a:t>
-            </a:r>
-            <a:r>
-              <a:rPr lang="pl-PL" dirty="0" err="1">
-                <a:solidFill>
-                  <a:srgbClr val="00B050"/>
-                </a:solidFill>
-              </a:rPr>
-              <a:t>Density</a:t>
-            </a:r>
-            <a:r>
-              <a:rPr lang="pl-PL" dirty="0">
-                <a:solidFill>
-                  <a:schemeClr val="tx1"/>
-                </a:solidFill>
-              </a:rPr>
-              <a:t>,</a:t>
-            </a:r>
-            <a:r>
-              <a:rPr lang="pl-PL" dirty="0">
-                <a:solidFill>
-                  <a:srgbClr val="00B050"/>
-                </a:solidFill>
-              </a:rPr>
-              <a:t> </a:t>
-            </a:r>
-            <a:r>
-              <a:rPr lang="pl-PL" dirty="0" err="1">
-                <a:solidFill>
-                  <a:srgbClr val="00B050"/>
-                </a:solidFill>
-              </a:rPr>
-              <a:t>pH</a:t>
-            </a:r>
-            <a:r>
-              <a:rPr lang="pl-PL" dirty="0">
-                <a:solidFill>
-                  <a:schemeClr val="tx1"/>
-                </a:solidFill>
-              </a:rPr>
-              <a:t>, </a:t>
-            </a:r>
-            <a:r>
-              <a:rPr lang="pl-PL" dirty="0">
-                <a:solidFill>
-                  <a:srgbClr val="00B050"/>
-                </a:solidFill>
-              </a:rPr>
-              <a:t>Total </a:t>
-            </a:r>
-            <a:r>
-              <a:rPr lang="pl-PL" dirty="0" err="1">
-                <a:solidFill>
-                  <a:srgbClr val="00B050"/>
-                </a:solidFill>
-              </a:rPr>
-              <a:t>sulfur</a:t>
-            </a:r>
-            <a:r>
-              <a:rPr lang="pl-PL" dirty="0">
-                <a:solidFill>
-                  <a:srgbClr val="00B050"/>
-                </a:solidFill>
-              </a:rPr>
-              <a:t> </a:t>
-            </a:r>
-            <a:r>
-              <a:rPr lang="pl-PL" dirty="0" err="1">
-                <a:solidFill>
-                  <a:srgbClr val="00B050"/>
-                </a:solidFill>
-              </a:rPr>
-              <a:t>dioxide</a:t>
-            </a:r>
-            <a:r>
-              <a:rPr lang="pl-PL" dirty="0">
-                <a:solidFill>
-                  <a:schemeClr val="tx1"/>
-                </a:solidFill>
-              </a:rPr>
-              <a:t>, …</a:t>
-            </a:r>
-          </a:p>
-          <a:p>
-            <a:pPr marR="0" algn="l" defTabSz="914400" rtl="0" fontAlgn="auto" latinLnBrk="0" hangingPunct="0">
+              <a:defRPr sz="2800" b="0" i="0" u="none" strike="noStrike" cap="none" spc="0" baseline="0">
+                <a:solidFill>
+                  <a:srgbClr val="000000"/>
+                </a:solidFill>
+                <a:uFillTx/>
+                <a:latin typeface="+mj-lt"/>
+                <a:ea typeface="+mj-ea"/>
+                <a:cs typeface="+mj-cs"/>
+                <a:sym typeface="Calibri"/>
+              </a:defRPr>
+            </a:lvl1pPr>
+            <a:lvl2pPr marL="790575" marR="0" indent="-333375" algn="l" defTabSz="914400" rtl="0" latinLnBrk="0">
               <a:lnSpc>
                 <a:spcPct val="100000"/>
               </a:lnSpc>
               <a:spcBef>
-                <a:spcPts val="0"/>
+                <a:spcPts val="600"/>
               </a:spcBef>
               <a:spcAft>
                 <a:spcPts val="0"/>
               </a:spcAft>
               <a:buClrTx/>
-              <a:buSzTx/>
+              <a:buSzPct val="100000"/>
+              <a:buFontTx/>
+              <a:buChar char="–"/>
               <a:tabLst/>
+              <a:defRPr sz="2800" b="0" i="0" u="none" strike="noStrike" cap="none" spc="0" baseline="0">
+                <a:solidFill>
+                  <a:srgbClr val="000000"/>
+                </a:solidFill>
+                <a:uFillTx/>
+                <a:latin typeface="+mj-lt"/>
+                <a:ea typeface="+mj-ea"/>
+                <a:cs typeface="+mj-cs"/>
+                <a:sym typeface="Calibri"/>
+              </a:defRPr>
+            </a:lvl2pPr>
+            <a:lvl3pPr marL="1234439" marR="0" indent="-320039" algn="l" defTabSz="914400" rtl="0" latinLnBrk="0">
+              <a:lnSpc>
+                <a:spcPct val="100000"/>
+              </a:lnSpc>
+              <a:spcBef>
+                <a:spcPts val="600"/>
+              </a:spcBef>
+              <a:spcAft>
+                <a:spcPts val="0"/>
+              </a:spcAft>
+              <a:buClrTx/>
+              <a:buSzPct val="100000"/>
+              <a:buFontTx/>
+              <a:buChar char="•"/>
+              <a:tabLst/>
+              <a:defRPr sz="2800" b="0" i="0" u="none" strike="noStrike" cap="none" spc="0" baseline="0">
+                <a:solidFill>
+                  <a:srgbClr val="000000"/>
+                </a:solidFill>
+                <a:uFillTx/>
+                <a:latin typeface="+mj-lt"/>
+                <a:ea typeface="+mj-ea"/>
+                <a:cs typeface="+mj-cs"/>
+                <a:sym typeface="Calibri"/>
+              </a:defRPr>
+            </a:lvl3pPr>
+            <a:lvl4pPr marL="1727200" marR="0" indent="-355600" algn="l" defTabSz="914400" rtl="0" latinLnBrk="0">
+              <a:lnSpc>
+                <a:spcPct val="100000"/>
+              </a:lnSpc>
+              <a:spcBef>
+                <a:spcPts val="600"/>
+              </a:spcBef>
+              <a:spcAft>
+                <a:spcPts val="0"/>
+              </a:spcAft>
+              <a:buClrTx/>
+              <a:buSzPct val="100000"/>
+              <a:buFontTx/>
+              <a:buChar char="–"/>
+              <a:tabLst/>
+              <a:defRPr sz="2800" b="0" i="0" u="none" strike="noStrike" cap="none" spc="0" baseline="0">
+                <a:solidFill>
+                  <a:srgbClr val="000000"/>
+                </a:solidFill>
+                <a:uFillTx/>
+                <a:latin typeface="+mj-lt"/>
+                <a:ea typeface="+mj-ea"/>
+                <a:cs typeface="+mj-cs"/>
+                <a:sym typeface="Calibri"/>
+              </a:defRPr>
+            </a:lvl4pPr>
+            <a:lvl5pPr marL="2184400" marR="0" indent="-355600" algn="l" defTabSz="914400" rtl="0" latinLnBrk="0">
+              <a:lnSpc>
+                <a:spcPct val="100000"/>
+              </a:lnSpc>
+              <a:spcBef>
+                <a:spcPts val="600"/>
+              </a:spcBef>
+              <a:spcAft>
+                <a:spcPts val="0"/>
+              </a:spcAft>
+              <a:buClrTx/>
+              <a:buSzPct val="100000"/>
+              <a:buFontTx/>
+              <a:buChar char="»"/>
+              <a:tabLst/>
+              <a:defRPr sz="2800" b="0" i="0" u="none" strike="noStrike" cap="none" spc="0" baseline="0">
+                <a:solidFill>
+                  <a:srgbClr val="000000"/>
+                </a:solidFill>
+                <a:uFillTx/>
+                <a:latin typeface="+mj-lt"/>
+                <a:ea typeface="+mj-ea"/>
+                <a:cs typeface="+mj-cs"/>
+                <a:sym typeface="Calibri"/>
+              </a:defRPr>
+            </a:lvl5pPr>
+            <a:lvl6pPr marL="2641600" marR="0" indent="-355600" algn="l" defTabSz="914400" rtl="0" latinLnBrk="0">
+              <a:lnSpc>
+                <a:spcPct val="100000"/>
+              </a:lnSpc>
+              <a:spcBef>
+                <a:spcPts val="600"/>
+              </a:spcBef>
+              <a:spcAft>
+                <a:spcPts val="0"/>
+              </a:spcAft>
+              <a:buClrTx/>
+              <a:buSzPct val="100000"/>
+              <a:buFontTx/>
+              <a:buChar char="»"/>
+              <a:tabLst/>
+              <a:defRPr sz="2800" b="0" i="0" u="none" strike="noStrike" cap="none" spc="0" baseline="0">
+                <a:solidFill>
+                  <a:srgbClr val="000000"/>
+                </a:solidFill>
+                <a:uFillTx/>
+                <a:latin typeface="+mj-lt"/>
+                <a:ea typeface="+mj-ea"/>
+                <a:cs typeface="+mj-cs"/>
+                <a:sym typeface="Calibri"/>
+              </a:defRPr>
+            </a:lvl6pPr>
+            <a:lvl7pPr marL="3098800" marR="0" indent="-355600" algn="l" defTabSz="914400" rtl="0" latinLnBrk="0">
+              <a:lnSpc>
+                <a:spcPct val="100000"/>
+              </a:lnSpc>
+              <a:spcBef>
+                <a:spcPts val="600"/>
+              </a:spcBef>
+              <a:spcAft>
+                <a:spcPts val="0"/>
+              </a:spcAft>
+              <a:buClrTx/>
+              <a:buSzPct val="100000"/>
+              <a:buFontTx/>
+              <a:buChar char="»"/>
+              <a:tabLst/>
+              <a:defRPr sz="2800" b="0" i="0" u="none" strike="noStrike" cap="none" spc="0" baseline="0">
+                <a:solidFill>
+                  <a:srgbClr val="000000"/>
+                </a:solidFill>
+                <a:uFillTx/>
+                <a:latin typeface="+mj-lt"/>
+                <a:ea typeface="+mj-ea"/>
+                <a:cs typeface="+mj-cs"/>
+                <a:sym typeface="Calibri"/>
+              </a:defRPr>
+            </a:lvl7pPr>
+            <a:lvl8pPr marL="3556000" marR="0" indent="-355600" algn="l" defTabSz="914400" rtl="0" latinLnBrk="0">
+              <a:lnSpc>
+                <a:spcPct val="100000"/>
+              </a:lnSpc>
+              <a:spcBef>
+                <a:spcPts val="600"/>
+              </a:spcBef>
+              <a:spcAft>
+                <a:spcPts val="0"/>
+              </a:spcAft>
+              <a:buClrTx/>
+              <a:buSzPct val="100000"/>
+              <a:buFontTx/>
+              <a:buChar char="»"/>
+              <a:tabLst/>
+              <a:defRPr sz="2800" b="0" i="0" u="none" strike="noStrike" cap="none" spc="0" baseline="0">
+                <a:solidFill>
+                  <a:srgbClr val="000000"/>
+                </a:solidFill>
+                <a:uFillTx/>
+                <a:latin typeface="+mj-lt"/>
+                <a:ea typeface="+mj-ea"/>
+                <a:cs typeface="+mj-cs"/>
+                <a:sym typeface="Calibri"/>
+              </a:defRPr>
+            </a:lvl8pPr>
+            <a:lvl9pPr marL="4013200" marR="0" indent="-355600" algn="l" defTabSz="914400" rtl="0" latinLnBrk="0">
+              <a:lnSpc>
+                <a:spcPct val="100000"/>
+              </a:lnSpc>
+              <a:spcBef>
+                <a:spcPts val="600"/>
+              </a:spcBef>
+              <a:spcAft>
+                <a:spcPts val="0"/>
+              </a:spcAft>
+              <a:buClrTx/>
+              <a:buSzPct val="100000"/>
+              <a:buFontTx/>
+              <a:buChar char="»"/>
+              <a:tabLst/>
+              <a:defRPr sz="2800" b="0" i="0" u="none" strike="noStrike" cap="none" spc="0" baseline="0">
+                <a:solidFill>
+                  <a:srgbClr val="000000"/>
+                </a:solidFill>
+                <a:uFillTx/>
+                <a:latin typeface="+mj-lt"/>
+                <a:ea typeface="+mj-ea"/>
+                <a:cs typeface="+mj-cs"/>
+                <a:sym typeface="Calibri"/>
+              </a:defRPr>
+            </a:lvl9pPr>
+          </a:lstStyle>
+          <a:p>
+            <a:pPr marL="0" indent="0" hangingPunct="1">
+              <a:buFontTx/>
+              <a:buNone/>
             </a:pPr>
             <a:r>
-              <a:rPr lang="pl-PL" dirty="0">
-                <a:solidFill>
-                  <a:schemeClr val="tx1"/>
-                </a:solidFill>
-              </a:rPr>
-              <a:t>… </a:t>
-            </a:r>
-            <a:r>
-              <a:rPr lang="pl-PL" dirty="0" err="1">
-                <a:solidFill>
-                  <a:srgbClr val="00B050"/>
-                </a:solidFill>
-              </a:rPr>
-              <a:t>Chlorides</a:t>
-            </a:r>
-            <a:r>
-              <a:rPr lang="pl-PL" dirty="0">
-                <a:solidFill>
-                  <a:schemeClr val="tx1"/>
-                </a:solidFill>
-              </a:rPr>
-              <a:t>,</a:t>
-            </a:r>
-            <a:r>
-              <a:rPr lang="pl-PL" dirty="0">
-                <a:solidFill>
-                  <a:srgbClr val="00B050"/>
-                </a:solidFill>
-              </a:rPr>
-              <a:t> </a:t>
-            </a:r>
-            <a:r>
-              <a:rPr lang="pl-PL" dirty="0" err="1">
-                <a:solidFill>
-                  <a:srgbClr val="00B050"/>
-                </a:solidFill>
-              </a:rPr>
-              <a:t>Residual</a:t>
-            </a:r>
-            <a:r>
-              <a:rPr lang="pl-PL" dirty="0">
-                <a:solidFill>
-                  <a:srgbClr val="00B050"/>
-                </a:solidFill>
-              </a:rPr>
-              <a:t> </a:t>
-            </a:r>
-            <a:r>
-              <a:rPr lang="pl-PL" dirty="0" err="1">
-                <a:solidFill>
-                  <a:srgbClr val="00B050"/>
-                </a:solidFill>
-              </a:rPr>
-              <a:t>sugar</a:t>
-            </a:r>
-            <a:r>
-              <a:rPr lang="pl-PL" dirty="0">
-                <a:solidFill>
-                  <a:schemeClr val="tx1"/>
-                </a:solidFill>
-              </a:rPr>
-              <a:t>,</a:t>
-            </a:r>
-            <a:r>
-              <a:rPr lang="pl-PL" dirty="0">
-                <a:solidFill>
-                  <a:srgbClr val="00B050"/>
-                </a:solidFill>
-              </a:rPr>
-              <a:t> </a:t>
-            </a:r>
-            <a:r>
-              <a:rPr lang="pl-PL" dirty="0" err="1">
-                <a:solidFill>
-                  <a:srgbClr val="00B050"/>
-                </a:solidFill>
-              </a:rPr>
-              <a:t>Fixed</a:t>
-            </a:r>
-            <a:r>
-              <a:rPr lang="pl-PL" dirty="0">
-                <a:solidFill>
-                  <a:srgbClr val="00B050"/>
-                </a:solidFill>
-              </a:rPr>
-              <a:t> </a:t>
-            </a:r>
-            <a:r>
-              <a:rPr lang="pl-PL" dirty="0" err="1">
-                <a:solidFill>
-                  <a:srgbClr val="00B050"/>
-                </a:solidFill>
-              </a:rPr>
-              <a:t>acidity</a:t>
-            </a:r>
-            <a:r>
-              <a:rPr lang="pl-PL" dirty="0">
-                <a:solidFill>
-                  <a:schemeClr val="tx1"/>
-                </a:solidFill>
-              </a:rPr>
-              <a:t>,</a:t>
-            </a:r>
-            <a:r>
-              <a:rPr lang="pl-PL" dirty="0">
-                <a:solidFill>
-                  <a:srgbClr val="00B050"/>
-                </a:solidFill>
-              </a:rPr>
-              <a:t> </a:t>
-            </a:r>
-            <a:r>
-              <a:rPr lang="pl-PL" dirty="0" err="1">
-                <a:solidFill>
-                  <a:srgbClr val="00B050"/>
-                </a:solidFill>
-              </a:rPr>
-              <a:t>Citric</a:t>
-            </a:r>
-            <a:r>
-              <a:rPr lang="pl-PL" dirty="0">
-                <a:solidFill>
-                  <a:srgbClr val="00B050"/>
-                </a:solidFill>
-              </a:rPr>
-              <a:t> </a:t>
-            </a:r>
-            <a:r>
-              <a:rPr lang="pl-PL" dirty="0" err="1">
-                <a:solidFill>
-                  <a:srgbClr val="00B050"/>
-                </a:solidFill>
-              </a:rPr>
-              <a:t>acid</a:t>
-            </a:r>
-            <a:r>
-              <a:rPr lang="pl-PL" dirty="0">
-                <a:solidFill>
-                  <a:srgbClr val="00B050"/>
-                </a:solidFill>
-              </a:rPr>
-              <a:t> </a:t>
-            </a:r>
-            <a:r>
-              <a:rPr lang="pl-PL" dirty="0"/>
-              <a:t>= set </a:t>
-            </a:r>
-            <a:r>
-              <a:rPr lang="pl-PL" dirty="0">
-                <a:solidFill>
-                  <a:srgbClr val="00B050"/>
-                </a:solidFill>
-              </a:rPr>
-              <a:t>B11</a:t>
+              <a:rPr lang="pl-PL" b="1" dirty="0"/>
+              <a:t>DATA SPLITTING </a:t>
+            </a:r>
+            <a:r>
+              <a:rPr lang="pl-PL" b="1" dirty="0">
+                <a:solidFill>
+                  <a:srgbClr val="FFFF00"/>
+                </a:solidFill>
+                <a:highlight>
+                  <a:srgbClr val="FF0000"/>
+                </a:highlight>
+              </a:rPr>
+              <a:t>BUILDING &amp; TEST</a:t>
             </a:r>
           </a:p>
         </p:txBody>
       </p:sp>
-      <p:cxnSp>
-        <p:nvCxnSpPr>
-          <p:cNvPr id="6" name="Straight Connector 5">
+      <p:graphicFrame>
+        <p:nvGraphicFramePr>
+          <p:cNvPr id="10" name="Diagram 9">
             <a:extLst>
               <a:ext uri="{FF2B5EF4-FFF2-40B4-BE49-F238E27FC236}">
-                <a16:creationId xmlns:a16="http://schemas.microsoft.com/office/drawing/2014/main" id="{A3EF8091-9B03-CBF6-11CC-85954BDC70E3}"/>
+                <a16:creationId xmlns:a16="http://schemas.microsoft.com/office/drawing/2014/main" id="{65079FEA-0C41-729A-827E-ECDF6695917A}"/>
               </a:ext>
             </a:extLst>
           </p:cNvPr>
-          <p:cNvCxnSpPr/>
+          <p:cNvGraphicFramePr/>
+          <p:nvPr>
+            <p:extLst>
+              <p:ext uri="{D42A27DB-BD31-4B8C-83A1-F6EECF244321}">
+                <p14:modId xmlns:p14="http://schemas.microsoft.com/office/powerpoint/2010/main" val="2403491323"/>
+              </p:ext>
+            </p:extLst>
+          </p:nvPr>
+        </p:nvGraphicFramePr>
+        <p:xfrm>
+          <a:off x="1840831" y="733531"/>
+          <a:ext cx="10006175" cy="5878284"/>
+        </p:xfrm>
+        <a:graphic>
+          <a:graphicData uri="http://schemas.openxmlformats.org/drawingml/2006/diagram">
+            <dgm:relIds xmlns:dgm="http://schemas.openxmlformats.org/drawingml/2006/diagram" xmlns:r="http://schemas.openxmlformats.org/officeDocument/2006/relationships" r:dm="rId2" r:lo="rId3" r:qs="rId4" r:cs="rId5"/>
+          </a:graphicData>
+        </a:graphic>
+      </p:graphicFrame>
+      <p:pic>
+        <p:nvPicPr>
+          <p:cNvPr id="18" name="Picture 17">
+            <a:extLst>
+              <a:ext uri="{FF2B5EF4-FFF2-40B4-BE49-F238E27FC236}">
+                <a16:creationId xmlns:a16="http://schemas.microsoft.com/office/drawing/2014/main" id="{E6F70798-ECBD-0FC1-C997-B25DEE42423D}"/>
+              </a:ext>
+            </a:extLst>
+          </p:cNvPr>
+          <p:cNvPicPr>
+            <a:picLocks noChangeAspect="1"/>
+          </p:cNvPicPr>
           <p:nvPr/>
-        </p:nvCxnSpPr>
+        </p:nvPicPr>
+        <p:blipFill>
+          <a:blip r:embed="rId7"/>
+          <a:stretch>
+            <a:fillRect/>
+          </a:stretch>
+        </p:blipFill>
         <p:spPr>
           <a:xfrm>
-            <a:off x="7166595" y="1990273"/>
-            <a:ext cx="0" cy="3688080"/>
+            <a:off x="7277295" y="4392134"/>
+            <a:ext cx="3921647" cy="1064769"/>
           </a:xfrm>
-          <a:prstGeom prst="line">
+          <a:prstGeom prst="rect">
             <a:avLst/>
           </a:prstGeom>
-          <a:noFill/>
-          <a:ln w="25400" cap="flat">
-            <a:solidFill>
-              <a:schemeClr val="accent2">
-                <a:lumOff val="16690"/>
-              </a:schemeClr>
-            </a:solidFill>
-            <a:prstDash val="solid"/>
-            <a:round/>
-          </a:ln>
-          <a:effectLst>
-            <a:outerShdw blurRad="38100" dist="20000" dir="5400000" rotWithShape="0">
-              <a:srgbClr val="000000">
-                <a:alpha val="38000"/>
-              </a:srgbClr>
-            </a:outerShdw>
-          </a:effectLst>
-          <a:sp3d/>
         </p:spPr>
-        <p:style>
-          <a:lnRef idx="0">
-            <a:scrgbClr r="0" g="0" b="0"/>
-          </a:lnRef>
-          <a:fillRef idx="0">
-            <a:scrgbClr r="0" g="0" b="0"/>
-          </a:fillRef>
-          <a:effectRef idx="0">
-            <a:scrgbClr r="0" g="0" b="0"/>
-          </a:effectRef>
-          <a:fontRef idx="none"/>
-        </p:style>
-      </p:cxnSp>
+      </p:pic>
       <p:sp>
         <p:nvSpPr>
-          <p:cNvPr id="7" name="Rectangle 6">
+          <p:cNvPr id="19" name="Plus Sign 18">
             <a:extLst>
               <a:ext uri="{FF2B5EF4-FFF2-40B4-BE49-F238E27FC236}">
-                <a16:creationId xmlns:a16="http://schemas.microsoft.com/office/drawing/2014/main" id="{996D5A98-8768-9DF5-8F9B-5A2EBCF25D14}"/>
+                <a16:creationId xmlns:a16="http://schemas.microsoft.com/office/drawing/2014/main" id="{1788D904-61A6-F604-FF5E-0A2869A40A16}"/>
               </a:ext>
             </a:extLst>
           </p:cNvPr>
@@ -12981,14 +13841,14 @@
         </p:nvSpPr>
         <p:spPr>
           <a:xfrm>
-            <a:off x="9398686" y="3072811"/>
-            <a:ext cx="1260000" cy="1260000"/>
+            <a:off x="9045758" y="5569745"/>
+            <a:ext cx="384719" cy="384719"/>
           </a:xfrm>
-          <a:prstGeom prst="rect">
+          <a:prstGeom prst="mathPlus">
             <a:avLst/>
           </a:prstGeom>
           <a:solidFill>
-            <a:srgbClr val="FFFFFF"/>
+            <a:srgbClr val="0070C0"/>
           </a:solidFill>
           <a:ln w="25400" cap="flat">
             <a:solidFill>
@@ -13042,6 +13902,210 @@
               <a:buNone/>
               <a:tabLst/>
             </a:pPr>
+            <a:endParaRPr kumimoji="0" lang="en-GB" sz="1800" b="0" i="0" u="none" strike="noStrike" cap="none" spc="0" normalizeH="0" baseline="0">
+              <a:ln>
+                <a:noFill/>
+              </a:ln>
+              <a:solidFill>
+                <a:srgbClr val="000000"/>
+              </a:solidFill>
+              <a:effectLst/>
+              <a:uFillTx/>
+              <a:latin typeface="Trebuchet MS"/>
+              <a:ea typeface="Trebuchet MS"/>
+              <a:cs typeface="Trebuchet MS"/>
+              <a:sym typeface="Trebuchet MS"/>
+            </a:endParaRPr>
+          </a:p>
+        </p:txBody>
+      </p:sp>
+      <p:sp>
+        <p:nvSpPr>
+          <p:cNvPr id="20" name="TextBox 19">
+            <a:extLst>
+              <a:ext uri="{FF2B5EF4-FFF2-40B4-BE49-F238E27FC236}">
+                <a16:creationId xmlns:a16="http://schemas.microsoft.com/office/drawing/2014/main" id="{79D36A57-3106-DD2A-2D49-74FF2275FCE7}"/>
+              </a:ext>
+            </a:extLst>
+          </p:cNvPr>
+          <p:cNvSpPr txBox="1"/>
+          <p:nvPr/>
+        </p:nvSpPr>
+        <p:spPr>
+          <a:xfrm>
+            <a:off x="8144477" y="5954464"/>
+            <a:ext cx="2206692" cy="384719"/>
+          </a:xfrm>
+          <a:prstGeom prst="rect">
+            <a:avLst/>
+          </a:prstGeom>
+          <a:noFill/>
+          <a:ln w="12700" cap="flat">
+            <a:noFill/>
+            <a:miter lim="400000"/>
+          </a:ln>
+          <a:effectLst/>
+          <a:sp3d/>
+        </p:spPr>
+        <p:style>
+          <a:lnRef idx="0">
+            <a:scrgbClr r="0" g="0" b="0"/>
+          </a:lnRef>
+          <a:fillRef idx="0">
+            <a:scrgbClr r="0" g="0" b="0"/>
+          </a:fillRef>
+          <a:effectRef idx="0">
+            <a:scrgbClr r="0" g="0" b="0"/>
+          </a:effectRef>
+          <a:fontRef idx="none"/>
+        </p:style>
+        <p:txBody>
+          <a:bodyPr rot="0" spcFirstLastPara="1" vertOverflow="overflow" horzOverflow="overflow" vert="horz" wrap="none" lIns="45719" tIns="45719" rIns="45719" bIns="45719" numCol="1" spcCol="38100" rtlCol="0" anchor="t">
+            <a:spAutoFit/>
+          </a:bodyPr>
+          <a:lstStyle/>
+          <a:p>
+            <a:pPr marL="0" marR="0" indent="0" algn="l" defTabSz="914400" rtl="0" fontAlgn="auto" latinLnBrk="0" hangingPunct="0">
+              <a:lnSpc>
+                <a:spcPct val="100000"/>
+              </a:lnSpc>
+              <a:spcBef>
+                <a:spcPts val="0"/>
+              </a:spcBef>
+              <a:spcAft>
+                <a:spcPts val="0"/>
+              </a:spcAft>
+              <a:buClrTx/>
+              <a:buSzTx/>
+              <a:buFontTx/>
+              <a:buNone/>
+              <a:tabLst/>
+            </a:pPr>
+            <a:r>
+              <a:rPr kumimoji="0" lang="pl-PL" sz="1900" b="0" i="0" u="none" strike="noStrike" cap="none" spc="0" normalizeH="0" baseline="0" dirty="0">
+                <a:ln>
+                  <a:noFill/>
+                </a:ln>
+                <a:solidFill>
+                  <a:srgbClr val="000000"/>
+                </a:solidFill>
+                <a:effectLst/>
+                <a:uFillTx/>
+                <a:latin typeface="+mj-lt"/>
+                <a:ea typeface="Trebuchet MS"/>
+                <a:cs typeface="Trebuchet MS"/>
+                <a:sym typeface="Trebuchet MS"/>
+              </a:rPr>
+              <a:t>CONFUSION MATRIX</a:t>
+            </a:r>
+            <a:endParaRPr kumimoji="0" lang="en-GB" sz="1900" b="0" i="0" u="none" strike="noStrike" cap="none" spc="0" normalizeH="0" baseline="0" dirty="0">
+              <a:ln>
+                <a:noFill/>
+              </a:ln>
+              <a:solidFill>
+                <a:srgbClr val="000000"/>
+              </a:solidFill>
+              <a:effectLst/>
+              <a:uFillTx/>
+              <a:latin typeface="+mj-lt"/>
+              <a:ea typeface="Trebuchet MS"/>
+              <a:cs typeface="Trebuchet MS"/>
+              <a:sym typeface="Trebuchet MS"/>
+            </a:endParaRPr>
+          </a:p>
+        </p:txBody>
+      </p:sp>
+      <p:pic>
+        <p:nvPicPr>
+          <p:cNvPr id="16" name="Picture 15">
+            <a:extLst>
+              <a:ext uri="{FF2B5EF4-FFF2-40B4-BE49-F238E27FC236}">
+                <a16:creationId xmlns:a16="http://schemas.microsoft.com/office/drawing/2014/main" id="{D126AFD1-58A2-B80E-5F1A-AC42DB7EA1D2}"/>
+              </a:ext>
+            </a:extLst>
+          </p:cNvPr>
+          <p:cNvPicPr>
+            <a:picLocks noChangeAspect="1"/>
+          </p:cNvPicPr>
+          <p:nvPr/>
+        </p:nvPicPr>
+        <p:blipFill>
+          <a:blip r:embed="rId8"/>
+          <a:srcRect t="3864" b="29388"/>
+          <a:stretch/>
+        </p:blipFill>
+        <p:spPr>
+          <a:xfrm>
+            <a:off x="1956905" y="3946884"/>
+            <a:ext cx="3486389" cy="2512910"/>
+          </a:xfrm>
+          <a:prstGeom prst="rect">
+            <a:avLst/>
+          </a:prstGeom>
+        </p:spPr>
+      </p:pic>
+      <p:sp>
+        <p:nvSpPr>
+          <p:cNvPr id="21" name="TextBox 20">
+            <a:extLst>
+              <a:ext uri="{FF2B5EF4-FFF2-40B4-BE49-F238E27FC236}">
+                <a16:creationId xmlns:a16="http://schemas.microsoft.com/office/drawing/2014/main" id="{77327D73-C7BB-FAA0-02DA-890FE1FABA7F}"/>
+              </a:ext>
+            </a:extLst>
+          </p:cNvPr>
+          <p:cNvSpPr txBox="1"/>
+          <p:nvPr/>
+        </p:nvSpPr>
+        <p:spPr>
+          <a:xfrm>
+            <a:off x="1956905" y="3521133"/>
+            <a:ext cx="2322109" cy="369330"/>
+          </a:xfrm>
+          <a:prstGeom prst="rect">
+            <a:avLst/>
+          </a:prstGeom>
+          <a:noFill/>
+          <a:ln w="12700" cap="flat">
+            <a:noFill/>
+            <a:miter lim="400000"/>
+          </a:ln>
+          <a:effectLst/>
+          <a:sp3d/>
+        </p:spPr>
+        <p:style>
+          <a:lnRef idx="0">
+            <a:scrgbClr r="0" g="0" b="0"/>
+          </a:lnRef>
+          <a:fillRef idx="0">
+            <a:scrgbClr r="0" g="0" b="0"/>
+          </a:fillRef>
+          <a:effectRef idx="0">
+            <a:scrgbClr r="0" g="0" b="0"/>
+          </a:effectRef>
+          <a:fontRef idx="none"/>
+        </p:style>
+        <p:txBody>
+          <a:bodyPr rot="0" spcFirstLastPara="1" vertOverflow="overflow" horzOverflow="overflow" vert="horz" wrap="none" lIns="45719" tIns="45719" rIns="45719" bIns="45719" numCol="1" spcCol="38100" rtlCol="0" anchor="t">
+            <a:spAutoFit/>
+          </a:bodyPr>
+          <a:lstStyle/>
+          <a:p>
+            <a:pPr marL="0" marR="0" indent="0" algn="l" defTabSz="914400" rtl="0" fontAlgn="auto" latinLnBrk="0" hangingPunct="0">
+              <a:lnSpc>
+                <a:spcPct val="100000"/>
+              </a:lnSpc>
+              <a:spcBef>
+                <a:spcPts val="0"/>
+              </a:spcBef>
+              <a:spcAft>
+                <a:spcPts val="0"/>
+              </a:spcAft>
+              <a:buClrTx/>
+              <a:buSzTx/>
+              <a:buFontTx/>
+              <a:buNone/>
+              <a:tabLst/>
+            </a:pPr>
             <a:r>
               <a:rPr kumimoji="0" lang="pl-PL" sz="1800" b="0" i="0" u="none" strike="noStrike" cap="none" spc="0" normalizeH="0" baseline="0" dirty="0">
                 <a:ln>
@@ -13051,314 +14115,750 @@
                   <a:srgbClr val="000000"/>
                 </a:solidFill>
                 <a:effectLst/>
+                <a:highlight>
+                  <a:srgbClr val="FFC1C1"/>
+                </a:highlight>
                 <a:uFillTx/>
                 <a:latin typeface="Trebuchet MS"/>
                 <a:ea typeface="Trebuchet MS"/>
                 <a:cs typeface="Trebuchet MS"/>
                 <a:sym typeface="Trebuchet MS"/>
               </a:rPr>
-              <a:t>Matrix</a:t>
-            </a:r>
+              <a:t>3. TRAINING PROCESS</a:t>
+            </a:r>
+            <a:endParaRPr kumimoji="0" lang="en-GB" sz="1800" b="0" i="0" u="none" strike="noStrike" cap="none" spc="0" normalizeH="0" baseline="0" dirty="0">
+              <a:ln>
+                <a:noFill/>
+              </a:ln>
+              <a:solidFill>
+                <a:srgbClr val="000000"/>
+              </a:solidFill>
+              <a:effectLst/>
+              <a:highlight>
+                <a:srgbClr val="FFC1C1"/>
+              </a:highlight>
+              <a:uFillTx/>
+              <a:latin typeface="Trebuchet MS"/>
+              <a:ea typeface="Trebuchet MS"/>
+              <a:cs typeface="Trebuchet MS"/>
+              <a:sym typeface="Trebuchet MS"/>
+            </a:endParaRPr>
           </a:p>
         </p:txBody>
       </p:sp>
       <p:sp>
         <p:nvSpPr>
-          <p:cNvPr id="8" name="Text Placeholder 2">
+          <p:cNvPr id="22" name="TextBox 21">
             <a:extLst>
               <a:ext uri="{FF2B5EF4-FFF2-40B4-BE49-F238E27FC236}">
-                <a16:creationId xmlns:a16="http://schemas.microsoft.com/office/drawing/2014/main" id="{41363F18-2B49-C39C-AF5B-F0A62FF14C39}"/>
+                <a16:creationId xmlns:a16="http://schemas.microsoft.com/office/drawing/2014/main" id="{566CB4A9-B5D9-912C-D5E0-F251572DBC0A}"/>
               </a:ext>
             </a:extLst>
           </p:cNvPr>
-          <p:cNvSpPr txBox="1">
-            <a:spLocks/>
-          </p:cNvSpPr>
+          <p:cNvSpPr txBox="1"/>
           <p:nvPr/>
         </p:nvSpPr>
         <p:spPr>
           <a:xfrm>
-            <a:off x="1788013" y="116632"/>
-            <a:ext cx="11046299" cy="504057"/>
+            <a:off x="9720852" y="3508929"/>
+            <a:ext cx="2067231" cy="369330"/>
           </a:xfrm>
           <a:prstGeom prst="rect">
             <a:avLst/>
           </a:prstGeom>
-          <a:ln w="12700">
+          <a:noFill/>
+          <a:ln w="12700" cap="flat">
+            <a:noFill/>
             <a:miter lim="400000"/>
           </a:ln>
-          <a:extLst>
-            <a:ext uri="{C572A759-6A51-4108-AA02-DFA0A04FC94B}">
-              <ma14:wrappingTextBoxFlag xmlns="" xmlns:m="http://schemas.openxmlformats.org/officeDocument/2006/math" xmlns:a14="http://schemas.microsoft.com/office/drawing/2010/main" xmlns:ma14="http://schemas.microsoft.com/office/mac/drawingml/2011/main" val="1"/>
-            </a:ext>
-          </a:extLst>
+          <a:effectLst/>
+          <a:sp3d/>
         </p:spPr>
+        <p:style>
+          <a:lnRef idx="0">
+            <a:scrgbClr r="0" g="0" b="0"/>
+          </a:lnRef>
+          <a:fillRef idx="0">
+            <a:scrgbClr r="0" g="0" b="0"/>
+          </a:fillRef>
+          <a:effectRef idx="0">
+            <a:scrgbClr r="0" g="0" b="0"/>
+          </a:effectRef>
+          <a:fontRef idx="none"/>
+        </p:style>
         <p:txBody>
-          <a:bodyPr lIns="0" tIns="0" rIns="0" bIns="0" anchor="ctr">
-            <a:normAutofit/>
+          <a:bodyPr rot="0" spcFirstLastPara="1" vertOverflow="overflow" horzOverflow="overflow" vert="horz" wrap="none" lIns="45719" tIns="45719" rIns="45719" bIns="45719" numCol="1" spcCol="38100" rtlCol="0" anchor="t">
+            <a:spAutoFit/>
           </a:bodyPr>
-          <a:lstStyle>
-            <a:lvl1pPr marL="342900" marR="0" indent="-342900" algn="l" defTabSz="914400" rtl="0" latinLnBrk="0">
+          <a:lstStyle/>
+          <a:p>
+            <a:pPr marL="0" marR="0" indent="0" algn="l" defTabSz="914400" rtl="0" fontAlgn="auto" latinLnBrk="0" hangingPunct="0">
               <a:lnSpc>
                 <a:spcPct val="100000"/>
               </a:lnSpc>
               <a:spcBef>
-                <a:spcPts val="600"/>
+                <a:spcPts val="0"/>
               </a:spcBef>
               <a:spcAft>
                 <a:spcPts val="0"/>
               </a:spcAft>
               <a:buClrTx/>
-              <a:buSzPct val="100000"/>
+              <a:buSzTx/>
               <a:buFontTx/>
-              <a:buChar char="•"/>
+              <a:buNone/>
               <a:tabLst/>
-              <a:defRPr sz="2800" b="0" i="0" u="none" strike="noStrike" cap="none" spc="0" baseline="0">
+            </a:pPr>
+            <a:r>
+              <a:rPr kumimoji="0" lang="pl-PL" sz="1800" b="0" i="0" u="none" strike="noStrike" cap="none" spc="0" normalizeH="0" baseline="0" dirty="0">
+                <a:ln>
+                  <a:noFill/>
+                </a:ln>
                 <a:solidFill>
                   <a:srgbClr val="000000"/>
                 </a:solidFill>
+                <a:effectLst/>
+                <a:highlight>
+                  <a:srgbClr val="FFC1C1"/>
+                </a:highlight>
                 <a:uFillTx/>
-                <a:latin typeface="+mj-lt"/>
-                <a:ea typeface="+mj-ea"/>
-                <a:cs typeface="+mj-cs"/>
-                <a:sym typeface="Calibri"/>
-              </a:defRPr>
-            </a:lvl1pPr>
-            <a:lvl2pPr marL="790575" marR="0" indent="-333375" algn="l" defTabSz="914400" rtl="0" latinLnBrk="0">
+                <a:latin typeface="Trebuchet MS"/>
+                <a:ea typeface="Trebuchet MS"/>
+                <a:cs typeface="Trebuchet MS"/>
+                <a:sym typeface="Trebuchet MS"/>
+              </a:rPr>
+              <a:t>4. TRAINING PLOTS</a:t>
+            </a:r>
+            <a:endParaRPr kumimoji="0" lang="en-GB" sz="1800" b="0" i="0" u="none" strike="noStrike" cap="none" spc="0" normalizeH="0" baseline="0" dirty="0">
+              <a:ln>
+                <a:noFill/>
+              </a:ln>
+              <a:solidFill>
+                <a:srgbClr val="000000"/>
+              </a:solidFill>
+              <a:effectLst/>
+              <a:highlight>
+                <a:srgbClr val="FFC1C1"/>
+              </a:highlight>
+              <a:uFillTx/>
+              <a:latin typeface="Trebuchet MS"/>
+              <a:ea typeface="Trebuchet MS"/>
+              <a:cs typeface="Trebuchet MS"/>
+              <a:sym typeface="Trebuchet MS"/>
+            </a:endParaRPr>
+          </a:p>
+        </p:txBody>
+      </p:sp>
+      <p:sp>
+        <p:nvSpPr>
+          <p:cNvPr id="23" name="TextBox 22">
+            <a:extLst>
+              <a:ext uri="{FF2B5EF4-FFF2-40B4-BE49-F238E27FC236}">
+                <a16:creationId xmlns:a16="http://schemas.microsoft.com/office/drawing/2014/main" id="{9007F49F-9781-7DA5-1CED-E4D57C116DBB}"/>
+              </a:ext>
+            </a:extLst>
+          </p:cNvPr>
+          <p:cNvSpPr txBox="1"/>
+          <p:nvPr/>
+        </p:nvSpPr>
+        <p:spPr>
+          <a:xfrm>
+            <a:off x="1956905" y="733532"/>
+            <a:ext cx="1358703" cy="369330"/>
+          </a:xfrm>
+          <a:prstGeom prst="rect">
+            <a:avLst/>
+          </a:prstGeom>
+          <a:noFill/>
+          <a:ln w="12700" cap="flat">
+            <a:noFill/>
+            <a:miter lim="400000"/>
+          </a:ln>
+          <a:effectLst/>
+          <a:sp3d/>
+        </p:spPr>
+        <p:style>
+          <a:lnRef idx="0">
+            <a:scrgbClr r="0" g="0" b="0"/>
+          </a:lnRef>
+          <a:fillRef idx="0">
+            <a:scrgbClr r="0" g="0" b="0"/>
+          </a:fillRef>
+          <a:effectRef idx="0">
+            <a:scrgbClr r="0" g="0" b="0"/>
+          </a:effectRef>
+          <a:fontRef idx="none"/>
+        </p:style>
+        <p:txBody>
+          <a:bodyPr rot="0" spcFirstLastPara="1" vertOverflow="overflow" horzOverflow="overflow" vert="horz" wrap="none" lIns="45719" tIns="45719" rIns="45719" bIns="45719" numCol="1" spcCol="38100" rtlCol="0" anchor="t">
+            <a:spAutoFit/>
+          </a:bodyPr>
+          <a:lstStyle/>
+          <a:p>
+            <a:pPr marL="0" marR="0" indent="0" algn="l" defTabSz="914400" rtl="0" fontAlgn="auto" latinLnBrk="0" hangingPunct="0">
               <a:lnSpc>
                 <a:spcPct val="100000"/>
               </a:lnSpc>
               <a:spcBef>
-                <a:spcPts val="600"/>
+                <a:spcPts val="0"/>
               </a:spcBef>
               <a:spcAft>
                 <a:spcPts val="0"/>
               </a:spcAft>
               <a:buClrTx/>
-              <a:buSzPct val="100000"/>
+              <a:buSzTx/>
               <a:buFontTx/>
-              <a:buChar char="–"/>
+              <a:buNone/>
               <a:tabLst/>
-              <a:defRPr sz="2800" b="0" i="0" u="none" strike="noStrike" cap="none" spc="0" baseline="0">
+            </a:pPr>
+            <a:r>
+              <a:rPr kumimoji="0" lang="pl-PL" sz="1800" b="0" i="0" u="none" strike="noStrike" cap="none" spc="0" normalizeH="0" baseline="0" dirty="0">
+                <a:ln>
+                  <a:noFill/>
+                </a:ln>
                 <a:solidFill>
                   <a:srgbClr val="000000"/>
                 </a:solidFill>
+                <a:effectLst/>
+                <a:highlight>
+                  <a:srgbClr val="FFC1C1"/>
+                </a:highlight>
                 <a:uFillTx/>
-                <a:latin typeface="+mj-lt"/>
-                <a:ea typeface="+mj-ea"/>
-                <a:cs typeface="+mj-cs"/>
-                <a:sym typeface="Calibri"/>
-              </a:defRPr>
-            </a:lvl2pPr>
-            <a:lvl3pPr marL="1234439" marR="0" indent="-320039" algn="l" defTabSz="914400" rtl="0" latinLnBrk="0">
+                <a:latin typeface="Trebuchet MS"/>
+                <a:ea typeface="Trebuchet MS"/>
+                <a:cs typeface="Trebuchet MS"/>
+                <a:sym typeface="Trebuchet MS"/>
+              </a:rPr>
+              <a:t>1. SPLITING </a:t>
+            </a:r>
+            <a:endParaRPr kumimoji="0" lang="en-GB" sz="1800" b="0" i="0" u="none" strike="noStrike" cap="none" spc="0" normalizeH="0" baseline="0" dirty="0">
+              <a:ln>
+                <a:noFill/>
+              </a:ln>
+              <a:solidFill>
+                <a:srgbClr val="000000"/>
+              </a:solidFill>
+              <a:effectLst/>
+              <a:highlight>
+                <a:srgbClr val="FFC1C1"/>
+              </a:highlight>
+              <a:uFillTx/>
+              <a:latin typeface="Trebuchet MS"/>
+              <a:ea typeface="Trebuchet MS"/>
+              <a:cs typeface="Trebuchet MS"/>
+              <a:sym typeface="Trebuchet MS"/>
+            </a:endParaRPr>
+          </a:p>
+        </p:txBody>
+      </p:sp>
+      <p:sp>
+        <p:nvSpPr>
+          <p:cNvPr id="24" name="TextBox 23">
+            <a:extLst>
+              <a:ext uri="{FF2B5EF4-FFF2-40B4-BE49-F238E27FC236}">
+                <a16:creationId xmlns:a16="http://schemas.microsoft.com/office/drawing/2014/main" id="{86915480-3299-860E-FD97-45FFCD907F7E}"/>
+              </a:ext>
+            </a:extLst>
+          </p:cNvPr>
+          <p:cNvSpPr txBox="1"/>
+          <p:nvPr/>
+        </p:nvSpPr>
+        <p:spPr>
+          <a:xfrm>
+            <a:off x="9795705" y="765234"/>
+            <a:ext cx="1929372" cy="369330"/>
+          </a:xfrm>
+          <a:prstGeom prst="rect">
+            <a:avLst/>
+          </a:prstGeom>
+          <a:noFill/>
+          <a:ln w="12700" cap="flat">
+            <a:noFill/>
+            <a:miter lim="400000"/>
+          </a:ln>
+          <a:effectLst/>
+          <a:sp3d/>
+        </p:spPr>
+        <p:style>
+          <a:lnRef idx="0">
+            <a:scrgbClr r="0" g="0" b="0"/>
+          </a:lnRef>
+          <a:fillRef idx="0">
+            <a:scrgbClr r="0" g="0" b="0"/>
+          </a:fillRef>
+          <a:effectRef idx="0">
+            <a:scrgbClr r="0" g="0" b="0"/>
+          </a:effectRef>
+          <a:fontRef idx="none"/>
+        </p:style>
+        <p:txBody>
+          <a:bodyPr rot="0" spcFirstLastPara="1" vertOverflow="overflow" horzOverflow="overflow" vert="horz" wrap="none" lIns="45719" tIns="45719" rIns="45719" bIns="45719" numCol="1" spcCol="38100" rtlCol="0" anchor="t">
+            <a:spAutoFit/>
+          </a:bodyPr>
+          <a:lstStyle/>
+          <a:p>
+            <a:pPr marL="0" marR="0" indent="0" algn="l" defTabSz="914400" rtl="0" fontAlgn="auto" latinLnBrk="0" hangingPunct="0">
               <a:lnSpc>
                 <a:spcPct val="100000"/>
               </a:lnSpc>
               <a:spcBef>
-                <a:spcPts val="600"/>
+                <a:spcPts val="0"/>
               </a:spcBef>
               <a:spcAft>
                 <a:spcPts val="0"/>
               </a:spcAft>
               <a:buClrTx/>
-              <a:buSzPct val="100000"/>
+              <a:buSzTx/>
               <a:buFontTx/>
-              <a:buChar char="•"/>
+              <a:buNone/>
               <a:tabLst/>
-              <a:defRPr sz="2800" b="0" i="0" u="none" strike="noStrike" cap="none" spc="0" baseline="0">
+            </a:pPr>
+            <a:r>
+              <a:rPr kumimoji="0" lang="pl-PL" sz="1800" b="0" i="0" u="none" strike="noStrike" cap="none" spc="0" normalizeH="0" baseline="0" dirty="0">
+                <a:ln>
+                  <a:noFill/>
+                </a:ln>
                 <a:solidFill>
                   <a:srgbClr val="000000"/>
                 </a:solidFill>
+                <a:effectLst/>
+                <a:highlight>
+                  <a:srgbClr val="FFC1C1"/>
+                </a:highlight>
                 <a:uFillTx/>
-                <a:latin typeface="+mj-lt"/>
-                <a:ea typeface="+mj-ea"/>
-                <a:cs typeface="+mj-cs"/>
-                <a:sym typeface="Calibri"/>
-              </a:defRPr>
-            </a:lvl3pPr>
-            <a:lvl4pPr marL="1727200" marR="0" indent="-355600" algn="l" defTabSz="914400" rtl="0" latinLnBrk="0">
+                <a:latin typeface="Trebuchet MS"/>
+                <a:ea typeface="Trebuchet MS"/>
+                <a:cs typeface="Trebuchet MS"/>
+                <a:sym typeface="Trebuchet MS"/>
+              </a:rPr>
+              <a:t>2. ARCHITECTURE</a:t>
+            </a:r>
+            <a:endParaRPr kumimoji="0" lang="en-GB" sz="1800" b="0" i="0" u="none" strike="noStrike" cap="none" spc="0" normalizeH="0" baseline="0" dirty="0">
+              <a:ln>
+                <a:noFill/>
+              </a:ln>
+              <a:solidFill>
+                <a:srgbClr val="000000"/>
+              </a:solidFill>
+              <a:effectLst/>
+              <a:highlight>
+                <a:srgbClr val="FFC1C1"/>
+              </a:highlight>
+              <a:uFillTx/>
+              <a:latin typeface="Trebuchet MS"/>
+              <a:ea typeface="Trebuchet MS"/>
+              <a:cs typeface="Trebuchet MS"/>
+              <a:sym typeface="Trebuchet MS"/>
+            </a:endParaRPr>
+          </a:p>
+        </p:txBody>
+      </p:sp>
+    </p:spTree>
+    <p:extLst>
+      <p:ext uri="{BB962C8B-B14F-4D97-AF65-F5344CB8AC3E}">
+        <p14:creationId xmlns:p14="http://schemas.microsoft.com/office/powerpoint/2010/main" val="2205017165"/>
+      </p:ext>
+    </p:extLst>
+  </p:cSld>
+  <p:clrMapOvr>
+    <a:masterClrMapping/>
+  </p:clrMapOvr>
+  <p:transition spd="med"/>
+</p:sld>
+</file>
+
+<file path=ppt/slides/slide11.xml><?xml version="1.0" encoding="utf-8"?>
+<p:sld xmlns:a="http://schemas.openxmlformats.org/drawingml/2006/main" xmlns:r="http://schemas.openxmlformats.org/officeDocument/2006/relationships" xmlns:p="http://schemas.openxmlformats.org/presentationml/2006/main">
+  <p:cSld>
+    <p:spTree>
+      <p:nvGrpSpPr>
+        <p:cNvPr id="1" name=""/>
+        <p:cNvGrpSpPr/>
+        <p:nvPr/>
+      </p:nvGrpSpPr>
+      <p:grpSpPr>
+        <a:xfrm>
+          <a:off x="0" y="0"/>
+          <a:ext cx="0" cy="0"/>
+          <a:chOff x="0" y="0"/>
+          <a:chExt cx="0" cy="0"/>
+        </a:xfrm>
+      </p:grpSpPr>
+      <p:sp>
+        <p:nvSpPr>
+          <p:cNvPr id="5" name="TextBox 4">
+            <a:extLst>
+              <a:ext uri="{FF2B5EF4-FFF2-40B4-BE49-F238E27FC236}">
+                <a16:creationId xmlns:a16="http://schemas.microsoft.com/office/drawing/2014/main" id="{AE4B34A3-B740-FF5E-8E2E-6EC88A27B6DA}"/>
+              </a:ext>
+            </a:extLst>
+          </p:cNvPr>
+          <p:cNvSpPr txBox="1"/>
+          <p:nvPr/>
+        </p:nvSpPr>
+        <p:spPr>
+          <a:xfrm>
+            <a:off x="1725780" y="934878"/>
+            <a:ext cx="7085200" cy="646329"/>
+          </a:xfrm>
+          <a:prstGeom prst="rect">
+            <a:avLst/>
+          </a:prstGeom>
+          <a:noFill/>
+          <a:ln w="12700" cap="flat">
+            <a:noFill/>
+            <a:miter lim="400000"/>
+          </a:ln>
+          <a:effectLst/>
+          <a:sp3d/>
+        </p:spPr>
+        <p:style>
+          <a:lnRef idx="0">
+            <a:scrgbClr r="0" g="0" b="0"/>
+          </a:lnRef>
+          <a:fillRef idx="0">
+            <a:scrgbClr r="0" g="0" b="0"/>
+          </a:fillRef>
+          <a:effectRef idx="0">
+            <a:scrgbClr r="0" g="0" b="0"/>
+          </a:effectRef>
+          <a:fontRef idx="none"/>
+        </p:style>
+        <p:txBody>
+          <a:bodyPr rot="0" spcFirstLastPara="1" vertOverflow="overflow" horzOverflow="overflow" vert="horz" wrap="square" lIns="45719" tIns="45719" rIns="45719" bIns="45719" numCol="1" spcCol="38100" rtlCol="0" anchor="t">
+            <a:spAutoFit/>
+          </a:bodyPr>
+          <a:lstStyle/>
+          <a:p>
+            <a:pPr marR="0" algn="l" defTabSz="914400" rtl="0" fontAlgn="auto" latinLnBrk="0" hangingPunct="0">
               <a:lnSpc>
                 <a:spcPct val="100000"/>
               </a:lnSpc>
               <a:spcBef>
-                <a:spcPts val="600"/>
+                <a:spcPts val="0"/>
               </a:spcBef>
               <a:spcAft>
                 <a:spcPts val="0"/>
               </a:spcAft>
               <a:buClrTx/>
-              <a:buSzPct val="100000"/>
-              <a:buFontTx/>
-              <a:buChar char="–"/>
+              <a:buSzTx/>
               <a:tabLst/>
-              <a:defRPr sz="2800" b="0" i="0" u="none" strike="noStrike" cap="none" spc="0" baseline="0">
-                <a:solidFill>
-                  <a:srgbClr val="000000"/>
-                </a:solidFill>
-                <a:uFillTx/>
-                <a:latin typeface="+mj-lt"/>
-                <a:ea typeface="+mj-ea"/>
-                <a:cs typeface="+mj-cs"/>
-                <a:sym typeface="Calibri"/>
-              </a:defRPr>
-            </a:lvl4pPr>
-            <a:lvl5pPr marL="2184400" marR="0" indent="-355600" algn="l" defTabSz="914400" rtl="0" latinLnBrk="0">
+            </a:pPr>
+            <a:r>
+              <a:rPr lang="pl-PL" dirty="0">
+                <a:solidFill>
+                  <a:srgbClr val="00B0F0"/>
+                </a:solidFill>
+              </a:rPr>
+              <a:t>A4 </a:t>
+            </a:r>
+            <a:r>
+              <a:rPr lang="pl-PL" dirty="0">
+                <a:solidFill>
+                  <a:schemeClr val="tx1"/>
+                </a:solidFill>
+              </a:rPr>
+              <a:t>+</a:t>
+            </a:r>
+            <a:r>
+              <a:rPr lang="pl-PL" dirty="0">
+                <a:solidFill>
+                  <a:srgbClr val="00B050"/>
+                </a:solidFill>
+              </a:rPr>
+              <a:t> </a:t>
+            </a:r>
+            <a:r>
+              <a:rPr lang="pl-PL" dirty="0" err="1">
+                <a:solidFill>
+                  <a:srgbClr val="00B050"/>
+                </a:solidFill>
+              </a:rPr>
+              <a:t>Citric</a:t>
+            </a:r>
+            <a:r>
+              <a:rPr lang="pl-PL" dirty="0">
+                <a:solidFill>
+                  <a:srgbClr val="00B050"/>
+                </a:solidFill>
+              </a:rPr>
+              <a:t> </a:t>
+            </a:r>
+            <a:r>
+              <a:rPr lang="pl-PL" dirty="0" err="1">
+                <a:solidFill>
+                  <a:srgbClr val="00B050"/>
+                </a:solidFill>
+              </a:rPr>
+              <a:t>acid</a:t>
+            </a:r>
+            <a:r>
+              <a:rPr lang="pl-PL" dirty="0">
+                <a:solidFill>
+                  <a:schemeClr val="tx1"/>
+                </a:solidFill>
+              </a:rPr>
+              <a:t>,</a:t>
+            </a:r>
+            <a:r>
+              <a:rPr lang="pl-PL" dirty="0">
+                <a:solidFill>
+                  <a:srgbClr val="00B050"/>
+                </a:solidFill>
+              </a:rPr>
+              <a:t> </a:t>
+            </a:r>
+            <a:r>
+              <a:rPr lang="pl-PL" dirty="0" err="1">
+                <a:solidFill>
+                  <a:srgbClr val="00B050"/>
+                </a:solidFill>
+              </a:rPr>
+              <a:t>Density</a:t>
+            </a:r>
+            <a:r>
+              <a:rPr lang="pl-PL" dirty="0">
+                <a:solidFill>
+                  <a:schemeClr val="tx1"/>
+                </a:solidFill>
+              </a:rPr>
+              <a:t>,</a:t>
+            </a:r>
+            <a:r>
+              <a:rPr lang="pl-PL" dirty="0">
+                <a:solidFill>
+                  <a:srgbClr val="00B050"/>
+                </a:solidFill>
+              </a:rPr>
+              <a:t> </a:t>
+            </a:r>
+            <a:r>
+              <a:rPr lang="pl-PL" dirty="0" err="1">
+                <a:solidFill>
+                  <a:srgbClr val="00B050"/>
+                </a:solidFill>
+              </a:rPr>
+              <a:t>pH</a:t>
+            </a:r>
+            <a:r>
+              <a:rPr lang="pl-PL" dirty="0">
+                <a:solidFill>
+                  <a:schemeClr val="tx1"/>
+                </a:solidFill>
+              </a:rPr>
+              <a:t>, </a:t>
+            </a:r>
+            <a:r>
+              <a:rPr lang="pl-PL" dirty="0">
+                <a:solidFill>
+                  <a:srgbClr val="00B050"/>
+                </a:solidFill>
+              </a:rPr>
+              <a:t>Total </a:t>
+            </a:r>
+            <a:r>
+              <a:rPr lang="pl-PL" dirty="0" err="1">
+                <a:solidFill>
+                  <a:srgbClr val="00B050"/>
+                </a:solidFill>
+              </a:rPr>
+              <a:t>sulfur</a:t>
+            </a:r>
+            <a:r>
+              <a:rPr lang="pl-PL" dirty="0">
+                <a:solidFill>
+                  <a:srgbClr val="00B050"/>
+                </a:solidFill>
+              </a:rPr>
+              <a:t> </a:t>
+            </a:r>
+            <a:r>
+              <a:rPr lang="pl-PL" dirty="0" err="1">
+                <a:solidFill>
+                  <a:srgbClr val="00B050"/>
+                </a:solidFill>
+              </a:rPr>
+              <a:t>dioxide</a:t>
+            </a:r>
+            <a:r>
+              <a:rPr lang="pl-PL" dirty="0">
+                <a:solidFill>
+                  <a:schemeClr val="tx1"/>
+                </a:solidFill>
+              </a:rPr>
+              <a:t>, …</a:t>
+            </a:r>
+          </a:p>
+          <a:p>
+            <a:pPr marR="0" algn="l" defTabSz="914400" rtl="0" fontAlgn="auto" latinLnBrk="0" hangingPunct="0">
               <a:lnSpc>
                 <a:spcPct val="100000"/>
               </a:lnSpc>
               <a:spcBef>
-                <a:spcPts val="600"/>
+                <a:spcPts val="0"/>
               </a:spcBef>
               <a:spcAft>
                 <a:spcPts val="0"/>
               </a:spcAft>
               <a:buClrTx/>
-              <a:buSzPct val="100000"/>
-              <a:buFontTx/>
-              <a:buChar char="»"/>
+              <a:buSzTx/>
               <a:tabLst/>
-              <a:defRPr sz="2800" b="0" i="0" u="none" strike="noStrike" cap="none" spc="0" baseline="0">
-                <a:solidFill>
-                  <a:srgbClr val="000000"/>
-                </a:solidFill>
-                <a:uFillTx/>
-                <a:latin typeface="+mj-lt"/>
-                <a:ea typeface="+mj-ea"/>
-                <a:cs typeface="+mj-cs"/>
-                <a:sym typeface="Calibri"/>
-              </a:defRPr>
-            </a:lvl5pPr>
-            <a:lvl6pPr marL="2641600" marR="0" indent="-355600" algn="l" defTabSz="914400" rtl="0" latinLnBrk="0">
-              <a:lnSpc>
-                <a:spcPct val="100000"/>
-              </a:lnSpc>
-              <a:spcBef>
-                <a:spcPts val="600"/>
-              </a:spcBef>
-              <a:spcAft>
-                <a:spcPts val="0"/>
-              </a:spcAft>
-              <a:buClrTx/>
-              <a:buSzPct val="100000"/>
-              <a:buFontTx/>
-              <a:buChar char="»"/>
-              <a:tabLst/>
-              <a:defRPr sz="2800" b="0" i="0" u="none" strike="noStrike" cap="none" spc="0" baseline="0">
-                <a:solidFill>
-                  <a:srgbClr val="000000"/>
-                </a:solidFill>
-                <a:uFillTx/>
-                <a:latin typeface="+mj-lt"/>
-                <a:ea typeface="+mj-ea"/>
-                <a:cs typeface="+mj-cs"/>
-                <a:sym typeface="Calibri"/>
-              </a:defRPr>
-            </a:lvl6pPr>
-            <a:lvl7pPr marL="3098800" marR="0" indent="-355600" algn="l" defTabSz="914400" rtl="0" latinLnBrk="0">
-              <a:lnSpc>
-                <a:spcPct val="100000"/>
-              </a:lnSpc>
-              <a:spcBef>
-                <a:spcPts val="600"/>
-              </a:spcBef>
-              <a:spcAft>
-                <a:spcPts val="0"/>
-              </a:spcAft>
-              <a:buClrTx/>
-              <a:buSzPct val="100000"/>
-              <a:buFontTx/>
-              <a:buChar char="»"/>
-              <a:tabLst/>
-              <a:defRPr sz="2800" b="0" i="0" u="none" strike="noStrike" cap="none" spc="0" baseline="0">
-                <a:solidFill>
-                  <a:srgbClr val="000000"/>
-                </a:solidFill>
-                <a:uFillTx/>
-                <a:latin typeface="+mj-lt"/>
-                <a:ea typeface="+mj-ea"/>
-                <a:cs typeface="+mj-cs"/>
-                <a:sym typeface="Calibri"/>
-              </a:defRPr>
-            </a:lvl7pPr>
-            <a:lvl8pPr marL="3556000" marR="0" indent="-355600" algn="l" defTabSz="914400" rtl="0" latinLnBrk="0">
-              <a:lnSpc>
-                <a:spcPct val="100000"/>
-              </a:lnSpc>
-              <a:spcBef>
-                <a:spcPts val="600"/>
-              </a:spcBef>
-              <a:spcAft>
-                <a:spcPts val="0"/>
-              </a:spcAft>
-              <a:buClrTx/>
-              <a:buSzPct val="100000"/>
-              <a:buFontTx/>
-              <a:buChar char="»"/>
-              <a:tabLst/>
-              <a:defRPr sz="2800" b="0" i="0" u="none" strike="noStrike" cap="none" spc="0" baseline="0">
-                <a:solidFill>
-                  <a:srgbClr val="000000"/>
-                </a:solidFill>
-                <a:uFillTx/>
-                <a:latin typeface="+mj-lt"/>
-                <a:ea typeface="+mj-ea"/>
-                <a:cs typeface="+mj-cs"/>
-                <a:sym typeface="Calibri"/>
-              </a:defRPr>
-            </a:lvl8pPr>
-            <a:lvl9pPr marL="4013200" marR="0" indent="-355600" algn="l" defTabSz="914400" rtl="0" latinLnBrk="0">
-              <a:lnSpc>
-                <a:spcPct val="100000"/>
-              </a:lnSpc>
-              <a:spcBef>
-                <a:spcPts val="600"/>
-              </a:spcBef>
-              <a:spcAft>
-                <a:spcPts val="0"/>
-              </a:spcAft>
-              <a:buClrTx/>
-              <a:buSzPct val="100000"/>
-              <a:buFontTx/>
-              <a:buChar char="»"/>
-              <a:tabLst/>
-              <a:defRPr sz="2800" b="0" i="0" u="none" strike="noStrike" cap="none" spc="0" baseline="0">
-                <a:solidFill>
-                  <a:srgbClr val="000000"/>
-                </a:solidFill>
-                <a:uFillTx/>
-                <a:latin typeface="+mj-lt"/>
-                <a:ea typeface="+mj-ea"/>
-                <a:cs typeface="+mj-cs"/>
-                <a:sym typeface="Calibri"/>
-              </a:defRPr>
-            </a:lvl9pPr>
-          </a:lstStyle>
-          <a:p>
-            <a:pPr marL="0" indent="0" hangingPunct="1">
-              <a:buFontTx/>
-              <a:buNone/>
             </a:pPr>
             <a:r>
-              <a:rPr lang="pl-PL" dirty="0" err="1"/>
-              <a:t>Reduced</a:t>
+              <a:rPr lang="pl-PL" dirty="0">
+                <a:solidFill>
+                  <a:schemeClr val="tx1"/>
+                </a:solidFill>
+              </a:rPr>
+              <a:t>… </a:t>
+            </a:r>
+            <a:r>
+              <a:rPr lang="pl-PL" dirty="0" err="1">
+                <a:solidFill>
+                  <a:srgbClr val="00B050"/>
+                </a:solidFill>
+              </a:rPr>
+              <a:t>Chlorides</a:t>
+            </a:r>
+            <a:r>
+              <a:rPr lang="pl-PL" dirty="0">
+                <a:solidFill>
+                  <a:schemeClr val="tx1"/>
+                </a:solidFill>
+              </a:rPr>
+              <a:t>,</a:t>
+            </a:r>
+            <a:r>
+              <a:rPr lang="pl-PL" dirty="0">
+                <a:solidFill>
+                  <a:srgbClr val="00B050"/>
+                </a:solidFill>
+              </a:rPr>
+              <a:t> </a:t>
+            </a:r>
+            <a:r>
+              <a:rPr lang="pl-PL" dirty="0" err="1">
+                <a:solidFill>
+                  <a:srgbClr val="00B050"/>
+                </a:solidFill>
+              </a:rPr>
+              <a:t>Residual</a:t>
+            </a:r>
+            <a:r>
+              <a:rPr lang="pl-PL" dirty="0">
+                <a:solidFill>
+                  <a:srgbClr val="00B050"/>
+                </a:solidFill>
+              </a:rPr>
+              <a:t> </a:t>
+            </a:r>
+            <a:r>
+              <a:rPr lang="pl-PL" dirty="0" err="1">
+                <a:solidFill>
+                  <a:srgbClr val="00B050"/>
+                </a:solidFill>
+              </a:rPr>
+              <a:t>sugar</a:t>
+            </a:r>
+            <a:r>
+              <a:rPr lang="pl-PL" dirty="0">
+                <a:solidFill>
+                  <a:schemeClr val="tx1"/>
+                </a:solidFill>
+              </a:rPr>
+              <a:t>,</a:t>
+            </a:r>
+            <a:r>
+              <a:rPr lang="pl-PL" dirty="0">
+                <a:solidFill>
+                  <a:srgbClr val="00B050"/>
+                </a:solidFill>
+              </a:rPr>
+              <a:t> </a:t>
+            </a:r>
+            <a:r>
+              <a:rPr lang="pl-PL" dirty="0" err="1">
+                <a:solidFill>
+                  <a:srgbClr val="00B050"/>
+                </a:solidFill>
+              </a:rPr>
+              <a:t>Fixed</a:t>
+            </a:r>
+            <a:r>
+              <a:rPr lang="pl-PL" dirty="0">
+                <a:solidFill>
+                  <a:srgbClr val="00B050"/>
+                </a:solidFill>
+              </a:rPr>
+              <a:t> </a:t>
+            </a:r>
+            <a:r>
+              <a:rPr lang="pl-PL" dirty="0" err="1">
+                <a:solidFill>
+                  <a:srgbClr val="00B050"/>
+                </a:solidFill>
+              </a:rPr>
+              <a:t>acidity</a:t>
+            </a:r>
+            <a:r>
+              <a:rPr lang="pl-PL" dirty="0">
+                <a:solidFill>
+                  <a:schemeClr val="tx1"/>
+                </a:solidFill>
+              </a:rPr>
+              <a:t>,</a:t>
+            </a:r>
+            <a:r>
+              <a:rPr lang="pl-PL" dirty="0">
+                <a:solidFill>
+                  <a:srgbClr val="00B050"/>
+                </a:solidFill>
+              </a:rPr>
+              <a:t> </a:t>
+            </a:r>
+            <a:r>
+              <a:rPr lang="pl-PL" dirty="0" err="1">
+                <a:solidFill>
+                  <a:srgbClr val="00B050"/>
+                </a:solidFill>
+              </a:rPr>
+              <a:t>Citric</a:t>
+            </a:r>
+            <a:r>
+              <a:rPr lang="pl-PL" dirty="0">
+                <a:solidFill>
+                  <a:srgbClr val="00B050"/>
+                </a:solidFill>
+              </a:rPr>
+              <a:t> </a:t>
+            </a:r>
+            <a:r>
+              <a:rPr lang="pl-PL" dirty="0" err="1">
+                <a:solidFill>
+                  <a:srgbClr val="00B050"/>
+                </a:solidFill>
+              </a:rPr>
+              <a:t>acid</a:t>
+            </a:r>
+            <a:r>
+              <a:rPr lang="pl-PL" dirty="0">
+                <a:solidFill>
+                  <a:srgbClr val="00B050"/>
+                </a:solidFill>
+              </a:rPr>
+              <a:t> </a:t>
             </a:r>
             <a:r>
               <a:rPr lang="pl-PL" dirty="0"/>
-              <a:t> the </a:t>
-            </a:r>
-            <a:r>
-              <a:rPr lang="pl-PL" dirty="0" err="1"/>
-              <a:t>size</a:t>
-            </a:r>
-            <a:r>
-              <a:rPr lang="pl-PL" dirty="0"/>
-              <a:t> of </a:t>
-            </a:r>
-            <a:r>
-              <a:rPr lang="pl-PL" dirty="0" err="1"/>
-              <a:t>features</a:t>
-            </a:r>
-            <a:endParaRPr lang="pl-PL" dirty="0"/>
+              <a:t>= set </a:t>
+            </a:r>
+            <a:r>
+              <a:rPr lang="pl-PL" dirty="0">
+                <a:solidFill>
+                  <a:srgbClr val="00B050"/>
+                </a:solidFill>
+              </a:rPr>
+              <a:t>B11</a:t>
+            </a:r>
           </a:p>
         </p:txBody>
       </p:sp>
@@ -13537,391 +15037,12 @@
           </a:p>
         </p:txBody>
       </p:sp>
-      <p:pic>
-        <p:nvPicPr>
-          <p:cNvPr id="10" name="Picture 9">
+      <p:sp>
+        <p:nvSpPr>
+          <p:cNvPr id="2" name="Text Placeholder 2">
             <a:extLst>
               <a:ext uri="{FF2B5EF4-FFF2-40B4-BE49-F238E27FC236}">
-                <a16:creationId xmlns:a16="http://schemas.microsoft.com/office/drawing/2014/main" id="{B2E63FF7-8AC0-55DE-52D9-D5301C3031E3}"/>
-              </a:ext>
-            </a:extLst>
-          </p:cNvPr>
-          <p:cNvPicPr>
-            <a:picLocks noChangeAspect="1"/>
-          </p:cNvPicPr>
-          <p:nvPr/>
-        </p:nvPicPr>
-        <p:blipFill>
-          <a:blip r:embed="rId2"/>
-          <a:stretch>
-            <a:fillRect/>
-          </a:stretch>
-        </p:blipFill>
-        <p:spPr>
-          <a:xfrm>
-            <a:off x="1596162" y="1475311"/>
-            <a:ext cx="5715000" cy="5715000"/>
-          </a:xfrm>
-          <a:prstGeom prst="rect">
-            <a:avLst/>
-          </a:prstGeom>
-        </p:spPr>
-      </p:pic>
-    </p:spTree>
-    <p:extLst>
-      <p:ext uri="{BB962C8B-B14F-4D97-AF65-F5344CB8AC3E}">
-        <p14:creationId xmlns:p14="http://schemas.microsoft.com/office/powerpoint/2010/main" val="618236799"/>
-      </p:ext>
-    </p:extLst>
-  </p:cSld>
-  <p:clrMapOvr>
-    <a:masterClrMapping/>
-  </p:clrMapOvr>
-  <p:transition spd="med"/>
-</p:sld>
-</file>
-
-<file path=ppt/slides/slide11.xml><?xml version="1.0" encoding="utf-8"?>
-<p:sld xmlns:a="http://schemas.openxmlformats.org/drawingml/2006/main" xmlns:r="http://schemas.openxmlformats.org/officeDocument/2006/relationships" xmlns:p="http://schemas.openxmlformats.org/presentationml/2006/main">
-  <p:cSld>
-    <p:spTree>
-      <p:nvGrpSpPr>
-        <p:cNvPr id="1" name=""/>
-        <p:cNvGrpSpPr/>
-        <p:nvPr/>
-      </p:nvGrpSpPr>
-      <p:grpSpPr>
-        <a:xfrm>
-          <a:off x="0" y="0"/>
-          <a:ext cx="0" cy="0"/>
-          <a:chOff x="0" y="0"/>
-          <a:chExt cx="0" cy="0"/>
-        </a:xfrm>
-      </p:grpSpPr>
-      <p:sp>
-        <p:nvSpPr>
-          <p:cNvPr id="5" name="TextBox 4">
-            <a:extLst>
-              <a:ext uri="{FF2B5EF4-FFF2-40B4-BE49-F238E27FC236}">
-                <a16:creationId xmlns:a16="http://schemas.microsoft.com/office/drawing/2014/main" id="{B44C7E4A-CA06-5DF7-2C77-C83B26A57346}"/>
-              </a:ext>
-            </a:extLst>
-          </p:cNvPr>
-          <p:cNvSpPr txBox="1"/>
-          <p:nvPr/>
-        </p:nvSpPr>
-        <p:spPr>
-          <a:xfrm>
-            <a:off x="965986" y="1357939"/>
-            <a:ext cx="11046299" cy="369330"/>
-          </a:xfrm>
-          <a:prstGeom prst="rect">
-            <a:avLst/>
-          </a:prstGeom>
-          <a:noFill/>
-          <a:ln w="12700" cap="flat">
-            <a:noFill/>
-            <a:miter lim="400000"/>
-          </a:ln>
-          <a:effectLst/>
-          <a:sp3d/>
-        </p:spPr>
-        <p:style>
-          <a:lnRef idx="0">
-            <a:scrgbClr r="0" g="0" b="0"/>
-          </a:lnRef>
-          <a:fillRef idx="0">
-            <a:scrgbClr r="0" g="0" b="0"/>
-          </a:fillRef>
-          <a:effectRef idx="0">
-            <a:scrgbClr r="0" g="0" b="0"/>
-          </a:effectRef>
-          <a:fontRef idx="none"/>
-        </p:style>
-        <p:txBody>
-          <a:bodyPr rot="0" spcFirstLastPara="1" vertOverflow="overflow" horzOverflow="overflow" vert="horz" wrap="square" lIns="45719" tIns="45719" rIns="45719" bIns="45719" numCol="1" spcCol="38100" rtlCol="0" anchor="t">
-            <a:spAutoFit/>
-          </a:bodyPr>
-          <a:lstStyle/>
-          <a:p>
-            <a:pPr marR="0" algn="l" defTabSz="914400" rtl="0" fontAlgn="auto" latinLnBrk="0" hangingPunct="0">
-              <a:lnSpc>
-                <a:spcPct val="100000"/>
-              </a:lnSpc>
-              <a:spcBef>
-                <a:spcPts val="0"/>
-              </a:spcBef>
-              <a:spcAft>
-                <a:spcPts val="0"/>
-              </a:spcAft>
-              <a:buClrTx/>
-              <a:buSzTx/>
-              <a:tabLst/>
-            </a:pPr>
-            <a:r>
-              <a:rPr lang="pl-PL" dirty="0"/>
-              <a:t>A + </a:t>
-            </a:r>
-            <a:r>
-              <a:rPr lang="pl-PL" dirty="0" err="1"/>
-              <a:t>Citric</a:t>
-            </a:r>
-            <a:r>
-              <a:rPr lang="pl-PL" dirty="0"/>
-              <a:t> </a:t>
-            </a:r>
-            <a:r>
-              <a:rPr lang="pl-PL" dirty="0" err="1"/>
-              <a:t>acid</a:t>
-            </a:r>
-            <a:r>
-              <a:rPr lang="pl-PL" dirty="0"/>
-              <a:t>, </a:t>
-            </a:r>
-            <a:r>
-              <a:rPr lang="pl-PL" dirty="0" err="1"/>
-              <a:t>Density</a:t>
-            </a:r>
-            <a:r>
-              <a:rPr lang="pl-PL" dirty="0"/>
-              <a:t>, </a:t>
-            </a:r>
-            <a:r>
-              <a:rPr lang="pl-PL" dirty="0" err="1"/>
-              <a:t>pH</a:t>
-            </a:r>
-            <a:r>
-              <a:rPr lang="pl-PL" dirty="0"/>
-              <a:t>, Total </a:t>
-            </a:r>
-            <a:r>
-              <a:rPr lang="pl-PL" dirty="0" err="1"/>
-              <a:t>sulfur</a:t>
-            </a:r>
-            <a:r>
-              <a:rPr lang="pl-PL" dirty="0"/>
-              <a:t> </a:t>
-            </a:r>
-            <a:r>
-              <a:rPr lang="pl-PL" dirty="0" err="1"/>
-              <a:t>dioxide</a:t>
-            </a:r>
-            <a:r>
-              <a:rPr lang="pl-PL" dirty="0"/>
-              <a:t>, </a:t>
-            </a:r>
-            <a:r>
-              <a:rPr lang="pl-PL" dirty="0" err="1"/>
-              <a:t>Chlorides</a:t>
-            </a:r>
-            <a:r>
-              <a:rPr lang="pl-PL" dirty="0"/>
-              <a:t>, </a:t>
-            </a:r>
-            <a:r>
-              <a:rPr lang="pl-PL" dirty="0" err="1"/>
-              <a:t>Residual</a:t>
-            </a:r>
-            <a:r>
-              <a:rPr lang="pl-PL" dirty="0"/>
-              <a:t> </a:t>
-            </a:r>
-            <a:r>
-              <a:rPr lang="pl-PL" dirty="0" err="1"/>
-              <a:t>sugar</a:t>
-            </a:r>
-            <a:r>
-              <a:rPr lang="pl-PL" dirty="0"/>
-              <a:t>, </a:t>
-            </a:r>
-            <a:r>
-              <a:rPr lang="pl-PL" dirty="0" err="1"/>
-              <a:t>Fixed</a:t>
-            </a:r>
-            <a:r>
-              <a:rPr lang="pl-PL" dirty="0"/>
-              <a:t> </a:t>
-            </a:r>
-            <a:r>
-              <a:rPr lang="pl-PL" dirty="0" err="1"/>
-              <a:t>acidity</a:t>
-            </a:r>
-            <a:r>
-              <a:rPr lang="pl-PL" dirty="0"/>
-              <a:t>, </a:t>
-            </a:r>
-            <a:r>
-              <a:rPr lang="pl-PL" dirty="0" err="1"/>
-              <a:t>Citric</a:t>
-            </a:r>
-            <a:r>
-              <a:rPr lang="pl-PL" dirty="0"/>
-              <a:t> </a:t>
-            </a:r>
-            <a:r>
-              <a:rPr lang="pl-PL" dirty="0" err="1"/>
-              <a:t>acid</a:t>
-            </a:r>
-            <a:r>
-              <a:rPr lang="pl-PL" dirty="0"/>
-              <a:t> = B</a:t>
-            </a:r>
-          </a:p>
-        </p:txBody>
-      </p:sp>
-      <p:cxnSp>
-        <p:nvCxnSpPr>
-          <p:cNvPr id="7" name="Straight Connector 6">
-            <a:extLst>
-              <a:ext uri="{FF2B5EF4-FFF2-40B4-BE49-F238E27FC236}">
-                <a16:creationId xmlns:a16="http://schemas.microsoft.com/office/drawing/2014/main" id="{F7EAF58C-5CA1-19FF-C0A3-D96493786088}"/>
-              </a:ext>
-            </a:extLst>
-          </p:cNvPr>
-          <p:cNvCxnSpPr/>
-          <p:nvPr/>
-        </p:nvCxnSpPr>
-        <p:spPr>
-          <a:xfrm>
-            <a:off x="6386015" y="1990273"/>
-            <a:ext cx="0" cy="3688080"/>
-          </a:xfrm>
-          <a:prstGeom prst="line">
-            <a:avLst/>
-          </a:prstGeom>
-          <a:noFill/>
-          <a:ln w="25400" cap="flat">
-            <a:solidFill>
-              <a:schemeClr val="accent2">
-                <a:lumOff val="16690"/>
-              </a:schemeClr>
-            </a:solidFill>
-            <a:prstDash val="solid"/>
-            <a:round/>
-          </a:ln>
-          <a:effectLst>
-            <a:outerShdw blurRad="38100" dist="20000" dir="5400000" rotWithShape="0">
-              <a:srgbClr val="000000">
-                <a:alpha val="38000"/>
-              </a:srgbClr>
-            </a:outerShdw>
-          </a:effectLst>
-          <a:sp3d/>
-        </p:spPr>
-        <p:style>
-          <a:lnRef idx="0">
-            <a:scrgbClr r="0" g="0" b="0"/>
-          </a:lnRef>
-          <a:fillRef idx="0">
-            <a:scrgbClr r="0" g="0" b="0"/>
-          </a:fillRef>
-          <a:effectRef idx="0">
-            <a:scrgbClr r="0" g="0" b="0"/>
-          </a:effectRef>
-          <a:fontRef idx="none"/>
-        </p:style>
-      </p:cxnSp>
-      <p:sp>
-        <p:nvSpPr>
-          <p:cNvPr id="6" name="Rectangle 5">
-            <a:extLst>
-              <a:ext uri="{FF2B5EF4-FFF2-40B4-BE49-F238E27FC236}">
-                <a16:creationId xmlns:a16="http://schemas.microsoft.com/office/drawing/2014/main" id="{C2C412DD-1430-8C66-F32A-F2352EAB664E}"/>
-              </a:ext>
-            </a:extLst>
-          </p:cNvPr>
-          <p:cNvSpPr/>
-          <p:nvPr/>
-        </p:nvSpPr>
-        <p:spPr>
-          <a:xfrm>
-            <a:off x="8618106" y="3072811"/>
-            <a:ext cx="1260000" cy="1260000"/>
-          </a:xfrm>
-          <a:prstGeom prst="rect">
-            <a:avLst/>
-          </a:prstGeom>
-          <a:solidFill>
-            <a:srgbClr val="FFFFFF"/>
-          </a:solidFill>
-          <a:ln w="25400" cap="flat">
-            <a:solidFill>
-              <a:schemeClr val="accent2">
-                <a:lumOff val="16690"/>
-              </a:schemeClr>
-            </a:solidFill>
-            <a:prstDash val="solid"/>
-            <a:round/>
-          </a:ln>
-          <a:effectLst>
-            <a:outerShdw blurRad="38100" dist="23000" dir="5400000" rotWithShape="0">
-              <a:srgbClr val="000000">
-                <a:alpha val="35000"/>
-              </a:srgbClr>
-            </a:outerShdw>
-          </a:effectLst>
-          <a:sp3d/>
-        </p:spPr>
-        <p:style>
-          <a:lnRef idx="0">
-            <a:scrgbClr r="0" g="0" b="0"/>
-          </a:lnRef>
-          <a:fillRef idx="0">
-            <a:scrgbClr r="0" g="0" b="0"/>
-          </a:fillRef>
-          <a:effectRef idx="0">
-            <a:scrgbClr r="0" g="0" b="0"/>
-          </a:effectRef>
-          <a:fontRef idx="none"/>
-        </p:style>
-        <p:txBody>
-          <a:bodyPr rot="0" spcFirstLastPara="1" vertOverflow="overflow" horzOverflow="overflow" vert="horz" wrap="square" lIns="45719" tIns="45719" rIns="45719" bIns="45719" numCol="1" spcCol="38100" rtlCol="0" anchor="ctr">
-            <a:spAutoFit/>
-          </a:bodyPr>
-          <a:lstStyle/>
-          <a:p>
-            <a:pPr marL="0" marR="0" indent="0" algn="l" defTabSz="914400" rtl="0" fontAlgn="auto" latinLnBrk="0" hangingPunct="0">
-              <a:lnSpc>
-                <a:spcPct val="100000"/>
-              </a:lnSpc>
-              <a:spcBef>
-                <a:spcPts val="0"/>
-              </a:spcBef>
-              <a:spcAft>
-                <a:spcPts val="0"/>
-              </a:spcAft>
-              <a:buClrTx/>
-              <a:buSzTx/>
-              <a:buFontTx/>
-              <a:buNone/>
-              <a:tabLst/>
-            </a:pPr>
-            <a:r>
-              <a:rPr kumimoji="0" lang="pl-PL" sz="1800" b="0" i="0" u="none" strike="noStrike" cap="none" spc="0" normalizeH="0" baseline="0" dirty="0">
-                <a:ln>
-                  <a:noFill/>
-                </a:ln>
-                <a:solidFill>
-                  <a:srgbClr val="000000"/>
-                </a:solidFill>
-                <a:effectLst/>
-                <a:uFillTx/>
-                <a:latin typeface="Trebuchet MS"/>
-                <a:ea typeface="Trebuchet MS"/>
-                <a:cs typeface="Trebuchet MS"/>
-                <a:sym typeface="Trebuchet MS"/>
-              </a:rPr>
-              <a:t>Matrix</a:t>
-            </a:r>
-          </a:p>
-        </p:txBody>
-      </p:sp>
-      <p:sp>
-        <p:nvSpPr>
-          <p:cNvPr id="12" name="Text Placeholder 2">
-            <a:extLst>
-              <a:ext uri="{FF2B5EF4-FFF2-40B4-BE49-F238E27FC236}">
-                <a16:creationId xmlns:a16="http://schemas.microsoft.com/office/drawing/2014/main" id="{080CDB16-A92C-D053-4D8F-C32D4A53C21E}"/>
+                <a16:creationId xmlns:a16="http://schemas.microsoft.com/office/drawing/2014/main" id="{8B0B6129-93DD-C8B1-1AB6-28546D144B19}"/>
               </a:ext>
             </a:extLst>
           </p:cNvPr>
@@ -13932,8 +15053,8 @@
         </p:nvSpPr>
         <p:spPr>
           <a:xfrm>
-            <a:off x="1007433" y="116632"/>
-            <a:ext cx="11046299" cy="504057"/>
+            <a:off x="1840832" y="127819"/>
+            <a:ext cx="10184020" cy="492870"/>
           </a:xfrm>
           <a:prstGeom prst="rect">
             <a:avLst/>
@@ -13943,7 +15064,7 @@
           </a:ln>
           <a:extLst>
             <a:ext uri="{C572A759-6A51-4108-AA02-DFA0A04FC94B}">
-              <ma14:wrappingTextBoxFlag xmlns="" xmlns:m="http://schemas.openxmlformats.org/officeDocument/2006/math" xmlns:a14="http://schemas.microsoft.com/office/drawing/2010/main" xmlns:ma14="http://schemas.microsoft.com/office/mac/drawingml/2011/main" val="1"/>
+              <ma14:wrappingTextBoxFlag xmlns:ma14="http://schemas.microsoft.com/office/mac/drawingml/2011/main" xmlns:a14="http://schemas.microsoft.com/office/drawing/2010/main" xmlns:m="http://schemas.openxmlformats.org/officeDocument/2006/math" xmlns="" val="1"/>
             </a:ext>
           </a:extLst>
         </p:spPr>
@@ -14193,130 +15314,29 @@
               <a:buNone/>
             </a:pPr>
             <a:r>
-              <a:rPr lang="pl-PL" dirty="0" err="1"/>
-              <a:t>Reduced</a:t>
-            </a:r>
-            <a:r>
-              <a:rPr lang="pl-PL" dirty="0"/>
-              <a:t> the </a:t>
-            </a:r>
-            <a:r>
-              <a:rPr lang="pl-PL" dirty="0" err="1"/>
-              <a:t>size</a:t>
-            </a:r>
-            <a:r>
-              <a:rPr lang="pl-PL" dirty="0"/>
-              <a:t> of </a:t>
-            </a:r>
-            <a:r>
-              <a:rPr lang="pl-PL" dirty="0" err="1"/>
-              <a:t>features</a:t>
-            </a:r>
-            <a:endParaRPr lang="pl-PL" dirty="0"/>
-          </a:p>
-        </p:txBody>
-      </p:sp>
-      <p:sp>
-        <p:nvSpPr>
-          <p:cNvPr id="14" name="TextBox 13">
-            <a:extLst>
-              <a:ext uri="{FF2B5EF4-FFF2-40B4-BE49-F238E27FC236}">
-                <a16:creationId xmlns:a16="http://schemas.microsoft.com/office/drawing/2014/main" id="{7DCCD358-25FD-5ADE-04C1-ECA21F6650BD}"/>
-              </a:ext>
-            </a:extLst>
-          </p:cNvPr>
-          <p:cNvSpPr txBox="1"/>
-          <p:nvPr/>
-        </p:nvSpPr>
-        <p:spPr>
-          <a:xfrm>
-            <a:off x="965986" y="608109"/>
-            <a:ext cx="10684687" cy="369330"/>
-          </a:xfrm>
-          <a:prstGeom prst="rect">
-            <a:avLst/>
-          </a:prstGeom>
-          <a:noFill/>
-          <a:ln w="12700" cap="flat">
-            <a:noFill/>
-            <a:miter lim="400000"/>
-          </a:ln>
-          <a:effectLst/>
-          <a:sp3d/>
-        </p:spPr>
-        <p:style>
-          <a:lnRef idx="0">
-            <a:scrgbClr r="0" g="0" b="0"/>
-          </a:lnRef>
-          <a:fillRef idx="0">
-            <a:scrgbClr r="0" g="0" b="0"/>
-          </a:fillRef>
-          <a:effectRef idx="0">
-            <a:scrgbClr r="0" g="0" b="0"/>
-          </a:effectRef>
-          <a:fontRef idx="none"/>
-        </p:style>
-        <p:txBody>
-          <a:bodyPr rot="0" spcFirstLastPara="1" vertOverflow="overflow" horzOverflow="overflow" vert="horz" wrap="square" lIns="45719" tIns="45719" rIns="45719" bIns="45719" numCol="1" spcCol="38100" rtlCol="0" anchor="t">
-            <a:spAutoFit/>
-          </a:bodyPr>
-          <a:lstStyle/>
-          <a:p>
-            <a:pPr marR="0" algn="l" defTabSz="914400" rtl="0" fontAlgn="auto" latinLnBrk="0" hangingPunct="0">
-              <a:lnSpc>
-                <a:spcPct val="100000"/>
-              </a:lnSpc>
-              <a:spcBef>
-                <a:spcPts val="0"/>
-              </a:spcBef>
-              <a:spcAft>
-                <a:spcPts val="0"/>
-              </a:spcAft>
-              <a:buClrTx/>
-              <a:buSzTx/>
-              <a:tabLst/>
-            </a:pPr>
-            <a:r>
-              <a:rPr lang="pl-PL" dirty="0" err="1"/>
-              <a:t>Alcohol</a:t>
-            </a:r>
-            <a:r>
-              <a:rPr lang="pl-PL" dirty="0"/>
-              <a:t>, </a:t>
-            </a:r>
-            <a:r>
-              <a:rPr lang="pl-PL" dirty="0" err="1"/>
-              <a:t>Volatile</a:t>
-            </a:r>
-            <a:r>
-              <a:rPr lang="pl-PL" dirty="0"/>
-              <a:t> </a:t>
-            </a:r>
-            <a:r>
-              <a:rPr lang="pl-PL" dirty="0" err="1"/>
-              <a:t>acidity</a:t>
-            </a:r>
-            <a:r>
-              <a:rPr lang="pl-PL" dirty="0"/>
-              <a:t>, </a:t>
-            </a:r>
-            <a:r>
-              <a:rPr lang="pl-PL" dirty="0" err="1"/>
-              <a:t>Sulphates</a:t>
-            </a:r>
-            <a:r>
-              <a:rPr lang="pl-PL" dirty="0"/>
-              <a:t> = A </a:t>
+              <a:rPr lang="pl-PL" b="1" dirty="0"/>
+              <a:t>PLOT &amp; GRAPH </a:t>
+            </a:r>
+            <a:r>
+              <a:rPr lang="pl-PL" b="1" dirty="0">
+                <a:solidFill>
+                  <a:schemeClr val="bg1"/>
+                </a:solidFill>
+                <a:highlight>
+                  <a:srgbClr val="FF0000"/>
+                </a:highlight>
+              </a:rPr>
+              <a:t>RESULT</a:t>
             </a:r>
           </a:p>
         </p:txBody>
       </p:sp>
       <p:pic>
         <p:nvPicPr>
-          <p:cNvPr id="16" name="Picture 15">
+          <p:cNvPr id="23" name="Picture 22">
             <a:extLst>
               <a:ext uri="{FF2B5EF4-FFF2-40B4-BE49-F238E27FC236}">
-                <a16:creationId xmlns:a16="http://schemas.microsoft.com/office/drawing/2014/main" id="{3CEB28E6-C319-6713-2E9B-26A55901CD72}"/>
+                <a16:creationId xmlns:a16="http://schemas.microsoft.com/office/drawing/2014/main" id="{939578DA-83A8-5D67-EE7A-BF458DC49494}"/>
               </a:ext>
             </a:extLst>
           </p:cNvPr>
@@ -14333,7 +15353,37 @@
         </p:blipFill>
         <p:spPr>
           <a:xfrm>
-            <a:off x="815582" y="1475311"/>
+            <a:off x="6687036" y="1693432"/>
+            <a:ext cx="5249008" cy="4229690"/>
+          </a:xfrm>
+          <a:prstGeom prst="rect">
+            <a:avLst/>
+          </a:prstGeom>
+        </p:spPr>
+      </p:pic>
+      <p:pic>
+        <p:nvPicPr>
+          <p:cNvPr id="25" name="Picture 24">
+            <a:extLst>
+              <a:ext uri="{FF2B5EF4-FFF2-40B4-BE49-F238E27FC236}">
+                <a16:creationId xmlns:a16="http://schemas.microsoft.com/office/drawing/2014/main" id="{338F7B86-25CA-B0E2-CB86-F0D657D39B44}"/>
+              </a:ext>
+            </a:extLst>
+          </p:cNvPr>
+          <p:cNvPicPr>
+            <a:picLocks noChangeAspect="1"/>
+          </p:cNvPicPr>
+          <p:nvPr/>
+        </p:nvPicPr>
+        <p:blipFill>
+          <a:blip r:embed="rId3"/>
+          <a:stretch>
+            <a:fillRect/>
+          </a:stretch>
+        </p:blipFill>
+        <p:spPr>
+          <a:xfrm>
+            <a:off x="1373909" y="1251394"/>
             <a:ext cx="5715000" cy="5715000"/>
           </a:xfrm>
           <a:prstGeom prst="rect">
@@ -14344,505 +15394,7 @@
     </p:spTree>
     <p:extLst>
       <p:ext uri="{BB962C8B-B14F-4D97-AF65-F5344CB8AC3E}">
-        <p14:creationId xmlns:p14="http://schemas.microsoft.com/office/powerpoint/2010/main" val="2266742730"/>
-      </p:ext>
-    </p:extLst>
-  </p:cSld>
-  <p:clrMapOvr>
-    <a:masterClrMapping/>
-  </p:clrMapOvr>
-  <p:transition spd="med"/>
-</p:sld>
-</file>
-
-<file path=ppt/slides/slide12.xml><?xml version="1.0" encoding="utf-8"?>
-<p:sld xmlns:a="http://schemas.openxmlformats.org/drawingml/2006/main" xmlns:r="http://schemas.openxmlformats.org/officeDocument/2006/relationships" xmlns:p="http://schemas.openxmlformats.org/presentationml/2006/main">
-  <p:cSld>
-    <p:spTree>
-      <p:nvGrpSpPr>
-        <p:cNvPr id="1" name=""/>
-        <p:cNvGrpSpPr/>
-        <p:nvPr/>
-      </p:nvGrpSpPr>
-      <p:grpSpPr>
-        <a:xfrm>
-          <a:off x="0" y="0"/>
-          <a:ext cx="0" cy="0"/>
-          <a:chOff x="0" y="0"/>
-          <a:chExt cx="0" cy="0"/>
-        </a:xfrm>
-      </p:grpSpPr>
-      <p:pic>
-        <p:nvPicPr>
-          <p:cNvPr id="6" name="Picture 5">
-            <a:extLst>
-              <a:ext uri="{FF2B5EF4-FFF2-40B4-BE49-F238E27FC236}">
-                <a16:creationId xmlns:a16="http://schemas.microsoft.com/office/drawing/2014/main" id="{DCD82071-8B46-D800-CFE6-0BCD8B990FE2}"/>
-              </a:ext>
-            </a:extLst>
-          </p:cNvPr>
-          <p:cNvPicPr>
-            <a:picLocks noChangeAspect="1"/>
-          </p:cNvPicPr>
-          <p:nvPr/>
-        </p:nvPicPr>
-        <p:blipFill>
-          <a:blip r:embed="rId2"/>
-          <a:stretch>
-            <a:fillRect/>
-          </a:stretch>
-        </p:blipFill>
-        <p:spPr>
-          <a:xfrm>
-            <a:off x="1843599" y="163434"/>
-            <a:ext cx="1440880" cy="6624736"/>
-          </a:xfrm>
-          <a:prstGeom prst="rect">
-            <a:avLst/>
-          </a:prstGeom>
-          <a:noFill/>
-        </p:spPr>
-      </p:pic>
-      <p:sp>
-        <p:nvSpPr>
-          <p:cNvPr id="3" name="Text Placeholder 2">
-            <a:extLst>
-              <a:ext uri="{FF2B5EF4-FFF2-40B4-BE49-F238E27FC236}">
-                <a16:creationId xmlns:a16="http://schemas.microsoft.com/office/drawing/2014/main" id="{63BFF456-E985-2539-10C3-E360AB0AB259}"/>
-              </a:ext>
-            </a:extLst>
-          </p:cNvPr>
-          <p:cNvSpPr>
-            <a:spLocks noGrp="1"/>
-          </p:cNvSpPr>
-          <p:nvPr>
-            <p:ph type="body" sz="quarter" idx="22"/>
-          </p:nvPr>
-        </p:nvSpPr>
-        <p:spPr>
-          <a:xfrm>
-            <a:off x="6272226" y="116631"/>
-            <a:ext cx="5751842" cy="871341"/>
-          </a:xfrm>
-        </p:spPr>
-        <p:txBody>
-          <a:bodyPr anchor="ctr">
-            <a:normAutofit/>
-          </a:bodyPr>
-          <a:lstStyle/>
-          <a:p>
-            <a:pPr marL="0" indent="0">
-              <a:buNone/>
-            </a:pPr>
-            <a:r>
-              <a:rPr lang="pl-PL" sz="4400" dirty="0" err="1"/>
-              <a:t>Multilayer</a:t>
-            </a:r>
-            <a:r>
-              <a:rPr lang="pl-PL" sz="4400" dirty="0"/>
-              <a:t> perceptron</a:t>
-            </a:r>
-          </a:p>
-        </p:txBody>
-      </p:sp>
-      <p:sp>
-        <p:nvSpPr>
-          <p:cNvPr id="2" name="TextBox 1">
-            <a:extLst>
-              <a:ext uri="{FF2B5EF4-FFF2-40B4-BE49-F238E27FC236}">
-                <a16:creationId xmlns:a16="http://schemas.microsoft.com/office/drawing/2014/main" id="{CC801C43-6667-EC5C-FE62-95C39A89F56E}"/>
-              </a:ext>
-            </a:extLst>
-          </p:cNvPr>
-          <p:cNvSpPr txBox="1"/>
-          <p:nvPr/>
-        </p:nvSpPr>
-        <p:spPr>
-          <a:xfrm>
-            <a:off x="3983522" y="987972"/>
-            <a:ext cx="2070437" cy="1754324"/>
-          </a:xfrm>
-          <a:prstGeom prst="rect">
-            <a:avLst/>
-          </a:prstGeom>
-          <a:noFill/>
-          <a:ln w="12700" cap="flat">
-            <a:noFill/>
-            <a:miter lim="400000"/>
-          </a:ln>
-          <a:effectLst/>
-          <a:sp3d/>
-        </p:spPr>
-        <p:style>
-          <a:lnRef idx="0">
-            <a:scrgbClr r="0" g="0" b="0"/>
-          </a:lnRef>
-          <a:fillRef idx="0">
-            <a:scrgbClr r="0" g="0" b="0"/>
-          </a:fillRef>
-          <a:effectRef idx="0">
-            <a:scrgbClr r="0" g="0" b="0"/>
-          </a:effectRef>
-          <a:fontRef idx="none"/>
-        </p:style>
-        <p:txBody>
-          <a:bodyPr rot="0" spcFirstLastPara="1" vertOverflow="overflow" horzOverflow="overflow" vert="horz" wrap="none" lIns="45719" tIns="45719" rIns="45719" bIns="45719" numCol="1" spcCol="38100" rtlCol="0" anchor="t">
-            <a:spAutoFit/>
-          </a:bodyPr>
-          <a:lstStyle/>
-          <a:p>
-            <a:pPr marL="0" marR="0" indent="0" algn="l" defTabSz="914400" rtl="0" fontAlgn="auto" latinLnBrk="0" hangingPunct="0">
-              <a:lnSpc>
-                <a:spcPct val="100000"/>
-              </a:lnSpc>
-              <a:spcBef>
-                <a:spcPts val="0"/>
-              </a:spcBef>
-              <a:spcAft>
-                <a:spcPts val="0"/>
-              </a:spcAft>
-              <a:buClrTx/>
-              <a:buSzTx/>
-              <a:buFontTx/>
-              <a:buNone/>
-              <a:tabLst/>
-            </a:pPr>
-            <a:r>
-              <a:rPr kumimoji="0" lang="pl-PL" sz="1800" b="0" i="0" u="none" strike="noStrike" cap="none" spc="0" normalizeH="0" baseline="0" dirty="0" err="1">
-                <a:ln>
-                  <a:noFill/>
-                </a:ln>
-                <a:solidFill>
-                  <a:srgbClr val="000000"/>
-                </a:solidFill>
-                <a:effectLst/>
-                <a:uFillTx/>
-                <a:latin typeface="Trebuchet MS"/>
-                <a:ea typeface="Trebuchet MS"/>
-                <a:cs typeface="Trebuchet MS"/>
-                <a:sym typeface="Trebuchet MS"/>
-              </a:rPr>
-              <a:t>input</a:t>
-            </a:r>
-            <a:endParaRPr kumimoji="0" lang="pl-PL" sz="1800" b="0" i="0" u="none" strike="noStrike" cap="none" spc="0" normalizeH="0" baseline="0" dirty="0">
-              <a:ln>
-                <a:noFill/>
-              </a:ln>
-              <a:solidFill>
-                <a:srgbClr val="000000"/>
-              </a:solidFill>
-              <a:effectLst/>
-              <a:uFillTx/>
-              <a:latin typeface="Trebuchet MS"/>
-              <a:ea typeface="Trebuchet MS"/>
-              <a:cs typeface="Trebuchet MS"/>
-              <a:sym typeface="Trebuchet MS"/>
-            </a:endParaRPr>
-          </a:p>
-          <a:p>
-            <a:pPr marL="0" marR="0" indent="0" algn="l" defTabSz="914400" rtl="0" fontAlgn="auto" latinLnBrk="0" hangingPunct="0">
-              <a:lnSpc>
-                <a:spcPct val="100000"/>
-              </a:lnSpc>
-              <a:spcBef>
-                <a:spcPts val="0"/>
-              </a:spcBef>
-              <a:spcAft>
-                <a:spcPts val="0"/>
-              </a:spcAft>
-              <a:buClrTx/>
-              <a:buSzTx/>
-              <a:buFontTx/>
-              <a:buNone/>
-              <a:tabLst/>
-            </a:pPr>
-            <a:r>
-              <a:rPr kumimoji="0" lang="pl-PL" sz="1800" b="0" i="0" u="none" strike="noStrike" cap="none" spc="0" normalizeH="0" baseline="0" dirty="0" err="1">
-                <a:ln>
-                  <a:noFill/>
-                </a:ln>
-                <a:solidFill>
-                  <a:srgbClr val="000000"/>
-                </a:solidFill>
-                <a:effectLst/>
-                <a:uFillTx/>
-                <a:latin typeface="Trebuchet MS"/>
-                <a:ea typeface="Trebuchet MS"/>
-                <a:cs typeface="Trebuchet MS"/>
-                <a:sym typeface="Trebuchet MS"/>
-              </a:rPr>
-              <a:t>Weight</a:t>
-            </a:r>
-            <a:endParaRPr kumimoji="0" lang="pl-PL" sz="1800" b="0" i="0" u="none" strike="noStrike" cap="none" spc="0" normalizeH="0" baseline="0" dirty="0">
-              <a:ln>
-                <a:noFill/>
-              </a:ln>
-              <a:solidFill>
-                <a:srgbClr val="000000"/>
-              </a:solidFill>
-              <a:effectLst/>
-              <a:uFillTx/>
-              <a:latin typeface="Trebuchet MS"/>
-              <a:ea typeface="Trebuchet MS"/>
-              <a:cs typeface="Trebuchet MS"/>
-              <a:sym typeface="Trebuchet MS"/>
-            </a:endParaRPr>
-          </a:p>
-          <a:p>
-            <a:pPr marL="0" marR="0" indent="0" algn="l" defTabSz="914400" rtl="0" fontAlgn="auto" latinLnBrk="0" hangingPunct="0">
-              <a:lnSpc>
-                <a:spcPct val="100000"/>
-              </a:lnSpc>
-              <a:spcBef>
-                <a:spcPts val="0"/>
-              </a:spcBef>
-              <a:spcAft>
-                <a:spcPts val="0"/>
-              </a:spcAft>
-              <a:buClrTx/>
-              <a:buSzTx/>
-              <a:buFontTx/>
-              <a:buNone/>
-              <a:tabLst/>
-            </a:pPr>
-            <a:r>
-              <a:rPr kumimoji="0" lang="pl-PL" sz="1800" b="0" i="0" u="none" strike="noStrike" cap="none" spc="0" normalizeH="0" baseline="0" dirty="0" err="1">
-                <a:ln>
-                  <a:noFill/>
-                </a:ln>
-                <a:solidFill>
-                  <a:srgbClr val="000000"/>
-                </a:solidFill>
-                <a:effectLst/>
-                <a:uFillTx/>
-                <a:latin typeface="Trebuchet MS"/>
-                <a:ea typeface="Trebuchet MS"/>
-                <a:cs typeface="Trebuchet MS"/>
-                <a:sym typeface="Trebuchet MS"/>
-              </a:rPr>
-              <a:t>Bias</a:t>
-            </a:r>
-            <a:endParaRPr kumimoji="0" lang="pl-PL" sz="1800" b="0" i="0" u="none" strike="noStrike" cap="none" spc="0" normalizeH="0" baseline="0" dirty="0">
-              <a:ln>
-                <a:noFill/>
-              </a:ln>
-              <a:solidFill>
-                <a:srgbClr val="000000"/>
-              </a:solidFill>
-              <a:effectLst/>
-              <a:uFillTx/>
-              <a:latin typeface="Trebuchet MS"/>
-              <a:ea typeface="Trebuchet MS"/>
-              <a:cs typeface="Trebuchet MS"/>
-              <a:sym typeface="Trebuchet MS"/>
-            </a:endParaRPr>
-          </a:p>
-          <a:p>
-            <a:pPr marL="0" marR="0" indent="0" algn="l" defTabSz="914400" rtl="0" fontAlgn="auto" latinLnBrk="0" hangingPunct="0">
-              <a:lnSpc>
-                <a:spcPct val="100000"/>
-              </a:lnSpc>
-              <a:spcBef>
-                <a:spcPts val="0"/>
-              </a:spcBef>
-              <a:spcAft>
-                <a:spcPts val="0"/>
-              </a:spcAft>
-              <a:buClrTx/>
-              <a:buSzTx/>
-              <a:buFontTx/>
-              <a:buNone/>
-              <a:tabLst/>
-            </a:pPr>
-            <a:r>
-              <a:rPr lang="pl-PL" dirty="0"/>
-              <a:t>Sum </a:t>
-            </a:r>
-            <a:r>
-              <a:rPr lang="pl-PL" dirty="0" err="1"/>
-              <a:t>logix</a:t>
-            </a:r>
-            <a:endParaRPr lang="pl-PL" dirty="0"/>
-          </a:p>
-          <a:p>
-            <a:pPr marL="0" marR="0" indent="0" algn="l" defTabSz="914400" rtl="0" fontAlgn="auto" latinLnBrk="0" hangingPunct="0">
-              <a:lnSpc>
-                <a:spcPct val="100000"/>
-              </a:lnSpc>
-              <a:spcBef>
-                <a:spcPts val="0"/>
-              </a:spcBef>
-              <a:spcAft>
-                <a:spcPts val="0"/>
-              </a:spcAft>
-              <a:buClrTx/>
-              <a:buSzTx/>
-              <a:buFontTx/>
-              <a:buNone/>
-              <a:tabLst/>
-            </a:pPr>
-            <a:r>
-              <a:rPr kumimoji="0" lang="pl-PL" sz="1800" b="0" i="0" u="none" strike="noStrike" cap="none" spc="0" normalizeH="0" baseline="0" dirty="0" err="1">
-                <a:ln>
-                  <a:noFill/>
-                </a:ln>
-                <a:solidFill>
-                  <a:srgbClr val="000000"/>
-                </a:solidFill>
-                <a:effectLst/>
-                <a:uFillTx/>
-                <a:latin typeface="Trebuchet MS"/>
-                <a:ea typeface="Trebuchet MS"/>
-                <a:cs typeface="Trebuchet MS"/>
-                <a:sym typeface="Trebuchet MS"/>
-              </a:rPr>
-              <a:t>Activation</a:t>
-            </a:r>
-            <a:r>
-              <a:rPr kumimoji="0" lang="pl-PL" sz="1800" b="0" i="0" u="none" strike="noStrike" cap="none" spc="0" normalizeH="0" baseline="0" dirty="0">
-                <a:ln>
-                  <a:noFill/>
-                </a:ln>
-                <a:solidFill>
-                  <a:srgbClr val="000000"/>
-                </a:solidFill>
-                <a:effectLst/>
-                <a:uFillTx/>
-                <a:latin typeface="Trebuchet MS"/>
-                <a:ea typeface="Trebuchet MS"/>
-                <a:cs typeface="Trebuchet MS"/>
-                <a:sym typeface="Trebuchet MS"/>
-              </a:rPr>
-              <a:t> </a:t>
-            </a:r>
-            <a:r>
-              <a:rPr kumimoji="0" lang="pl-PL" sz="1800" b="0" i="0" u="none" strike="noStrike" cap="none" spc="0" normalizeH="0" baseline="0" dirty="0" err="1">
-                <a:ln>
-                  <a:noFill/>
-                </a:ln>
-                <a:solidFill>
-                  <a:srgbClr val="000000"/>
-                </a:solidFill>
-                <a:effectLst/>
-                <a:uFillTx/>
-                <a:latin typeface="Trebuchet MS"/>
-                <a:ea typeface="Trebuchet MS"/>
-                <a:cs typeface="Trebuchet MS"/>
-                <a:sym typeface="Trebuchet MS"/>
-              </a:rPr>
-              <a:t>function</a:t>
-            </a:r>
-            <a:endParaRPr kumimoji="0" lang="pl-PL" sz="1800" b="0" i="0" u="none" strike="noStrike" cap="none" spc="0" normalizeH="0" baseline="0" dirty="0">
-              <a:ln>
-                <a:noFill/>
-              </a:ln>
-              <a:solidFill>
-                <a:srgbClr val="000000"/>
-              </a:solidFill>
-              <a:effectLst/>
-              <a:uFillTx/>
-              <a:latin typeface="Trebuchet MS"/>
-              <a:ea typeface="Trebuchet MS"/>
-              <a:cs typeface="Trebuchet MS"/>
-              <a:sym typeface="Trebuchet MS"/>
-            </a:endParaRPr>
-          </a:p>
-          <a:p>
-            <a:pPr marL="0" marR="0" indent="0" algn="l" defTabSz="914400" rtl="0" fontAlgn="auto" latinLnBrk="0" hangingPunct="0">
-              <a:lnSpc>
-                <a:spcPct val="100000"/>
-              </a:lnSpc>
-              <a:spcBef>
-                <a:spcPts val="0"/>
-              </a:spcBef>
-              <a:spcAft>
-                <a:spcPts val="0"/>
-              </a:spcAft>
-              <a:buClrTx/>
-              <a:buSzTx/>
-              <a:buFontTx/>
-              <a:buNone/>
-              <a:tabLst/>
-            </a:pPr>
-            <a:endParaRPr kumimoji="0" lang="en-GB" sz="1800" b="0" i="0" u="none" strike="noStrike" cap="none" spc="0" normalizeH="0" baseline="0" dirty="0">
-              <a:ln>
-                <a:noFill/>
-              </a:ln>
-              <a:solidFill>
-                <a:srgbClr val="000000"/>
-              </a:solidFill>
-              <a:effectLst/>
-              <a:uFillTx/>
-              <a:latin typeface="Trebuchet MS"/>
-              <a:ea typeface="Trebuchet MS"/>
-              <a:cs typeface="Trebuchet MS"/>
-              <a:sym typeface="Trebuchet MS"/>
-            </a:endParaRPr>
-          </a:p>
-        </p:txBody>
-      </p:sp>
-      <p:graphicFrame>
-        <p:nvGraphicFramePr>
-          <p:cNvPr id="5" name="Diagram 4">
-            <a:extLst>
-              <a:ext uri="{FF2B5EF4-FFF2-40B4-BE49-F238E27FC236}">
-                <a16:creationId xmlns:a16="http://schemas.microsoft.com/office/drawing/2014/main" id="{031B9B1A-B04C-2F7C-6DB5-FB99B14D0EBD}"/>
-              </a:ext>
-            </a:extLst>
-          </p:cNvPr>
-          <p:cNvGraphicFramePr/>
-          <p:nvPr>
-            <p:extLst>
-              <p:ext uri="{D42A27DB-BD31-4B8C-83A1-F6EECF244321}">
-                <p14:modId xmlns:p14="http://schemas.microsoft.com/office/powerpoint/2010/main" val="2471288491"/>
-              </p:ext>
-            </p:extLst>
-          </p:nvPr>
-        </p:nvGraphicFramePr>
-        <p:xfrm>
-          <a:off x="2032000" y="1555531"/>
-          <a:ext cx="6975366" cy="4582802"/>
-        </p:xfrm>
-        <a:graphic>
-          <a:graphicData uri="http://schemas.openxmlformats.org/drawingml/2006/diagram">
-            <dgm:relIds xmlns:dgm="http://schemas.openxmlformats.org/drawingml/2006/diagram" xmlns:r="http://schemas.openxmlformats.org/officeDocument/2006/relationships" r:dm="rId3" r:lo="rId4" r:qs="rId5" r:cs="rId6"/>
-          </a:graphicData>
-        </a:graphic>
-      </p:graphicFrame>
-      <p:sp>
-        <p:nvSpPr>
-          <p:cNvPr id="7" name="Text Placeholder 6">
-            <a:extLst>
-              <a:ext uri="{FF2B5EF4-FFF2-40B4-BE49-F238E27FC236}">
-                <a16:creationId xmlns:a16="http://schemas.microsoft.com/office/drawing/2014/main" id="{414C12D6-D24F-DE66-28F7-B35426282394}"/>
-              </a:ext>
-            </a:extLst>
-          </p:cNvPr>
-          <p:cNvSpPr>
-            <a:spLocks noGrp="1"/>
-          </p:cNvSpPr>
-          <p:nvPr>
-            <p:ph type="body" sz="quarter" idx="1"/>
-          </p:nvPr>
-        </p:nvSpPr>
-        <p:spPr>
-          <a:xfrm>
-            <a:off x="3472880" y="5553763"/>
-            <a:ext cx="8551188" cy="1152129"/>
-          </a:xfrm>
-        </p:spPr>
-        <p:txBody>
-          <a:bodyPr/>
-          <a:lstStyle/>
-          <a:p>
-            <a:endParaRPr lang="en-GB" dirty="0"/>
-          </a:p>
-        </p:txBody>
-      </p:sp>
-    </p:spTree>
-    <p:extLst>
-      <p:ext uri="{BB962C8B-B14F-4D97-AF65-F5344CB8AC3E}">
-        <p14:creationId xmlns:p14="http://schemas.microsoft.com/office/powerpoint/2010/main" val="241557165"/>
+        <p14:creationId xmlns:p14="http://schemas.microsoft.com/office/powerpoint/2010/main" val="618236799"/>
       </p:ext>
     </p:extLst>
   </p:cSld>
@@ -14889,7 +15441,7 @@
           </a:ln>
           <a:extLst>
             <a:ext uri="{C572A759-6A51-4108-AA02-DFA0A04FC94B}">
-              <ma14:wrappingTextBoxFlag xmlns="" xmlns:m="http://schemas.openxmlformats.org/officeDocument/2006/math" xmlns:a14="http://schemas.microsoft.com/office/drawing/2010/main" xmlns:ma14="http://schemas.microsoft.com/office/mac/drawingml/2011/main" val="1"/>
+              <ma14:wrappingTextBoxFlag xmlns:ma14="http://schemas.microsoft.com/office/mac/drawingml/2011/main" xmlns:a14="http://schemas.microsoft.com/office/drawing/2010/main" xmlns:m="http://schemas.openxmlformats.org/officeDocument/2006/math" xmlns="" val="1"/>
             </a:ext>
           </a:extLst>
         </p:spPr>
@@ -14958,11 +15510,11 @@
               </a:defRPr>
             </a:pPr>
             <a:r>
-              <a:rPr b="1"/>
+              <a:rPr b="1" dirty="0"/>
               <a:t>Presentation 1 </a:t>
             </a:r>
             <a:r>
-              <a:rPr>
+              <a:rPr dirty="0">
                 <a:solidFill>
                   <a:srgbClr val="A22D1B"/>
                 </a:solidFill>
@@ -14970,6 +15522,7 @@
               <a:t>(25.03.2025) </a:t>
             </a:r>
             <a:r>
+              <a:rPr dirty="0"/>
               <a:t>Topic - Wine quality classification using ANN.</a:t>
             </a:r>
           </a:p>
@@ -14988,7 +15541,7 @@
               </a:defRPr>
             </a:pPr>
             <a:r>
-              <a:rPr>
+              <a:rPr dirty="0">
                 <a:solidFill>
                   <a:srgbClr val="A22D1B"/>
                 </a:solidFill>
@@ -14996,10 +15549,11 @@
               <a:t>(8.04.2025/6.05.2025)</a:t>
             </a:r>
             <a:r>
-              <a:rPr b="1"/>
+              <a:rPr b="1" dirty="0"/>
               <a:t> </a:t>
             </a:r>
             <a:r>
+              <a:rPr dirty="0"/>
               <a:t>Prepare code to next presentation.</a:t>
             </a:r>
           </a:p>
@@ -15052,7 +15606,7 @@
               </a:defRPr>
             </a:pPr>
             <a:r>
-              <a:rPr>
+              <a:rPr dirty="0">
                 <a:solidFill>
                   <a:srgbClr val="A22D1B"/>
                 </a:solidFill>
@@ -15060,9 +15614,10 @@
               <a:t>(20.05.2-25/3.06.2025) </a:t>
             </a:r>
             <a:r>
+              <a:rPr dirty="0"/>
               <a:t>Preprocessing set Test/Train/Validation.</a:t>
             </a:r>
-            <a:endParaRPr>
+            <a:endParaRPr dirty="0">
               <a:solidFill>
                 <a:srgbClr val="FF0000"/>
               </a:solidFill>
@@ -15083,14 +15638,15 @@
               </a:defRPr>
             </a:pPr>
             <a:r>
-              <a:rPr b="1"/>
+              <a:rPr b="1" dirty="0"/>
               <a:t>Presentation 3</a:t>
             </a:r>
             <a:r>
+              <a:rPr dirty="0"/>
               <a:t> </a:t>
             </a:r>
             <a:r>
-              <a:rPr>
+              <a:rPr dirty="0">
                 <a:solidFill>
                   <a:srgbClr val="A22D1B"/>
                 </a:solidFill>
@@ -15098,6 +15654,7 @@
               <a:t>(17.06.2025)</a:t>
             </a:r>
             <a:r>
+              <a:rPr dirty="0"/>
               <a:t>  Project - Solution.</a:t>
             </a:r>
           </a:p>
@@ -15114,7 +15671,7 @@
         <p:fade/>
       </p:transition>
     </mc:Choice>
-    <mc:Fallback xmlns="" xmlns:m="http://schemas.openxmlformats.org/officeDocument/2006/math" xmlns:a14="http://schemas.microsoft.com/office/drawing/2010/main">
+    <mc:Fallback xmlns:a14="http://schemas.microsoft.com/office/drawing/2010/main" xmlns:m="http://schemas.openxmlformats.org/officeDocument/2006/math" xmlns="">
       <p:transition spd="med">
         <p:fade/>
       </p:transition>
@@ -15179,7 +15736,7 @@
           </a:ln>
           <a:extLst>
             <a:ext uri="{C572A759-6A51-4108-AA02-DFA0A04FC94B}">
-              <ma14:wrappingTextBoxFlag xmlns="" xmlns:m="http://schemas.openxmlformats.org/officeDocument/2006/math" xmlns:a14="http://schemas.microsoft.com/office/drawing/2010/main" xmlns:ma14="http://schemas.microsoft.com/office/mac/drawingml/2011/main" val="1"/>
+              <ma14:wrappingTextBoxFlag xmlns:ma14="http://schemas.microsoft.com/office/mac/drawingml/2011/main" xmlns:a14="http://schemas.microsoft.com/office/drawing/2010/main" xmlns:m="http://schemas.openxmlformats.org/officeDocument/2006/math" xmlns="" val="1"/>
             </a:ext>
           </a:extLst>
         </p:spPr>
@@ -15272,7 +15829,7 @@
           </a:ln>
           <a:extLst>
             <a:ext uri="{C572A759-6A51-4108-AA02-DFA0A04FC94B}">
-              <ma14:wrappingTextBoxFlag xmlns="" xmlns:m="http://schemas.openxmlformats.org/officeDocument/2006/math" xmlns:a14="http://schemas.microsoft.com/office/drawing/2010/main" xmlns:ma14="http://schemas.microsoft.com/office/mac/drawingml/2011/main" val="1"/>
+              <ma14:wrappingTextBoxFlag xmlns:ma14="http://schemas.microsoft.com/office/mac/drawingml/2011/main" xmlns:a14="http://schemas.microsoft.com/office/drawing/2010/main" xmlns:m="http://schemas.openxmlformats.org/officeDocument/2006/math" xmlns="" val="1"/>
             </a:ext>
           </a:extLst>
         </p:spPr>
@@ -15501,7 +16058,7 @@
           </a:ln>
           <a:extLst>
             <a:ext uri="{C572A759-6A51-4108-AA02-DFA0A04FC94B}">
-              <ma14:wrappingTextBoxFlag xmlns="" xmlns:m="http://schemas.openxmlformats.org/officeDocument/2006/math" xmlns:a14="http://schemas.microsoft.com/office/drawing/2010/main" xmlns:ma14="http://schemas.microsoft.com/office/mac/drawingml/2011/main" val="1"/>
+              <ma14:wrappingTextBoxFlag xmlns:ma14="http://schemas.microsoft.com/office/mac/drawingml/2011/main" xmlns:a14="http://schemas.microsoft.com/office/drawing/2010/main" xmlns:m="http://schemas.openxmlformats.org/officeDocument/2006/math" xmlns="" val="1"/>
             </a:ext>
           </a:extLst>
         </p:spPr>
@@ -15591,7 +16148,7 @@
           </a:ln>
           <a:extLst>
             <a:ext uri="{C572A759-6A51-4108-AA02-DFA0A04FC94B}">
-              <ma14:wrappingTextBoxFlag xmlns="" xmlns:m="http://schemas.openxmlformats.org/officeDocument/2006/math" xmlns:a14="http://schemas.microsoft.com/office/drawing/2010/main" xmlns:ma14="http://schemas.microsoft.com/office/mac/drawingml/2011/main" val="1"/>
+              <ma14:wrappingTextBoxFlag xmlns:ma14="http://schemas.microsoft.com/office/mac/drawingml/2011/main" xmlns:a14="http://schemas.microsoft.com/office/drawing/2010/main" xmlns:m="http://schemas.openxmlformats.org/officeDocument/2006/math" xmlns="" val="1"/>
             </a:ext>
           </a:extLst>
         </p:spPr>
@@ -15653,7 +16210,7 @@
           </a:ln>
           <a:extLst>
             <a:ext uri="{C572A759-6A51-4108-AA02-DFA0A04FC94B}">
-              <ma14:wrappingTextBoxFlag xmlns="" xmlns:m="http://schemas.openxmlformats.org/officeDocument/2006/math" xmlns:a14="http://schemas.microsoft.com/office/drawing/2010/main" xmlns:ma14="http://schemas.microsoft.com/office/mac/drawingml/2011/main" val="1"/>
+              <ma14:wrappingTextBoxFlag xmlns:ma14="http://schemas.microsoft.com/office/mac/drawingml/2011/main" xmlns:a14="http://schemas.microsoft.com/office/drawing/2010/main" xmlns:m="http://schemas.openxmlformats.org/officeDocument/2006/math" xmlns="" val="1"/>
             </a:ext>
           </a:extLst>
         </p:spPr>
@@ -15707,7 +16264,7 @@
         <p:fade/>
       </p:transition>
     </mc:Choice>
-    <mc:Fallback xmlns="" xmlns:m="http://schemas.openxmlformats.org/officeDocument/2006/math" xmlns:a14="http://schemas.microsoft.com/office/drawing/2010/main">
+    <mc:Fallback xmlns:a14="http://schemas.microsoft.com/office/drawing/2010/main" xmlns:m="http://schemas.openxmlformats.org/officeDocument/2006/math" xmlns="">
       <p:transition spd="med">
         <p:fade/>
       </p:transition>
@@ -15929,7 +16486,7 @@
           </a:ln>
           <a:extLst>
             <a:ext uri="{C572A759-6A51-4108-AA02-DFA0A04FC94B}">
-              <ma14:wrappingTextBoxFlag xmlns="" xmlns:m="http://schemas.openxmlformats.org/officeDocument/2006/math" xmlns:a14="http://schemas.microsoft.com/office/drawing/2010/main" xmlns:ma14="http://schemas.microsoft.com/office/mac/drawingml/2011/main" val="1"/>
+              <ma14:wrappingTextBoxFlag xmlns:ma14="http://schemas.microsoft.com/office/mac/drawingml/2011/main" xmlns:a14="http://schemas.microsoft.com/office/drawing/2010/main" xmlns:m="http://schemas.openxmlformats.org/officeDocument/2006/math" xmlns="" val="1"/>
             </a:ext>
           </a:extLst>
         </p:spPr>
@@ -16070,7 +16627,7 @@
           </a:ln>
           <a:extLst>
             <a:ext uri="{C572A759-6A51-4108-AA02-DFA0A04FC94B}">
-              <ma14:wrappingTextBoxFlag xmlns="" xmlns:m="http://schemas.openxmlformats.org/officeDocument/2006/math" xmlns:a14="http://schemas.microsoft.com/office/drawing/2010/main" xmlns:ma14="http://schemas.microsoft.com/office/mac/drawingml/2011/main" val="1"/>
+              <ma14:wrappingTextBoxFlag xmlns:ma14="http://schemas.microsoft.com/office/mac/drawingml/2011/main" xmlns:a14="http://schemas.microsoft.com/office/drawing/2010/main" xmlns:m="http://schemas.openxmlformats.org/officeDocument/2006/math" xmlns="" val="1"/>
             </a:ext>
           </a:extLst>
         </p:spPr>
@@ -16144,7 +16701,7 @@
           </a:ln>
           <a:extLst>
             <a:ext uri="{C572A759-6A51-4108-AA02-DFA0A04FC94B}">
-              <ma14:wrappingTextBoxFlag xmlns="" xmlns:m="http://schemas.openxmlformats.org/officeDocument/2006/math" xmlns:a14="http://schemas.microsoft.com/office/drawing/2010/main" xmlns:ma14="http://schemas.microsoft.com/office/mac/drawingml/2011/main" val="1"/>
+              <ma14:wrappingTextBoxFlag xmlns:ma14="http://schemas.microsoft.com/office/mac/drawingml/2011/main" xmlns:a14="http://schemas.microsoft.com/office/drawing/2010/main" xmlns:m="http://schemas.openxmlformats.org/officeDocument/2006/math" xmlns="" val="1"/>
             </a:ext>
           </a:extLst>
         </p:spPr>
@@ -16264,7 +16821,7 @@
           </a:ln>
           <a:extLst>
             <a:ext uri="{C572A759-6A51-4108-AA02-DFA0A04FC94B}">
-              <ma14:wrappingTextBoxFlag xmlns="" xmlns:m="http://schemas.openxmlformats.org/officeDocument/2006/math" xmlns:a14="http://schemas.microsoft.com/office/drawing/2010/main" xmlns:ma14="http://schemas.microsoft.com/office/mac/drawingml/2011/main" val="1"/>
+              <ma14:wrappingTextBoxFlag xmlns:ma14="http://schemas.microsoft.com/office/mac/drawingml/2011/main" xmlns:a14="http://schemas.microsoft.com/office/drawing/2010/main" xmlns:m="http://schemas.openxmlformats.org/officeDocument/2006/math" xmlns="" val="1"/>
             </a:ext>
           </a:extLst>
         </p:spPr>
@@ -16376,7 +16933,7 @@
         <p:fade/>
       </p:transition>
     </mc:Choice>
-    <mc:Fallback xmlns="" xmlns:m="http://schemas.openxmlformats.org/officeDocument/2006/math" xmlns:a14="http://schemas.microsoft.com/office/drawing/2010/main">
+    <mc:Fallback xmlns:a14="http://schemas.microsoft.com/office/drawing/2010/main" xmlns:m="http://schemas.openxmlformats.org/officeDocument/2006/math" xmlns="">
       <p:transition spd="med">
         <p:fade/>
       </p:transition>
@@ -16649,7 +17206,7 @@
         </p:nvSpPr>
         <p:spPr>
           <a:xfrm>
-            <a:off x="2269369" y="857749"/>
+            <a:off x="1846582" y="0"/>
             <a:ext cx="9816500" cy="1335663"/>
           </a:xfrm>
           <a:prstGeom prst="rect">
@@ -16683,136 +17240,44 @@
           </a:lstStyle>
           <a:p>
             <a:r>
+              <a:rPr lang="en-GB" dirty="0">
+                <a:solidFill>
+                  <a:srgbClr val="00B0F0"/>
+                </a:solidFill>
+              </a:rPr>
+              <a:t>DATASET PREPARATION</a:t>
+            </a:r>
+            <a:r>
               <a:rPr lang="en-GB" dirty="0"/>
-              <a:t>DATASET PREPARATION, BUILDING NETWORK, </a:t>
-            </a:r>
-            <a:r>
-              <a:rPr lang="pl-PL" dirty="0"/>
-              <a:t>DISPLAY</a:t>
+              <a:t>, </a:t>
+            </a:r>
+            <a:r>
+              <a:rPr lang="en-GB" dirty="0">
+                <a:solidFill>
+                  <a:srgbClr val="FFFF00"/>
+                </a:solidFill>
+              </a:rPr>
+              <a:t>BUILDING NETWORK</a:t>
             </a:r>
             <a:r>
               <a:rPr lang="en-GB" dirty="0"/>
+              <a:t>, </a:t>
+            </a:r>
+            <a:r>
+              <a:rPr lang="pl-PL" dirty="0">
+                <a:solidFill>
+                  <a:schemeClr val="bg1"/>
+                </a:solidFill>
+              </a:rPr>
+              <a:t>DISPLAYING</a:t>
+            </a:r>
+            <a:r>
+              <a:rPr lang="en-GB" dirty="0">
+                <a:solidFill>
+                  <a:schemeClr val="bg1"/>
+                </a:solidFill>
+              </a:rPr>
               <a:t> RESULT</a:t>
-            </a:r>
-          </a:p>
-        </p:txBody>
-      </p:sp>
-      <p:sp>
-        <p:nvSpPr>
-          <p:cNvPr id="112" name="Symbol zastępczy obrazu 1">
-            <a:extLst>
-              <a:ext uri="{FF2B5EF4-FFF2-40B4-BE49-F238E27FC236}">
-                <a16:creationId xmlns:a16="http://schemas.microsoft.com/office/drawing/2014/main" id="{8B01631D-A61E-DC19-7F09-1069D7EF493C}"/>
-              </a:ext>
-            </a:extLst>
-          </p:cNvPr>
-          <p:cNvSpPr txBox="1"/>
-          <p:nvPr/>
-        </p:nvSpPr>
-        <p:spPr>
-          <a:xfrm>
-            <a:off x="9182412" y="2606024"/>
-            <a:ext cx="3040910" cy="945491"/>
-          </a:xfrm>
-          <a:prstGeom prst="rect">
-            <a:avLst/>
-          </a:prstGeom>
-          <a:ln w="12700">
-            <a:miter lim="400000"/>
-          </a:ln>
-          <a:extLst>
-            <a:ext uri="{C572A759-6A51-4108-AA02-DFA0A04FC94B}">
-              <ma14:wrappingTextBoxFlag xmlns="" xmlns:m="http://schemas.openxmlformats.org/officeDocument/2006/math" xmlns:a14="http://schemas.microsoft.com/office/drawing/2010/main" xmlns:ma14="http://schemas.microsoft.com/office/mac/drawingml/2011/main" val="1"/>
-            </a:ext>
-          </a:extLst>
-        </p:spPr>
-        <p:txBody>
-          <a:bodyPr lIns="45719" rIns="45719">
-            <a:spAutoFit/>
-          </a:bodyPr>
-          <a:lstStyle/>
-          <a:p>
-            <a:pPr>
-              <a:defRPr sz="2400" b="1">
-                <a:ln w="9525" cap="flat">
-                  <a:solidFill>
-                    <a:srgbClr val="000000"/>
-                  </a:solidFill>
-                  <a:prstDash val="solid"/>
-                  <a:round/>
-                </a:ln>
-                <a:solidFill>
-                  <a:srgbClr val="A22D1B"/>
-                </a:solidFill>
-                <a:effectLst>
-                  <a:outerShdw blurRad="50800" dist="38100" dir="5400000" rotWithShape="0">
-                    <a:srgbClr val="000000">
-                      <a:alpha val="40000"/>
-                    </a:srgbClr>
-                  </a:outerShdw>
-                </a:effectLst>
-                <a:latin typeface="+mj-lt"/>
-                <a:ea typeface="+mj-ea"/>
-                <a:cs typeface="+mj-cs"/>
-                <a:sym typeface="Calibri"/>
-              </a:defRPr>
-            </a:pPr>
-            <a:r>
-              <a:t>Autors in group:</a:t>
-            </a:r>
-          </a:p>
-          <a:p>
-            <a:pPr>
-              <a:defRPr sz="1700">
-                <a:ln w="9525" cap="flat">
-                  <a:solidFill>
-                    <a:srgbClr val="000000"/>
-                  </a:solidFill>
-                  <a:prstDash val="solid"/>
-                  <a:round/>
-                </a:ln>
-                <a:effectLst>
-                  <a:outerShdw blurRad="50800" dist="38100" dir="5400000" rotWithShape="0">
-                    <a:srgbClr val="000000">
-                      <a:alpha val="40000"/>
-                    </a:srgbClr>
-                  </a:outerShdw>
-                </a:effectLst>
-                <a:latin typeface="+mj-lt"/>
-                <a:ea typeface="+mj-ea"/>
-                <a:cs typeface="+mj-cs"/>
-                <a:sym typeface="Calibri"/>
-              </a:defRPr>
-            </a:pPr>
-            <a:r>
-              <a:t>Paweł Ozga</a:t>
-            </a:r>
-          </a:p>
-          <a:p>
-            <a:pPr>
-              <a:defRPr sz="1700">
-                <a:ln w="9525" cap="flat">
-                  <a:solidFill>
-                    <a:srgbClr val="000000"/>
-                  </a:solidFill>
-                  <a:prstDash val="solid"/>
-                  <a:round/>
-                </a:ln>
-                <a:effectLst>
-                  <a:outerShdw blurRad="50800" dist="38100" dir="5400000" rotWithShape="0">
-                    <a:srgbClr val="000000">
-                      <a:alpha val="40000"/>
-                    </a:srgbClr>
-                  </a:outerShdw>
-                </a:effectLst>
-                <a:latin typeface="+mj-lt"/>
-                <a:ea typeface="+mj-ea"/>
-                <a:cs typeface="+mj-cs"/>
-                <a:sym typeface="Calibri"/>
-              </a:defRPr>
-            </a:pPr>
-            <a:r>
-              <a:t>Pranav Pramod</a:t>
             </a:r>
           </a:p>
         </p:txBody>
@@ -16916,6 +17381,243 @@
               <a:effectLst/>
               <a:uFillTx/>
               <a:latin typeface="+mj-lt"/>
+              <a:ea typeface="Trebuchet MS"/>
+              <a:cs typeface="Trebuchet MS"/>
+              <a:sym typeface="Trebuchet MS"/>
+            </a:endParaRPr>
+          </a:p>
+        </p:txBody>
+      </p:sp>
+      <p:pic>
+        <p:nvPicPr>
+          <p:cNvPr id="4" name="Picture 3">
+            <a:extLst>
+              <a:ext uri="{FF2B5EF4-FFF2-40B4-BE49-F238E27FC236}">
+                <a16:creationId xmlns:a16="http://schemas.microsoft.com/office/drawing/2014/main" id="{25EBFACC-2C95-2F68-502C-B1003F2A0FDE}"/>
+              </a:ext>
+            </a:extLst>
+          </p:cNvPr>
+          <p:cNvPicPr>
+            <a:picLocks noChangeAspect="1"/>
+          </p:cNvPicPr>
+          <p:nvPr/>
+        </p:nvPicPr>
+        <p:blipFill>
+          <a:blip r:embed="rId2"/>
+          <a:stretch>
+            <a:fillRect/>
+          </a:stretch>
+        </p:blipFill>
+        <p:spPr>
+          <a:xfrm>
+            <a:off x="2534668" y="1015314"/>
+            <a:ext cx="8440328" cy="4182059"/>
+          </a:xfrm>
+          <a:prstGeom prst="rect">
+            <a:avLst/>
+          </a:prstGeom>
+        </p:spPr>
+      </p:pic>
+      <p:sp>
+        <p:nvSpPr>
+          <p:cNvPr id="5" name="TextBox 4">
+            <a:extLst>
+              <a:ext uri="{FF2B5EF4-FFF2-40B4-BE49-F238E27FC236}">
+                <a16:creationId xmlns:a16="http://schemas.microsoft.com/office/drawing/2014/main" id="{5D6726C5-6896-1ABC-6116-75829254769E}"/>
+              </a:ext>
+            </a:extLst>
+          </p:cNvPr>
+          <p:cNvSpPr txBox="1"/>
+          <p:nvPr/>
+        </p:nvSpPr>
+        <p:spPr>
+          <a:xfrm>
+            <a:off x="6490718" y="5009434"/>
+            <a:ext cx="457816" cy="707884"/>
+          </a:xfrm>
+          <a:prstGeom prst="rect">
+            <a:avLst/>
+          </a:prstGeom>
+          <a:noFill/>
+          <a:ln w="12700" cap="flat">
+            <a:noFill/>
+            <a:miter lim="400000"/>
+          </a:ln>
+          <a:effectLst/>
+          <a:sp3d/>
+        </p:spPr>
+        <p:style>
+          <a:lnRef idx="0">
+            <a:scrgbClr r="0" g="0" b="0"/>
+          </a:lnRef>
+          <a:fillRef idx="0">
+            <a:scrgbClr r="0" g="0" b="0"/>
+          </a:fillRef>
+          <a:effectRef idx="0">
+            <a:scrgbClr r="0" g="0" b="0"/>
+          </a:effectRef>
+          <a:fontRef idx="none"/>
+        </p:style>
+        <p:txBody>
+          <a:bodyPr rot="0" spcFirstLastPara="1" vertOverflow="overflow" horzOverflow="overflow" vert="horz" wrap="none" lIns="45719" tIns="45719" rIns="45719" bIns="45719" numCol="1" spcCol="38100" rtlCol="0" anchor="t">
+            <a:spAutoFit/>
+          </a:bodyPr>
+          <a:lstStyle/>
+          <a:p>
+            <a:pPr marL="0" marR="0" indent="0" algn="l" defTabSz="914400" rtl="0" fontAlgn="auto" latinLnBrk="0" hangingPunct="0">
+              <a:lnSpc>
+                <a:spcPct val="100000"/>
+              </a:lnSpc>
+              <a:spcBef>
+                <a:spcPts val="0"/>
+              </a:spcBef>
+              <a:spcAft>
+                <a:spcPts val="0"/>
+              </a:spcAft>
+              <a:buClrTx/>
+              <a:buSzTx/>
+              <a:buFontTx/>
+              <a:buNone/>
+              <a:tabLst/>
+            </a:pPr>
+            <a:r>
+              <a:rPr kumimoji="0" lang="pl-PL" sz="4000" b="1" i="0" u="none" strike="noStrike" cap="none" spc="0" normalizeH="0" baseline="0" dirty="0">
+                <a:ln>
+                  <a:noFill/>
+                </a:ln>
+                <a:solidFill>
+                  <a:srgbClr val="000000"/>
+                </a:solidFill>
+                <a:effectLst/>
+                <a:uFillTx/>
+                <a:latin typeface="+mj-lt"/>
+                <a:ea typeface="Trebuchet MS"/>
+                <a:cs typeface="Trebuchet MS"/>
+                <a:sym typeface="Trebuchet MS"/>
+              </a:rPr>
+              <a:t>…</a:t>
+            </a:r>
+            <a:endParaRPr kumimoji="0" lang="en-GB" sz="4000" b="1" i="0" u="none" strike="noStrike" cap="none" spc="0" normalizeH="0" baseline="0" dirty="0">
+              <a:ln>
+                <a:noFill/>
+              </a:ln>
+              <a:solidFill>
+                <a:srgbClr val="000000"/>
+              </a:solidFill>
+              <a:effectLst/>
+              <a:uFillTx/>
+              <a:latin typeface="+mj-lt"/>
+              <a:ea typeface="Trebuchet MS"/>
+              <a:cs typeface="Trebuchet MS"/>
+              <a:sym typeface="Trebuchet MS"/>
+            </a:endParaRPr>
+          </a:p>
+        </p:txBody>
+      </p:sp>
+      <p:pic>
+        <p:nvPicPr>
+          <p:cNvPr id="7" name="Picture 6">
+            <a:extLst>
+              <a:ext uri="{FF2B5EF4-FFF2-40B4-BE49-F238E27FC236}">
+                <a16:creationId xmlns:a16="http://schemas.microsoft.com/office/drawing/2014/main" id="{F500D9F7-221B-6A65-E2E4-B3793046DE81}"/>
+              </a:ext>
+            </a:extLst>
+          </p:cNvPr>
+          <p:cNvPicPr>
+            <a:picLocks noChangeAspect="1"/>
+          </p:cNvPicPr>
+          <p:nvPr/>
+        </p:nvPicPr>
+        <p:blipFill>
+          <a:blip r:embed="rId3"/>
+          <a:srcRect t="-16842" r="223" b="-1"/>
+          <a:stretch/>
+        </p:blipFill>
+        <p:spPr>
+          <a:xfrm>
+            <a:off x="2535279" y="5633884"/>
+            <a:ext cx="8439717" cy="578803"/>
+          </a:xfrm>
+          <a:prstGeom prst="rect">
+            <a:avLst/>
+          </a:prstGeom>
+        </p:spPr>
+      </p:pic>
+      <p:sp>
+        <p:nvSpPr>
+          <p:cNvPr id="8" name="Rectangle 7">
+            <a:extLst>
+              <a:ext uri="{FF2B5EF4-FFF2-40B4-BE49-F238E27FC236}">
+                <a16:creationId xmlns:a16="http://schemas.microsoft.com/office/drawing/2014/main" id="{788B4D05-C91A-1B4F-210A-F2A1F0606431}"/>
+              </a:ext>
+            </a:extLst>
+          </p:cNvPr>
+          <p:cNvSpPr/>
+          <p:nvPr/>
+        </p:nvSpPr>
+        <p:spPr>
+          <a:xfrm>
+            <a:off x="10955332" y="5506065"/>
+            <a:ext cx="184617" cy="835741"/>
+          </a:xfrm>
+          <a:prstGeom prst="rect">
+            <a:avLst/>
+          </a:prstGeom>
+          <a:solidFill>
+            <a:srgbClr val="FFFFFF"/>
+          </a:solidFill>
+          <a:ln w="25400" cap="flat">
+            <a:noFill/>
+            <a:prstDash val="solid"/>
+            <a:round/>
+          </a:ln>
+          <a:effectLst/>
+          <a:sp3d/>
+        </p:spPr>
+        <p:style>
+          <a:lnRef idx="0">
+            <a:scrgbClr r="0" g="0" b="0"/>
+          </a:lnRef>
+          <a:fillRef idx="0">
+            <a:scrgbClr r="0" g="0" b="0"/>
+          </a:fillRef>
+          <a:effectRef idx="0">
+            <a:scrgbClr r="0" g="0" b="0"/>
+          </a:effectRef>
+          <a:fontRef idx="none"/>
+        </p:style>
+        <p:txBody>
+          <a:bodyPr rot="0" spcFirstLastPara="1" vertOverflow="overflow" horzOverflow="overflow" vert="horz" wrap="square" lIns="45719" tIns="45719" rIns="45719" bIns="45719" numCol="1" spcCol="38100" rtlCol="0" anchor="ctr">
+            <a:spAutoFit/>
+          </a:bodyPr>
+          <a:lstStyle/>
+          <a:p>
+            <a:pPr marL="0" marR="0" indent="0" algn="l" defTabSz="914400" rtl="0" fontAlgn="auto" latinLnBrk="0" hangingPunct="0">
+              <a:lnSpc>
+                <a:spcPct val="100000"/>
+              </a:lnSpc>
+              <a:spcBef>
+                <a:spcPts val="0"/>
+              </a:spcBef>
+              <a:spcAft>
+                <a:spcPts val="0"/>
+              </a:spcAft>
+              <a:buClrTx/>
+              <a:buSzTx/>
+              <a:buFontTx/>
+              <a:buNone/>
+              <a:tabLst/>
+            </a:pPr>
+            <a:endParaRPr kumimoji="0" lang="en-GB" sz="1800" b="0" i="0" u="none" strike="noStrike" cap="none" spc="0" normalizeH="0" baseline="0">
+              <a:ln>
+                <a:noFill/>
+              </a:ln>
+              <a:solidFill>
+                <a:srgbClr val="000000"/>
+              </a:solidFill>
+              <a:effectLst/>
+              <a:uFillTx/>
+              <a:latin typeface="Trebuchet MS"/>
               <a:ea typeface="Trebuchet MS"/>
               <a:cs typeface="Trebuchet MS"/>
               <a:sym typeface="Trebuchet MS"/>
@@ -16987,7 +17689,7 @@
           </a:ln>
           <a:extLst>
             <a:ext uri="{C572A759-6A51-4108-AA02-DFA0A04FC94B}">
-              <ma14:wrappingTextBoxFlag xmlns="" xmlns:m="http://schemas.openxmlformats.org/officeDocument/2006/math" xmlns:a14="http://schemas.microsoft.com/office/drawing/2010/main" xmlns:ma14="http://schemas.microsoft.com/office/mac/drawingml/2011/main" val="1"/>
+              <ma14:wrappingTextBoxFlag xmlns:ma14="http://schemas.microsoft.com/office/mac/drawingml/2011/main" xmlns:a14="http://schemas.microsoft.com/office/drawing/2010/main" xmlns:m="http://schemas.openxmlformats.org/officeDocument/2006/math" xmlns="" val="1"/>
             </a:ext>
           </a:extLst>
         </p:spPr>
@@ -17256,7 +17958,7 @@
           <p:nvPr>
             <p:extLst>
               <p:ext uri="{D42A27DB-BD31-4B8C-83A1-F6EECF244321}">
-                <p14:modId xmlns:p14="http://schemas.microsoft.com/office/powerpoint/2010/main" val="688611623"/>
+                <p14:modId xmlns:p14="http://schemas.microsoft.com/office/powerpoint/2010/main" val="1017803448"/>
               </p:ext>
             </p:extLst>
           </p:nvPr>
@@ -18226,453 +18928,6 @@
       </p:sp>
       <p:sp>
         <p:nvSpPr>
-          <p:cNvPr id="31" name="TextBox 30">
-            <a:extLst>
-              <a:ext uri="{FF2B5EF4-FFF2-40B4-BE49-F238E27FC236}">
-                <a16:creationId xmlns:a16="http://schemas.microsoft.com/office/drawing/2014/main" id="{EDBAD8FF-3A16-D860-1B0A-5F6C966D5F12}"/>
-              </a:ext>
-            </a:extLst>
-          </p:cNvPr>
-          <p:cNvSpPr txBox="1"/>
-          <p:nvPr/>
-        </p:nvSpPr>
-        <p:spPr>
-          <a:xfrm>
-            <a:off x="4734170" y="3230045"/>
-            <a:ext cx="469029" cy="430885"/>
-          </a:xfrm>
-          <a:prstGeom prst="rect">
-            <a:avLst/>
-          </a:prstGeom>
-          <a:noFill/>
-          <a:ln w="12700" cap="flat">
-            <a:noFill/>
-            <a:miter lim="400000"/>
-          </a:ln>
-          <a:effectLst/>
-          <a:sp3d/>
-        </p:spPr>
-        <p:style>
-          <a:lnRef idx="0">
-            <a:scrgbClr r="0" g="0" b="0"/>
-          </a:lnRef>
-          <a:fillRef idx="0">
-            <a:scrgbClr r="0" g="0" b="0"/>
-          </a:fillRef>
-          <a:effectRef idx="0">
-            <a:scrgbClr r="0" g="0" b="0"/>
-          </a:effectRef>
-          <a:fontRef idx="none"/>
-        </p:style>
-        <p:txBody>
-          <a:bodyPr rot="0" spcFirstLastPara="1" vertOverflow="overflow" horzOverflow="overflow" vert="horz" wrap="square" lIns="45719" tIns="45719" rIns="45719" bIns="45719" numCol="1" spcCol="38100" rtlCol="0" anchor="t">
-            <a:spAutoFit/>
-          </a:bodyPr>
-          <a:lstStyle/>
-          <a:p>
-            <a:pPr marL="0" marR="0" indent="0" algn="l" defTabSz="914400" rtl="0" fontAlgn="auto" latinLnBrk="0" hangingPunct="0">
-              <a:lnSpc>
-                <a:spcPct val="100000"/>
-              </a:lnSpc>
-              <a:spcBef>
-                <a:spcPts val="0"/>
-              </a:spcBef>
-              <a:spcAft>
-                <a:spcPts val="0"/>
-              </a:spcAft>
-              <a:buClrTx/>
-              <a:buSzTx/>
-              <a:buFontTx/>
-              <a:buNone/>
-              <a:tabLst/>
-            </a:pPr>
-            <a:r>
-              <a:rPr kumimoji="0" lang="pl-PL" sz="2200" b="0" i="0" u="none" strike="noStrike" cap="none" spc="0" normalizeH="0" baseline="0" dirty="0">
-                <a:ln>
-                  <a:noFill/>
-                </a:ln>
-                <a:solidFill>
-                  <a:srgbClr val="000000"/>
-                </a:solidFill>
-                <a:effectLst/>
-                <a:uFillTx/>
-                <a:latin typeface="+mj-lt"/>
-                <a:ea typeface="Trebuchet MS"/>
-                <a:cs typeface="Trebuchet MS"/>
-                <a:sym typeface="Trebuchet MS"/>
-              </a:rPr>
-              <a:t>1</a:t>
-            </a:r>
-            <a:endParaRPr kumimoji="0" lang="en-GB" sz="2200" b="0" i="0" u="none" strike="noStrike" cap="none" spc="0" normalizeH="0" baseline="0" dirty="0">
-              <a:ln>
-                <a:noFill/>
-              </a:ln>
-              <a:solidFill>
-                <a:srgbClr val="000000"/>
-              </a:solidFill>
-              <a:effectLst/>
-              <a:uFillTx/>
-              <a:latin typeface="+mj-lt"/>
-              <a:ea typeface="Trebuchet MS"/>
-              <a:cs typeface="Trebuchet MS"/>
-              <a:sym typeface="Trebuchet MS"/>
-            </a:endParaRPr>
-          </a:p>
-        </p:txBody>
-      </p:sp>
-      <p:sp>
-        <p:nvSpPr>
-          <p:cNvPr id="32" name="TextBox 31">
-            <a:extLst>
-              <a:ext uri="{FF2B5EF4-FFF2-40B4-BE49-F238E27FC236}">
-                <a16:creationId xmlns:a16="http://schemas.microsoft.com/office/drawing/2014/main" id="{F521594F-47DB-4891-3756-8CEEAC766EAF}"/>
-              </a:ext>
-            </a:extLst>
-          </p:cNvPr>
-          <p:cNvSpPr txBox="1"/>
-          <p:nvPr/>
-        </p:nvSpPr>
-        <p:spPr>
-          <a:xfrm>
-            <a:off x="4750177" y="3702113"/>
-            <a:ext cx="469029" cy="430885"/>
-          </a:xfrm>
-          <a:prstGeom prst="rect">
-            <a:avLst/>
-          </a:prstGeom>
-          <a:noFill/>
-          <a:ln w="12700" cap="flat">
-            <a:noFill/>
-            <a:miter lim="400000"/>
-          </a:ln>
-          <a:effectLst/>
-          <a:sp3d/>
-        </p:spPr>
-        <p:style>
-          <a:lnRef idx="0">
-            <a:scrgbClr r="0" g="0" b="0"/>
-          </a:lnRef>
-          <a:fillRef idx="0">
-            <a:scrgbClr r="0" g="0" b="0"/>
-          </a:fillRef>
-          <a:effectRef idx="0">
-            <a:scrgbClr r="0" g="0" b="0"/>
-          </a:effectRef>
-          <a:fontRef idx="none"/>
-        </p:style>
-        <p:txBody>
-          <a:bodyPr rot="0" spcFirstLastPara="1" vertOverflow="overflow" horzOverflow="overflow" vert="horz" wrap="square" lIns="45719" tIns="45719" rIns="45719" bIns="45719" numCol="1" spcCol="38100" rtlCol="0" anchor="t">
-            <a:spAutoFit/>
-          </a:bodyPr>
-          <a:lstStyle/>
-          <a:p>
-            <a:pPr marL="0" marR="0" indent="0" algn="l" defTabSz="914400" rtl="0" fontAlgn="auto" latinLnBrk="0" hangingPunct="0">
-              <a:lnSpc>
-                <a:spcPct val="100000"/>
-              </a:lnSpc>
-              <a:spcBef>
-                <a:spcPts val="0"/>
-              </a:spcBef>
-              <a:spcAft>
-                <a:spcPts val="0"/>
-              </a:spcAft>
-              <a:buClrTx/>
-              <a:buSzTx/>
-              <a:buFontTx/>
-              <a:buNone/>
-              <a:tabLst/>
-            </a:pPr>
-            <a:r>
-              <a:rPr lang="pl-PL" sz="2200" dirty="0">
-                <a:latin typeface="+mj-lt"/>
-              </a:rPr>
-              <a:t>2</a:t>
-            </a:r>
-            <a:endParaRPr kumimoji="0" lang="en-GB" sz="2200" b="0" i="0" u="none" strike="noStrike" cap="none" spc="0" normalizeH="0" baseline="0" dirty="0">
-              <a:ln>
-                <a:noFill/>
-              </a:ln>
-              <a:solidFill>
-                <a:srgbClr val="000000"/>
-              </a:solidFill>
-              <a:effectLst/>
-              <a:uFillTx/>
-              <a:latin typeface="+mj-lt"/>
-              <a:ea typeface="Trebuchet MS"/>
-              <a:cs typeface="Trebuchet MS"/>
-              <a:sym typeface="Trebuchet MS"/>
-            </a:endParaRPr>
-          </a:p>
-        </p:txBody>
-      </p:sp>
-      <p:sp>
-        <p:nvSpPr>
-          <p:cNvPr id="33" name="TextBox 32">
-            <a:extLst>
-              <a:ext uri="{FF2B5EF4-FFF2-40B4-BE49-F238E27FC236}">
-                <a16:creationId xmlns:a16="http://schemas.microsoft.com/office/drawing/2014/main" id="{B25AF2EF-CF93-5B51-720F-BD5F0377F3C3}"/>
-              </a:ext>
-            </a:extLst>
-          </p:cNvPr>
-          <p:cNvSpPr txBox="1"/>
-          <p:nvPr/>
-        </p:nvSpPr>
-        <p:spPr>
-          <a:xfrm>
-            <a:off x="4655032" y="4214580"/>
-            <a:ext cx="469029" cy="430885"/>
-          </a:xfrm>
-          <a:prstGeom prst="rect">
-            <a:avLst/>
-          </a:prstGeom>
-          <a:noFill/>
-          <a:ln w="12700" cap="flat">
-            <a:noFill/>
-            <a:miter lim="400000"/>
-          </a:ln>
-          <a:effectLst/>
-          <a:sp3d/>
-        </p:spPr>
-        <p:style>
-          <a:lnRef idx="0">
-            <a:scrgbClr r="0" g="0" b="0"/>
-          </a:lnRef>
-          <a:fillRef idx="0">
-            <a:scrgbClr r="0" g="0" b="0"/>
-          </a:fillRef>
-          <a:effectRef idx="0">
-            <a:scrgbClr r="0" g="0" b="0"/>
-          </a:effectRef>
-          <a:fontRef idx="none"/>
-        </p:style>
-        <p:txBody>
-          <a:bodyPr rot="0" spcFirstLastPara="1" vertOverflow="overflow" horzOverflow="overflow" vert="horz" wrap="square" lIns="45719" tIns="45719" rIns="45719" bIns="45719" numCol="1" spcCol="38100" rtlCol="0" anchor="t">
-            <a:spAutoFit/>
-          </a:bodyPr>
-          <a:lstStyle/>
-          <a:p>
-            <a:pPr marL="0" marR="0" indent="0" algn="l" defTabSz="914400" rtl="0" fontAlgn="auto" latinLnBrk="0" hangingPunct="0">
-              <a:lnSpc>
-                <a:spcPct val="100000"/>
-              </a:lnSpc>
-              <a:spcBef>
-                <a:spcPts val="0"/>
-              </a:spcBef>
-              <a:spcAft>
-                <a:spcPts val="0"/>
-              </a:spcAft>
-              <a:buClrTx/>
-              <a:buSzTx/>
-              <a:buFontTx/>
-              <a:buNone/>
-              <a:tabLst/>
-            </a:pPr>
-            <a:r>
-              <a:rPr kumimoji="0" lang="pl-PL" sz="2200" b="0" i="0" u="none" strike="noStrike" cap="none" spc="0" normalizeH="0" baseline="0" dirty="0">
-                <a:ln>
-                  <a:noFill/>
-                </a:ln>
-                <a:solidFill>
-                  <a:srgbClr val="000000"/>
-                </a:solidFill>
-                <a:effectLst/>
-                <a:uFillTx/>
-                <a:latin typeface="+mj-lt"/>
-                <a:ea typeface="Trebuchet MS"/>
-                <a:cs typeface="Trebuchet MS"/>
-                <a:sym typeface="Trebuchet MS"/>
-              </a:rPr>
-              <a:t>11</a:t>
-            </a:r>
-            <a:endParaRPr kumimoji="0" lang="en-GB" sz="2200" b="0" i="0" u="none" strike="noStrike" cap="none" spc="0" normalizeH="0" baseline="0" dirty="0">
-              <a:ln>
-                <a:noFill/>
-              </a:ln>
-              <a:solidFill>
-                <a:srgbClr val="000000"/>
-              </a:solidFill>
-              <a:effectLst/>
-              <a:uFillTx/>
-              <a:latin typeface="+mj-lt"/>
-              <a:ea typeface="Trebuchet MS"/>
-              <a:cs typeface="Trebuchet MS"/>
-              <a:sym typeface="Trebuchet MS"/>
-            </a:endParaRPr>
-          </a:p>
-        </p:txBody>
-      </p:sp>
-      <p:sp>
-        <p:nvSpPr>
-          <p:cNvPr id="34" name="TextBox 33">
-            <a:extLst>
-              <a:ext uri="{FF2B5EF4-FFF2-40B4-BE49-F238E27FC236}">
-                <a16:creationId xmlns:a16="http://schemas.microsoft.com/office/drawing/2014/main" id="{F2F944C9-4B98-448F-F2BA-E333A89CCE4B}"/>
-              </a:ext>
-            </a:extLst>
-          </p:cNvPr>
-          <p:cNvSpPr txBox="1"/>
-          <p:nvPr/>
-        </p:nvSpPr>
-        <p:spPr>
-          <a:xfrm>
-            <a:off x="8659145" y="3445487"/>
-            <a:ext cx="469029" cy="430885"/>
-          </a:xfrm>
-          <a:prstGeom prst="rect">
-            <a:avLst/>
-          </a:prstGeom>
-          <a:noFill/>
-          <a:ln w="12700" cap="flat">
-            <a:noFill/>
-            <a:miter lim="400000"/>
-          </a:ln>
-          <a:effectLst/>
-          <a:sp3d/>
-        </p:spPr>
-        <p:style>
-          <a:lnRef idx="0">
-            <a:scrgbClr r="0" g="0" b="0"/>
-          </a:lnRef>
-          <a:fillRef idx="0">
-            <a:scrgbClr r="0" g="0" b="0"/>
-          </a:fillRef>
-          <a:effectRef idx="0">
-            <a:scrgbClr r="0" g="0" b="0"/>
-          </a:effectRef>
-          <a:fontRef idx="none"/>
-        </p:style>
-        <p:txBody>
-          <a:bodyPr rot="0" spcFirstLastPara="1" vertOverflow="overflow" horzOverflow="overflow" vert="horz" wrap="square" lIns="45719" tIns="45719" rIns="45719" bIns="45719" numCol="1" spcCol="38100" rtlCol="0" anchor="t">
-            <a:spAutoFit/>
-          </a:bodyPr>
-          <a:lstStyle/>
-          <a:p>
-            <a:pPr marL="0" marR="0" indent="0" algn="l" defTabSz="914400" rtl="0" fontAlgn="auto" latinLnBrk="0" hangingPunct="0">
-              <a:lnSpc>
-                <a:spcPct val="100000"/>
-              </a:lnSpc>
-              <a:spcBef>
-                <a:spcPts val="0"/>
-              </a:spcBef>
-              <a:spcAft>
-                <a:spcPts val="0"/>
-              </a:spcAft>
-              <a:buClrTx/>
-              <a:buSzTx/>
-              <a:buFontTx/>
-              <a:buNone/>
-              <a:tabLst/>
-            </a:pPr>
-            <a:r>
-              <a:rPr lang="pl-PL" sz="2200" dirty="0">
-                <a:latin typeface="+mj-lt"/>
-              </a:rPr>
-              <a:t>3</a:t>
-            </a:r>
-            <a:endParaRPr kumimoji="0" lang="en-GB" sz="2200" b="0" i="0" u="none" strike="noStrike" cap="none" spc="0" normalizeH="0" baseline="0" dirty="0">
-              <a:ln>
-                <a:noFill/>
-              </a:ln>
-              <a:solidFill>
-                <a:srgbClr val="000000"/>
-              </a:solidFill>
-              <a:effectLst/>
-              <a:uFillTx/>
-              <a:latin typeface="+mj-lt"/>
-              <a:ea typeface="Trebuchet MS"/>
-              <a:cs typeface="Trebuchet MS"/>
-              <a:sym typeface="Trebuchet MS"/>
-            </a:endParaRPr>
-          </a:p>
-        </p:txBody>
-      </p:sp>
-      <p:sp>
-        <p:nvSpPr>
-          <p:cNvPr id="35" name="TextBox 34">
-            <a:extLst>
-              <a:ext uri="{FF2B5EF4-FFF2-40B4-BE49-F238E27FC236}">
-                <a16:creationId xmlns:a16="http://schemas.microsoft.com/office/drawing/2014/main" id="{F236BBAD-21BF-BDDD-54B0-A71E0BA7FB7B}"/>
-              </a:ext>
-            </a:extLst>
-          </p:cNvPr>
-          <p:cNvSpPr txBox="1"/>
-          <p:nvPr/>
-        </p:nvSpPr>
-        <p:spPr>
-          <a:xfrm>
-            <a:off x="8659144" y="4014270"/>
-            <a:ext cx="469029" cy="430885"/>
-          </a:xfrm>
-          <a:prstGeom prst="rect">
-            <a:avLst/>
-          </a:prstGeom>
-          <a:noFill/>
-          <a:ln w="12700" cap="flat">
-            <a:noFill/>
-            <a:miter lim="400000"/>
-          </a:ln>
-          <a:effectLst/>
-          <a:sp3d/>
-        </p:spPr>
-        <p:style>
-          <a:lnRef idx="0">
-            <a:scrgbClr r="0" g="0" b="0"/>
-          </a:lnRef>
-          <a:fillRef idx="0">
-            <a:scrgbClr r="0" g="0" b="0"/>
-          </a:fillRef>
-          <a:effectRef idx="0">
-            <a:scrgbClr r="0" g="0" b="0"/>
-          </a:effectRef>
-          <a:fontRef idx="none"/>
-        </p:style>
-        <p:txBody>
-          <a:bodyPr rot="0" spcFirstLastPara="1" vertOverflow="overflow" horzOverflow="overflow" vert="horz" wrap="square" lIns="45719" tIns="45719" rIns="45719" bIns="45719" numCol="1" spcCol="38100" rtlCol="0" anchor="t">
-            <a:spAutoFit/>
-          </a:bodyPr>
-          <a:lstStyle/>
-          <a:p>
-            <a:pPr marL="0" marR="0" indent="0" algn="l" defTabSz="914400" rtl="0" fontAlgn="auto" latinLnBrk="0" hangingPunct="0">
-              <a:lnSpc>
-                <a:spcPct val="100000"/>
-              </a:lnSpc>
-              <a:spcBef>
-                <a:spcPts val="0"/>
-              </a:spcBef>
-              <a:spcAft>
-                <a:spcPts val="0"/>
-              </a:spcAft>
-              <a:buClrTx/>
-              <a:buSzTx/>
-              <a:buFontTx/>
-              <a:buNone/>
-              <a:tabLst/>
-            </a:pPr>
-            <a:r>
-              <a:rPr lang="pl-PL" sz="2200" dirty="0">
-                <a:latin typeface="+mj-lt"/>
-              </a:rPr>
-              <a:t>9</a:t>
-            </a:r>
-            <a:endParaRPr kumimoji="0" lang="en-GB" sz="2200" b="0" i="0" u="none" strike="noStrike" cap="none" spc="0" normalizeH="0" baseline="0" dirty="0">
-              <a:ln>
-                <a:noFill/>
-              </a:ln>
-              <a:solidFill>
-                <a:srgbClr val="000000"/>
-              </a:solidFill>
-              <a:effectLst/>
-              <a:uFillTx/>
-              <a:latin typeface="+mj-lt"/>
-              <a:ea typeface="Trebuchet MS"/>
-              <a:cs typeface="Trebuchet MS"/>
-              <a:sym typeface="Trebuchet MS"/>
-            </a:endParaRPr>
-          </a:p>
-        </p:txBody>
-      </p:sp>
-      <p:sp>
-        <p:nvSpPr>
           <p:cNvPr id="37" name="TextBox 36">
             <a:extLst>
               <a:ext uri="{FF2B5EF4-FFF2-40B4-BE49-F238E27FC236}">
@@ -18724,7 +18979,7 @@
                 </a:solidFill>
                 <a:latin typeface="+mj-lt"/>
               </a:rPr>
-              <a:t>one </a:t>
+              <a:t>Input: One </a:t>
             </a:r>
             <a:r>
               <a:rPr lang="pl-PL" sz="1900" dirty="0" err="1">
@@ -18742,25 +18997,7 @@
                 </a:solidFill>
                 <a:latin typeface="+mj-lt"/>
               </a:rPr>
-              <a:t> for one neuron </a:t>
-            </a:r>
-            <a:r>
-              <a:rPr lang="pl-PL" sz="1900" dirty="0" err="1">
-                <a:solidFill>
-                  <a:schemeClr val="tx1"/>
-                </a:solidFill>
-                <a:latin typeface="+mj-lt"/>
-              </a:rPr>
-              <a:t>input</a:t>
-            </a:r>
-            <a:r>
-              <a:rPr lang="pl-PL" sz="1900" dirty="0">
-                <a:solidFill>
-                  <a:schemeClr val="tx1"/>
-                </a:solidFill>
-                <a:latin typeface="+mj-lt"/>
-              </a:rPr>
-              <a:t> </a:t>
+              <a:t> for one neuron</a:t>
             </a:r>
             <a:endParaRPr kumimoji="0" lang="en-GB" sz="1900" b="0" u="none" strike="noStrike" cap="none" spc="0" normalizeH="0" baseline="0" dirty="0">
               <a:ln>
@@ -18795,13 +19032,22 @@
               <a:tabLst/>
             </a:pPr>
             <a:r>
+              <a:rPr lang="pl-PL" sz="1900" dirty="0" err="1">
+                <a:solidFill>
+                  <a:schemeClr val="tx1"/>
+                </a:solidFill>
+                <a:latin typeface="+mj-lt"/>
+              </a:rPr>
+              <a:t>Output</a:t>
+            </a:r>
+            <a:r>
               <a:rPr lang="pl-PL" sz="1900" dirty="0">
                 <a:solidFill>
                   <a:schemeClr val="tx1"/>
                 </a:solidFill>
                 <a:latin typeface="+mj-lt"/>
               </a:rPr>
-              <a:t>numer of </a:t>
+              <a:t>: </a:t>
             </a:r>
             <a:r>
               <a:rPr lang="pl-PL" sz="1900" dirty="0" err="1">
@@ -20835,7 +21081,7 @@
         <p:fade/>
       </p:transition>
     </mc:Choice>
-    <mc:Fallback xmlns="" xmlns:m="http://schemas.openxmlformats.org/officeDocument/2006/math" xmlns:a14="http://schemas.microsoft.com/office/drawing/2010/main">
+    <mc:Fallback xmlns:a14="http://schemas.microsoft.com/office/drawing/2010/main" xmlns:m="http://schemas.openxmlformats.org/officeDocument/2006/math" xmlns="">
       <p:transition spd="med">
         <p:fade/>
       </p:transition>
@@ -20883,7 +21129,7 @@
             <a:ext cx="965414" cy="2331095"/>
           </a:xfrm>
           <a:solidFill>
-            <a:srgbClr val="C00000"/>
+            <a:srgbClr val="FF7979"/>
           </a:solidFill>
         </p:spPr>
         <p:txBody>
@@ -20893,46 +21139,78 @@
           <a:lstStyle/>
           <a:p>
             <a:r>
-              <a:rPr lang="pl-PL" dirty="0"/>
+              <a:rPr lang="pl-PL" dirty="0">
+                <a:solidFill>
+                  <a:schemeClr val="tx1"/>
+                </a:solidFill>
+              </a:rPr>
               <a:t>Class 3:</a:t>
             </a:r>
           </a:p>
           <a:p>
             <a:r>
-              <a:rPr lang="pl-PL" dirty="0"/>
+              <a:rPr lang="pl-PL" dirty="0">
+                <a:solidFill>
+                  <a:schemeClr val="tx1"/>
+                </a:solidFill>
+              </a:rPr>
               <a:t>Class 4:</a:t>
             </a:r>
           </a:p>
           <a:p>
             <a:r>
-              <a:rPr lang="pl-PL" dirty="0"/>
+              <a:rPr lang="pl-PL" dirty="0">
+                <a:solidFill>
+                  <a:schemeClr val="tx1"/>
+                </a:solidFill>
+              </a:rPr>
               <a:t>Class 5: </a:t>
             </a:r>
           </a:p>
           <a:p>
             <a:r>
-              <a:rPr lang="pl-PL" dirty="0"/>
+              <a:rPr lang="pl-PL" dirty="0">
+                <a:solidFill>
+                  <a:schemeClr val="tx1"/>
+                </a:solidFill>
+              </a:rPr>
               <a:t>Class 6: </a:t>
             </a:r>
           </a:p>
           <a:p>
             <a:r>
-              <a:rPr lang="pl-PL" dirty="0"/>
+              <a:rPr lang="pl-PL" dirty="0">
+                <a:solidFill>
+                  <a:schemeClr val="tx1"/>
+                </a:solidFill>
+              </a:rPr>
               <a:t>Class 7: </a:t>
             </a:r>
           </a:p>
           <a:p>
             <a:r>
-              <a:rPr lang="pl-PL" dirty="0"/>
+              <a:rPr lang="pl-PL" dirty="0">
+                <a:solidFill>
+                  <a:schemeClr val="tx1"/>
+                </a:solidFill>
+              </a:rPr>
               <a:t>Class 8: </a:t>
             </a:r>
           </a:p>
           <a:p>
             <a:r>
-              <a:rPr lang="pl-PL" dirty="0"/>
+              <a:rPr lang="pl-PL" dirty="0">
+                <a:solidFill>
+                  <a:schemeClr val="tx1"/>
+                </a:solidFill>
+              </a:rPr>
               <a:t>Class 9:</a:t>
             </a:r>
-            <a:endParaRPr lang="en-GB" dirty="0"/>
+            <a:endParaRPr lang="en-GB" dirty="0">
+              <a:solidFill>
+                <a:schemeClr val="tx1"/>
+              </a:solidFill>
+            </a:endParaRPr>
           </a:p>
         </p:txBody>
       </p:sp>
@@ -20963,7 +21241,7 @@
           </a:ln>
           <a:extLst>
             <a:ext uri="{C572A759-6A51-4108-AA02-DFA0A04FC94B}">
-              <ma14:wrappingTextBoxFlag xmlns="" xmlns:m="http://schemas.openxmlformats.org/officeDocument/2006/math" xmlns:a14="http://schemas.microsoft.com/office/drawing/2010/main" xmlns:ma14="http://schemas.microsoft.com/office/mac/drawingml/2011/main" val="1"/>
+              <ma14:wrappingTextBoxFlag xmlns:ma14="http://schemas.microsoft.com/office/mac/drawingml/2011/main" xmlns:a14="http://schemas.microsoft.com/office/drawing/2010/main" xmlns:m="http://schemas.openxmlformats.org/officeDocument/2006/math" xmlns="" val="1"/>
             </a:ext>
           </a:extLst>
         </p:spPr>
@@ -21281,7 +21559,7 @@
           </a:ln>
           <a:extLst>
             <a:ext uri="{C572A759-6A51-4108-AA02-DFA0A04FC94B}">
-              <ma14:wrappingTextBoxFlag xmlns="" xmlns:m="http://schemas.openxmlformats.org/officeDocument/2006/math" xmlns:a14="http://schemas.microsoft.com/office/drawing/2010/main" xmlns:ma14="http://schemas.microsoft.com/office/mac/drawingml/2011/main" val="1"/>
+              <ma14:wrappingTextBoxFlag xmlns:ma14="http://schemas.microsoft.com/office/mac/drawingml/2011/main" xmlns:a14="http://schemas.microsoft.com/office/drawing/2010/main" xmlns:m="http://schemas.openxmlformats.org/officeDocument/2006/math" xmlns="" val="1"/>
             </a:ext>
           </a:extLst>
         </p:spPr>
@@ -23294,7 +23572,7 @@
         </p:nvSpPr>
         <p:spPr>
           <a:xfrm>
-            <a:off x="3972560" y="497583"/>
+            <a:off x="3972560" y="615567"/>
             <a:ext cx="6555349" cy="1200328"/>
           </a:xfrm>
         </p:spPr>
@@ -23317,24 +23595,16 @@
             </a:r>
             <a:r>
               <a:rPr lang="pl-PL" sz="1900" dirty="0"/>
-              <a:t>, </a:t>
-            </a:r>
-            <a:r>
-              <a:rPr lang="pl-PL" sz="1900" dirty="0">
+              <a:t>:</a:t>
+            </a:r>
+            <a:r>
+              <a:rPr lang="en-GB" sz="1900" b="0" i="0" dirty="0">
                 <a:solidFill>
                   <a:schemeClr val="tx1"/>
                 </a:solidFill>
-              </a:rPr>
-              <a:t>t</a:t>
-            </a:r>
-            <a:r>
-              <a:rPr lang="en-GB" sz="1900" b="0" i="0" dirty="0">
-                <a:solidFill>
-                  <a:schemeClr val="tx1"/>
-                </a:solidFill>
                 <a:effectLst/>
               </a:rPr>
-              <a:t>he number of samples matters! Because in this set</a:t>
+              <a:t> number of samples matters! Because in this set</a:t>
             </a:r>
             <a:r>
               <a:rPr lang="pl-PL" sz="1900" b="0" i="0" dirty="0">
@@ -23450,8 +23720,8 @@
         </p:nvSpPr>
         <p:spPr>
           <a:xfrm>
-            <a:off x="1840832" y="116632"/>
-            <a:ext cx="10212900" cy="504057"/>
+            <a:off x="1840832" y="127819"/>
+            <a:ext cx="3979865" cy="492870"/>
           </a:xfrm>
           <a:prstGeom prst="rect">
             <a:avLst/>
@@ -23461,7 +23731,7 @@
           </a:ln>
           <a:extLst>
             <a:ext uri="{C572A759-6A51-4108-AA02-DFA0A04FC94B}">
-              <ma14:wrappingTextBoxFlag xmlns="" xmlns:m="http://schemas.openxmlformats.org/officeDocument/2006/math" xmlns:a14="http://schemas.microsoft.com/office/drawing/2010/main" xmlns:ma14="http://schemas.microsoft.com/office/mac/drawingml/2011/main" val="1"/>
+              <ma14:wrappingTextBoxFlag xmlns:ma14="http://schemas.microsoft.com/office/mac/drawingml/2011/main" xmlns:a14="http://schemas.microsoft.com/office/drawing/2010/main" xmlns:m="http://schemas.openxmlformats.org/officeDocument/2006/math" xmlns="" val="1"/>
             </a:ext>
           </a:extLst>
         </p:spPr>
@@ -23711,8 +23981,19 @@
               <a:buNone/>
             </a:pPr>
             <a:r>
-              <a:rPr lang="pl-PL" dirty="0"/>
-              <a:t>PREPARING DATA</a:t>
+              <a:rPr lang="pl-PL" b="1" dirty="0"/>
+              <a:t>PREPARING </a:t>
+            </a:r>
+            <a:r>
+              <a:rPr lang="pl-PL" b="1" dirty="0">
+                <a:solidFill>
+                  <a:srgbClr val="57D3FF"/>
+                </a:solidFill>
+                <a:highlight>
+                  <a:srgbClr val="FF0000"/>
+                </a:highlight>
+              </a:rPr>
+              <a:t>DATASET</a:t>
             </a:r>
           </a:p>
         </p:txBody>
@@ -23739,7 +24020,7 @@
         </p:blipFill>
         <p:spPr>
           <a:xfrm>
-            <a:off x="1840832" y="641209"/>
+            <a:off x="1840832" y="680537"/>
             <a:ext cx="1867161" cy="1562318"/>
           </a:xfrm>
           <a:prstGeom prst="rect">
@@ -24936,7 +25217,7 @@
         </p:nvCxnSpPr>
         <p:spPr>
           <a:xfrm>
-            <a:off x="1840832" y="2317671"/>
+            <a:off x="1840832" y="2356999"/>
             <a:ext cx="10056528" cy="0"/>
           </a:xfrm>
           <a:prstGeom prst="line">
@@ -24988,7 +25269,7 @@
         </p:nvCxnSpPr>
         <p:spPr>
           <a:xfrm>
-            <a:off x="9011920" y="2397760"/>
+            <a:off x="8913600" y="2397760"/>
             <a:ext cx="0" cy="4182614"/>
           </a:xfrm>
           <a:prstGeom prst="line">
@@ -25483,6 +25764,493 @@
           </a:p>
         </p:txBody>
       </p:sp>
+      <p:sp>
+        <p:nvSpPr>
+          <p:cNvPr id="7" name="Plus Sign 6">
+            <a:extLst>
+              <a:ext uri="{FF2B5EF4-FFF2-40B4-BE49-F238E27FC236}">
+                <a16:creationId xmlns:a16="http://schemas.microsoft.com/office/drawing/2014/main" id="{45682CA9-55F0-8C32-26E3-25B58D97ED54}"/>
+              </a:ext>
+            </a:extLst>
+          </p:cNvPr>
+          <p:cNvSpPr/>
+          <p:nvPr/>
+        </p:nvSpPr>
+        <p:spPr>
+          <a:xfrm>
+            <a:off x="10430186" y="5033218"/>
+            <a:ext cx="384719" cy="384719"/>
+          </a:xfrm>
+          <a:prstGeom prst="mathPlus">
+            <a:avLst/>
+          </a:prstGeom>
+          <a:solidFill>
+            <a:srgbClr val="0070C0"/>
+          </a:solidFill>
+          <a:ln w="25400" cap="flat">
+            <a:solidFill>
+              <a:schemeClr val="accent2">
+                <a:lumOff val="16690"/>
+              </a:schemeClr>
+            </a:solidFill>
+            <a:prstDash val="solid"/>
+            <a:round/>
+          </a:ln>
+          <a:effectLst>
+            <a:outerShdw blurRad="38100" dist="23000" dir="5400000" rotWithShape="0">
+              <a:srgbClr val="000000">
+                <a:alpha val="35000"/>
+              </a:srgbClr>
+            </a:outerShdw>
+          </a:effectLst>
+          <a:sp3d/>
+        </p:spPr>
+        <p:style>
+          <a:lnRef idx="0">
+            <a:scrgbClr r="0" g="0" b="0"/>
+          </a:lnRef>
+          <a:fillRef idx="0">
+            <a:scrgbClr r="0" g="0" b="0"/>
+          </a:fillRef>
+          <a:effectRef idx="0">
+            <a:scrgbClr r="0" g="0" b="0"/>
+          </a:effectRef>
+          <a:fontRef idx="none"/>
+        </p:style>
+        <p:txBody>
+          <a:bodyPr rot="0" spcFirstLastPara="1" vertOverflow="overflow" horzOverflow="overflow" vert="horz" wrap="square" lIns="45719" tIns="45719" rIns="45719" bIns="45719" numCol="1" spcCol="38100" rtlCol="0" anchor="ctr">
+            <a:spAutoFit/>
+          </a:bodyPr>
+          <a:lstStyle/>
+          <a:p>
+            <a:pPr marL="0" marR="0" indent="0" algn="l" defTabSz="914400" rtl="0" fontAlgn="auto" latinLnBrk="0" hangingPunct="0">
+              <a:lnSpc>
+                <a:spcPct val="100000"/>
+              </a:lnSpc>
+              <a:spcBef>
+                <a:spcPts val="0"/>
+              </a:spcBef>
+              <a:spcAft>
+                <a:spcPts val="0"/>
+              </a:spcAft>
+              <a:buClrTx/>
+              <a:buSzTx/>
+              <a:buFontTx/>
+              <a:buNone/>
+              <a:tabLst/>
+            </a:pPr>
+            <a:endParaRPr kumimoji="0" lang="en-GB" sz="1800" b="0" i="0" u="none" strike="noStrike" cap="none" spc="0" normalizeH="0" baseline="0">
+              <a:ln>
+                <a:noFill/>
+              </a:ln>
+              <a:solidFill>
+                <a:srgbClr val="000000"/>
+              </a:solidFill>
+              <a:effectLst/>
+              <a:uFillTx/>
+              <a:latin typeface="Trebuchet MS"/>
+              <a:ea typeface="Trebuchet MS"/>
+              <a:cs typeface="Trebuchet MS"/>
+              <a:sym typeface="Trebuchet MS"/>
+            </a:endParaRPr>
+          </a:p>
+        </p:txBody>
+      </p:sp>
+      <p:sp>
+        <p:nvSpPr>
+          <p:cNvPr id="10" name="TextBox 9">
+            <a:extLst>
+              <a:ext uri="{FF2B5EF4-FFF2-40B4-BE49-F238E27FC236}">
+                <a16:creationId xmlns:a16="http://schemas.microsoft.com/office/drawing/2014/main" id="{D69E8B09-AE26-966C-531E-302DB25813B6}"/>
+              </a:ext>
+            </a:extLst>
+          </p:cNvPr>
+          <p:cNvSpPr txBox="1"/>
+          <p:nvPr/>
+        </p:nvSpPr>
+        <p:spPr>
+          <a:xfrm>
+            <a:off x="9537170" y="5467131"/>
+            <a:ext cx="2160205" cy="384719"/>
+          </a:xfrm>
+          <a:prstGeom prst="rect">
+            <a:avLst/>
+          </a:prstGeom>
+          <a:noFill/>
+          <a:ln w="12700" cap="flat">
+            <a:noFill/>
+            <a:miter lim="400000"/>
+          </a:ln>
+          <a:effectLst/>
+          <a:sp3d/>
+        </p:spPr>
+        <p:style>
+          <a:lnRef idx="0">
+            <a:scrgbClr r="0" g="0" b="0"/>
+          </a:lnRef>
+          <a:fillRef idx="0">
+            <a:scrgbClr r="0" g="0" b="0"/>
+          </a:fillRef>
+          <a:effectRef idx="0">
+            <a:scrgbClr r="0" g="0" b="0"/>
+          </a:effectRef>
+          <a:fontRef idx="none"/>
+        </p:style>
+        <p:txBody>
+          <a:bodyPr rot="0" spcFirstLastPara="1" vertOverflow="overflow" horzOverflow="overflow" vert="horz" wrap="none" lIns="45719" tIns="45719" rIns="45719" bIns="45719" numCol="1" spcCol="38100" rtlCol="0" anchor="t">
+            <a:spAutoFit/>
+          </a:bodyPr>
+          <a:lstStyle/>
+          <a:p>
+            <a:pPr marL="0" marR="0" indent="0" algn="l" defTabSz="914400" rtl="0" fontAlgn="auto" latinLnBrk="0" hangingPunct="0">
+              <a:lnSpc>
+                <a:spcPct val="100000"/>
+              </a:lnSpc>
+              <a:spcBef>
+                <a:spcPts val="0"/>
+              </a:spcBef>
+              <a:spcAft>
+                <a:spcPts val="0"/>
+              </a:spcAft>
+              <a:buClrTx/>
+              <a:buSzTx/>
+              <a:buFontTx/>
+              <a:buNone/>
+              <a:tabLst/>
+            </a:pPr>
+            <a:r>
+              <a:rPr lang="pl-PL" sz="1900" dirty="0" err="1">
+                <a:latin typeface="+mj-lt"/>
+              </a:rPr>
+              <a:t>Define</a:t>
+            </a:r>
+            <a:r>
+              <a:rPr lang="pl-PL" sz="1900" dirty="0">
+                <a:latin typeface="+mj-lt"/>
+              </a:rPr>
+              <a:t> Class </a:t>
+            </a:r>
+            <a:r>
+              <a:rPr lang="pl-PL" sz="1900" dirty="0" err="1">
+                <a:latin typeface="+mj-lt"/>
+              </a:rPr>
+              <a:t>Weights</a:t>
+            </a:r>
+            <a:endParaRPr kumimoji="0" lang="pl-PL" sz="1900" b="0" i="0" u="none" strike="noStrike" cap="none" spc="0" normalizeH="0" baseline="0" dirty="0">
+              <a:ln>
+                <a:noFill/>
+              </a:ln>
+              <a:solidFill>
+                <a:srgbClr val="000000"/>
+              </a:solidFill>
+              <a:effectLst/>
+              <a:uFillTx/>
+              <a:latin typeface="+mj-lt"/>
+              <a:ea typeface="Trebuchet MS"/>
+              <a:cs typeface="Trebuchet MS"/>
+              <a:sym typeface="Trebuchet MS"/>
+            </a:endParaRPr>
+          </a:p>
+        </p:txBody>
+      </p:sp>
+      <p:pic>
+        <p:nvPicPr>
+          <p:cNvPr id="13" name="Graphic 12" descr="Tick with solid fill">
+            <a:extLst>
+              <a:ext uri="{FF2B5EF4-FFF2-40B4-BE49-F238E27FC236}">
+                <a16:creationId xmlns:a16="http://schemas.microsoft.com/office/drawing/2014/main" id="{62AF2847-435A-5C48-E5C0-A745B506FADF}"/>
+              </a:ext>
+            </a:extLst>
+          </p:cNvPr>
+          <p:cNvPicPr>
+            <a:picLocks noChangeAspect="1"/>
+          </p:cNvPicPr>
+          <p:nvPr/>
+        </p:nvPicPr>
+        <p:blipFill>
+          <a:blip r:embed="rId4">
+            <a:extLst>
+              <a:ext uri="{96DAC541-7B7A-43D3-8B79-37D633B846F1}">
+                <asvg:svgBlip xmlns:asvg="http://schemas.microsoft.com/office/drawing/2016/SVG/main" r:embed="rId5"/>
+              </a:ext>
+            </a:extLst>
+          </a:blip>
+          <a:stretch>
+            <a:fillRect/>
+          </a:stretch>
+        </p:blipFill>
+        <p:spPr>
+          <a:xfrm>
+            <a:off x="8962760" y="4093310"/>
+            <a:ext cx="301539" cy="301539"/>
+          </a:xfrm>
+          <a:prstGeom prst="rect">
+            <a:avLst/>
+          </a:prstGeom>
+        </p:spPr>
+      </p:pic>
+      <p:pic>
+        <p:nvPicPr>
+          <p:cNvPr id="15" name="Graphic 14" descr="Add with solid fill">
+            <a:extLst>
+              <a:ext uri="{FF2B5EF4-FFF2-40B4-BE49-F238E27FC236}">
+                <a16:creationId xmlns:a16="http://schemas.microsoft.com/office/drawing/2014/main" id="{CBE50F18-5C59-D2D8-6259-B4F0D1A661FF}"/>
+              </a:ext>
+            </a:extLst>
+          </p:cNvPr>
+          <p:cNvPicPr>
+            <a:picLocks noChangeAspect="1"/>
+          </p:cNvPicPr>
+          <p:nvPr/>
+        </p:nvPicPr>
+        <p:blipFill>
+          <a:blip r:embed="rId6">
+            <a:extLst>
+              <a:ext uri="{96DAC541-7B7A-43D3-8B79-37D633B846F1}">
+                <asvg:svgBlip xmlns:asvg="http://schemas.microsoft.com/office/drawing/2016/SVG/main" r:embed="rId7"/>
+              </a:ext>
+            </a:extLst>
+          </a:blip>
+          <a:stretch>
+            <a:fillRect/>
+          </a:stretch>
+        </p:blipFill>
+        <p:spPr>
+          <a:xfrm rot="2645082">
+            <a:off x="9078557" y="4682756"/>
+            <a:ext cx="371482" cy="371482"/>
+          </a:xfrm>
+          <a:prstGeom prst="rect">
+            <a:avLst/>
+          </a:prstGeom>
+        </p:spPr>
+      </p:pic>
+      <p:pic>
+        <p:nvPicPr>
+          <p:cNvPr id="17" name="Graphic 16" descr="Add with solid fill">
+            <a:extLst>
+              <a:ext uri="{FF2B5EF4-FFF2-40B4-BE49-F238E27FC236}">
+                <a16:creationId xmlns:a16="http://schemas.microsoft.com/office/drawing/2014/main" id="{80031056-A698-3C03-2A0A-2066409F1FFC}"/>
+              </a:ext>
+            </a:extLst>
+          </p:cNvPr>
+          <p:cNvPicPr>
+            <a:picLocks noChangeAspect="1"/>
+          </p:cNvPicPr>
+          <p:nvPr/>
+        </p:nvPicPr>
+        <p:blipFill>
+          <a:blip r:embed="rId6">
+            <a:extLst>
+              <a:ext uri="{96DAC541-7B7A-43D3-8B79-37D633B846F1}">
+                <asvg:svgBlip xmlns:asvg="http://schemas.microsoft.com/office/drawing/2016/SVG/main" r:embed="rId7"/>
+              </a:ext>
+            </a:extLst>
+          </a:blip>
+          <a:stretch>
+            <a:fillRect/>
+          </a:stretch>
+        </p:blipFill>
+        <p:spPr>
+          <a:xfrm rot="2645082">
+            <a:off x="9232026" y="5509099"/>
+            <a:ext cx="371482" cy="371482"/>
+          </a:xfrm>
+          <a:prstGeom prst="rect">
+            <a:avLst/>
+          </a:prstGeom>
+        </p:spPr>
+      </p:pic>
+      <p:sp>
+        <p:nvSpPr>
+          <p:cNvPr id="18" name="TextBox 17">
+            <a:extLst>
+              <a:ext uri="{FF2B5EF4-FFF2-40B4-BE49-F238E27FC236}">
+                <a16:creationId xmlns:a16="http://schemas.microsoft.com/office/drawing/2014/main" id="{71E5158C-969A-48E5-97EF-10C430A3D568}"/>
+              </a:ext>
+            </a:extLst>
+          </p:cNvPr>
+          <p:cNvSpPr txBox="1"/>
+          <p:nvPr/>
+        </p:nvSpPr>
+        <p:spPr>
+          <a:xfrm>
+            <a:off x="9501565" y="6006974"/>
+            <a:ext cx="2541719" cy="646329"/>
+          </a:xfrm>
+          <a:prstGeom prst="rect">
+            <a:avLst/>
+          </a:prstGeom>
+          <a:noFill/>
+          <a:ln w="12700" cap="flat">
+            <a:noFill/>
+            <a:miter lim="400000"/>
+          </a:ln>
+          <a:effectLst/>
+          <a:sp3d/>
+        </p:spPr>
+        <p:style>
+          <a:lnRef idx="0">
+            <a:scrgbClr r="0" g="0" b="0"/>
+          </a:lnRef>
+          <a:fillRef idx="0">
+            <a:scrgbClr r="0" g="0" b="0"/>
+          </a:fillRef>
+          <a:effectRef idx="0">
+            <a:scrgbClr r="0" g="0" b="0"/>
+          </a:effectRef>
+          <a:fontRef idx="none"/>
+        </p:style>
+        <p:txBody>
+          <a:bodyPr rot="0" spcFirstLastPara="1" vertOverflow="overflow" horzOverflow="overflow" vert="horz" wrap="none" lIns="45719" tIns="45719" rIns="45719" bIns="45719" numCol="1" spcCol="38100" rtlCol="0" anchor="t">
+            <a:spAutoFit/>
+          </a:bodyPr>
+          <a:lstStyle/>
+          <a:p>
+            <a:pPr marL="0" marR="0" indent="0" algn="l" defTabSz="914400" rtl="0" fontAlgn="auto" latinLnBrk="0" hangingPunct="0">
+              <a:lnSpc>
+                <a:spcPct val="100000"/>
+              </a:lnSpc>
+              <a:spcBef>
+                <a:spcPts val="0"/>
+              </a:spcBef>
+              <a:spcAft>
+                <a:spcPts val="0"/>
+              </a:spcAft>
+              <a:buClrTx/>
+              <a:buSzTx/>
+              <a:buFontTx/>
+              <a:buNone/>
+              <a:tabLst/>
+            </a:pPr>
+            <a:r>
+              <a:rPr lang="en-GB" b="0" i="0" dirty="0">
+                <a:solidFill>
+                  <a:srgbClr val="3C4043"/>
+                </a:solidFill>
+                <a:effectLst/>
+                <a:latin typeface="Roboto" panose="02000000000000000000" pitchFamily="2" charset="0"/>
+              </a:rPr>
+              <a:t>data operations were </a:t>
+            </a:r>
+            <a:endParaRPr lang="pl-PL" b="0" i="0" dirty="0">
+              <a:solidFill>
+                <a:srgbClr val="3C4043"/>
+              </a:solidFill>
+              <a:effectLst/>
+              <a:latin typeface="Roboto" panose="02000000000000000000" pitchFamily="2" charset="0"/>
+            </a:endParaRPr>
+          </a:p>
+          <a:p>
+            <a:pPr marL="0" marR="0" indent="0" algn="l" defTabSz="914400" rtl="0" fontAlgn="auto" latinLnBrk="0" hangingPunct="0">
+              <a:lnSpc>
+                <a:spcPct val="100000"/>
+              </a:lnSpc>
+              <a:spcBef>
+                <a:spcPts val="0"/>
+              </a:spcBef>
+              <a:spcAft>
+                <a:spcPts val="0"/>
+              </a:spcAft>
+              <a:buClrTx/>
+              <a:buSzTx/>
+              <a:buFontTx/>
+              <a:buNone/>
+              <a:tabLst/>
+            </a:pPr>
+            <a:r>
+              <a:rPr lang="en-GB" b="0" i="0" dirty="0">
+                <a:solidFill>
+                  <a:srgbClr val="3C4043"/>
+                </a:solidFill>
+                <a:effectLst/>
+                <a:latin typeface="Roboto" panose="02000000000000000000" pitchFamily="2" charset="0"/>
+              </a:rPr>
+              <a:t>performed using python</a:t>
+            </a:r>
+            <a:endParaRPr kumimoji="0" lang="en-GB" sz="1800" b="0" i="0" u="none" strike="noStrike" cap="none" spc="0" normalizeH="0" baseline="0" dirty="0">
+              <a:ln>
+                <a:noFill/>
+              </a:ln>
+              <a:solidFill>
+                <a:srgbClr val="000000"/>
+              </a:solidFill>
+              <a:effectLst/>
+              <a:uFillTx/>
+              <a:latin typeface="Trebuchet MS"/>
+              <a:ea typeface="Trebuchet MS"/>
+              <a:cs typeface="Trebuchet MS"/>
+              <a:sym typeface="Trebuchet MS"/>
+            </a:endParaRPr>
+          </a:p>
+        </p:txBody>
+      </p:sp>
+      <p:pic>
+        <p:nvPicPr>
+          <p:cNvPr id="27" name="Picture 26">
+            <a:extLst>
+              <a:ext uri="{FF2B5EF4-FFF2-40B4-BE49-F238E27FC236}">
+                <a16:creationId xmlns:a16="http://schemas.microsoft.com/office/drawing/2014/main" id="{8D6B9E8D-A09F-A89B-8798-9071D768AAD2}"/>
+              </a:ext>
+            </a:extLst>
+          </p:cNvPr>
+          <p:cNvPicPr>
+            <a:picLocks noChangeAspect="1"/>
+          </p:cNvPicPr>
+          <p:nvPr/>
+        </p:nvPicPr>
+        <p:blipFill>
+          <a:blip r:embed="rId8"/>
+          <a:stretch>
+            <a:fillRect/>
+          </a:stretch>
+        </p:blipFill>
+        <p:spPr>
+          <a:xfrm>
+            <a:off x="9127206" y="6046302"/>
+            <a:ext cx="359385" cy="378764"/>
+          </a:xfrm>
+          <a:prstGeom prst="rect">
+            <a:avLst/>
+          </a:prstGeom>
+        </p:spPr>
+      </p:pic>
+      <p:pic>
+        <p:nvPicPr>
+          <p:cNvPr id="19" name="Graphic 18" descr="Tick with solid fill">
+            <a:extLst>
+              <a:ext uri="{FF2B5EF4-FFF2-40B4-BE49-F238E27FC236}">
+                <a16:creationId xmlns:a16="http://schemas.microsoft.com/office/drawing/2014/main" id="{CB691543-65B2-2F7D-40E5-9D8B7FB35572}"/>
+              </a:ext>
+            </a:extLst>
+          </p:cNvPr>
+          <p:cNvPicPr>
+            <a:picLocks noChangeAspect="1"/>
+          </p:cNvPicPr>
+          <p:nvPr/>
+        </p:nvPicPr>
+        <p:blipFill>
+          <a:blip r:embed="rId4">
+            <a:extLst>
+              <a:ext uri="{96DAC541-7B7A-43D3-8B79-37D633B846F1}">
+                <asvg:svgBlip xmlns:asvg="http://schemas.microsoft.com/office/drawing/2016/SVG/main" r:embed="rId5"/>
+              </a:ext>
+            </a:extLst>
+          </a:blip>
+          <a:stretch>
+            <a:fillRect/>
+          </a:stretch>
+        </p:blipFill>
+        <p:spPr>
+          <a:xfrm>
+            <a:off x="9156128" y="6393456"/>
+            <a:ext cx="301539" cy="301539"/>
+          </a:xfrm>
+          <a:prstGeom prst="rect">
+            <a:avLst/>
+          </a:prstGeom>
+        </p:spPr>
+      </p:pic>
     </p:spTree>
     <p:extLst>
       <p:ext uri="{BB962C8B-B14F-4D97-AF65-F5344CB8AC3E}">
